--- a/MOC/Module 08 Queues and Service Bus/20532C-08.pptx
+++ b/MOC/Module 08 Queues and Service Bus/20532C-08.pptx
@@ -51,30 +51,30 @@
   <p:notesSz cx="6858000" cy="9144000"/>
   <p:embeddedFontLst>
     <p:embeddedFont>
-      <p:font typeface="Segoe" panose="020B0502040504020203" pitchFamily="34" charset="0"/>
+      <p:font typeface="Calibri" panose="020F0502020204030204" pitchFamily="34" charset="0"/>
       <p:regular r:id="rId41"/>
       <p:bold r:id="rId42"/>
       <p:italic r:id="rId43"/>
       <p:boldItalic r:id="rId44"/>
     </p:embeddedFont>
     <p:embeddedFont>
-      <p:font typeface="Segoe Light" panose="020B0302040504020203" pitchFamily="34" charset="0"/>
+      <p:font typeface="Segoe UI" panose="020B0502040204020203" pitchFamily="34" charset="0"/>
       <p:regular r:id="rId45"/>
-      <p:italic r:id="rId46"/>
+      <p:bold r:id="rId46"/>
+      <p:italic r:id="rId47"/>
+      <p:boldItalic r:id="rId48"/>
     </p:embeddedFont>
     <p:embeddedFont>
       <p:font typeface="Verdana" panose="020B0604030504040204" pitchFamily="34" charset="0"/>
-      <p:regular r:id="rId47"/>
-      <p:bold r:id="rId48"/>
-      <p:italic r:id="rId49"/>
-      <p:boldItalic r:id="rId50"/>
+      <p:regular r:id="rId49"/>
+      <p:bold r:id="rId50"/>
+      <p:italic r:id="rId51"/>
+      <p:boldItalic r:id="rId52"/>
     </p:embeddedFont>
     <p:embeddedFont>
-      <p:font typeface="Segoe UI" panose="020B0502040204020203" pitchFamily="34" charset="0"/>
-      <p:regular r:id="rId51"/>
-      <p:bold r:id="rId52"/>
-      <p:italic r:id="rId53"/>
-      <p:boldItalic r:id="rId54"/>
+      <p:font typeface="Segoe Light" panose="020B0604020202020204" charset="0"/>
+      <p:regular r:id="rId53"/>
+      <p:italic r:id="rId54"/>
     </p:embeddedFont>
     <p:embeddedFont>
       <p:font typeface="Consolas" panose="020B0609020204030204" pitchFamily="49" charset="0"/>
@@ -84,7 +84,7 @@
       <p:boldItalic r:id="rId58"/>
     </p:embeddedFont>
     <p:embeddedFont>
-      <p:font typeface="Calibri" panose="020F0502020204030204" pitchFamily="34" charset="0"/>
+      <p:font typeface="Segoe" panose="020B0604020202020204" charset="0"/>
       <p:regular r:id="rId59"/>
       <p:bold r:id="rId60"/>
       <p:italic r:id="rId61"/>
@@ -216,7 +216,16 @@
       </a:defRPr>
     </a:lvl9pPr>
   </p:defaultTextStyle>
+  <p:extLst>
+    <p:ext uri="{EFAFB233-063F-42B5-8137-9DF3F51BA10A}">
+      <p15:sldGuideLst xmlns:p15="http://schemas.microsoft.com/office/powerpoint/2012/main"/>
+    </p:ext>
+  </p:extLst>
 </p:presentation>
+</file>
+
+<file path=ppt/revisionInfo.xml><?xml version="1.0" encoding="utf-8"?>
+<p1510:revInfo xmlns:a="http://schemas.openxmlformats.org/drawingml/2006/main" xmlns:r="http://schemas.openxmlformats.org/officeDocument/2006/relationships" xmlns:p1510="http://schemas.microsoft.com/office/powerpoint/2015/10/main"/>
 </file>
 
 <file path=ppt/diagrams/colors1.xml><?xml version="1.0" encoding="utf-8"?>
@@ -4708,38 +4717,38 @@
     </dgm:pt>
   </dgm:ptLst>
   <dgm:cxnLst>
+    <dgm:cxn modelId="{C64A4C06-F039-4B93-B5C4-5D0440DB6A9F}" type="presOf" srcId="{49533273-497A-42AA-9045-500917EC4DF5}" destId="{8EBECBDC-2476-4EE5-B773-237A2A88AFDD}" srcOrd="0" destOrd="0" presId="urn:microsoft.com/office/officeart/2005/8/layout/hierarchy5"/>
+    <dgm:cxn modelId="{4E031F0D-6CD4-41F9-A6B7-63DD2A4AE16A}" type="presOf" srcId="{42267AB5-077F-4853-A79E-BD311EA98C44}" destId="{617D9972-F2B6-4A19-B7A2-393BD46549F0}" srcOrd="1" destOrd="0" presId="urn:microsoft.com/office/officeart/2005/8/layout/hierarchy5"/>
+    <dgm:cxn modelId="{D55EBF30-4211-447B-876A-24261D54DB7D}" type="presOf" srcId="{CDCEA8F5-FA6A-42ED-80AB-1F960B2B27E3}" destId="{04C57FFF-8216-437C-BDD6-74FABC71252E}" srcOrd="1" destOrd="0" presId="urn:microsoft.com/office/officeart/2005/8/layout/hierarchy5"/>
+    <dgm:cxn modelId="{B09BDF33-5790-4E2C-9A14-1D4B6EE67EE8}" type="presOf" srcId="{6DC6EAC8-CBC8-4122-9770-82770656AF22}" destId="{A05049E9-C324-4488-8B8A-99BC5EA40E7D}" srcOrd="1" destOrd="0" presId="urn:microsoft.com/office/officeart/2005/8/layout/hierarchy5"/>
+    <dgm:cxn modelId="{72621334-0278-479E-919C-24977243B52E}" srcId="{FA0FD892-085C-46B7-A04A-50B241016767}" destId="{385D8871-FFAD-4FF9-978B-93160080371D}" srcOrd="0" destOrd="0" parTransId="{49533273-497A-42AA-9045-500917EC4DF5}" sibTransId="{8EBF4434-8147-488B-AA83-D11AD63DA4B8}"/>
+    <dgm:cxn modelId="{FE81DD5D-C76A-433B-B1E3-FB7A9CB49C82}" type="presOf" srcId="{DCBCF72B-1C77-4F4F-B2BE-B617DCD160CD}" destId="{BD6CCFC5-9E58-40CC-BF34-933F68E94D22}" srcOrd="0" destOrd="0" presId="urn:microsoft.com/office/officeart/2005/8/layout/hierarchy5"/>
+    <dgm:cxn modelId="{4D0B9341-CD04-48B5-9DF0-6B667BF6F339}" type="presOf" srcId="{CDCEA8F5-FA6A-42ED-80AB-1F960B2B27E3}" destId="{EC9938A9-67F9-4073-A392-AF0180DFC9C1}" srcOrd="0" destOrd="0" presId="urn:microsoft.com/office/officeart/2005/8/layout/hierarchy5"/>
+    <dgm:cxn modelId="{93E2E545-0833-4619-AAA2-5B894B100F4F}" type="presOf" srcId="{49533273-497A-42AA-9045-500917EC4DF5}" destId="{DA88ADDF-FFBB-434A-96C0-06FFE4F88A51}" srcOrd="1" destOrd="0" presId="urn:microsoft.com/office/officeart/2005/8/layout/hierarchy5"/>
+    <dgm:cxn modelId="{C42A8F48-1489-4E2C-90F1-12987173F1CE}" type="presOf" srcId="{8FAF9BF3-09D5-4013-9CE9-9D39E99CE2BD}" destId="{25F22941-6639-4E64-AA2C-0392E1AE0CEF}" srcOrd="0" destOrd="0" presId="urn:microsoft.com/office/officeart/2005/8/layout/hierarchy5"/>
+    <dgm:cxn modelId="{3EEE044C-89AD-44E7-BB28-A737B427EE1B}" srcId="{DCBCF72B-1C77-4F4F-B2BE-B617DCD160CD}" destId="{FA0FD892-085C-46B7-A04A-50B241016767}" srcOrd="0" destOrd="0" parTransId="{0ACFEFBB-073B-482A-9C84-9F30AE633BF4}" sibTransId="{CB262F48-1566-416C-9FC6-A15C8A6C4ABC}"/>
+    <dgm:cxn modelId="{49F3F76D-84FF-4DCD-8CE7-1CC0B5751E07}" type="presOf" srcId="{1C9012D6-A6B6-4C36-9FDC-3E30A7BFA7FD}" destId="{51FF2620-A87C-4216-AFAC-1C93D3A1AB17}" srcOrd="0" destOrd="0" presId="urn:microsoft.com/office/officeart/2005/8/layout/hierarchy5"/>
+    <dgm:cxn modelId="{0A67A150-7276-415D-9871-2B9B3FB064E3}" type="presOf" srcId="{7D8D709A-F389-4816-8FAD-8279BF9AA6F9}" destId="{CBEC573A-674E-4B21-BCE7-4A353AF2733C}" srcOrd="1" destOrd="0" presId="urn:microsoft.com/office/officeart/2005/8/layout/hierarchy5"/>
+    <dgm:cxn modelId="{2B63D670-1904-4D3D-A506-6B476061F154}" type="presOf" srcId="{50E45930-A812-4E77-B85A-CE6127DE2CF6}" destId="{B4D68223-B01B-47A6-8F08-9DD5B84CFB5C}" srcOrd="0" destOrd="0" presId="urn:microsoft.com/office/officeart/2005/8/layout/hierarchy5"/>
+    <dgm:cxn modelId="{2D5E7F72-EB20-4BC0-AE9D-2BAD85A7E9F4}" type="presOf" srcId="{B7E0CC36-9150-41C9-BF5A-837AB530C642}" destId="{DABB8104-544F-4E37-9EF0-CD500E980F58}" srcOrd="0" destOrd="0" presId="urn:microsoft.com/office/officeart/2005/8/layout/hierarchy5"/>
+    <dgm:cxn modelId="{D7A7FB78-BEE5-4FF5-9808-6E3B142979D4}" type="presOf" srcId="{7D8D709A-F389-4816-8FAD-8279BF9AA6F9}" destId="{D5C39C6A-BEF1-4D1E-95A1-CF8B5CA0FFD3}" srcOrd="0" destOrd="0" presId="urn:microsoft.com/office/officeart/2005/8/layout/hierarchy5"/>
+    <dgm:cxn modelId="{749D9779-7F26-47BD-882C-9D089EEFA437}" type="presOf" srcId="{7AB5CA4C-995B-4A48-ABF5-6332FBC370E3}" destId="{3CC2E9D8-A290-49C4-B5F8-A703B2061720}" srcOrd="0" destOrd="0" presId="urn:microsoft.com/office/officeart/2005/8/layout/hierarchy5"/>
+    <dgm:cxn modelId="{952E727A-483A-4EAC-939D-B17CDAE01E11}" type="presOf" srcId="{8FAF9BF3-09D5-4013-9CE9-9D39E99CE2BD}" destId="{26CFF5FF-145B-4AF8-8A3E-3C8274C7E89C}" srcOrd="1" destOrd="0" presId="urn:microsoft.com/office/officeart/2005/8/layout/hierarchy5"/>
+    <dgm:cxn modelId="{A646ED5A-8E94-4BC9-BD61-C2FAB91EB6B5}" type="presOf" srcId="{FA0FD892-085C-46B7-A04A-50B241016767}" destId="{00B8E515-A513-4AD8-B02E-2B202CDFFCF2}" srcOrd="0" destOrd="0" presId="urn:microsoft.com/office/officeart/2005/8/layout/hierarchy5"/>
+    <dgm:cxn modelId="{DE4F907B-F167-4797-80E3-F8908328D5DF}" srcId="{DCBCF72B-1C77-4F4F-B2BE-B617DCD160CD}" destId="{42267AB5-077F-4853-A79E-BD311EA98C44}" srcOrd="3" destOrd="0" parTransId="{7F8ECB8F-AFD0-465E-BC80-EA1EE2968454}" sibTransId="{989C8E64-8CFC-4174-8405-3286B1D465C7}"/>
+    <dgm:cxn modelId="{0F18A67B-61A7-4BF4-A3CC-C4A7FD88D9D9}" type="presOf" srcId="{79372E52-1A73-4B24-89B2-8EE6327B9F9E}" destId="{5F7E55F3-4698-4375-A805-527478D780EA}" srcOrd="1" destOrd="0" presId="urn:microsoft.com/office/officeart/2005/8/layout/hierarchy5"/>
+    <dgm:cxn modelId="{E7CC2287-21C1-47EA-9EAE-642B788927C0}" srcId="{385D8871-FFAD-4FF9-978B-93160080371D}" destId="{1C9012D6-A6B6-4C36-9FDC-3E30A7BFA7FD}" srcOrd="0" destOrd="0" parTransId="{CDCEA8F5-FA6A-42ED-80AB-1F960B2B27E3}" sibTransId="{17D6EA19-E2C1-404C-A82C-154788317D38}"/>
     <dgm:cxn modelId="{68ACC08A-3DD3-4050-A4EC-3D45C03E89CF}" type="presOf" srcId="{7AB5CA4C-995B-4A48-ABF5-6332FBC370E3}" destId="{E50843F3-8FA9-4D15-8721-81F2D1EDC67E}" srcOrd="1" destOrd="0" presId="urn:microsoft.com/office/officeart/2005/8/layout/hierarchy5"/>
+    <dgm:cxn modelId="{BC6B259C-1097-4263-9671-8E550321D420}" type="presOf" srcId="{7240EB85-E346-4DBE-B732-E5C0C147076E}" destId="{C1CBAC82-C784-4EAC-A414-8299C20BB518}" srcOrd="0" destOrd="0" presId="urn:microsoft.com/office/officeart/2005/8/layout/hierarchy5"/>
+    <dgm:cxn modelId="{A07D599F-A661-47D8-BD6D-EB36523FB125}" srcId="{FA0FD892-085C-46B7-A04A-50B241016767}" destId="{7240EB85-E346-4DBE-B732-E5C0C147076E}" srcOrd="1" destOrd="0" parTransId="{7D8D709A-F389-4816-8FAD-8279BF9AA6F9}" sibTransId="{2A03E74A-85AE-49FE-B528-F87F32064FE4}"/>
+    <dgm:cxn modelId="{71DEA4A0-D2DB-46FB-87BA-EDC92CB37A7E}" srcId="{385D8871-FFAD-4FF9-978B-93160080371D}" destId="{50E45930-A812-4E77-B85A-CE6127DE2CF6}" srcOrd="1" destOrd="0" parTransId="{8FAF9BF3-09D5-4013-9CE9-9D39E99CE2BD}" sibTransId="{60E77936-0CEF-4149-AF54-7D6E40A3EAD9}"/>
     <dgm:cxn modelId="{6AAAE6AA-4573-4BD6-A45C-E1257C0F9BBB}" type="presOf" srcId="{42267AB5-077F-4853-A79E-BD311EA98C44}" destId="{A6D95E27-52A4-42B9-8301-D21CAB0F8B8F}" srcOrd="0" destOrd="0" presId="urn:microsoft.com/office/officeart/2005/8/layout/hierarchy5"/>
-    <dgm:cxn modelId="{49F3F76D-84FF-4DCD-8CE7-1CC0B5751E07}" type="presOf" srcId="{1C9012D6-A6B6-4C36-9FDC-3E30A7BFA7FD}" destId="{51FF2620-A87C-4216-AFAC-1C93D3A1AB17}" srcOrd="0" destOrd="0" presId="urn:microsoft.com/office/officeart/2005/8/layout/hierarchy5"/>
-    <dgm:cxn modelId="{2D5E7F72-EB20-4BC0-AE9D-2BAD85A7E9F4}" type="presOf" srcId="{B7E0CC36-9150-41C9-BF5A-837AB530C642}" destId="{DABB8104-544F-4E37-9EF0-CD500E980F58}" srcOrd="0" destOrd="0" presId="urn:microsoft.com/office/officeart/2005/8/layout/hierarchy5"/>
-    <dgm:cxn modelId="{0A67A150-7276-415D-9871-2B9B3FB064E3}" type="presOf" srcId="{7D8D709A-F389-4816-8FAD-8279BF9AA6F9}" destId="{CBEC573A-674E-4B21-BCE7-4A353AF2733C}" srcOrd="1" destOrd="0" presId="urn:microsoft.com/office/officeart/2005/8/layout/hierarchy5"/>
-    <dgm:cxn modelId="{0F18A67B-61A7-4BF4-A3CC-C4A7FD88D9D9}" type="presOf" srcId="{79372E52-1A73-4B24-89B2-8EE6327B9F9E}" destId="{5F7E55F3-4698-4375-A805-527478D780EA}" srcOrd="1" destOrd="0" presId="urn:microsoft.com/office/officeart/2005/8/layout/hierarchy5"/>
-    <dgm:cxn modelId="{A646ED5A-8E94-4BC9-BD61-C2FAB91EB6B5}" type="presOf" srcId="{FA0FD892-085C-46B7-A04A-50B241016767}" destId="{00B8E515-A513-4AD8-B02E-2B202CDFFCF2}" srcOrd="0" destOrd="0" presId="urn:microsoft.com/office/officeart/2005/8/layout/hierarchy5"/>
-    <dgm:cxn modelId="{A1E7ACEA-128B-4F58-BD6F-6008C700F0EA}" type="presOf" srcId="{385D8871-FFAD-4FF9-978B-93160080371D}" destId="{D8488E69-F027-449B-AADD-3EEF640EEF96}" srcOrd="0" destOrd="0" presId="urn:microsoft.com/office/officeart/2005/8/layout/hierarchy5"/>
-    <dgm:cxn modelId="{D7A7FB78-BEE5-4FF5-9808-6E3B142979D4}" type="presOf" srcId="{7D8D709A-F389-4816-8FAD-8279BF9AA6F9}" destId="{D5C39C6A-BEF1-4D1E-95A1-CF8B5CA0FFD3}" srcOrd="0" destOrd="0" presId="urn:microsoft.com/office/officeart/2005/8/layout/hierarchy5"/>
-    <dgm:cxn modelId="{71DEA4A0-D2DB-46FB-87BA-EDC92CB37A7E}" srcId="{385D8871-FFAD-4FF9-978B-93160080371D}" destId="{50E45930-A812-4E77-B85A-CE6127DE2CF6}" srcOrd="1" destOrd="0" parTransId="{8FAF9BF3-09D5-4013-9CE9-9D39E99CE2BD}" sibTransId="{60E77936-0CEF-4149-AF54-7D6E40A3EAD9}"/>
     <dgm:cxn modelId="{03C8ABB8-8FEA-47C2-92A8-B17689941359}" srcId="{DCBCF72B-1C77-4F4F-B2BE-B617DCD160CD}" destId="{6DC6EAC8-CBC8-4122-9770-82770656AF22}" srcOrd="2" destOrd="0" parTransId="{C93EEC82-0977-40C1-BD7B-825A34CD4F01}" sibTransId="{1B7E3960-3952-45AB-89DF-4E509C4FB4B5}"/>
-    <dgm:cxn modelId="{C64A4C06-F039-4B93-B5C4-5D0440DB6A9F}" type="presOf" srcId="{49533273-497A-42AA-9045-500917EC4DF5}" destId="{8EBECBDC-2476-4EE5-B773-237A2A88AFDD}" srcOrd="0" destOrd="0" presId="urn:microsoft.com/office/officeart/2005/8/layout/hierarchy5"/>
-    <dgm:cxn modelId="{BC6B259C-1097-4263-9671-8E550321D420}" type="presOf" srcId="{7240EB85-E346-4DBE-B732-E5C0C147076E}" destId="{C1CBAC82-C784-4EAC-A414-8299C20BB518}" srcOrd="0" destOrd="0" presId="urn:microsoft.com/office/officeart/2005/8/layout/hierarchy5"/>
-    <dgm:cxn modelId="{4D0B9341-CD04-48B5-9DF0-6B667BF6F339}" type="presOf" srcId="{CDCEA8F5-FA6A-42ED-80AB-1F960B2B27E3}" destId="{EC9938A9-67F9-4073-A392-AF0180DFC9C1}" srcOrd="0" destOrd="0" presId="urn:microsoft.com/office/officeart/2005/8/layout/hierarchy5"/>
-    <dgm:cxn modelId="{46ACA5EA-58CF-401A-ABE2-45756AD2FD39}" srcId="{7240EB85-E346-4DBE-B732-E5C0C147076E}" destId="{B7E0CC36-9150-41C9-BF5A-837AB530C642}" srcOrd="0" destOrd="0" parTransId="{79372E52-1A73-4B24-89B2-8EE6327B9F9E}" sibTransId="{BB279754-21FD-47C1-B34A-DCB066C99A26}"/>
-    <dgm:cxn modelId="{DE4F907B-F167-4797-80E3-F8908328D5DF}" srcId="{DCBCF72B-1C77-4F4F-B2BE-B617DCD160CD}" destId="{42267AB5-077F-4853-A79E-BD311EA98C44}" srcOrd="3" destOrd="0" parTransId="{7F8ECB8F-AFD0-465E-BC80-EA1EE2968454}" sibTransId="{989C8E64-8CFC-4174-8405-3286B1D465C7}"/>
-    <dgm:cxn modelId="{749D9779-7F26-47BD-882C-9D089EEFA437}" type="presOf" srcId="{7AB5CA4C-995B-4A48-ABF5-6332FBC370E3}" destId="{3CC2E9D8-A290-49C4-B5F8-A703B2061720}" srcOrd="0" destOrd="0" presId="urn:microsoft.com/office/officeart/2005/8/layout/hierarchy5"/>
-    <dgm:cxn modelId="{3EEE044C-89AD-44E7-BB28-A737B427EE1B}" srcId="{DCBCF72B-1C77-4F4F-B2BE-B617DCD160CD}" destId="{FA0FD892-085C-46B7-A04A-50B241016767}" srcOrd="0" destOrd="0" parTransId="{0ACFEFBB-073B-482A-9C84-9F30AE633BF4}" sibTransId="{CB262F48-1566-416C-9FC6-A15C8A6C4ABC}"/>
-    <dgm:cxn modelId="{72621334-0278-479E-919C-24977243B52E}" srcId="{FA0FD892-085C-46B7-A04A-50B241016767}" destId="{385D8871-FFAD-4FF9-978B-93160080371D}" srcOrd="0" destOrd="0" parTransId="{49533273-497A-42AA-9045-500917EC4DF5}" sibTransId="{8EBF4434-8147-488B-AA83-D11AD63DA4B8}"/>
-    <dgm:cxn modelId="{952E727A-483A-4EAC-939D-B17CDAE01E11}" type="presOf" srcId="{8FAF9BF3-09D5-4013-9CE9-9D39E99CE2BD}" destId="{26CFF5FF-145B-4AF8-8A3E-3C8274C7E89C}" srcOrd="1" destOrd="0" presId="urn:microsoft.com/office/officeart/2005/8/layout/hierarchy5"/>
     <dgm:cxn modelId="{9BBB7DC8-20AD-4ED1-8BBC-F7516DF5E91F}" type="presOf" srcId="{79372E52-1A73-4B24-89B2-8EE6327B9F9E}" destId="{56BE0F6D-6D5F-47E4-898F-D230A43442D7}" srcOrd="0" destOrd="0" presId="urn:microsoft.com/office/officeart/2005/8/layout/hierarchy5"/>
     <dgm:cxn modelId="{55B036D0-9DAA-4F7E-A339-F0F45C81FF2E}" srcId="{DCBCF72B-1C77-4F4F-B2BE-B617DCD160CD}" destId="{7AB5CA4C-995B-4A48-ABF5-6332FBC370E3}" srcOrd="1" destOrd="0" parTransId="{B9440C1D-1CF2-4F0E-AEE2-28AA5FD0395A}" sibTransId="{30712386-C232-4A03-91A9-4E68773F2607}"/>
-    <dgm:cxn modelId="{D55EBF30-4211-447B-876A-24261D54DB7D}" type="presOf" srcId="{CDCEA8F5-FA6A-42ED-80AB-1F960B2B27E3}" destId="{04C57FFF-8216-437C-BDD6-74FABC71252E}" srcOrd="1" destOrd="0" presId="urn:microsoft.com/office/officeart/2005/8/layout/hierarchy5"/>
-    <dgm:cxn modelId="{B09BDF33-5790-4E2C-9A14-1D4B6EE67EE8}" type="presOf" srcId="{6DC6EAC8-CBC8-4122-9770-82770656AF22}" destId="{A05049E9-C324-4488-8B8A-99BC5EA40E7D}" srcOrd="1" destOrd="0" presId="urn:microsoft.com/office/officeart/2005/8/layout/hierarchy5"/>
-    <dgm:cxn modelId="{E7CC2287-21C1-47EA-9EAE-642B788927C0}" srcId="{385D8871-FFAD-4FF9-978B-93160080371D}" destId="{1C9012D6-A6B6-4C36-9FDC-3E30A7BFA7FD}" srcOrd="0" destOrd="0" parTransId="{CDCEA8F5-FA6A-42ED-80AB-1F960B2B27E3}" sibTransId="{17D6EA19-E2C1-404C-A82C-154788317D38}"/>
-    <dgm:cxn modelId="{FE81DD5D-C76A-433B-B1E3-FB7A9CB49C82}" type="presOf" srcId="{DCBCF72B-1C77-4F4F-B2BE-B617DCD160CD}" destId="{BD6CCFC5-9E58-40CC-BF34-933F68E94D22}" srcOrd="0" destOrd="0" presId="urn:microsoft.com/office/officeart/2005/8/layout/hierarchy5"/>
     <dgm:cxn modelId="{6D9F77D2-9285-4E64-97A3-4019B5B57D1B}" type="presOf" srcId="{6DC6EAC8-CBC8-4122-9770-82770656AF22}" destId="{58B69329-C6EB-418C-BF86-5A5A207A55FB}" srcOrd="0" destOrd="0" presId="urn:microsoft.com/office/officeart/2005/8/layout/hierarchy5"/>
-    <dgm:cxn modelId="{93E2E545-0833-4619-AAA2-5B894B100F4F}" type="presOf" srcId="{49533273-497A-42AA-9045-500917EC4DF5}" destId="{DA88ADDF-FFBB-434A-96C0-06FFE4F88A51}" srcOrd="1" destOrd="0" presId="urn:microsoft.com/office/officeart/2005/8/layout/hierarchy5"/>
-    <dgm:cxn modelId="{C42A8F48-1489-4E2C-90F1-12987173F1CE}" type="presOf" srcId="{8FAF9BF3-09D5-4013-9CE9-9D39E99CE2BD}" destId="{25F22941-6639-4E64-AA2C-0392E1AE0CEF}" srcOrd="0" destOrd="0" presId="urn:microsoft.com/office/officeart/2005/8/layout/hierarchy5"/>
-    <dgm:cxn modelId="{4E031F0D-6CD4-41F9-A6B7-63DD2A4AE16A}" type="presOf" srcId="{42267AB5-077F-4853-A79E-BD311EA98C44}" destId="{617D9972-F2B6-4A19-B7A2-393BD46549F0}" srcOrd="1" destOrd="0" presId="urn:microsoft.com/office/officeart/2005/8/layout/hierarchy5"/>
-    <dgm:cxn modelId="{2B63D670-1904-4D3D-A506-6B476061F154}" type="presOf" srcId="{50E45930-A812-4E77-B85A-CE6127DE2CF6}" destId="{B4D68223-B01B-47A6-8F08-9DD5B84CFB5C}" srcOrd="0" destOrd="0" presId="urn:microsoft.com/office/officeart/2005/8/layout/hierarchy5"/>
-    <dgm:cxn modelId="{A07D599F-A661-47D8-BD6D-EB36523FB125}" srcId="{FA0FD892-085C-46B7-A04A-50B241016767}" destId="{7240EB85-E346-4DBE-B732-E5C0C147076E}" srcOrd="1" destOrd="0" parTransId="{7D8D709A-F389-4816-8FAD-8279BF9AA6F9}" sibTransId="{2A03E74A-85AE-49FE-B528-F87F32064FE4}"/>
+    <dgm:cxn modelId="{46ACA5EA-58CF-401A-ABE2-45756AD2FD39}" srcId="{7240EB85-E346-4DBE-B732-E5C0C147076E}" destId="{B7E0CC36-9150-41C9-BF5A-837AB530C642}" srcOrd="0" destOrd="0" parTransId="{79372E52-1A73-4B24-89B2-8EE6327B9F9E}" sibTransId="{BB279754-21FD-47C1-B34A-DCB066C99A26}"/>
+    <dgm:cxn modelId="{A1E7ACEA-128B-4F58-BD6F-6008C700F0EA}" type="presOf" srcId="{385D8871-FFAD-4FF9-978B-93160080371D}" destId="{D8488E69-F027-449B-AADD-3EEF640EEF96}" srcOrd="0" destOrd="0" presId="urn:microsoft.com/office/officeart/2005/8/layout/hierarchy5"/>
     <dgm:cxn modelId="{F8FD8404-B710-4A42-8057-A555EA0E25E8}" type="presParOf" srcId="{BD6CCFC5-9E58-40CC-BF34-933F68E94D22}" destId="{93D8D4B3-79BA-4115-8139-B12A152972A7}" srcOrd="0" destOrd="0" presId="urn:microsoft.com/office/officeart/2005/8/layout/hierarchy5"/>
     <dgm:cxn modelId="{95FD1171-9387-43E3-8D45-44BFDAAEB93D}" type="presParOf" srcId="{93D8D4B3-79BA-4115-8139-B12A152972A7}" destId="{58A00115-5144-45D4-9860-A0EE7E899B7C}" srcOrd="0" destOrd="0" presId="urn:microsoft.com/office/officeart/2005/8/layout/hierarchy5"/>
     <dgm:cxn modelId="{3156FAB8-FA3C-4998-9AA0-97CDAC5D3D0A}" type="presParOf" srcId="{93D8D4B3-79BA-4115-8139-B12A152972A7}" destId="{959B2892-FB8E-4E1F-A0FF-2823C9D2EE13}" srcOrd="1" destOrd="0" presId="urn:microsoft.com/office/officeart/2005/8/layout/hierarchy5"/>
@@ -4854,7 +4863,14 @@
         <a:lstStyle/>
         <a:p>
           <a:r>
-            <a:rPr lang="en-US" dirty="0"/>
+            <a:rPr lang="en-US" dirty="0">
+              <a:solidFill>
+                <a:schemeClr val="tx1">
+                  <a:lumMod val="50000"/>
+                  <a:lumOff val="50000"/>
+                </a:schemeClr>
+              </a:solidFill>
+            </a:rPr>
             <a:t>Publish-Subscribe Topics</a:t>
           </a:r>
         </a:p>
@@ -4926,7 +4942,11 @@
         <a:lstStyle/>
         <a:p>
           <a:r>
-            <a:rPr lang="en-US" dirty="0"/>
+            <a:rPr lang="en-US" dirty="0">
+              <a:solidFill>
+                <a:srgbClr val="FFC000"/>
+              </a:solidFill>
+            </a:rPr>
             <a:t>Notification Hubs</a:t>
           </a:r>
         </a:p>
@@ -5010,14 +5030,14 @@
   </dgm:ptLst>
   <dgm:cxnLst>
     <dgm:cxn modelId="{286E1101-2565-42AF-90FB-B8FBF2748DF1}" srcId="{53AC612D-4939-4FF7-AE5D-3D480260AFFA}" destId="{C8D621EF-5907-4C56-957B-7F3D226C6950}" srcOrd="2" destOrd="0" parTransId="{02C3A970-C4C4-41DA-A254-8B931CBEDF93}" sibTransId="{C0FBAE73-D1C3-4BA9-B55C-5C70409EA572}"/>
+    <dgm:cxn modelId="{C64A640E-D98B-4098-B3ED-C5F2B3003A3C}" srcId="{53AC612D-4939-4FF7-AE5D-3D480260AFFA}" destId="{2D24167C-E1EA-4B94-80CB-169020891C34}" srcOrd="1" destOrd="0" parTransId="{CE9A20A6-B8DA-4D56-8A1C-EF9F13494F56}" sibTransId="{6452A606-9C6A-49E1-A458-97FFBB4C9AD6}"/>
+    <dgm:cxn modelId="{55749414-4A68-4BE0-B103-B1C708D89B4F}" type="presOf" srcId="{C1C5C684-2FD3-4C77-9F6D-50A13E96E01C}" destId="{96624EE0-95D4-4ECD-BD77-011D08C9953B}" srcOrd="0" destOrd="0" presId="urn:microsoft.com/office/officeart/2005/8/layout/default"/>
+    <dgm:cxn modelId="{7FE13218-D71B-4D9A-B4E6-210FE2935BF7}" type="presOf" srcId="{2D24167C-E1EA-4B94-80CB-169020891C34}" destId="{E6C3DCFD-8E4F-4A0A-A8CD-B3E12327B7A1}" srcOrd="0" destOrd="0" presId="urn:microsoft.com/office/officeart/2005/8/layout/default"/>
+    <dgm:cxn modelId="{69793E1C-89DA-4352-9336-1AE7A34A2F58}" type="presOf" srcId="{4B94E000-5F31-426A-9422-3C617E5BF1A1}" destId="{4964150D-6F5A-470E-A728-1CE9CA025AC0}" srcOrd="0" destOrd="0" presId="urn:microsoft.com/office/officeart/2005/8/layout/default"/>
+    <dgm:cxn modelId="{07FD3C63-E779-4D55-934B-110D9E42C78C}" type="presOf" srcId="{C8D621EF-5907-4C56-957B-7F3D226C6950}" destId="{0556A2C2-EECF-45BC-802E-1FC1478C0E23}" srcOrd="0" destOrd="0" presId="urn:microsoft.com/office/officeart/2005/8/layout/default"/>
     <dgm:cxn modelId="{1F613F50-95D9-4B81-A8C4-B56C6F477128}" type="presOf" srcId="{53AC612D-4939-4FF7-AE5D-3D480260AFFA}" destId="{6491B9BA-3038-4DCD-ADA6-E53864FB0FB1}" srcOrd="0" destOrd="0" presId="urn:microsoft.com/office/officeart/2005/8/layout/default"/>
-    <dgm:cxn modelId="{69793E1C-89DA-4352-9336-1AE7A34A2F58}" type="presOf" srcId="{4B94E000-5F31-426A-9422-3C617E5BF1A1}" destId="{4964150D-6F5A-470E-A728-1CE9CA025AC0}" srcOrd="0" destOrd="0" presId="urn:microsoft.com/office/officeart/2005/8/layout/default"/>
-    <dgm:cxn modelId="{7FE13218-D71B-4D9A-B4E6-210FE2935BF7}" type="presOf" srcId="{2D24167C-E1EA-4B94-80CB-169020891C34}" destId="{E6C3DCFD-8E4F-4A0A-A8CD-B3E12327B7A1}" srcOrd="0" destOrd="0" presId="urn:microsoft.com/office/officeart/2005/8/layout/default"/>
-    <dgm:cxn modelId="{55749414-4A68-4BE0-B103-B1C708D89B4F}" type="presOf" srcId="{C1C5C684-2FD3-4C77-9F6D-50A13E96E01C}" destId="{96624EE0-95D4-4ECD-BD77-011D08C9953B}" srcOrd="0" destOrd="0" presId="urn:microsoft.com/office/officeart/2005/8/layout/default"/>
-    <dgm:cxn modelId="{C64A640E-D98B-4098-B3ED-C5F2B3003A3C}" srcId="{53AC612D-4939-4FF7-AE5D-3D480260AFFA}" destId="{2D24167C-E1EA-4B94-80CB-169020891C34}" srcOrd="1" destOrd="0" parTransId="{CE9A20A6-B8DA-4D56-8A1C-EF9F13494F56}" sibTransId="{6452A606-9C6A-49E1-A458-97FFBB4C9AD6}"/>
-    <dgm:cxn modelId="{07FD3C63-E779-4D55-934B-110D9E42C78C}" type="presOf" srcId="{C8D621EF-5907-4C56-957B-7F3D226C6950}" destId="{0556A2C2-EECF-45BC-802E-1FC1478C0E23}" srcOrd="0" destOrd="0" presId="urn:microsoft.com/office/officeart/2005/8/layout/default"/>
+    <dgm:cxn modelId="{7AF620B4-4C3D-4486-9981-ECA218C71AF5}" srcId="{53AC612D-4939-4FF7-AE5D-3D480260AFFA}" destId="{C1C5C684-2FD3-4C77-9F6D-50A13E96E01C}" srcOrd="3" destOrd="0" parTransId="{8C2455BE-CAB1-4EF0-B3E9-CEA0060EEF9D}" sibTransId="{0B4FB983-CC16-4C7C-9DAE-BB8D0A850022}"/>
     <dgm:cxn modelId="{7C4E19F9-1C9F-4904-90B3-B0B0FB38A0D6}" srcId="{53AC612D-4939-4FF7-AE5D-3D480260AFFA}" destId="{4B94E000-5F31-426A-9422-3C617E5BF1A1}" srcOrd="0" destOrd="0" parTransId="{7E582461-5F29-4E72-8D0C-E3D0DB40A2E1}" sibTransId="{318FCB62-A36E-487B-8810-13E2E558F8CA}"/>
-    <dgm:cxn modelId="{7AF620B4-4C3D-4486-9981-ECA218C71AF5}" srcId="{53AC612D-4939-4FF7-AE5D-3D480260AFFA}" destId="{C1C5C684-2FD3-4C77-9F6D-50A13E96E01C}" srcOrd="3" destOrd="0" parTransId="{8C2455BE-CAB1-4EF0-B3E9-CEA0060EEF9D}" sibTransId="{0B4FB983-CC16-4C7C-9DAE-BB8D0A850022}"/>
     <dgm:cxn modelId="{CFF2760B-1514-4A9C-B31C-6372D48A5A81}" type="presParOf" srcId="{6491B9BA-3038-4DCD-ADA6-E53864FB0FB1}" destId="{4964150D-6F5A-470E-A728-1CE9CA025AC0}" srcOrd="0" destOrd="0" presId="urn:microsoft.com/office/officeart/2005/8/layout/default"/>
     <dgm:cxn modelId="{5458496C-F1AC-4FF0-8804-D57A09D3F590}" type="presParOf" srcId="{6491B9BA-3038-4DCD-ADA6-E53864FB0FB1}" destId="{A43A92EE-5DF5-4658-80BF-CE0DDA16E6C4}" srcOrd="1" destOrd="0" presId="urn:microsoft.com/office/officeart/2005/8/layout/default"/>
     <dgm:cxn modelId="{4586CA8A-32E0-45C3-A20B-4F8E3881A4D8}" type="presParOf" srcId="{6491B9BA-3038-4DCD-ADA6-E53864FB0FB1}" destId="{E6C3DCFD-8E4F-4A0A-A8CD-B3E12327B7A1}" srcOrd="2" destOrd="0" presId="urn:microsoft.com/office/officeart/2005/8/layout/default"/>
@@ -5534,34 +5554,34 @@
     </dgm:pt>
   </dgm:ptLst>
   <dgm:cxnLst>
+    <dgm:cxn modelId="{B805D40E-ED92-4921-A468-5DECC219445C}" srcId="{6A661D7A-EA62-4894-8960-3853C6ACE9E5}" destId="{9000C25E-99F6-482E-8111-F88D525E33A0}" srcOrd="2" destOrd="0" parTransId="{3CC19386-8959-45C1-B12D-01A46BF81142}" sibTransId="{E89CAFD9-8E80-4A43-963D-648FBC3377E0}"/>
+    <dgm:cxn modelId="{B6ABAD0F-2F85-4F53-9880-52A78D3D7E1F}" type="presOf" srcId="{9000C25E-99F6-482E-8111-F88D525E33A0}" destId="{3DF6A18E-B91D-4208-B59D-3D65062D915F}" srcOrd="0" destOrd="0" presId="urn:microsoft.com/office/officeart/2005/8/layout/hierarchy5"/>
+    <dgm:cxn modelId="{20FDB511-5039-4522-87E3-5A261114F7DE}" type="presOf" srcId="{485D74BA-7E98-46FB-A771-FD84E6BCB260}" destId="{B72CFA13-E81C-4683-8D32-F639F803EDFD}" srcOrd="0" destOrd="0" presId="urn:microsoft.com/office/officeart/2005/8/layout/hierarchy5"/>
+    <dgm:cxn modelId="{5E289613-83FC-4A86-9DE8-0517AABEAE1E}" type="presOf" srcId="{106493A6-F426-4FDE-8630-FD52E55833BE}" destId="{7DD5D666-D9B8-41BE-A084-41A83612CBD9}" srcOrd="0" destOrd="0" presId="urn:microsoft.com/office/officeart/2005/8/layout/hierarchy5"/>
+    <dgm:cxn modelId="{B68B1414-5FED-4D15-9372-C7AA05CFD002}" type="presOf" srcId="{C816DCCD-EA1E-4B71-8B5F-708F7CC6F6B4}" destId="{5A842B02-A968-4BEE-87F1-30571732CF0E}" srcOrd="1" destOrd="0" presId="urn:microsoft.com/office/officeart/2005/8/layout/hierarchy5"/>
+    <dgm:cxn modelId="{059F671B-5097-4303-ABD3-51C224AC245F}" type="presOf" srcId="{A30B4B9B-432F-4205-816D-38277349CA69}" destId="{42DE79A4-B1FC-47BE-A388-107A77BF7BA2}" srcOrd="0" destOrd="0" presId="urn:microsoft.com/office/officeart/2005/8/layout/hierarchy5"/>
+    <dgm:cxn modelId="{BB40C433-F69A-4195-9577-52A2D176EC7C}" type="presOf" srcId="{8B053610-C68F-4229-ADC7-EF40C565A481}" destId="{7AC37947-400B-4827-8189-DEA1CFDF3879}" srcOrd="1" destOrd="0" presId="urn:microsoft.com/office/officeart/2005/8/layout/hierarchy5"/>
+    <dgm:cxn modelId="{2C267436-3B46-408F-836B-4CDC72C9BB1F}" type="presOf" srcId="{FDC82DDB-EB10-4DA9-A1CB-31C8CCF58BC7}" destId="{E814B02C-4B79-4E6E-A9E6-BDCFDF2B2D0E}" srcOrd="1" destOrd="0" presId="urn:microsoft.com/office/officeart/2005/8/layout/hierarchy5"/>
+    <dgm:cxn modelId="{4F87FB3A-AEBB-4EDA-920A-BBFD83D24ADB}" srcId="{485D74BA-7E98-46FB-A771-FD84E6BCB260}" destId="{106493A6-F426-4FDE-8630-FD52E55833BE}" srcOrd="2" destOrd="0" parTransId="{E05D199F-0E0C-4398-BF8A-376F9F8DAE56}" sibTransId="{2F086A5B-1EF1-42D6-A86D-A50DF86C4035}"/>
     <dgm:cxn modelId="{84F5B864-5569-4DC8-8C40-47A409575557}" type="presOf" srcId="{2B4492D7-1BA6-4CBA-87B1-E18CD304225C}" destId="{68101AFE-EF97-4327-842F-EE3636FB0838}" srcOrd="0" destOrd="0" presId="urn:microsoft.com/office/officeart/2005/8/layout/hierarchy5"/>
+    <dgm:cxn modelId="{BF890D4B-77F8-4AF0-B502-CF2DDA1DE183}" type="presOf" srcId="{80E0CDAA-0136-4C85-A1E3-90EEE787B671}" destId="{323508CF-F909-432E-98A2-DFE14E379E32}" srcOrd="0" destOrd="0" presId="urn:microsoft.com/office/officeart/2005/8/layout/hierarchy5"/>
+    <dgm:cxn modelId="{38CC5E4C-1474-43B7-9CE3-63AE37AF5476}" type="presOf" srcId="{7A432A80-22BC-41C2-BB75-6B018D761D56}" destId="{0A187271-2FE7-4CB4-B951-B3F97A638BF7}" srcOrd="0" destOrd="0" presId="urn:microsoft.com/office/officeart/2005/8/layout/hierarchy5"/>
+    <dgm:cxn modelId="{6F98AB4D-C0A2-4F80-A072-E65C7DF94175}" srcId="{485D74BA-7E98-46FB-A771-FD84E6BCB260}" destId="{7A432A80-22BC-41C2-BB75-6B018D761D56}" srcOrd="0" destOrd="0" parTransId="{FDC82DDB-EB10-4DA9-A1CB-31C8CCF58BC7}" sibTransId="{B1111EB9-2801-45F0-9ED2-7B748D020D50}"/>
+    <dgm:cxn modelId="{7FD68B74-BFAC-433C-A6B1-3692B0D051AA}" type="presOf" srcId="{A30B4B9B-432F-4205-816D-38277349CA69}" destId="{07A4B354-605B-487B-B839-B95246813316}" srcOrd="1" destOrd="0" presId="urn:microsoft.com/office/officeart/2005/8/layout/hierarchy5"/>
+    <dgm:cxn modelId="{62DE0275-07E1-4EF9-B493-ECA1B7B3F853}" type="presOf" srcId="{8B053610-C68F-4229-ADC7-EF40C565A481}" destId="{92653A6E-D9F0-4631-8932-86CD54DBDFB1}" srcOrd="0" destOrd="0" presId="urn:microsoft.com/office/officeart/2005/8/layout/hierarchy5"/>
+    <dgm:cxn modelId="{8972D484-710B-48EC-A620-FD6768C637EC}" type="presOf" srcId="{9000C25E-99F6-482E-8111-F88D525E33A0}" destId="{5AD7CCB6-77B4-4B05-9B94-B2EF4B3CFCAD}" srcOrd="1" destOrd="0" presId="urn:microsoft.com/office/officeart/2005/8/layout/hierarchy5"/>
+    <dgm:cxn modelId="{F5510299-2580-492C-A18B-F08F5C7CB4E9}" srcId="{2B4492D7-1BA6-4CBA-87B1-E18CD304225C}" destId="{485D74BA-7E98-46FB-A771-FD84E6BCB260}" srcOrd="0" destOrd="0" parTransId="{A30B4B9B-432F-4205-816D-38277349CA69}" sibTransId="{F97B14C1-19E8-4B88-B9D1-E2A9656E4FAF}"/>
     <dgm:cxn modelId="{6869719C-9D18-4CC3-9AA1-D5982F31F822}" srcId="{6A661D7A-EA62-4894-8960-3853C6ACE9E5}" destId="{C816DCCD-EA1E-4B71-8B5F-708F7CC6F6B4}" srcOrd="3" destOrd="0" parTransId="{68165755-1187-406D-B2D5-FEA4322EC8AC}" sibTransId="{5F69259E-3448-4D4D-AA8D-BF0CCAC9DA85}"/>
-    <dgm:cxn modelId="{4F87FB3A-AEBB-4EDA-920A-BBFD83D24ADB}" srcId="{485D74BA-7E98-46FB-A771-FD84E6BCB260}" destId="{106493A6-F426-4FDE-8630-FD52E55833BE}" srcOrd="2" destOrd="0" parTransId="{E05D199F-0E0C-4398-BF8A-376F9F8DAE56}" sibTransId="{2F086A5B-1EF1-42D6-A86D-A50DF86C4035}"/>
-    <dgm:cxn modelId="{B805D40E-ED92-4921-A468-5DECC219445C}" srcId="{6A661D7A-EA62-4894-8960-3853C6ACE9E5}" destId="{9000C25E-99F6-482E-8111-F88D525E33A0}" srcOrd="2" destOrd="0" parTransId="{3CC19386-8959-45C1-B12D-01A46BF81142}" sibTransId="{E89CAFD9-8E80-4A43-963D-648FBC3377E0}"/>
     <dgm:cxn modelId="{36D75CA4-DE21-4133-AD8C-B4B00FCBA879}" srcId="{6A661D7A-EA62-4894-8960-3853C6ACE9E5}" destId="{14B7B8CB-EEAC-458A-A0E4-66C1BB958318}" srcOrd="1" destOrd="0" parTransId="{C1A14DF4-C87F-40A6-A5CE-088A54E60523}" sibTransId="{B54BEC1F-F69C-4DE6-B695-48045163F685}"/>
-    <dgm:cxn modelId="{62DE0275-07E1-4EF9-B493-ECA1B7B3F853}" type="presOf" srcId="{8B053610-C68F-4229-ADC7-EF40C565A481}" destId="{92653A6E-D9F0-4631-8932-86CD54DBDFB1}" srcOrd="0" destOrd="0" presId="urn:microsoft.com/office/officeart/2005/8/layout/hierarchy5"/>
     <dgm:cxn modelId="{5E2AB6B3-AD53-42FB-A792-E8802EEEC438}" type="presOf" srcId="{FDC82DDB-EB10-4DA9-A1CB-31C8CCF58BC7}" destId="{1C293859-A235-49D3-91DF-46E133FE4EFF}" srcOrd="0" destOrd="0" presId="urn:microsoft.com/office/officeart/2005/8/layout/hierarchy5"/>
+    <dgm:cxn modelId="{D255EAB3-0B6A-48DE-AC5A-6A62239BBEE3}" type="presOf" srcId="{C816DCCD-EA1E-4B71-8B5F-708F7CC6F6B4}" destId="{65BC92DD-35FF-46D4-BEB1-685BA8AE9231}" srcOrd="0" destOrd="0" presId="urn:microsoft.com/office/officeart/2005/8/layout/hierarchy5"/>
+    <dgm:cxn modelId="{EF2EE7B4-1722-45EC-AFC5-4295CFC3B385}" type="presOf" srcId="{E05D199F-0E0C-4398-BF8A-376F9F8DAE56}" destId="{71B8983B-46FF-481F-99F5-523DAC77969E}" srcOrd="0" destOrd="0" presId="urn:microsoft.com/office/officeart/2005/8/layout/hierarchy5"/>
+    <dgm:cxn modelId="{A235C5BA-76D7-49B1-A20A-7638ADB15AF3}" type="presOf" srcId="{14B7B8CB-EEAC-458A-A0E4-66C1BB958318}" destId="{248BA35C-7094-49ED-8A55-802E5C7AE3C3}" srcOrd="1" destOrd="0" presId="urn:microsoft.com/office/officeart/2005/8/layout/hierarchy5"/>
+    <dgm:cxn modelId="{AAA2B1D9-A372-4F39-9F9E-B980DEF5B56B}" type="presOf" srcId="{E05D199F-0E0C-4398-BF8A-376F9F8DAE56}" destId="{D41103F1-5332-49C8-9B00-FA370F8BD200}" srcOrd="1" destOrd="0" presId="urn:microsoft.com/office/officeart/2005/8/layout/hierarchy5"/>
     <dgm:cxn modelId="{54888CE2-0C7F-4333-B569-E46868318C2E}" srcId="{485D74BA-7E98-46FB-A771-FD84E6BCB260}" destId="{80E0CDAA-0136-4C85-A1E3-90EEE787B671}" srcOrd="1" destOrd="0" parTransId="{8B053610-C68F-4229-ADC7-EF40C565A481}" sibTransId="{E531E3B1-A3E6-40BC-811A-625F836C89D7}"/>
-    <dgm:cxn modelId="{38CC5E4C-1474-43B7-9CE3-63AE37AF5476}" type="presOf" srcId="{7A432A80-22BC-41C2-BB75-6B018D761D56}" destId="{0A187271-2FE7-4CB4-B951-B3F97A638BF7}" srcOrd="0" destOrd="0" presId="urn:microsoft.com/office/officeart/2005/8/layout/hierarchy5"/>
-    <dgm:cxn modelId="{D255EAB3-0B6A-48DE-AC5A-6A62239BBEE3}" type="presOf" srcId="{C816DCCD-EA1E-4B71-8B5F-708F7CC6F6B4}" destId="{65BC92DD-35FF-46D4-BEB1-685BA8AE9231}" srcOrd="0" destOrd="0" presId="urn:microsoft.com/office/officeart/2005/8/layout/hierarchy5"/>
+    <dgm:cxn modelId="{347982E5-FDD1-4514-BDCC-B91AD01E864E}" srcId="{6A661D7A-EA62-4894-8960-3853C6ACE9E5}" destId="{2B4492D7-1BA6-4CBA-87B1-E18CD304225C}" srcOrd="0" destOrd="0" parTransId="{DDF1D22D-9594-40DF-B5A1-95368F11A154}" sibTransId="{A2BA29E1-B2B4-4FA4-9F61-1A3826DD8B68}"/>
+    <dgm:cxn modelId="{47D6CDEC-60FD-4E23-BA3B-4EE73E276A0D}" type="presOf" srcId="{6A661D7A-EA62-4894-8960-3853C6ACE9E5}" destId="{00D7EA8B-B159-4D62-B3CD-47DDEF5AB261}" srcOrd="0" destOrd="0" presId="urn:microsoft.com/office/officeart/2005/8/layout/hierarchy5"/>
     <dgm:cxn modelId="{BA88CFEE-F3DB-4B0D-A6A1-6BE41705A69F}" type="presOf" srcId="{14B7B8CB-EEAC-458A-A0E4-66C1BB958318}" destId="{56EDFB30-49B6-47C9-9AB9-9077C9C949A5}" srcOrd="0" destOrd="0" presId="urn:microsoft.com/office/officeart/2005/8/layout/hierarchy5"/>
-    <dgm:cxn modelId="{A235C5BA-76D7-49B1-A20A-7638ADB15AF3}" type="presOf" srcId="{14B7B8CB-EEAC-458A-A0E4-66C1BB958318}" destId="{248BA35C-7094-49ED-8A55-802E5C7AE3C3}" srcOrd="1" destOrd="0" presId="urn:microsoft.com/office/officeart/2005/8/layout/hierarchy5"/>
-    <dgm:cxn modelId="{47D6CDEC-60FD-4E23-BA3B-4EE73E276A0D}" type="presOf" srcId="{6A661D7A-EA62-4894-8960-3853C6ACE9E5}" destId="{00D7EA8B-B159-4D62-B3CD-47DDEF5AB261}" srcOrd="0" destOrd="0" presId="urn:microsoft.com/office/officeart/2005/8/layout/hierarchy5"/>
-    <dgm:cxn modelId="{347982E5-FDD1-4514-BDCC-B91AD01E864E}" srcId="{6A661D7A-EA62-4894-8960-3853C6ACE9E5}" destId="{2B4492D7-1BA6-4CBA-87B1-E18CD304225C}" srcOrd="0" destOrd="0" parTransId="{DDF1D22D-9594-40DF-B5A1-95368F11A154}" sibTransId="{A2BA29E1-B2B4-4FA4-9F61-1A3826DD8B68}"/>
-    <dgm:cxn modelId="{2C267436-3B46-408F-836B-4CDC72C9BB1F}" type="presOf" srcId="{FDC82DDB-EB10-4DA9-A1CB-31C8CCF58BC7}" destId="{E814B02C-4B79-4E6E-A9E6-BDCFDF2B2D0E}" srcOrd="1" destOrd="0" presId="urn:microsoft.com/office/officeart/2005/8/layout/hierarchy5"/>
-    <dgm:cxn modelId="{059F671B-5097-4303-ABD3-51C224AC245F}" type="presOf" srcId="{A30B4B9B-432F-4205-816D-38277349CA69}" destId="{42DE79A4-B1FC-47BE-A388-107A77BF7BA2}" srcOrd="0" destOrd="0" presId="urn:microsoft.com/office/officeart/2005/8/layout/hierarchy5"/>
-    <dgm:cxn modelId="{5E289613-83FC-4A86-9DE8-0517AABEAE1E}" type="presOf" srcId="{106493A6-F426-4FDE-8630-FD52E55833BE}" destId="{7DD5D666-D9B8-41BE-A084-41A83612CBD9}" srcOrd="0" destOrd="0" presId="urn:microsoft.com/office/officeart/2005/8/layout/hierarchy5"/>
-    <dgm:cxn modelId="{7FD68B74-BFAC-433C-A6B1-3692B0D051AA}" type="presOf" srcId="{A30B4B9B-432F-4205-816D-38277349CA69}" destId="{07A4B354-605B-487B-B839-B95246813316}" srcOrd="1" destOrd="0" presId="urn:microsoft.com/office/officeart/2005/8/layout/hierarchy5"/>
-    <dgm:cxn modelId="{EF2EE7B4-1722-45EC-AFC5-4295CFC3B385}" type="presOf" srcId="{E05D199F-0E0C-4398-BF8A-376F9F8DAE56}" destId="{71B8983B-46FF-481F-99F5-523DAC77969E}" srcOrd="0" destOrd="0" presId="urn:microsoft.com/office/officeart/2005/8/layout/hierarchy5"/>
-    <dgm:cxn modelId="{20FDB511-5039-4522-87E3-5A261114F7DE}" type="presOf" srcId="{485D74BA-7E98-46FB-A771-FD84E6BCB260}" destId="{B72CFA13-E81C-4683-8D32-F639F803EDFD}" srcOrd="0" destOrd="0" presId="urn:microsoft.com/office/officeart/2005/8/layout/hierarchy5"/>
-    <dgm:cxn modelId="{6F98AB4D-C0A2-4F80-A072-E65C7DF94175}" srcId="{485D74BA-7E98-46FB-A771-FD84E6BCB260}" destId="{7A432A80-22BC-41C2-BB75-6B018D761D56}" srcOrd="0" destOrd="0" parTransId="{FDC82DDB-EB10-4DA9-A1CB-31C8CCF58BC7}" sibTransId="{B1111EB9-2801-45F0-9ED2-7B748D020D50}"/>
-    <dgm:cxn modelId="{BF890D4B-77F8-4AF0-B502-CF2DDA1DE183}" type="presOf" srcId="{80E0CDAA-0136-4C85-A1E3-90EEE787B671}" destId="{323508CF-F909-432E-98A2-DFE14E379E32}" srcOrd="0" destOrd="0" presId="urn:microsoft.com/office/officeart/2005/8/layout/hierarchy5"/>
-    <dgm:cxn modelId="{BB40C433-F69A-4195-9577-52A2D176EC7C}" type="presOf" srcId="{8B053610-C68F-4229-ADC7-EF40C565A481}" destId="{7AC37947-400B-4827-8189-DEA1CFDF3879}" srcOrd="1" destOrd="0" presId="urn:microsoft.com/office/officeart/2005/8/layout/hierarchy5"/>
-    <dgm:cxn modelId="{B6ABAD0F-2F85-4F53-9880-52A78D3D7E1F}" type="presOf" srcId="{9000C25E-99F6-482E-8111-F88D525E33A0}" destId="{3DF6A18E-B91D-4208-B59D-3D65062D915F}" srcOrd="0" destOrd="0" presId="urn:microsoft.com/office/officeart/2005/8/layout/hierarchy5"/>
-    <dgm:cxn modelId="{F5510299-2580-492C-A18B-F08F5C7CB4E9}" srcId="{2B4492D7-1BA6-4CBA-87B1-E18CD304225C}" destId="{485D74BA-7E98-46FB-A771-FD84E6BCB260}" srcOrd="0" destOrd="0" parTransId="{A30B4B9B-432F-4205-816D-38277349CA69}" sibTransId="{F97B14C1-19E8-4B88-B9D1-E2A9656E4FAF}"/>
-    <dgm:cxn modelId="{B68B1414-5FED-4D15-9372-C7AA05CFD002}" type="presOf" srcId="{C816DCCD-EA1E-4B71-8B5F-708F7CC6F6B4}" destId="{5A842B02-A968-4BEE-87F1-30571732CF0E}" srcOrd="1" destOrd="0" presId="urn:microsoft.com/office/officeart/2005/8/layout/hierarchy5"/>
-    <dgm:cxn modelId="{AAA2B1D9-A372-4F39-9F9E-B980DEF5B56B}" type="presOf" srcId="{E05D199F-0E0C-4398-BF8A-376F9F8DAE56}" destId="{D41103F1-5332-49C8-9B00-FA370F8BD200}" srcOrd="1" destOrd="0" presId="urn:microsoft.com/office/officeart/2005/8/layout/hierarchy5"/>
-    <dgm:cxn modelId="{8972D484-710B-48EC-A620-FD6768C637EC}" type="presOf" srcId="{9000C25E-99F6-482E-8111-F88D525E33A0}" destId="{5AD7CCB6-77B4-4B05-9B94-B2EF4B3CFCAD}" srcOrd="1" destOrd="0" presId="urn:microsoft.com/office/officeart/2005/8/layout/hierarchy5"/>
     <dgm:cxn modelId="{DF55C4B2-5B5E-42F2-A933-C17463448E53}" type="presParOf" srcId="{00D7EA8B-B159-4D62-B3CD-47DDEF5AB261}" destId="{07CFA1D7-C496-41AE-9E76-D948A175FEF4}" srcOrd="0" destOrd="0" presId="urn:microsoft.com/office/officeart/2005/8/layout/hierarchy5"/>
     <dgm:cxn modelId="{51C7E92D-9145-4121-B393-4FAEBB4795EA}" type="presParOf" srcId="{07CFA1D7-C496-41AE-9E76-D948A175FEF4}" destId="{18B10C48-1621-4EF3-BCF1-63A74A206ED5}" srcOrd="0" destOrd="0" presId="urn:microsoft.com/office/officeart/2005/8/layout/hierarchy5"/>
     <dgm:cxn modelId="{83651CA6-BA16-46B5-948E-9D7B8F6150D3}" type="presParOf" srcId="{07CFA1D7-C496-41AE-9E76-D948A175FEF4}" destId="{214847C4-B63F-4E09-B06E-7E4B0B1A8288}" srcOrd="1" destOrd="0" presId="urn:microsoft.com/office/officeart/2005/8/layout/hierarchy5"/>
@@ -5866,21 +5886,21 @@
     </dgm:pt>
   </dgm:ptLst>
   <dgm:cxnLst>
-    <dgm:cxn modelId="{B4122AF8-EC21-4599-985D-A153142B7C15}" type="presOf" srcId="{E746C67B-4DED-4F87-89EB-E5F97681FCE7}" destId="{E922052F-A839-4961-87DB-614EFEC364FF}" srcOrd="1" destOrd="0" presId="urn:microsoft.com/office/officeart/2005/8/layout/radial1"/>
+    <dgm:cxn modelId="{77700B00-60A5-44D6-A405-A4D681369C83}" type="presOf" srcId="{414801F7-8AA2-43ED-9152-EAC5E786AF9D}" destId="{679D73D5-00A3-4061-8609-3677F83109C7}" srcOrd="0" destOrd="0" presId="urn:microsoft.com/office/officeart/2005/8/layout/radial1"/>
+    <dgm:cxn modelId="{89E42C09-7578-4E28-ADC7-3A3CD3B60DA4}" type="presOf" srcId="{3BB50EB7-174A-4367-8D3E-F8C434CE3627}" destId="{55516179-44C9-4D7B-8407-53A83F7160FA}" srcOrd="0" destOrd="0" presId="urn:microsoft.com/office/officeart/2005/8/layout/radial1"/>
+    <dgm:cxn modelId="{678B4F15-5A4B-4319-AC3F-053CA867F2DB}" type="presOf" srcId="{7F050290-2E32-4702-A5E9-D53FD2809D83}" destId="{3B35B475-EBCC-43C2-AA96-B050B50142FF}" srcOrd="0" destOrd="0" presId="urn:microsoft.com/office/officeart/2005/8/layout/radial1"/>
+    <dgm:cxn modelId="{22630F1C-F79B-495E-8B48-715D9350D9D7}" type="presOf" srcId="{E746C67B-4DED-4F87-89EB-E5F97681FCE7}" destId="{F634C035-4374-48A6-8EB2-CD6FD9E7A041}" srcOrd="0" destOrd="0" presId="urn:microsoft.com/office/officeart/2005/8/layout/radial1"/>
+    <dgm:cxn modelId="{37C06D30-E4FB-483F-9F00-21617037278C}" type="presOf" srcId="{64F86C27-D221-42D3-B094-EEB54A34282F}" destId="{1C6BE829-04DF-45DA-BD41-1D431069474D}" srcOrd="0" destOrd="0" presId="urn:microsoft.com/office/officeart/2005/8/layout/radial1"/>
     <dgm:cxn modelId="{5A244144-B0F9-49AB-AFED-3571A1D557F5}" type="presOf" srcId="{04905921-D3E6-4B98-AF04-793859624986}" destId="{29D40417-043E-4C42-A922-B506FF664D2C}" srcOrd="0" destOrd="0" presId="urn:microsoft.com/office/officeart/2005/8/layout/radial1"/>
     <dgm:cxn modelId="{BFAAE24A-720B-4520-B718-2C79721FEEEA}" srcId="{7F050290-2E32-4702-A5E9-D53FD2809D83}" destId="{C3F3AAE4-7F6E-4B4D-8A41-352F0BEE8C16}" srcOrd="1" destOrd="0" parTransId="{E746C67B-4DED-4F87-89EB-E5F97681FCE7}" sibTransId="{6345D353-A8CA-4274-A9BB-F8F235E00D4F}"/>
-    <dgm:cxn modelId="{678B4F15-5A4B-4319-AC3F-053CA867F2DB}" type="presOf" srcId="{7F050290-2E32-4702-A5E9-D53FD2809D83}" destId="{3B35B475-EBCC-43C2-AA96-B050B50142FF}" srcOrd="0" destOrd="0" presId="urn:microsoft.com/office/officeart/2005/8/layout/radial1"/>
     <dgm:cxn modelId="{375ED250-C4C6-4AF9-A428-E4B703A12E03}" type="presOf" srcId="{365399AF-53F7-42F8-A745-6332F25A7A1D}" destId="{A731B387-A396-42C7-A49C-68D8C038A8BC}" srcOrd="0" destOrd="0" presId="urn:microsoft.com/office/officeart/2005/8/layout/radial1"/>
+    <dgm:cxn modelId="{1800FD56-9CFF-4A2C-98E5-CBE99B6D1480}" type="presOf" srcId="{414801F7-8AA2-43ED-9152-EAC5E786AF9D}" destId="{2CFE81DE-7294-4F68-BFC8-98C46ABDA125}" srcOrd="1" destOrd="0" presId="urn:microsoft.com/office/officeart/2005/8/layout/radial1"/>
+    <dgm:cxn modelId="{B56A0277-D1E3-4403-AB47-F4788E5FDB63}" srcId="{7F050290-2E32-4702-A5E9-D53FD2809D83}" destId="{365399AF-53F7-42F8-A745-6332F25A7A1D}" srcOrd="0" destOrd="0" parTransId="{04905921-D3E6-4B98-AF04-793859624986}" sibTransId="{BFFDF92E-9B09-4A90-8C33-B257E29056CB}"/>
+    <dgm:cxn modelId="{1D685C7A-1831-400A-B00D-F66F005C6CC3}" type="presOf" srcId="{04905921-D3E6-4B98-AF04-793859624986}" destId="{522CCCF7-9F38-44D3-8AAE-F57527272BA4}" srcOrd="1" destOrd="0" presId="urn:microsoft.com/office/officeart/2005/8/layout/radial1"/>
+    <dgm:cxn modelId="{0C439195-FF2A-4A44-AF3E-0C820C8430B0}" srcId="{3BB50EB7-174A-4367-8D3E-F8C434CE3627}" destId="{7F050290-2E32-4702-A5E9-D53FD2809D83}" srcOrd="0" destOrd="0" parTransId="{96F6C2A6-2DC5-479F-BA27-5FCEB657D564}" sibTransId="{007A5B37-D021-4629-B64D-F77B1DB7EEA7}"/>
     <dgm:cxn modelId="{1BE78DCC-2B47-44C4-A494-608CC146A3E1}" srcId="{7F050290-2E32-4702-A5E9-D53FD2809D83}" destId="{64F86C27-D221-42D3-B094-EEB54A34282F}" srcOrd="2" destOrd="0" parTransId="{414801F7-8AA2-43ED-9152-EAC5E786AF9D}" sibTransId="{A9C5B3CF-2195-4833-AC58-115A28EEF20D}"/>
-    <dgm:cxn modelId="{37C06D30-E4FB-483F-9F00-21617037278C}" type="presOf" srcId="{64F86C27-D221-42D3-B094-EEB54A34282F}" destId="{1C6BE829-04DF-45DA-BD41-1D431069474D}" srcOrd="0" destOrd="0" presId="urn:microsoft.com/office/officeart/2005/8/layout/radial1"/>
-    <dgm:cxn modelId="{0C439195-FF2A-4A44-AF3E-0C820C8430B0}" srcId="{3BB50EB7-174A-4367-8D3E-F8C434CE3627}" destId="{7F050290-2E32-4702-A5E9-D53FD2809D83}" srcOrd="0" destOrd="0" parTransId="{96F6C2A6-2DC5-479F-BA27-5FCEB657D564}" sibTransId="{007A5B37-D021-4629-B64D-F77B1DB7EEA7}"/>
     <dgm:cxn modelId="{F7C911CD-DE00-44E3-8F15-3CE8859BA220}" type="presOf" srcId="{C3F3AAE4-7F6E-4B4D-8A41-352F0BEE8C16}" destId="{67E80A6B-3131-4E59-88C8-C7A598D07DEE}" srcOrd="0" destOrd="0" presId="urn:microsoft.com/office/officeart/2005/8/layout/radial1"/>
-    <dgm:cxn modelId="{77700B00-60A5-44D6-A405-A4D681369C83}" type="presOf" srcId="{414801F7-8AA2-43ED-9152-EAC5E786AF9D}" destId="{679D73D5-00A3-4061-8609-3677F83109C7}" srcOrd="0" destOrd="0" presId="urn:microsoft.com/office/officeart/2005/8/layout/radial1"/>
-    <dgm:cxn modelId="{1800FD56-9CFF-4A2C-98E5-CBE99B6D1480}" type="presOf" srcId="{414801F7-8AA2-43ED-9152-EAC5E786AF9D}" destId="{2CFE81DE-7294-4F68-BFC8-98C46ABDA125}" srcOrd="1" destOrd="0" presId="urn:microsoft.com/office/officeart/2005/8/layout/radial1"/>
-    <dgm:cxn modelId="{1D685C7A-1831-400A-B00D-F66F005C6CC3}" type="presOf" srcId="{04905921-D3E6-4B98-AF04-793859624986}" destId="{522CCCF7-9F38-44D3-8AAE-F57527272BA4}" srcOrd="1" destOrd="0" presId="urn:microsoft.com/office/officeart/2005/8/layout/radial1"/>
-    <dgm:cxn modelId="{22630F1C-F79B-495E-8B48-715D9350D9D7}" type="presOf" srcId="{E746C67B-4DED-4F87-89EB-E5F97681FCE7}" destId="{F634C035-4374-48A6-8EB2-CD6FD9E7A041}" srcOrd="0" destOrd="0" presId="urn:microsoft.com/office/officeart/2005/8/layout/radial1"/>
-    <dgm:cxn modelId="{B56A0277-D1E3-4403-AB47-F4788E5FDB63}" srcId="{7F050290-2E32-4702-A5E9-D53FD2809D83}" destId="{365399AF-53F7-42F8-A745-6332F25A7A1D}" srcOrd="0" destOrd="0" parTransId="{04905921-D3E6-4B98-AF04-793859624986}" sibTransId="{BFFDF92E-9B09-4A90-8C33-B257E29056CB}"/>
-    <dgm:cxn modelId="{89E42C09-7578-4E28-ADC7-3A3CD3B60DA4}" type="presOf" srcId="{3BB50EB7-174A-4367-8D3E-F8C434CE3627}" destId="{55516179-44C9-4D7B-8407-53A83F7160FA}" srcOrd="0" destOrd="0" presId="urn:microsoft.com/office/officeart/2005/8/layout/radial1"/>
+    <dgm:cxn modelId="{B4122AF8-EC21-4599-985D-A153142B7C15}" type="presOf" srcId="{E746C67B-4DED-4F87-89EB-E5F97681FCE7}" destId="{E922052F-A839-4961-87DB-614EFEC364FF}" srcOrd="1" destOrd="0" presId="urn:microsoft.com/office/officeart/2005/8/layout/radial1"/>
     <dgm:cxn modelId="{CCE0759D-866C-4350-82B3-AE4DF4F13C60}" type="presParOf" srcId="{55516179-44C9-4D7B-8407-53A83F7160FA}" destId="{3B35B475-EBCC-43C2-AA96-B050B50142FF}" srcOrd="0" destOrd="0" presId="urn:microsoft.com/office/officeart/2005/8/layout/radial1"/>
     <dgm:cxn modelId="{BC8E916D-FAC8-4381-B720-054777CB5A76}" type="presParOf" srcId="{55516179-44C9-4D7B-8407-53A83F7160FA}" destId="{29D40417-043E-4C42-A922-B506FF664D2C}" srcOrd="1" destOrd="0" presId="urn:microsoft.com/office/officeart/2005/8/layout/radial1"/>
     <dgm:cxn modelId="{69BC6736-5DCE-460B-8EFD-34D1AFE4624F}" type="presParOf" srcId="{29D40417-043E-4C42-A922-B506FF664D2C}" destId="{522CCCF7-9F38-44D3-8AAE-F57527272BA4}" srcOrd="0" destOrd="0" presId="urn:microsoft.com/office/officeart/2005/8/layout/radial1"/>
@@ -6433,19 +6453,19 @@
     </dgm:pt>
   </dgm:ptLst>
   <dgm:cxnLst>
+    <dgm:cxn modelId="{7F83B10C-73DD-44EC-9A15-3B16A5174353}" srcId="{453AE418-DD77-4F01-9141-70DAE3AAE9CA}" destId="{29595D7C-1AB4-401E-B5CF-E2FA0742F8AB}" srcOrd="0" destOrd="0" parTransId="{C3AE418B-A187-4A22-B79B-5DF78B68367C}" sibTransId="{5CA58C57-607A-4757-8260-471D38123DB0}"/>
     <dgm:cxn modelId="{6FF0E40F-C04A-4B60-9127-EE78D179F2CF}" srcId="{2C012D58-52D0-44FC-A061-9522FD9B272D}" destId="{6379AD19-5082-4A1C-81B1-D6869F60FD7A}" srcOrd="0" destOrd="0" parTransId="{51A99C26-68A1-4CD0-96E0-CA8E161A2F70}" sibTransId="{65519053-D9EA-4836-84B5-C28B3C773D6E}"/>
+    <dgm:cxn modelId="{16BB9867-5D76-44B8-A6A2-9DC1122800BB}" srcId="{D28B85C0-C715-41DF-AA3B-31BCAB71F934}" destId="{48E2DFD6-BA8C-4144-BB42-AA6FE76BE331}" srcOrd="0" destOrd="0" parTransId="{B24F346E-F7B3-4F69-9DE9-8D090700B2F9}" sibTransId="{D8981D4D-B45B-49C5-9486-79CEEA3F63CC}"/>
+    <dgm:cxn modelId="{1DACF66E-31F6-4854-A43C-B2FBA84A4AF7}" srcId="{29595D7C-1AB4-401E-B5CF-E2FA0742F8AB}" destId="{544F0B5C-B47E-4753-8A1D-343C22A4B11E}" srcOrd="0" destOrd="0" parTransId="{B1378412-2308-43A0-BEAA-A3CC58DAFF1A}" sibTransId="{B290848D-FD7C-49EF-BE4F-995BD35E4D37}"/>
+    <dgm:cxn modelId="{319FC155-6C39-4B8C-9D44-FF477EEE6555}" srcId="{453AE418-DD77-4F01-9141-70DAE3AAE9CA}" destId="{D28B85C0-C715-41DF-AA3B-31BCAB71F934}" srcOrd="2" destOrd="0" parTransId="{F567AC50-DD64-44D4-95FD-CB206B2B2A9A}" sibTransId="{5176DDD9-DE07-450D-868A-14B4838BE00C}"/>
+    <dgm:cxn modelId="{04C7E380-B1CF-4DA7-9DE8-ABFFA1EAB317}" type="presOf" srcId="{544F0B5C-B47E-4753-8A1D-343C22A4B11E}" destId="{E545FA52-3804-4185-83FE-A55129DB5D12}" srcOrd="0" destOrd="0" presId="urn:microsoft.com/office/officeart/2008/layout/LinedList"/>
+    <dgm:cxn modelId="{AAB3B98A-A49D-4585-8660-51027E075568}" type="presOf" srcId="{2C012D58-52D0-44FC-A061-9522FD9B272D}" destId="{C6961D1B-55D9-4C7A-A3F7-2C0CF148B58F}" srcOrd="0" destOrd="0" presId="urn:microsoft.com/office/officeart/2008/layout/LinedList"/>
+    <dgm:cxn modelId="{A39BB3A3-B86B-4699-A0AD-563CC2FB3AA6}" srcId="{453AE418-DD77-4F01-9141-70DAE3AAE9CA}" destId="{2C012D58-52D0-44FC-A061-9522FD9B272D}" srcOrd="1" destOrd="0" parTransId="{DF2A471B-409D-4DDE-8441-E433C5B5123B}" sibTransId="{98EFF0F6-D285-4250-B36D-8D704C251E43}"/>
+    <dgm:cxn modelId="{355146AA-6E22-4EDA-B269-64D007730C22}" type="presOf" srcId="{48E2DFD6-BA8C-4144-BB42-AA6FE76BE331}" destId="{0CF2FBAD-8775-434B-84BC-0CF2164F6A76}" srcOrd="0" destOrd="0" presId="urn:microsoft.com/office/officeart/2008/layout/LinedList"/>
     <dgm:cxn modelId="{718559AB-DCB1-4B7A-8D26-2B54C0EE17AE}" type="presOf" srcId="{453AE418-DD77-4F01-9141-70DAE3AAE9CA}" destId="{DA8E6D88-9661-427C-A3D9-5C23DAF2ECC0}" srcOrd="0" destOrd="0" presId="urn:microsoft.com/office/officeart/2008/layout/LinedList"/>
-    <dgm:cxn modelId="{16BB9867-5D76-44B8-A6A2-9DC1122800BB}" srcId="{D28B85C0-C715-41DF-AA3B-31BCAB71F934}" destId="{48E2DFD6-BA8C-4144-BB42-AA6FE76BE331}" srcOrd="0" destOrd="0" parTransId="{B24F346E-F7B3-4F69-9DE9-8D090700B2F9}" sibTransId="{D8981D4D-B45B-49C5-9486-79CEEA3F63CC}"/>
-    <dgm:cxn modelId="{A39BB3A3-B86B-4699-A0AD-563CC2FB3AA6}" srcId="{453AE418-DD77-4F01-9141-70DAE3AAE9CA}" destId="{2C012D58-52D0-44FC-A061-9522FD9B272D}" srcOrd="1" destOrd="0" parTransId="{DF2A471B-409D-4DDE-8441-E433C5B5123B}" sibTransId="{98EFF0F6-D285-4250-B36D-8D704C251E43}"/>
-    <dgm:cxn modelId="{AAB3B98A-A49D-4585-8660-51027E075568}" type="presOf" srcId="{2C012D58-52D0-44FC-A061-9522FD9B272D}" destId="{C6961D1B-55D9-4C7A-A3F7-2C0CF148B58F}" srcOrd="0" destOrd="0" presId="urn:microsoft.com/office/officeart/2008/layout/LinedList"/>
-    <dgm:cxn modelId="{1DACF66E-31F6-4854-A43C-B2FBA84A4AF7}" srcId="{29595D7C-1AB4-401E-B5CF-E2FA0742F8AB}" destId="{544F0B5C-B47E-4753-8A1D-343C22A4B11E}" srcOrd="0" destOrd="0" parTransId="{B1378412-2308-43A0-BEAA-A3CC58DAFF1A}" sibTransId="{B290848D-FD7C-49EF-BE4F-995BD35E4D37}"/>
-    <dgm:cxn modelId="{355146AA-6E22-4EDA-B269-64D007730C22}" type="presOf" srcId="{48E2DFD6-BA8C-4144-BB42-AA6FE76BE331}" destId="{0CF2FBAD-8775-434B-84BC-0CF2164F6A76}" srcOrd="0" destOrd="0" presId="urn:microsoft.com/office/officeart/2008/layout/LinedList"/>
     <dgm:cxn modelId="{67076CC0-8382-4ED2-8BBF-7FD4CB6B00FE}" type="presOf" srcId="{29595D7C-1AB4-401E-B5CF-E2FA0742F8AB}" destId="{236C156C-102F-4B61-929C-BD8EF4540C03}" srcOrd="0" destOrd="0" presId="urn:microsoft.com/office/officeart/2008/layout/LinedList"/>
+    <dgm:cxn modelId="{C72128C3-28C9-4448-9527-8A3E8C02146D}" type="presOf" srcId="{D28B85C0-C715-41DF-AA3B-31BCAB71F934}" destId="{6DB7B5B5-1A9E-4450-86EF-56E1DA78BF39}" srcOrd="0" destOrd="0" presId="urn:microsoft.com/office/officeart/2008/layout/LinedList"/>
     <dgm:cxn modelId="{8B0C58EA-567C-47FB-B64A-44B329BEA686}" type="presOf" srcId="{6379AD19-5082-4A1C-81B1-D6869F60FD7A}" destId="{777E3AFA-20FC-4304-8895-CBAAFB07EA20}" srcOrd="0" destOrd="0" presId="urn:microsoft.com/office/officeart/2008/layout/LinedList"/>
-    <dgm:cxn modelId="{7F83B10C-73DD-44EC-9A15-3B16A5174353}" srcId="{453AE418-DD77-4F01-9141-70DAE3AAE9CA}" destId="{29595D7C-1AB4-401E-B5CF-E2FA0742F8AB}" srcOrd="0" destOrd="0" parTransId="{C3AE418B-A187-4A22-B79B-5DF78B68367C}" sibTransId="{5CA58C57-607A-4757-8260-471D38123DB0}"/>
-    <dgm:cxn modelId="{319FC155-6C39-4B8C-9D44-FF477EEE6555}" srcId="{453AE418-DD77-4F01-9141-70DAE3AAE9CA}" destId="{D28B85C0-C715-41DF-AA3B-31BCAB71F934}" srcOrd="2" destOrd="0" parTransId="{F567AC50-DD64-44D4-95FD-CB206B2B2A9A}" sibTransId="{5176DDD9-DE07-450D-868A-14B4838BE00C}"/>
-    <dgm:cxn modelId="{C72128C3-28C9-4448-9527-8A3E8C02146D}" type="presOf" srcId="{D28B85C0-C715-41DF-AA3B-31BCAB71F934}" destId="{6DB7B5B5-1A9E-4450-86EF-56E1DA78BF39}" srcOrd="0" destOrd="0" presId="urn:microsoft.com/office/officeart/2008/layout/LinedList"/>
-    <dgm:cxn modelId="{04C7E380-B1CF-4DA7-9DE8-ABFFA1EAB317}" type="presOf" srcId="{544F0B5C-B47E-4753-8A1D-343C22A4B11E}" destId="{E545FA52-3804-4185-83FE-A55129DB5D12}" srcOrd="0" destOrd="0" presId="urn:microsoft.com/office/officeart/2008/layout/LinedList"/>
     <dgm:cxn modelId="{E9D19AB1-390C-4C68-9BE1-23A7F0B3EDEB}" type="presParOf" srcId="{DA8E6D88-9661-427C-A3D9-5C23DAF2ECC0}" destId="{B274ED89-D3F3-4CCD-90AC-9AB589326416}" srcOrd="0" destOrd="0" presId="urn:microsoft.com/office/officeart/2008/layout/LinedList"/>
     <dgm:cxn modelId="{2E5A97CB-97F8-4B78-882C-B2BDD82661AA}" type="presParOf" srcId="{DA8E6D88-9661-427C-A3D9-5C23DAF2ECC0}" destId="{CDCCB043-153D-428E-B73F-2CEFD409E54E}" srcOrd="1" destOrd="0" presId="urn:microsoft.com/office/officeart/2008/layout/LinedList"/>
     <dgm:cxn modelId="{823C3E12-9B03-4154-B94D-B7006C280C99}" type="presParOf" srcId="{CDCCB043-153D-428E-B73F-2CEFD409E54E}" destId="{236C156C-102F-4B61-929C-BD8EF4540C03}" srcOrd="0" destOrd="0" presId="urn:microsoft.com/office/officeart/2008/layout/LinedList"/>
@@ -7774,7 +7794,14 @@
             <a:buNone/>
           </a:pPr>
           <a:r>
-            <a:rPr lang="en-US" sz="4700" kern="1200" dirty="0"/>
+            <a:rPr lang="en-US" sz="4700" kern="1200" dirty="0">
+              <a:solidFill>
+                <a:schemeClr val="tx1">
+                  <a:lumMod val="50000"/>
+                  <a:lumOff val="50000"/>
+                </a:schemeClr>
+              </a:solidFill>
+            </a:rPr>
             <a:t>Publish-Subscribe Topics</a:t>
           </a:r>
         </a:p>
@@ -7928,7 +7955,11 @@
             <a:buNone/>
           </a:pPr>
           <a:r>
-            <a:rPr lang="en-US" sz="4700" kern="1200" dirty="0"/>
+            <a:rPr lang="en-US" sz="4700" kern="1200" dirty="0">
+              <a:solidFill>
+                <a:srgbClr val="FFC000"/>
+              </a:solidFill>
+            </a:rPr>
             <a:t>Notification Hubs</a:t>
           </a:r>
         </a:p>
@@ -17515,7 +17546,7 @@
           <a:p>
             <a:fld id="{0578A626-5F02-48E8-B57F-69AF8D71EFBF}" type="datetimeFigureOut">
               <a:rPr lang="en-US" smtClean="0"/>
-              <a:t>8/12/2016</a:t>
+              <a:t>11/1/2017</a:t>
             </a:fld>
             <a:endParaRPr lang="en-US"/>
           </a:p>
@@ -18329,8 +18360,8 @@
         </p:nvSpPr>
         <p:spPr>
           <a:xfrm>
-            <a:off x="4325112" y="73152"/>
-            <a:ext cx="2468880" cy="1851660"/>
+            <a:off x="4325938" y="73025"/>
+            <a:ext cx="2466975" cy="1851025"/>
           </a:xfrm>
         </p:spPr>
       </p:sp>
@@ -18365,7 +18396,7 @@
               </a:spcAft>
             </a:pPr>
             <a:r>
-              <a:rPr lang="en-US" sz="1000">
+              <a:rPr lang="en-US" sz="1000" dirty="0">
                 <a:latin typeface="Arial" panose="020B0604020202020204" pitchFamily="34" charset="0"/>
                 <a:ea typeface="Calibri" panose="020F0502020204030204" pitchFamily="34" charset="0"/>
                 <a:cs typeface="Times New Roman" panose="02020603050405020304" pitchFamily="18" charset="0"/>
@@ -18383,7 +18414,7 @@
               </a:spcAft>
             </a:pPr>
             <a:r>
-              <a:rPr lang="en-US" sz="1000">
+              <a:rPr lang="en-US" sz="1000" dirty="0">
                 <a:latin typeface="Arial" panose="020B0604020202020204" pitchFamily="34" charset="0"/>
                 <a:ea typeface="Calibri" panose="020F0502020204030204" pitchFamily="34" charset="0"/>
                 <a:cs typeface="Times New Roman" panose="02020603050405020304" pitchFamily="18" charset="0"/>
@@ -27005,8 +27036,8 @@
         </p:nvSpPr>
         <p:spPr>
           <a:xfrm>
-            <a:off x="4325112" y="73152"/>
-            <a:ext cx="2468880" cy="1851660"/>
+            <a:off x="4325938" y="73025"/>
+            <a:ext cx="2466975" cy="1851025"/>
           </a:xfrm>
         </p:spPr>
       </p:sp>
@@ -27264,8 +27295,8 @@
         </p:nvSpPr>
         <p:spPr>
           <a:xfrm>
-            <a:off x="4325112" y="73152"/>
-            <a:ext cx="2468880" cy="1851660"/>
+            <a:off x="4325938" y="73025"/>
+            <a:ext cx="2466975" cy="1851025"/>
           </a:xfrm>
         </p:spPr>
       </p:sp>
@@ -27559,7 +27590,7 @@
               </a:spcAft>
             </a:pPr>
             <a:r>
-              <a:rPr lang="en-US" sz="1000">
+              <a:rPr lang="en-US" sz="1000" dirty="0">
                 <a:latin typeface="Arial" panose="020B0604020202020204" pitchFamily="34" charset="0"/>
                 <a:ea typeface="Calibri" panose="020F0502020204030204" pitchFamily="34" charset="0"/>
                 <a:cs typeface="Times New Roman" panose="02020603050405020304" pitchFamily="18" charset="0"/>
@@ -27577,7 +27608,7 @@
               </a:spcAft>
             </a:pPr>
             <a:r>
-              <a:rPr lang="en-US" sz="1000">
+              <a:rPr lang="en-US" sz="1000" dirty="0">
                 <a:latin typeface="Arial" panose="020B0604020202020204" pitchFamily="34" charset="0"/>
                 <a:ea typeface="Calibri" panose="020F0502020204030204" pitchFamily="34" charset="0"/>
                 <a:cs typeface="Times New Roman" panose="02020603050405020304" pitchFamily="18" charset="0"/>
@@ -27600,7 +27631,7 @@
               <a:buChar char="-"/>
             </a:pPr>
             <a:r>
-              <a:rPr lang="en-US" sz="1000">
+              <a:rPr lang="en-US" sz="1000" dirty="0">
                 <a:solidFill>
                   <a:srgbClr val="000000"/>
                 </a:solidFill>
@@ -27611,7 +27642,7 @@
               </a:rPr>
               <a:t>Serialization is definitely a possibility for queue messages. Special care needs to be taken to not surpass the maximum message size.</a:t>
             </a:r>
-            <a:endParaRPr lang="en-US" sz="1000">
+            <a:endParaRPr lang="en-US" sz="1000" dirty="0">
               <a:effectLst/>
               <a:latin typeface="Arial" panose="020B0604020202020204" pitchFamily="34" charset="0"/>
               <a:ea typeface="Times New Roman" panose="02020603050405020304" pitchFamily="18" charset="0"/>
@@ -27833,8 +27864,8 @@
         </p:nvSpPr>
         <p:spPr>
           <a:xfrm>
-            <a:off x="4325112" y="73152"/>
-            <a:ext cx="2468880" cy="1851660"/>
+            <a:off x="4325938" y="73025"/>
+            <a:ext cx="2466975" cy="1851025"/>
           </a:xfrm>
         </p:spPr>
       </p:sp>
@@ -31238,7 +31269,7 @@
           <a:p>
             <a:pPr lvl="0"/>
             <a:r>
-              <a:rPr lang="en-US" b="0" kern="0">
+              <a:rPr lang="en-US" b="0" kern="0" dirty="0">
                 <a:solidFill>
                   <a:srgbClr val="000000"/>
                 </a:solidFill>
@@ -31249,7 +31280,7 @@
           <a:p>
             <a:pPr lvl="1"/>
             <a:r>
-              <a:rPr lang="en-US" b="0" kern="0">
+              <a:rPr lang="en-US" b="0" kern="0" dirty="0">
                 <a:solidFill>
                   <a:srgbClr val="000000"/>
                 </a:solidFill>
@@ -31260,7 +31291,7 @@
           <a:p>
             <a:pPr lvl="1"/>
             <a:r>
-              <a:rPr lang="en-US" b="0" kern="0">
+              <a:rPr lang="en-US" b="0" kern="0" dirty="0">
                 <a:solidFill>
                   <a:srgbClr val="000000"/>
                 </a:solidFill>
@@ -31271,13 +31302,26 @@
           <a:p>
             <a:pPr lvl="0"/>
             <a:r>
-              <a:rPr lang="en-US" b="0" kern="0">
+              <a:rPr lang="en-US" b="0" kern="0" dirty="0">
                 <a:solidFill>
                   <a:srgbClr val="000000"/>
                 </a:solidFill>
               </a:rPr>
-              <a:t>Allows decoupled components to communicate asynchronously and synchrounously</a:t>
+              <a:t>Allows decoupled components to communicate asynchronously and </a:t>
             </a:r>
+            <a:r>
+              <a:rPr lang="en-US" b="0" kern="0" dirty="0" err="1">
+                <a:solidFill>
+                  <a:srgbClr val="000000"/>
+                </a:solidFill>
+              </a:rPr>
+              <a:t>synchrounously</a:t>
+            </a:r>
+            <a:endParaRPr lang="en-US" b="0" kern="0" dirty="0">
+              <a:solidFill>
+                <a:srgbClr val="000000"/>
+              </a:solidFill>
+            </a:endParaRPr>
           </a:p>
           <a:p>
             <a:pPr lvl="0"/>
@@ -31350,7 +31394,7 @@
           <p:nvPr>
             <p:extLst>
               <p:ext uri="{D42A27DB-BD31-4B8C-83A1-F6EECF244321}">
-                <p14:modId xmlns:p14="http://schemas.microsoft.com/office/powerpoint/2010/main" val="1715420888"/>
+                <p14:modId xmlns:p14="http://schemas.microsoft.com/office/powerpoint/2010/main" val="1569080251"/>
               </p:ext>
             </p:extLst>
           </p:nvPr>
@@ -38719,7 +38763,7 @@
 </file>
 
 <file path=ppt/slides/slide34.xml><?xml version="1.0" encoding="utf-8"?>
-<p:sld xmlns:a="http://schemas.openxmlformats.org/drawingml/2006/main" xmlns:r="http://schemas.openxmlformats.org/officeDocument/2006/relationships" xmlns:p="http://schemas.openxmlformats.org/presentationml/2006/main">
+<p:sld xmlns:a="http://schemas.openxmlformats.org/drawingml/2006/main" xmlns:r="http://schemas.openxmlformats.org/officeDocument/2006/relationships" xmlns:p="http://schemas.openxmlformats.org/presentationml/2006/main" show="0">
   <p:cSld name="28d8d28f-06f7-43b5-833b-c689b345f443">
     <p:spTree>
       <p:nvGrpSpPr>
@@ -38821,7 +38865,7 @@
 </file>
 
 <file path=ppt/slides/slide35.xml><?xml version="1.0" encoding="utf-8"?>
-<p:sld xmlns:a="http://schemas.openxmlformats.org/drawingml/2006/main" xmlns:r="http://schemas.openxmlformats.org/officeDocument/2006/relationships" xmlns:p="http://schemas.openxmlformats.org/presentationml/2006/main">
+<p:sld xmlns:a="http://schemas.openxmlformats.org/drawingml/2006/main" xmlns:r="http://schemas.openxmlformats.org/officeDocument/2006/relationships" xmlns:p="http://schemas.openxmlformats.org/presentationml/2006/main" show="0">
   <p:cSld name="Lab Scenario860707277">
     <p:spTree>
       <p:nvGrpSpPr>
@@ -38948,7 +38992,7 @@
 </file>
 
 <file path=ppt/slides/slide36.xml><?xml version="1.0" encoding="utf-8"?>
-<p:sld xmlns:a="http://schemas.openxmlformats.org/drawingml/2006/main" xmlns:r="http://schemas.openxmlformats.org/officeDocument/2006/relationships" xmlns:p="http://schemas.openxmlformats.org/presentationml/2006/main">
+<p:sld xmlns:a="http://schemas.openxmlformats.org/drawingml/2006/main" xmlns:r="http://schemas.openxmlformats.org/officeDocument/2006/relationships" xmlns:p="http://schemas.openxmlformats.org/presentationml/2006/main" show="0">
   <p:cSld name="Lab Scenario860707277_1">
     <p:spTree>
       <p:nvGrpSpPr>
@@ -39029,7 +39073,7 @@
 </file>
 
 <file path=ppt/slides/slide37.xml><?xml version="1.0" encoding="utf-8"?>
-<p:sld xmlns:a="http://schemas.openxmlformats.org/drawingml/2006/main" xmlns:r="http://schemas.openxmlformats.org/officeDocument/2006/relationships" xmlns:p="http://schemas.openxmlformats.org/presentationml/2006/main">
+<p:sld xmlns:a="http://schemas.openxmlformats.org/drawingml/2006/main" xmlns:r="http://schemas.openxmlformats.org/officeDocument/2006/relationships" xmlns:p="http://schemas.openxmlformats.org/presentationml/2006/main" show="0">
   <p:cSld name="e05cd34b-296c-4871-a934-ed88994258b2">
     <p:spTree>
       <p:nvGrpSpPr>
@@ -39103,7 +39147,7 @@
 </file>
 
 <file path=ppt/slides/slide38.xml><?xml version="1.0" encoding="utf-8"?>
-<p:sld xmlns:a="http://schemas.openxmlformats.org/drawingml/2006/main" xmlns:r="http://schemas.openxmlformats.org/officeDocument/2006/relationships" xmlns:p="http://schemas.openxmlformats.org/presentationml/2006/main">
+<p:sld xmlns:a="http://schemas.openxmlformats.org/drawingml/2006/main" xmlns:r="http://schemas.openxmlformats.org/officeDocument/2006/relationships" xmlns:p="http://schemas.openxmlformats.org/presentationml/2006/main" show="0">
   <p:cSld name="Module_Review">
     <p:spTree>
       <p:nvGrpSpPr>
@@ -39806,45 +39850,109 @@
           <a:p>
             <a:pPr lvl="0"/>
             <a:r>
-              <a:rPr lang="en-US" b="0" kern="0">
+              <a:rPr lang="en-US" b="0" kern="0" dirty="0">
                 <a:solidFill>
                   <a:srgbClr val="000000"/>
                 </a:solidFill>
               </a:rPr>
-              <a:t>Azure Storage Queues allows you to store large quantities of small messages that can be consumed by a scalable number of consumers</a:t>
+              <a:t>Azure Storage Queues allows you to store large quantities of </a:t>
+            </a:r>
+            <a:r>
+              <a:rPr lang="en-US" b="0" kern="0" dirty="0">
+                <a:solidFill>
+                  <a:srgbClr val="FF0000"/>
+                </a:solidFill>
+              </a:rPr>
+              <a:t>small messages </a:t>
+            </a:r>
+            <a:r>
+              <a:rPr lang="en-US" b="0" kern="0" dirty="0">
+                <a:solidFill>
+                  <a:srgbClr val="000000"/>
+                </a:solidFill>
+              </a:rPr>
+              <a:t>that can be consumed by a scalable number of consumers</a:t>
             </a:r>
           </a:p>
           <a:p>
             <a:pPr lvl="0"/>
             <a:r>
-              <a:rPr lang="en-US" b="0" kern="0">
+              <a:rPr lang="en-US" b="0" kern="0" dirty="0">
                 <a:solidFill>
                   <a:srgbClr val="000000"/>
                 </a:solidFill>
               </a:rPr>
-              <a:t>Queue messages have flexible leasing and can be processed again by a different consumer/worker if there is a failure with the initial consumer</a:t>
+              <a:t>(</a:t>
+            </a:r>
+            <a:r>
+              <a:rPr lang="en-US" b="0" kern="0" dirty="0">
+                <a:solidFill>
+                  <a:srgbClr val="00B0F0"/>
+                </a:solidFill>
+              </a:rPr>
+              <a:t>Retry</a:t>
+            </a:r>
+            <a:r>
+              <a:rPr lang="en-US" b="0" kern="0" dirty="0">
+                <a:solidFill>
+                  <a:srgbClr val="000000"/>
+                </a:solidFill>
+              </a:rPr>
+              <a:t>) Queue messages have flexible leasing and can be processed again by a different consumer/worker if there is a failure with the initial consumer</a:t>
             </a:r>
           </a:p>
           <a:p>
             <a:pPr lvl="0"/>
             <a:r>
-              <a:rPr lang="en-US" b="0" kern="0">
+              <a:rPr lang="en-US" b="0" kern="0" dirty="0">
                 <a:solidFill>
                   <a:srgbClr val="000000"/>
                 </a:solidFill>
               </a:rPr>
-              <a:t>Queues can take advantage of the built-in Azure Storage logging and metrics</a:t>
+              <a:t>(</a:t>
+            </a:r>
+            <a:r>
+              <a:rPr lang="en-US" b="0" kern="0" dirty="0" err="1">
+                <a:solidFill>
+                  <a:srgbClr val="00B0F0"/>
+                </a:solidFill>
+              </a:rPr>
+              <a:t>Loggin</a:t>
+            </a:r>
+            <a:r>
+              <a:rPr lang="en-US" b="0" kern="0" dirty="0">
+                <a:solidFill>
+                  <a:srgbClr val="000000"/>
+                </a:solidFill>
+              </a:rPr>
+              <a:t>)Queues can take advantage of the built-in Azure Storage logging and metrics</a:t>
             </a:r>
           </a:p>
           <a:p>
             <a:pPr lvl="0"/>
             <a:r>
-              <a:rPr lang="en-US" b="0" kern="0">
+              <a:rPr lang="en-US" b="0" kern="0" dirty="0">
                 <a:solidFill>
                   <a:srgbClr val="000000"/>
                 </a:solidFill>
               </a:rPr>
-              <a:t>Queues can have a concept of “state” across workers/consumers</a:t>
+              <a:t>(</a:t>
+            </a:r>
+            <a:r>
+              <a:rPr lang="en-US" b="0" kern="0" dirty="0">
+                <a:solidFill>
+                  <a:srgbClr val="00B0F0"/>
+                </a:solidFill>
+              </a:rPr>
+              <a:t>State-full</a:t>
+            </a:r>
+            <a:r>
+              <a:rPr lang="en-US" b="0" kern="0" dirty="0">
+                <a:solidFill>
+                  <a:srgbClr val="000000"/>
+                </a:solidFill>
+              </a:rPr>
+              <a:t>) Queues can have a concept of “state” across workers/consumers</a:t>
             </a:r>
           </a:p>
           <a:p>
@@ -40148,18 +40256,13 @@
               <a:buNone/>
             </a:pPr>
             <a:r>
-              <a:rPr lang="en-US" b="0" kern="0">
+              <a:rPr lang="en-US" b="0" kern="0" dirty="0">
                 <a:solidFill>
                   <a:srgbClr val="000000"/>
                 </a:solidFill>
               </a:rPr>
-              <a:t>Visual Studio 2015 Server Explorer provides a view for Storage queue items in the emulator or in a live Azure storage account.</a:t>
+              <a:t>Visual Studio Server Explorer provides a view for Storage queue items in the emulator or in a live Azure storage account.</a:t>
             </a:r>
-            <a:endParaRPr lang="en-US" b="0" kern="0" dirty="0">
-              <a:solidFill>
-                <a:srgbClr val="000000"/>
-              </a:solidFill>
-            </a:endParaRPr>
           </a:p>
         </p:txBody>
       </p:sp>
@@ -40908,7 +41011,7 @@
           <a:p>
             <a:pPr lvl="0"/>
             <a:r>
-              <a:rPr lang="en-US" b="0" kern="0">
+              <a:rPr lang="en-US" b="0" kern="0" dirty="0">
                 <a:solidFill>
                   <a:srgbClr val="000000"/>
                 </a:solidFill>
@@ -40919,62 +41022,107 @@
           <a:p>
             <a:pPr lvl="0"/>
             <a:r>
-              <a:rPr lang="en-US" b="0" kern="0">
+              <a:rPr lang="en-US" b="0" kern="0" dirty="0" err="1">
                 <a:solidFill>
                   <a:srgbClr val="000000"/>
                 </a:solidFill>
               </a:rPr>
-              <a:t>GetMessage(s)</a:t>
+              <a:t>GetMessage</a:t>
+            </a:r>
+            <a:r>
+              <a:rPr lang="en-US" b="0" kern="0" dirty="0">
+                <a:solidFill>
+                  <a:srgbClr val="000000"/>
+                </a:solidFill>
+              </a:rPr>
+              <a:t>(s)</a:t>
             </a:r>
           </a:p>
           <a:p>
             <a:pPr lvl="1"/>
             <a:r>
-              <a:rPr lang="en-US" b="0" kern="0">
+              <a:rPr lang="en-US" b="0" kern="0" dirty="0">
                 <a:solidFill>
                   <a:srgbClr val="000000"/>
                 </a:solidFill>
               </a:rPr>
-              <a:t>Retrieves the next message(s) from the queue and it will be invisible to other clients for a specified timeout.</a:t>
+              <a:t>Retrieves the next message(s) from the queue and it will be </a:t>
+            </a:r>
+            <a:r>
+              <a:rPr lang="en-US" b="0" kern="0" dirty="0">
+                <a:solidFill>
+                  <a:srgbClr val="00B0F0"/>
+                </a:solidFill>
+              </a:rPr>
+              <a:t>invisible to other clients </a:t>
+            </a:r>
+            <a:r>
+              <a:rPr lang="en-US" b="0" kern="0" dirty="0">
+                <a:solidFill>
+                  <a:srgbClr val="000000"/>
+                </a:solidFill>
+              </a:rPr>
+              <a:t>for a specified timeout.</a:t>
             </a:r>
           </a:p>
           <a:p>
             <a:pPr lvl="0"/>
             <a:r>
-              <a:rPr lang="en-US" b="0" kern="0">
+              <a:rPr lang="en-US" b="0" kern="0" dirty="0" err="1">
                 <a:solidFill>
                   <a:srgbClr val="000000"/>
                 </a:solidFill>
               </a:rPr>
-              <a:t>PeekMessage(s)</a:t>
+              <a:t>PeekMessage</a:t>
+            </a:r>
+            <a:r>
+              <a:rPr lang="en-US" b="0" kern="0" dirty="0">
+                <a:solidFill>
+                  <a:srgbClr val="000000"/>
+                </a:solidFill>
+              </a:rPr>
+              <a:t>(s)</a:t>
             </a:r>
           </a:p>
           <a:p>
             <a:pPr lvl="1"/>
             <a:r>
-              <a:rPr lang="en-US" b="0" kern="0">
+              <a:rPr lang="en-US" b="0" kern="0" dirty="0">
                 <a:solidFill>
                   <a:srgbClr val="000000"/>
                 </a:solidFill>
               </a:rPr>
-              <a:t>Retrieves the next message(s) from the queue while keeping the message visible to other clients.</a:t>
+              <a:t>Retrieves the next message(s) from the queue while </a:t>
+            </a:r>
+            <a:r>
+              <a:rPr lang="en-US" b="0" kern="0" dirty="0">
+                <a:solidFill>
+                  <a:srgbClr val="00B0F0"/>
+                </a:solidFill>
+              </a:rPr>
+              <a:t>keeping the message visible to other clients.</a:t>
             </a:r>
           </a:p>
           <a:p>
             <a:pPr lvl="0"/>
             <a:r>
-              <a:rPr lang="en-US" b="0" kern="0">
+              <a:rPr lang="en-US" b="0" kern="0" dirty="0" err="1">
                 <a:solidFill>
                   <a:srgbClr val="000000"/>
                 </a:solidFill>
               </a:rPr>
               <a:t>UpdateMessage</a:t>
             </a:r>
+            <a:endParaRPr lang="en-US" b="0" kern="0" dirty="0">
+              <a:solidFill>
+                <a:srgbClr val="000000"/>
+              </a:solidFill>
+            </a:endParaRPr>
           </a:p>
           <a:p>
             <a:pPr lvl="1"/>
             <a:r>
-              <a:rPr lang="en-US" b="0" kern="0">
+              <a:rPr lang="en-US" b="0" kern="0" dirty="0">
                 <a:solidFill>
                   <a:srgbClr val="000000"/>
                 </a:solidFill>

--- a/MOC/Module 08 Queues and Service Bus/20532C-08.pptx
+++ b/MOC/Module 08 Queues and Service Bus/20532C-08.pptx
@@ -5,7 +5,7 @@
     <p:sldMasterId id="2147483660" r:id="rId1"/>
   </p:sldMasterIdLst>
   <p:notesMasterIdLst>
-    <p:notesMasterId r:id="rId40"/>
+    <p:notesMasterId r:id="rId39"/>
   </p:notesMasterIdLst>
   <p:sldIdLst>
     <p:sldId id="256" r:id="rId2"/>
@@ -36,59 +36,51 @@
     <p:sldId id="281" r:id="rId27"/>
     <p:sldId id="282" r:id="rId28"/>
     <p:sldId id="283" r:id="rId29"/>
-    <p:sldId id="284" r:id="rId30"/>
-    <p:sldId id="285" r:id="rId31"/>
-    <p:sldId id="286" r:id="rId32"/>
-    <p:sldId id="287" r:id="rId33"/>
-    <p:sldId id="288" r:id="rId34"/>
-    <p:sldId id="289" r:id="rId35"/>
-    <p:sldId id="290" r:id="rId36"/>
-    <p:sldId id="291" r:id="rId37"/>
-    <p:sldId id="292" r:id="rId38"/>
-    <p:sldId id="293" r:id="rId39"/>
+    <p:sldId id="285" r:id="rId30"/>
+    <p:sldId id="286" r:id="rId31"/>
+    <p:sldId id="287" r:id="rId32"/>
+    <p:sldId id="288" r:id="rId33"/>
+    <p:sldId id="289" r:id="rId34"/>
+    <p:sldId id="290" r:id="rId35"/>
+    <p:sldId id="291" r:id="rId36"/>
+    <p:sldId id="292" r:id="rId37"/>
+    <p:sldId id="293" r:id="rId38"/>
   </p:sldIdLst>
   <p:sldSz cx="9144000" cy="6858000" type="screen4x3"/>
   <p:notesSz cx="6858000" cy="9144000"/>
   <p:embeddedFontLst>
     <p:embeddedFont>
       <p:font typeface="Calibri" panose="020F0502020204030204" pitchFamily="34" charset="0"/>
-      <p:regular r:id="rId41"/>
-      <p:bold r:id="rId42"/>
-      <p:italic r:id="rId43"/>
-      <p:boldItalic r:id="rId44"/>
+      <p:regular r:id="rId40"/>
+      <p:bold r:id="rId41"/>
+      <p:italic r:id="rId42"/>
+      <p:boldItalic r:id="rId43"/>
     </p:embeddedFont>
     <p:embeddedFont>
       <p:font typeface="Segoe UI" panose="020B0502040204020203" pitchFamily="34" charset="0"/>
-      <p:regular r:id="rId45"/>
-      <p:bold r:id="rId46"/>
-      <p:italic r:id="rId47"/>
-      <p:boldItalic r:id="rId48"/>
+      <p:regular r:id="rId44"/>
+      <p:bold r:id="rId45"/>
+      <p:italic r:id="rId46"/>
+      <p:boldItalic r:id="rId47"/>
     </p:embeddedFont>
     <p:embeddedFont>
       <p:font typeface="Verdana" panose="020B0604030504040204" pitchFamily="34" charset="0"/>
-      <p:regular r:id="rId49"/>
-      <p:bold r:id="rId50"/>
-      <p:italic r:id="rId51"/>
-      <p:boldItalic r:id="rId52"/>
+      <p:regular r:id="rId48"/>
+      <p:bold r:id="rId49"/>
+      <p:italic r:id="rId50"/>
+      <p:boldItalic r:id="rId51"/>
     </p:embeddedFont>
     <p:embeddedFont>
       <p:font typeface="Segoe Light" panose="020B0604020202020204" charset="0"/>
-      <p:regular r:id="rId53"/>
-      <p:italic r:id="rId54"/>
-    </p:embeddedFont>
-    <p:embeddedFont>
-      <p:font typeface="Consolas" panose="020B0609020204030204" pitchFamily="49" charset="0"/>
-      <p:regular r:id="rId55"/>
-      <p:bold r:id="rId56"/>
-      <p:italic r:id="rId57"/>
-      <p:boldItalic r:id="rId58"/>
+      <p:regular r:id="rId52"/>
+      <p:italic r:id="rId53"/>
     </p:embeddedFont>
     <p:embeddedFont>
       <p:font typeface="Segoe" panose="020B0604020202020204" charset="0"/>
-      <p:regular r:id="rId59"/>
-      <p:bold r:id="rId60"/>
-      <p:italic r:id="rId61"/>
-      <p:boldItalic r:id="rId62"/>
+      <p:regular r:id="rId54"/>
+      <p:bold r:id="rId55"/>
+      <p:italic r:id="rId56"/>
+      <p:boldItalic r:id="rId57"/>
     </p:embeddedFont>
   </p:embeddedFontLst>
   <p:defaultTextStyle>
@@ -3243,881 +3235,6 @@
     <dgm:fillClrLst meth="repeat">
       <a:schemeClr val="accent2">
         <a:tint val="60000"/>
-      </a:schemeClr>
-    </dgm:fillClrLst>
-    <dgm:linClrLst meth="repeat">
-      <a:schemeClr val="lt1"/>
-    </dgm:linClrLst>
-    <dgm:effectClrLst/>
-    <dgm:txLinClrLst/>
-    <dgm:txFillClrLst meth="repeat">
-      <a:schemeClr val="dk1"/>
-    </dgm:txFillClrLst>
-    <dgm:txEffectClrLst/>
-  </dgm:styleLbl>
-  <dgm:styleLbl name="revTx">
-    <dgm:fillClrLst meth="repeat">
-      <a:schemeClr val="lt1">
-        <a:alpha val="0"/>
-      </a:schemeClr>
-    </dgm:fillClrLst>
-    <dgm:linClrLst meth="repeat">
-      <a:schemeClr val="dk1">
-        <a:alpha val="0"/>
-      </a:schemeClr>
-    </dgm:linClrLst>
-    <dgm:effectClrLst/>
-    <dgm:txLinClrLst/>
-    <dgm:txFillClrLst meth="repeat">
-      <a:schemeClr val="tx1"/>
-    </dgm:txFillClrLst>
-    <dgm:txEffectClrLst/>
-  </dgm:styleLbl>
-</dgm:colorsDef>
-</file>
-
-<file path=ppt/diagrams/colors5.xml><?xml version="1.0" encoding="utf-8"?>
-<dgm:colorsDef xmlns:dgm="http://schemas.openxmlformats.org/drawingml/2006/diagram" xmlns:a="http://schemas.openxmlformats.org/drawingml/2006/main" uniqueId="urn:microsoft.com/office/officeart/2005/8/colors/accent2_3">
-  <dgm:title val=""/>
-  <dgm:desc val=""/>
-  <dgm:catLst>
-    <dgm:cat type="accent2" pri="11300"/>
-  </dgm:catLst>
-  <dgm:styleLbl name="node0">
-    <dgm:fillClrLst meth="repeat">
-      <a:schemeClr val="accent2">
-        <a:shade val="80000"/>
-      </a:schemeClr>
-    </dgm:fillClrLst>
-    <dgm:linClrLst meth="repeat">
-      <a:schemeClr val="lt1"/>
-    </dgm:linClrLst>
-    <dgm:effectClrLst/>
-    <dgm:txLinClrLst/>
-    <dgm:txFillClrLst/>
-    <dgm:txEffectClrLst/>
-  </dgm:styleLbl>
-  <dgm:styleLbl name="node1">
-    <dgm:fillClrLst>
-      <a:schemeClr val="accent2">
-        <a:shade val="80000"/>
-      </a:schemeClr>
-      <a:schemeClr val="accent2">
-        <a:tint val="70000"/>
-      </a:schemeClr>
-    </dgm:fillClrLst>
-    <dgm:linClrLst meth="repeat">
-      <a:schemeClr val="lt1"/>
-    </dgm:linClrLst>
-    <dgm:effectClrLst/>
-    <dgm:txLinClrLst/>
-    <dgm:txFillClrLst/>
-    <dgm:txEffectClrLst/>
-  </dgm:styleLbl>
-  <dgm:styleLbl name="alignNode1">
-    <dgm:fillClrLst>
-      <a:schemeClr val="accent2">
-        <a:shade val="80000"/>
-      </a:schemeClr>
-      <a:schemeClr val="accent2">
-        <a:tint val="70000"/>
-      </a:schemeClr>
-    </dgm:fillClrLst>
-    <dgm:linClrLst>
-      <a:schemeClr val="accent2">
-        <a:shade val="80000"/>
-      </a:schemeClr>
-      <a:schemeClr val="accent2">
-        <a:tint val="70000"/>
-      </a:schemeClr>
-    </dgm:linClrLst>
-    <dgm:effectClrLst/>
-    <dgm:txLinClrLst/>
-    <dgm:txFillClrLst/>
-    <dgm:txEffectClrLst/>
-  </dgm:styleLbl>
-  <dgm:styleLbl name="lnNode1">
-    <dgm:fillClrLst>
-      <a:schemeClr val="accent2">
-        <a:shade val="80000"/>
-      </a:schemeClr>
-      <a:schemeClr val="accent2">
-        <a:tint val="70000"/>
-      </a:schemeClr>
-    </dgm:fillClrLst>
-    <dgm:linClrLst meth="repeat">
-      <a:schemeClr val="lt1"/>
-    </dgm:linClrLst>
-    <dgm:effectClrLst/>
-    <dgm:txLinClrLst/>
-    <dgm:txFillClrLst/>
-    <dgm:txEffectClrLst/>
-  </dgm:styleLbl>
-  <dgm:styleLbl name="vennNode1">
-    <dgm:fillClrLst>
-      <a:schemeClr val="accent2">
-        <a:shade val="80000"/>
-        <a:alpha val="50000"/>
-      </a:schemeClr>
-      <a:schemeClr val="accent2">
-        <a:tint val="70000"/>
-        <a:alpha val="50000"/>
-      </a:schemeClr>
-    </dgm:fillClrLst>
-    <dgm:linClrLst meth="repeat">
-      <a:schemeClr val="lt1"/>
-    </dgm:linClrLst>
-    <dgm:effectClrLst/>
-    <dgm:txLinClrLst/>
-    <dgm:txFillClrLst/>
-    <dgm:txEffectClrLst/>
-  </dgm:styleLbl>
-  <dgm:styleLbl name="node2">
-    <dgm:fillClrLst>
-      <a:schemeClr val="accent2">
-        <a:tint val="99000"/>
-      </a:schemeClr>
-    </dgm:fillClrLst>
-    <dgm:linClrLst meth="repeat">
-      <a:schemeClr val="lt1"/>
-    </dgm:linClrLst>
-    <dgm:effectClrLst/>
-    <dgm:txLinClrLst/>
-    <dgm:txFillClrLst/>
-    <dgm:txEffectClrLst/>
-  </dgm:styleLbl>
-  <dgm:styleLbl name="node3">
-    <dgm:fillClrLst>
-      <a:schemeClr val="accent2">
-        <a:tint val="80000"/>
-      </a:schemeClr>
-    </dgm:fillClrLst>
-    <dgm:linClrLst meth="repeat">
-      <a:schemeClr val="lt1"/>
-    </dgm:linClrLst>
-    <dgm:effectClrLst/>
-    <dgm:txLinClrLst/>
-    <dgm:txFillClrLst/>
-    <dgm:txEffectClrLst/>
-  </dgm:styleLbl>
-  <dgm:styleLbl name="node4">
-    <dgm:fillClrLst>
-      <a:schemeClr val="accent2">
-        <a:tint val="70000"/>
-      </a:schemeClr>
-    </dgm:fillClrLst>
-    <dgm:linClrLst meth="repeat">
-      <a:schemeClr val="lt1"/>
-    </dgm:linClrLst>
-    <dgm:effectClrLst/>
-    <dgm:txLinClrLst/>
-    <dgm:txFillClrLst/>
-    <dgm:txEffectClrLst/>
-  </dgm:styleLbl>
-  <dgm:styleLbl name="fgImgPlace1">
-    <dgm:fillClrLst>
-      <a:schemeClr val="accent2">
-        <a:tint val="50000"/>
-      </a:schemeClr>
-      <a:schemeClr val="accent2">
-        <a:tint val="20000"/>
-      </a:schemeClr>
-    </dgm:fillClrLst>
-    <dgm:linClrLst meth="repeat">
-      <a:schemeClr val="lt1"/>
-    </dgm:linClrLst>
-    <dgm:effectClrLst/>
-    <dgm:txLinClrLst/>
-    <dgm:txFillClrLst meth="repeat">
-      <a:schemeClr val="lt1"/>
-    </dgm:txFillClrLst>
-    <dgm:txEffectClrLst/>
-  </dgm:styleLbl>
-  <dgm:styleLbl name="alignImgPlace1">
-    <dgm:fillClrLst>
-      <a:schemeClr val="accent2">
-        <a:tint val="50000"/>
-      </a:schemeClr>
-      <a:schemeClr val="accent2">
-        <a:tint val="20000"/>
-      </a:schemeClr>
-    </dgm:fillClrLst>
-    <dgm:linClrLst meth="repeat">
-      <a:schemeClr val="lt1"/>
-    </dgm:linClrLst>
-    <dgm:effectClrLst/>
-    <dgm:txLinClrLst/>
-    <dgm:txFillClrLst meth="repeat">
-      <a:schemeClr val="lt1"/>
-    </dgm:txFillClrLst>
-    <dgm:txEffectClrLst/>
-  </dgm:styleLbl>
-  <dgm:styleLbl name="bgImgPlace1">
-    <dgm:fillClrLst>
-      <a:schemeClr val="accent2">
-        <a:tint val="50000"/>
-      </a:schemeClr>
-      <a:schemeClr val="accent2">
-        <a:tint val="20000"/>
-      </a:schemeClr>
-    </dgm:fillClrLst>
-    <dgm:linClrLst meth="repeat">
-      <a:schemeClr val="lt1"/>
-    </dgm:linClrLst>
-    <dgm:effectClrLst/>
-    <dgm:txLinClrLst/>
-    <dgm:txFillClrLst meth="repeat">
-      <a:schemeClr val="lt1"/>
-    </dgm:txFillClrLst>
-    <dgm:txEffectClrLst/>
-  </dgm:styleLbl>
-  <dgm:styleLbl name="sibTrans2D1">
-    <dgm:fillClrLst>
-      <a:schemeClr val="accent2">
-        <a:shade val="90000"/>
-      </a:schemeClr>
-      <a:schemeClr val="accent2">
-        <a:tint val="70000"/>
-      </a:schemeClr>
-    </dgm:fillClrLst>
-    <dgm:linClrLst>
-      <a:schemeClr val="accent2">
-        <a:shade val="90000"/>
-      </a:schemeClr>
-      <a:schemeClr val="accent2">
-        <a:tint val="70000"/>
-      </a:schemeClr>
-    </dgm:linClrLst>
-    <dgm:effectClrLst/>
-    <dgm:txLinClrLst/>
-    <dgm:txFillClrLst/>
-    <dgm:txEffectClrLst/>
-  </dgm:styleLbl>
-  <dgm:styleLbl name="fgSibTrans2D1">
-    <dgm:fillClrLst>
-      <a:schemeClr val="accent2">
-        <a:shade val="90000"/>
-      </a:schemeClr>
-      <a:schemeClr val="accent2">
-        <a:tint val="70000"/>
-      </a:schemeClr>
-    </dgm:fillClrLst>
-    <dgm:linClrLst>
-      <a:schemeClr val="accent2">
-        <a:shade val="90000"/>
-      </a:schemeClr>
-      <a:schemeClr val="accent2">
-        <a:tint val="70000"/>
-      </a:schemeClr>
-    </dgm:linClrLst>
-    <dgm:effectClrLst/>
-    <dgm:txLinClrLst/>
-    <dgm:txFillClrLst meth="repeat">
-      <a:schemeClr val="lt1"/>
-    </dgm:txFillClrLst>
-    <dgm:txEffectClrLst/>
-  </dgm:styleLbl>
-  <dgm:styleLbl name="bgSibTrans2D1">
-    <dgm:fillClrLst>
-      <a:schemeClr val="accent2">
-        <a:shade val="90000"/>
-      </a:schemeClr>
-      <a:schemeClr val="accent2">
-        <a:tint val="70000"/>
-      </a:schemeClr>
-    </dgm:fillClrLst>
-    <dgm:linClrLst>
-      <a:schemeClr val="accent2">
-        <a:shade val="90000"/>
-      </a:schemeClr>
-      <a:schemeClr val="accent2">
-        <a:tint val="70000"/>
-      </a:schemeClr>
-    </dgm:linClrLst>
-    <dgm:effectClrLst/>
-    <dgm:txLinClrLst/>
-    <dgm:txFillClrLst meth="repeat">
-      <a:schemeClr val="lt1"/>
-    </dgm:txFillClrLst>
-    <dgm:txEffectClrLst/>
-  </dgm:styleLbl>
-  <dgm:styleLbl name="sibTrans1D1">
-    <dgm:fillClrLst>
-      <a:schemeClr val="accent2">
-        <a:shade val="90000"/>
-      </a:schemeClr>
-      <a:schemeClr val="accent2">
-        <a:tint val="70000"/>
-      </a:schemeClr>
-    </dgm:fillClrLst>
-    <dgm:linClrLst>
-      <a:schemeClr val="accent2">
-        <a:shade val="90000"/>
-      </a:schemeClr>
-      <a:schemeClr val="accent2">
-        <a:tint val="70000"/>
-      </a:schemeClr>
-    </dgm:linClrLst>
-    <dgm:effectClrLst/>
-    <dgm:txLinClrLst/>
-    <dgm:txFillClrLst meth="repeat">
-      <a:schemeClr val="tx1"/>
-    </dgm:txFillClrLst>
-    <dgm:txEffectClrLst/>
-  </dgm:styleLbl>
-  <dgm:styleLbl name="callout">
-    <dgm:fillClrLst meth="repeat">
-      <a:schemeClr val="accent2"/>
-    </dgm:fillClrLst>
-    <dgm:linClrLst meth="repeat">
-      <a:schemeClr val="accent2"/>
-    </dgm:linClrLst>
-    <dgm:effectClrLst/>
-    <dgm:txLinClrLst/>
-    <dgm:txFillClrLst meth="repeat">
-      <a:schemeClr val="tx1"/>
-    </dgm:txFillClrLst>
-    <dgm:txEffectClrLst/>
-  </dgm:styleLbl>
-  <dgm:styleLbl name="asst0">
-    <dgm:fillClrLst meth="repeat">
-      <a:schemeClr val="accent2">
-        <a:shade val="80000"/>
-      </a:schemeClr>
-    </dgm:fillClrLst>
-    <dgm:linClrLst meth="repeat">
-      <a:schemeClr val="lt1"/>
-    </dgm:linClrLst>
-    <dgm:effectClrLst/>
-    <dgm:txLinClrLst/>
-    <dgm:txFillClrLst/>
-    <dgm:txEffectClrLst/>
-  </dgm:styleLbl>
-  <dgm:styleLbl name="asst1">
-    <dgm:fillClrLst meth="repeat">
-      <a:schemeClr val="accent2">
-        <a:shade val="80000"/>
-      </a:schemeClr>
-    </dgm:fillClrLst>
-    <dgm:linClrLst meth="repeat">
-      <a:schemeClr val="lt1"/>
-    </dgm:linClrLst>
-    <dgm:effectClrLst/>
-    <dgm:txLinClrLst/>
-    <dgm:txFillClrLst/>
-    <dgm:txEffectClrLst/>
-  </dgm:styleLbl>
-  <dgm:styleLbl name="asst2">
-    <dgm:fillClrLst>
-      <a:schemeClr val="accent2">
-        <a:tint val="99000"/>
-      </a:schemeClr>
-    </dgm:fillClrLst>
-    <dgm:linClrLst meth="repeat">
-      <a:schemeClr val="lt1"/>
-    </dgm:linClrLst>
-    <dgm:effectClrLst/>
-    <dgm:txLinClrLst/>
-    <dgm:txFillClrLst/>
-    <dgm:txEffectClrLst/>
-  </dgm:styleLbl>
-  <dgm:styleLbl name="asst3">
-    <dgm:fillClrLst>
-      <a:schemeClr val="accent2">
-        <a:tint val="80000"/>
-      </a:schemeClr>
-    </dgm:fillClrLst>
-    <dgm:linClrLst meth="repeat">
-      <a:schemeClr val="lt1"/>
-    </dgm:linClrLst>
-    <dgm:effectClrLst/>
-    <dgm:txLinClrLst/>
-    <dgm:txFillClrLst/>
-    <dgm:txEffectClrLst/>
-  </dgm:styleLbl>
-  <dgm:styleLbl name="asst4">
-    <dgm:fillClrLst>
-      <a:schemeClr val="accent2">
-        <a:tint val="70000"/>
-      </a:schemeClr>
-    </dgm:fillClrLst>
-    <dgm:linClrLst meth="repeat">
-      <a:schemeClr val="lt1"/>
-    </dgm:linClrLst>
-    <dgm:effectClrLst/>
-    <dgm:txLinClrLst/>
-    <dgm:txFillClrLst/>
-    <dgm:txEffectClrLst/>
-  </dgm:styleLbl>
-  <dgm:styleLbl name="parChTrans2D1">
-    <dgm:fillClrLst meth="repeat">
-      <a:schemeClr val="accent2">
-        <a:tint val="60000"/>
-      </a:schemeClr>
-    </dgm:fillClrLst>
-    <dgm:linClrLst meth="repeat">
-      <a:schemeClr val="accent2">
-        <a:tint val="60000"/>
-      </a:schemeClr>
-    </dgm:linClrLst>
-    <dgm:effectClrLst/>
-    <dgm:txLinClrLst/>
-    <dgm:txFillClrLst meth="repeat">
-      <a:schemeClr val="lt1"/>
-    </dgm:txFillClrLst>
-    <dgm:txEffectClrLst/>
-  </dgm:styleLbl>
-  <dgm:styleLbl name="parChTrans2D2">
-    <dgm:fillClrLst meth="repeat">
-      <a:schemeClr val="accent2">
-        <a:tint val="90000"/>
-      </a:schemeClr>
-    </dgm:fillClrLst>
-    <dgm:linClrLst meth="repeat">
-      <a:schemeClr val="accent2">
-        <a:tint val="90000"/>
-      </a:schemeClr>
-    </dgm:linClrLst>
-    <dgm:effectClrLst/>
-    <dgm:txLinClrLst/>
-    <dgm:txFillClrLst/>
-    <dgm:txEffectClrLst/>
-  </dgm:styleLbl>
-  <dgm:styleLbl name="parChTrans2D3">
-    <dgm:fillClrLst meth="repeat">
-      <a:schemeClr val="accent2">
-        <a:tint val="70000"/>
-      </a:schemeClr>
-    </dgm:fillClrLst>
-    <dgm:linClrLst meth="repeat">
-      <a:schemeClr val="accent2">
-        <a:tint val="70000"/>
-      </a:schemeClr>
-    </dgm:linClrLst>
-    <dgm:effectClrLst/>
-    <dgm:txLinClrLst/>
-    <dgm:txFillClrLst/>
-    <dgm:txEffectClrLst/>
-  </dgm:styleLbl>
-  <dgm:styleLbl name="parChTrans2D4">
-    <dgm:fillClrLst meth="repeat">
-      <a:schemeClr val="accent2">
-        <a:tint val="50000"/>
-      </a:schemeClr>
-    </dgm:fillClrLst>
-    <dgm:linClrLst meth="repeat">
-      <a:schemeClr val="accent2">
-        <a:tint val="50000"/>
-      </a:schemeClr>
-    </dgm:linClrLst>
-    <dgm:effectClrLst/>
-    <dgm:txLinClrLst/>
-    <dgm:txFillClrLst meth="repeat">
-      <a:schemeClr val="lt1"/>
-    </dgm:txFillClrLst>
-    <dgm:txEffectClrLst/>
-  </dgm:styleLbl>
-  <dgm:styleLbl name="parChTrans1D1">
-    <dgm:fillClrLst meth="repeat">
-      <a:schemeClr val="accent2">
-        <a:shade val="80000"/>
-      </a:schemeClr>
-    </dgm:fillClrLst>
-    <dgm:linClrLst meth="repeat">
-      <a:schemeClr val="accent2">
-        <a:shade val="80000"/>
-      </a:schemeClr>
-    </dgm:linClrLst>
-    <dgm:effectClrLst/>
-    <dgm:txLinClrLst/>
-    <dgm:txFillClrLst meth="repeat">
-      <a:schemeClr val="tx1"/>
-    </dgm:txFillClrLst>
-    <dgm:txEffectClrLst/>
-  </dgm:styleLbl>
-  <dgm:styleLbl name="parChTrans1D2">
-    <dgm:fillClrLst meth="repeat">
-      <a:schemeClr val="accent2">
-        <a:tint val="99000"/>
-      </a:schemeClr>
-    </dgm:fillClrLst>
-    <dgm:linClrLst meth="repeat">
-      <a:schemeClr val="accent2">
-        <a:tint val="99000"/>
-      </a:schemeClr>
-    </dgm:linClrLst>
-    <dgm:effectClrLst/>
-    <dgm:txLinClrLst/>
-    <dgm:txFillClrLst meth="repeat">
-      <a:schemeClr val="tx1"/>
-    </dgm:txFillClrLst>
-    <dgm:txEffectClrLst/>
-  </dgm:styleLbl>
-  <dgm:styleLbl name="parChTrans1D3">
-    <dgm:fillClrLst meth="repeat">
-      <a:schemeClr val="accent2">
-        <a:tint val="80000"/>
-      </a:schemeClr>
-    </dgm:fillClrLst>
-    <dgm:linClrLst meth="repeat">
-      <a:schemeClr val="accent2">
-        <a:tint val="80000"/>
-      </a:schemeClr>
-    </dgm:linClrLst>
-    <dgm:effectClrLst/>
-    <dgm:txLinClrLst/>
-    <dgm:txFillClrLst meth="repeat">
-      <a:schemeClr val="tx1"/>
-    </dgm:txFillClrLst>
-    <dgm:txEffectClrLst/>
-  </dgm:styleLbl>
-  <dgm:styleLbl name="parChTrans1D4">
-    <dgm:fillClrLst meth="repeat">
-      <a:schemeClr val="accent2">
-        <a:tint val="70000"/>
-      </a:schemeClr>
-    </dgm:fillClrLst>
-    <dgm:linClrLst meth="repeat">
-      <a:schemeClr val="accent2">
-        <a:tint val="70000"/>
-      </a:schemeClr>
-    </dgm:linClrLst>
-    <dgm:effectClrLst/>
-    <dgm:txLinClrLst/>
-    <dgm:txFillClrLst meth="repeat">
-      <a:schemeClr val="tx1"/>
-    </dgm:txFillClrLst>
-    <dgm:txEffectClrLst/>
-  </dgm:styleLbl>
-  <dgm:styleLbl name="fgAcc1">
-    <dgm:fillClrLst meth="repeat">
-      <a:schemeClr val="lt1">
-        <a:alpha val="90000"/>
-      </a:schemeClr>
-    </dgm:fillClrLst>
-    <dgm:linClrLst>
-      <a:schemeClr val="accent2">
-        <a:shade val="80000"/>
-      </a:schemeClr>
-      <a:schemeClr val="accent2">
-        <a:tint val="70000"/>
-      </a:schemeClr>
-    </dgm:linClrLst>
-    <dgm:effectClrLst/>
-    <dgm:txLinClrLst/>
-    <dgm:txFillClrLst meth="repeat">
-      <a:schemeClr val="dk1"/>
-    </dgm:txFillClrLst>
-    <dgm:txEffectClrLst/>
-  </dgm:styleLbl>
-  <dgm:styleLbl name="conFgAcc1">
-    <dgm:fillClrLst meth="repeat">
-      <a:schemeClr val="lt1">
-        <a:alpha val="90000"/>
-      </a:schemeClr>
-    </dgm:fillClrLst>
-    <dgm:linClrLst>
-      <a:schemeClr val="accent2">
-        <a:shade val="80000"/>
-      </a:schemeClr>
-      <a:schemeClr val="accent2">
-        <a:tint val="70000"/>
-      </a:schemeClr>
-    </dgm:linClrLst>
-    <dgm:effectClrLst/>
-    <dgm:txLinClrLst/>
-    <dgm:txFillClrLst meth="repeat">
-      <a:schemeClr val="dk1"/>
-    </dgm:txFillClrLst>
-    <dgm:txEffectClrLst/>
-  </dgm:styleLbl>
-  <dgm:styleLbl name="alignAcc1">
-    <dgm:fillClrLst meth="repeat">
-      <a:schemeClr val="lt1">
-        <a:alpha val="90000"/>
-      </a:schemeClr>
-    </dgm:fillClrLst>
-    <dgm:linClrLst>
-      <a:schemeClr val="accent2">
-        <a:shade val="80000"/>
-      </a:schemeClr>
-      <a:schemeClr val="accent2">
-        <a:tint val="70000"/>
-      </a:schemeClr>
-    </dgm:linClrLst>
-    <dgm:effectClrLst/>
-    <dgm:txLinClrLst/>
-    <dgm:txFillClrLst meth="repeat">
-      <a:schemeClr val="dk1"/>
-    </dgm:txFillClrLst>
-    <dgm:txEffectClrLst/>
-  </dgm:styleLbl>
-  <dgm:styleLbl name="trAlignAcc1">
-    <dgm:fillClrLst meth="repeat">
-      <a:schemeClr val="lt1">
-        <a:alpha val="40000"/>
-      </a:schemeClr>
-    </dgm:fillClrLst>
-    <dgm:linClrLst meth="repeat">
-      <a:schemeClr val="accent2"/>
-    </dgm:linClrLst>
-    <dgm:effectClrLst/>
-    <dgm:txLinClrLst/>
-    <dgm:txFillClrLst meth="repeat">
-      <a:schemeClr val="dk1"/>
-    </dgm:txFillClrLst>
-    <dgm:txEffectClrLst/>
-  </dgm:styleLbl>
-  <dgm:styleLbl name="bgAcc1">
-    <dgm:fillClrLst meth="repeat">
-      <a:schemeClr val="lt1">
-        <a:alpha val="90000"/>
-      </a:schemeClr>
-    </dgm:fillClrLst>
-    <dgm:linClrLst>
-      <a:schemeClr val="accent2">
-        <a:shade val="80000"/>
-      </a:schemeClr>
-      <a:schemeClr val="accent2">
-        <a:tint val="70000"/>
-      </a:schemeClr>
-    </dgm:linClrLst>
-    <dgm:effectClrLst/>
-    <dgm:txLinClrLst/>
-    <dgm:txFillClrLst meth="repeat">
-      <a:schemeClr val="dk1"/>
-    </dgm:txFillClrLst>
-    <dgm:txEffectClrLst/>
-  </dgm:styleLbl>
-  <dgm:styleLbl name="solidFgAcc1">
-    <dgm:fillClrLst meth="repeat">
-      <a:schemeClr val="lt1"/>
-    </dgm:fillClrLst>
-    <dgm:linClrLst>
-      <a:schemeClr val="accent2">
-        <a:shade val="80000"/>
-      </a:schemeClr>
-      <a:schemeClr val="accent2">
-        <a:tint val="70000"/>
-      </a:schemeClr>
-    </dgm:linClrLst>
-    <dgm:effectClrLst/>
-    <dgm:txLinClrLst/>
-    <dgm:txFillClrLst meth="repeat">
-      <a:schemeClr val="dk1"/>
-    </dgm:txFillClrLst>
-    <dgm:txEffectClrLst/>
-  </dgm:styleLbl>
-  <dgm:styleLbl name="solidAlignAcc1">
-    <dgm:fillClrLst meth="repeat">
-      <a:schemeClr val="lt1"/>
-    </dgm:fillClrLst>
-    <dgm:linClrLst meth="repeat">
-      <a:schemeClr val="accent2"/>
-    </dgm:linClrLst>
-    <dgm:effectClrLst/>
-    <dgm:txLinClrLst/>
-    <dgm:txFillClrLst meth="repeat">
-      <a:schemeClr val="dk1"/>
-    </dgm:txFillClrLst>
-    <dgm:txEffectClrLst/>
-  </dgm:styleLbl>
-  <dgm:styleLbl name="solidBgAcc1">
-    <dgm:fillClrLst meth="repeat">
-      <a:schemeClr val="lt1"/>
-    </dgm:fillClrLst>
-    <dgm:linClrLst meth="repeat">
-      <a:schemeClr val="accent2"/>
-    </dgm:linClrLst>
-    <dgm:effectClrLst/>
-    <dgm:txLinClrLst/>
-    <dgm:txFillClrLst meth="repeat">
-      <a:schemeClr val="dk1"/>
-    </dgm:txFillClrLst>
-    <dgm:txEffectClrLst/>
-  </dgm:styleLbl>
-  <dgm:styleLbl name="fgAccFollowNode1">
-    <dgm:fillClrLst meth="repeat">
-      <a:schemeClr val="accent2">
-        <a:alpha val="90000"/>
-        <a:tint val="40000"/>
-      </a:schemeClr>
-    </dgm:fillClrLst>
-    <dgm:linClrLst meth="repeat">
-      <a:schemeClr val="accent2">
-        <a:alpha val="90000"/>
-        <a:tint val="40000"/>
-      </a:schemeClr>
-    </dgm:linClrLst>
-    <dgm:effectClrLst/>
-    <dgm:txLinClrLst/>
-    <dgm:txFillClrLst meth="repeat">
-      <a:schemeClr val="dk1"/>
-    </dgm:txFillClrLst>
-    <dgm:txEffectClrLst/>
-  </dgm:styleLbl>
-  <dgm:styleLbl name="alignAccFollowNode1">
-    <dgm:fillClrLst meth="repeat">
-      <a:schemeClr val="accent2">
-        <a:alpha val="90000"/>
-        <a:tint val="40000"/>
-      </a:schemeClr>
-    </dgm:fillClrLst>
-    <dgm:linClrLst meth="repeat">
-      <a:schemeClr val="accent2">
-        <a:alpha val="90000"/>
-        <a:tint val="40000"/>
-      </a:schemeClr>
-    </dgm:linClrLst>
-    <dgm:effectClrLst/>
-    <dgm:txLinClrLst/>
-    <dgm:txFillClrLst meth="repeat">
-      <a:schemeClr val="dk1"/>
-    </dgm:txFillClrLst>
-    <dgm:txEffectClrLst/>
-  </dgm:styleLbl>
-  <dgm:styleLbl name="bgAccFollowNode1">
-    <dgm:fillClrLst meth="repeat">
-      <a:schemeClr val="accent2">
-        <a:alpha val="90000"/>
-        <a:tint val="40000"/>
-      </a:schemeClr>
-    </dgm:fillClrLst>
-    <dgm:linClrLst meth="repeat">
-      <a:schemeClr val="lt1"/>
-    </dgm:linClrLst>
-    <dgm:effectClrLst/>
-    <dgm:txLinClrLst/>
-    <dgm:txFillClrLst meth="repeat">
-      <a:schemeClr val="dk1"/>
-    </dgm:txFillClrLst>
-    <dgm:txEffectClrLst/>
-  </dgm:styleLbl>
-  <dgm:styleLbl name="fgAcc0">
-    <dgm:fillClrLst meth="repeat">
-      <a:schemeClr val="lt1">
-        <a:alpha val="90000"/>
-      </a:schemeClr>
-    </dgm:fillClrLst>
-    <dgm:linClrLst meth="repeat">
-      <a:schemeClr val="accent2">
-        <a:shade val="80000"/>
-      </a:schemeClr>
-    </dgm:linClrLst>
-    <dgm:effectClrLst/>
-    <dgm:txLinClrLst/>
-    <dgm:txFillClrLst meth="repeat">
-      <a:schemeClr val="dk1"/>
-    </dgm:txFillClrLst>
-    <dgm:txEffectClrLst/>
-  </dgm:styleLbl>
-  <dgm:styleLbl name="fgAcc2">
-    <dgm:fillClrLst meth="repeat">
-      <a:schemeClr val="lt1">
-        <a:alpha val="90000"/>
-      </a:schemeClr>
-    </dgm:fillClrLst>
-    <dgm:linClrLst meth="repeat">
-      <a:schemeClr val="accent2">
-        <a:tint val="99000"/>
-      </a:schemeClr>
-    </dgm:linClrLst>
-    <dgm:effectClrLst/>
-    <dgm:txLinClrLst/>
-    <dgm:txFillClrLst meth="repeat">
-      <a:schemeClr val="dk1"/>
-    </dgm:txFillClrLst>
-    <dgm:txEffectClrLst/>
-  </dgm:styleLbl>
-  <dgm:styleLbl name="fgAcc3">
-    <dgm:fillClrLst meth="repeat">
-      <a:schemeClr val="lt1">
-        <a:alpha val="90000"/>
-      </a:schemeClr>
-    </dgm:fillClrLst>
-    <dgm:linClrLst meth="repeat">
-      <a:schemeClr val="accent2">
-        <a:tint val="80000"/>
-      </a:schemeClr>
-    </dgm:linClrLst>
-    <dgm:effectClrLst/>
-    <dgm:txLinClrLst/>
-    <dgm:txFillClrLst meth="repeat">
-      <a:schemeClr val="dk1"/>
-    </dgm:txFillClrLst>
-    <dgm:txEffectClrLst/>
-  </dgm:styleLbl>
-  <dgm:styleLbl name="fgAcc4">
-    <dgm:fillClrLst meth="repeat">
-      <a:schemeClr val="lt1">
-        <a:alpha val="90000"/>
-      </a:schemeClr>
-    </dgm:fillClrLst>
-    <dgm:linClrLst meth="repeat">
-      <a:schemeClr val="accent2">
-        <a:tint val="70000"/>
-      </a:schemeClr>
-    </dgm:linClrLst>
-    <dgm:effectClrLst/>
-    <dgm:txLinClrLst/>
-    <dgm:txFillClrLst meth="repeat">
-      <a:schemeClr val="dk1"/>
-    </dgm:txFillClrLst>
-    <dgm:txEffectClrLst/>
-  </dgm:styleLbl>
-  <dgm:styleLbl name="bgShp">
-    <dgm:fillClrLst meth="repeat">
-      <a:schemeClr val="accent2">
-        <a:tint val="40000"/>
-      </a:schemeClr>
-    </dgm:fillClrLst>
-    <dgm:linClrLst meth="repeat">
-      <a:schemeClr val="dk1"/>
-    </dgm:linClrLst>
-    <dgm:effectClrLst/>
-    <dgm:txLinClrLst/>
-    <dgm:txFillClrLst meth="repeat">
-      <a:schemeClr val="dk1"/>
-    </dgm:txFillClrLst>
-    <dgm:txEffectClrLst/>
-  </dgm:styleLbl>
-  <dgm:styleLbl name="dkBgShp">
-    <dgm:fillClrLst meth="repeat">
-      <a:schemeClr val="accent2">
-        <a:shade val="90000"/>
-      </a:schemeClr>
-    </dgm:fillClrLst>
-    <dgm:linClrLst meth="repeat">
-      <a:schemeClr val="dk1"/>
-    </dgm:linClrLst>
-    <dgm:effectClrLst/>
-    <dgm:txLinClrLst/>
-    <dgm:txFillClrLst meth="repeat">
-      <a:schemeClr val="lt1"/>
-    </dgm:txFillClrLst>
-    <dgm:txEffectClrLst/>
-  </dgm:styleLbl>
-  <dgm:styleLbl name="trBgShp">
-    <dgm:fillClrLst meth="repeat">
-      <a:schemeClr val="accent2">
-        <a:tint val="50000"/>
-        <a:alpha val="40000"/>
-      </a:schemeClr>
-    </dgm:fillClrLst>
-    <dgm:linClrLst meth="repeat">
-      <a:schemeClr val="accent2"/>
-    </dgm:linClrLst>
-    <dgm:effectClrLst/>
-    <dgm:txLinClrLst/>
-    <dgm:txFillClrLst meth="repeat">
-      <a:schemeClr val="lt1"/>
-    </dgm:txFillClrLst>
-    <dgm:txEffectClrLst/>
-  </dgm:styleLbl>
-  <dgm:styleLbl name="fgShp">
-    <dgm:fillClrLst meth="repeat">
-      <a:schemeClr val="accent2">
-        <a:tint val="40000"/>
       </a:schemeClr>
     </dgm:fillClrLst>
     <dgm:linClrLst meth="repeat">
@@ -4820,16 +3937,35 @@
       </dgm:t>
     </dgm:pt>
     <dgm:pt modelId="{4B94E000-5F31-426A-9422-3C617E5BF1A1}">
-      <dgm:prSet phldrT="[Text]"/>
+      <dgm:prSet phldrT="[Text]" custT="1"/>
       <dgm:spPr/>
       <dgm:t>
         <a:bodyPr/>
         <a:lstStyle/>
         <a:p>
           <a:r>
-            <a:rPr lang="en-US" dirty="0"/>
+            <a:rPr lang="en-US" sz="4200" dirty="0"/>
             <a:t>Relayed Messaging</a:t>
           </a:r>
+        </a:p>
+        <a:p>
+          <a:r>
+            <a:rPr lang="en-US" sz="2000" dirty="0">
+              <a:solidFill>
+                <a:schemeClr val="accent5">
+                  <a:lumMod val="75000"/>
+                </a:schemeClr>
+              </a:solidFill>
+            </a:rPr>
+            <a:t>Handshaking</a:t>
+          </a:r>
+          <a:endParaRPr lang="en-US" sz="4200" dirty="0">
+            <a:solidFill>
+              <a:schemeClr val="accent5">
+                <a:lumMod val="75000"/>
+              </a:schemeClr>
+            </a:solidFill>
+          </a:endParaRPr>
         </a:p>
       </dgm:t>
     </dgm:pt>
@@ -4871,7 +4007,7 @@
                 </a:schemeClr>
               </a:solidFill>
             </a:rPr>
-            <a:t>Publish-Subscribe Topics</a:t>
+            <a:t>Publish-Subscribe</a:t>
           </a:r>
         </a:p>
       </dgm:t>
@@ -4899,16 +4035,35 @@
       </dgm:t>
     </dgm:pt>
     <dgm:pt modelId="{C8D621EF-5907-4C56-957B-7F3D226C6950}">
-      <dgm:prSet phldrT="[Text]"/>
+      <dgm:prSet phldrT="[Text]" custT="1"/>
       <dgm:spPr/>
       <dgm:t>
         <a:bodyPr/>
         <a:lstStyle/>
         <a:p>
           <a:r>
-            <a:rPr lang="en-US" dirty="0"/>
+            <a:rPr lang="en-US" sz="4700" dirty="0"/>
             <a:t>Queues</a:t>
           </a:r>
+        </a:p>
+        <a:p>
+          <a:r>
+            <a:rPr lang="en-US" sz="2800" dirty="0">
+              <a:solidFill>
+                <a:schemeClr val="accent5">
+                  <a:lumMod val="75000"/>
+                </a:schemeClr>
+              </a:solidFill>
+            </a:rPr>
+            <a:t>FIFO</a:t>
+          </a:r>
+          <a:endParaRPr lang="en-US" sz="4700" dirty="0">
+            <a:solidFill>
+              <a:schemeClr val="accent5">
+                <a:lumMod val="75000"/>
+              </a:schemeClr>
+            </a:solidFill>
+          </a:endParaRPr>
         </a:p>
       </dgm:t>
     </dgm:pt>
@@ -4935,19 +4090,31 @@
       </dgm:t>
     </dgm:pt>
     <dgm:pt modelId="{C1C5C684-2FD3-4C77-9F6D-50A13E96E01C}">
-      <dgm:prSet phldrT="[Text]"/>
+      <dgm:prSet phldrT="[Text]" custT="1"/>
       <dgm:spPr/>
       <dgm:t>
         <a:bodyPr/>
         <a:lstStyle/>
         <a:p>
           <a:r>
-            <a:rPr lang="en-US" dirty="0">
+            <a:rPr lang="en-US" sz="4200" dirty="0">
               <a:solidFill>
                 <a:srgbClr val="FFC000"/>
               </a:solidFill>
             </a:rPr>
             <a:t>Notification Hubs</a:t>
+          </a:r>
+        </a:p>
+        <a:p>
+          <a:r>
+            <a:rPr lang="en-US" sz="2800" dirty="0">
+              <a:solidFill>
+                <a:schemeClr val="accent5">
+                  <a:lumMod val="75000"/>
+                </a:schemeClr>
+              </a:solidFill>
+            </a:rPr>
+            <a:t>Broadcast</a:t>
           </a:r>
         </a:p>
       </dgm:t>
@@ -5911,594 +5078,6 @@
     <dgm:cxn modelId="{A793A7EA-F186-4C72-83FC-4AC15220563C}" type="presParOf" srcId="{55516179-44C9-4D7B-8407-53A83F7160FA}" destId="{679D73D5-00A3-4061-8609-3677F83109C7}" srcOrd="5" destOrd="0" presId="urn:microsoft.com/office/officeart/2005/8/layout/radial1"/>
     <dgm:cxn modelId="{724F2935-6384-48C4-8C81-1B20ABD3005F}" type="presParOf" srcId="{679D73D5-00A3-4061-8609-3677F83109C7}" destId="{2CFE81DE-7294-4F68-BFC8-98C46ABDA125}" srcOrd="0" destOrd="0" presId="urn:microsoft.com/office/officeart/2005/8/layout/radial1"/>
     <dgm:cxn modelId="{8436CF4D-72DB-4AB0-BFE2-90F3A03324FC}" type="presParOf" srcId="{55516179-44C9-4D7B-8407-53A83F7160FA}" destId="{1C6BE829-04DF-45DA-BD41-1D431069474D}" srcOrd="6" destOrd="0" presId="urn:microsoft.com/office/officeart/2005/8/layout/radial1"/>
-  </dgm:cxnLst>
-  <dgm:bg/>
-  <dgm:whole/>
-  <dgm:extLst>
-    <a:ext uri="http://schemas.microsoft.com/office/drawing/2008/diagram">
-      <dsp:dataModelExt xmlns:dsp="http://schemas.microsoft.com/office/drawing/2008/diagram" relId="rId7" minVer="http://schemas.openxmlformats.org/drawingml/2006/diagram"/>
-    </a:ext>
-  </dgm:extLst>
-</dgm:dataModel>
-</file>
-
-<file path=ppt/diagrams/data5.xml><?xml version="1.0" encoding="utf-8"?>
-<dgm:dataModel xmlns:dgm="http://schemas.openxmlformats.org/drawingml/2006/diagram" xmlns:a="http://schemas.openxmlformats.org/drawingml/2006/main">
-  <dgm:ptLst>
-    <dgm:pt modelId="{453AE418-DD77-4F01-9141-70DAE3AAE9CA}" type="doc">
-      <dgm:prSet loTypeId="urn:microsoft.com/office/officeart/2008/layout/LinedList" loCatId="list" qsTypeId="urn:microsoft.com/office/officeart/2005/8/quickstyle/simple1" qsCatId="simple" csTypeId="urn:microsoft.com/office/officeart/2005/8/colors/accent2_3" csCatId="accent2" phldr="1"/>
-      <dgm:spPr/>
-      <dgm:t>
-        <a:bodyPr/>
-        <a:lstStyle/>
-        <a:p>
-          <a:endParaRPr lang="en-US"/>
-        </a:p>
-      </dgm:t>
-    </dgm:pt>
-    <dgm:pt modelId="{29595D7C-1AB4-401E-B5CF-E2FA0742F8AB}">
-      <dgm:prSet phldrT="[Text]"/>
-      <dgm:spPr/>
-      <dgm:t>
-        <a:bodyPr/>
-        <a:lstStyle/>
-        <a:p>
-          <a:r>
-            <a:rPr lang="en-US" dirty="0"/>
-            <a:t>C#</a:t>
-          </a:r>
-        </a:p>
-      </dgm:t>
-    </dgm:pt>
-    <dgm:pt modelId="{C3AE418B-A187-4A22-B79B-5DF78B68367C}" type="parTrans" cxnId="{7F83B10C-73DD-44EC-9A15-3B16A5174353}">
-      <dgm:prSet/>
-      <dgm:spPr/>
-      <dgm:t>
-        <a:bodyPr/>
-        <a:lstStyle/>
-        <a:p>
-          <a:endParaRPr lang="en-US"/>
-        </a:p>
-      </dgm:t>
-    </dgm:pt>
-    <dgm:pt modelId="{5CA58C57-607A-4757-8260-471D38123DB0}" type="sibTrans" cxnId="{7F83B10C-73DD-44EC-9A15-3B16A5174353}">
-      <dgm:prSet/>
-      <dgm:spPr/>
-      <dgm:t>
-        <a:bodyPr/>
-        <a:lstStyle/>
-        <a:p>
-          <a:endParaRPr lang="en-US"/>
-        </a:p>
-      </dgm:t>
-    </dgm:pt>
-    <dgm:pt modelId="{544F0B5C-B47E-4753-8A1D-343C22A4B11E}">
-      <dgm:prSet phldrT="[Text]" custT="1"/>
-      <dgm:spPr/>
-      <dgm:t>
-        <a:bodyPr/>
-        <a:lstStyle/>
-        <a:p>
-          <a:r>
-            <a:rPr lang="en-US" sz="1600" dirty="0">
-              <a:latin typeface="Consolas" panose="020B0609020204030204" pitchFamily="49" charset="0"/>
-              <a:cs typeface="Consolas" panose="020B0609020204030204" pitchFamily="49" charset="0"/>
-            </a:rPr>
-            <a:t>await </a:t>
-          </a:r>
-          <a:r>
-            <a:rPr lang="en-US" sz="1600" dirty="0" err="1">
-              <a:latin typeface="Consolas" panose="020B0609020204030204" pitchFamily="49" charset="0"/>
-              <a:cs typeface="Consolas" panose="020B0609020204030204" pitchFamily="49" charset="0"/>
-            </a:rPr>
-            <a:t>hub.RegisterNativeAsync</a:t>
-          </a:r>
-          <a:r>
-            <a:rPr lang="en-US" sz="1600" dirty="0">
-              <a:latin typeface="Consolas" panose="020B0609020204030204" pitchFamily="49" charset="0"/>
-              <a:cs typeface="Consolas" panose="020B0609020204030204" pitchFamily="49" charset="0"/>
-            </a:rPr>
-            <a:t>(</a:t>
-          </a:r>
-          <a:r>
-            <a:rPr lang="en-US" sz="1600" dirty="0" err="1">
-              <a:latin typeface="Consolas" panose="020B0609020204030204" pitchFamily="49" charset="0"/>
-              <a:cs typeface="Consolas" panose="020B0609020204030204" pitchFamily="49" charset="0"/>
-            </a:rPr>
-            <a:t>channelUri</a:t>
-          </a:r>
-          <a:r>
-            <a:rPr lang="en-US" sz="1600" dirty="0">
-              <a:latin typeface="Consolas" panose="020B0609020204030204" pitchFamily="49" charset="0"/>
-              <a:cs typeface="Consolas" panose="020B0609020204030204" pitchFamily="49" charset="0"/>
-            </a:rPr>
-            <a:t>, tags);</a:t>
-          </a:r>
-        </a:p>
-      </dgm:t>
-    </dgm:pt>
-    <dgm:pt modelId="{B1378412-2308-43A0-BEAA-A3CC58DAFF1A}" type="parTrans" cxnId="{1DACF66E-31F6-4854-A43C-B2FBA84A4AF7}">
-      <dgm:prSet/>
-      <dgm:spPr/>
-      <dgm:t>
-        <a:bodyPr/>
-        <a:lstStyle/>
-        <a:p>
-          <a:endParaRPr lang="en-US"/>
-        </a:p>
-      </dgm:t>
-    </dgm:pt>
-    <dgm:pt modelId="{B290848D-FD7C-49EF-BE4F-995BD35E4D37}" type="sibTrans" cxnId="{1DACF66E-31F6-4854-A43C-B2FBA84A4AF7}">
-      <dgm:prSet/>
-      <dgm:spPr/>
-      <dgm:t>
-        <a:bodyPr/>
-        <a:lstStyle/>
-        <a:p>
-          <a:endParaRPr lang="en-US"/>
-        </a:p>
-      </dgm:t>
-    </dgm:pt>
-    <dgm:pt modelId="{2C012D58-52D0-44FC-A061-9522FD9B272D}">
-      <dgm:prSet phldrT="[Text]"/>
-      <dgm:spPr/>
-      <dgm:t>
-        <a:bodyPr/>
-        <a:lstStyle/>
-        <a:p>
-          <a:r>
-            <a:rPr lang="en-US" dirty="0"/>
-            <a:t>Objective-C</a:t>
-          </a:r>
-        </a:p>
-      </dgm:t>
-    </dgm:pt>
-    <dgm:pt modelId="{DF2A471B-409D-4DDE-8441-E433C5B5123B}" type="parTrans" cxnId="{A39BB3A3-B86B-4699-A0AD-563CC2FB3AA6}">
-      <dgm:prSet/>
-      <dgm:spPr/>
-      <dgm:t>
-        <a:bodyPr/>
-        <a:lstStyle/>
-        <a:p>
-          <a:endParaRPr lang="en-US"/>
-        </a:p>
-      </dgm:t>
-    </dgm:pt>
-    <dgm:pt modelId="{98EFF0F6-D285-4250-B36D-8D704C251E43}" type="sibTrans" cxnId="{A39BB3A3-B86B-4699-A0AD-563CC2FB3AA6}">
-      <dgm:prSet/>
-      <dgm:spPr/>
-      <dgm:t>
-        <a:bodyPr/>
-        <a:lstStyle/>
-        <a:p>
-          <a:endParaRPr lang="en-US"/>
-        </a:p>
-      </dgm:t>
-    </dgm:pt>
-    <dgm:pt modelId="{6379AD19-5082-4A1C-81B1-D6869F60FD7A}">
-      <dgm:prSet phldrT="[Text]" custT="1"/>
-      <dgm:spPr/>
-      <dgm:t>
-        <a:bodyPr/>
-        <a:lstStyle/>
-        <a:p>
-          <a:r>
-            <a:rPr lang="en-US" sz="1500" dirty="0"/>
-            <a:t> </a:t>
-          </a:r>
-          <a:r>
-            <a:rPr lang="en-US" sz="1600" dirty="0">
-              <a:latin typeface="Consolas" panose="020B0609020204030204" pitchFamily="49" charset="0"/>
-              <a:cs typeface="Consolas" panose="020B0609020204030204" pitchFamily="49" charset="0"/>
-            </a:rPr>
-            <a:t>[hub </a:t>
-          </a:r>
-          <a:r>
-            <a:rPr lang="en-US" sz="1600" dirty="0" err="1">
-              <a:latin typeface="Consolas" panose="020B0609020204030204" pitchFamily="49" charset="0"/>
-              <a:cs typeface="Consolas" panose="020B0609020204030204" pitchFamily="49" charset="0"/>
-            </a:rPr>
-            <a:t>registerNativeWithDeviceToken:deviceTOken</a:t>
-          </a:r>
-          <a:r>
-            <a:rPr lang="en-US" sz="1600" dirty="0">
-              <a:latin typeface="Consolas" panose="020B0609020204030204" pitchFamily="49" charset="0"/>
-              <a:cs typeface="Consolas" panose="020B0609020204030204" pitchFamily="49" charset="0"/>
-            </a:rPr>
-            <a:t> </a:t>
-          </a:r>
-          <a:r>
-            <a:rPr lang="en-US" sz="1600" dirty="0" err="1">
-              <a:latin typeface="Consolas" panose="020B0609020204030204" pitchFamily="49" charset="0"/>
-              <a:cs typeface="Consolas" panose="020B0609020204030204" pitchFamily="49" charset="0"/>
-            </a:rPr>
-            <a:t>tags:nil</a:t>
-          </a:r>
-          <a:r>
-            <a:rPr lang="en-US" sz="1600" dirty="0">
-              <a:latin typeface="Consolas" panose="020B0609020204030204" pitchFamily="49" charset="0"/>
-              <a:cs typeface="Consolas" panose="020B0609020204030204" pitchFamily="49" charset="0"/>
-            </a:rPr>
-            <a:t> completion:^(</a:t>
-          </a:r>
-          <a:r>
-            <a:rPr lang="en-US" sz="1600" dirty="0" err="1">
-              <a:latin typeface="Consolas" panose="020B0609020204030204" pitchFamily="49" charset="0"/>
-              <a:cs typeface="Consolas" panose="020B0609020204030204" pitchFamily="49" charset="0"/>
-            </a:rPr>
-            <a:t>NSError</a:t>
-          </a:r>
-          <a:r>
-            <a:rPr lang="en-US" sz="1600" dirty="0">
-              <a:latin typeface="Consolas" panose="020B0609020204030204" pitchFamily="49" charset="0"/>
-              <a:cs typeface="Consolas" panose="020B0609020204030204" pitchFamily="49" charset="0"/>
-            </a:rPr>
-            <a:t>* error) {</a:t>
-          </a:r>
-          <a:br>
-            <a:rPr lang="en-US" sz="1600" dirty="0">
-              <a:latin typeface="Consolas" panose="020B0609020204030204" pitchFamily="49" charset="0"/>
-              <a:cs typeface="Consolas" panose="020B0609020204030204" pitchFamily="49" charset="0"/>
-            </a:rPr>
-          </a:br>
-          <a:r>
-            <a:rPr lang="en-US" sz="1600" dirty="0">
-              <a:latin typeface="Consolas" panose="020B0609020204030204" pitchFamily="49" charset="0"/>
-              <a:cs typeface="Consolas" panose="020B0609020204030204" pitchFamily="49" charset="0"/>
-            </a:rPr>
-            <a:t>	if (error != nil) {</a:t>
-          </a:r>
-          <a:br>
-            <a:rPr lang="en-US" sz="1600" dirty="0">
-              <a:latin typeface="Consolas" panose="020B0609020204030204" pitchFamily="49" charset="0"/>
-              <a:cs typeface="Consolas" panose="020B0609020204030204" pitchFamily="49" charset="0"/>
-            </a:rPr>
-          </a:br>
-          <a:r>
-            <a:rPr lang="en-US" sz="1600" dirty="0">
-              <a:latin typeface="Consolas" panose="020B0609020204030204" pitchFamily="49" charset="0"/>
-              <a:cs typeface="Consolas" panose="020B0609020204030204" pitchFamily="49" charset="0"/>
-            </a:rPr>
-            <a:t>		</a:t>
-          </a:r>
-          <a:r>
-            <a:rPr lang="en-US" sz="1600" dirty="0" err="1">
-              <a:latin typeface="Consolas" panose="020B0609020204030204" pitchFamily="49" charset="0"/>
-              <a:cs typeface="Consolas" panose="020B0609020204030204" pitchFamily="49" charset="0"/>
-            </a:rPr>
-            <a:t>NSLog</a:t>
-          </a:r>
-          <a:r>
-            <a:rPr lang="en-US" sz="1600" dirty="0">
-              <a:latin typeface="Consolas" panose="020B0609020204030204" pitchFamily="49" charset="0"/>
-              <a:cs typeface="Consolas" panose="020B0609020204030204" pitchFamily="49" charset="0"/>
-            </a:rPr>
-            <a:t>(@”Error registering for notifications: %@”, error);</a:t>
-          </a:r>
-          <a:br>
-            <a:rPr lang="en-US" sz="1600" dirty="0">
-              <a:latin typeface="Consolas" panose="020B0609020204030204" pitchFamily="49" charset="0"/>
-              <a:cs typeface="Consolas" panose="020B0609020204030204" pitchFamily="49" charset="0"/>
-            </a:rPr>
-          </a:br>
-          <a:r>
-            <a:rPr lang="en-US" sz="1600" dirty="0">
-              <a:latin typeface="Consolas" panose="020B0609020204030204" pitchFamily="49" charset="0"/>
-              <a:cs typeface="Consolas" panose="020B0609020204030204" pitchFamily="49" charset="0"/>
-            </a:rPr>
-            <a:t>	}</a:t>
-          </a:r>
-          <a:br>
-            <a:rPr lang="en-US" sz="1600" dirty="0">
-              <a:latin typeface="Consolas" panose="020B0609020204030204" pitchFamily="49" charset="0"/>
-              <a:cs typeface="Consolas" panose="020B0609020204030204" pitchFamily="49" charset="0"/>
-            </a:rPr>
-          </a:br>
-          <a:r>
-            <a:rPr lang="en-US" sz="1600" dirty="0">
-              <a:latin typeface="Consolas" panose="020B0609020204030204" pitchFamily="49" charset="0"/>
-              <a:cs typeface="Consolas" panose="020B0609020204030204" pitchFamily="49" charset="0"/>
-            </a:rPr>
-            <a:t>}];</a:t>
-          </a:r>
-        </a:p>
-      </dgm:t>
-    </dgm:pt>
-    <dgm:pt modelId="{51A99C26-68A1-4CD0-96E0-CA8E161A2F70}" type="parTrans" cxnId="{6FF0E40F-C04A-4B60-9127-EE78D179F2CF}">
-      <dgm:prSet/>
-      <dgm:spPr/>
-      <dgm:t>
-        <a:bodyPr/>
-        <a:lstStyle/>
-        <a:p>
-          <a:endParaRPr lang="en-US"/>
-        </a:p>
-      </dgm:t>
-    </dgm:pt>
-    <dgm:pt modelId="{65519053-D9EA-4836-84B5-C28B3C773D6E}" type="sibTrans" cxnId="{6FF0E40F-C04A-4B60-9127-EE78D179F2CF}">
-      <dgm:prSet/>
-      <dgm:spPr/>
-      <dgm:t>
-        <a:bodyPr/>
-        <a:lstStyle/>
-        <a:p>
-          <a:endParaRPr lang="en-US"/>
-        </a:p>
-      </dgm:t>
-    </dgm:pt>
-    <dgm:pt modelId="{D28B85C0-C715-41DF-AA3B-31BCAB71F934}">
-      <dgm:prSet phldrT="[Text]" custT="1"/>
-      <dgm:spPr/>
-      <dgm:t>
-        <a:bodyPr/>
-        <a:lstStyle/>
-        <a:p>
-          <a:r>
-            <a:rPr lang="en-US" sz="2200" dirty="0"/>
-            <a:t>Java</a:t>
-          </a:r>
-        </a:p>
-      </dgm:t>
-    </dgm:pt>
-    <dgm:pt modelId="{F567AC50-DD64-44D4-95FD-CB206B2B2A9A}" type="parTrans" cxnId="{319FC155-6C39-4B8C-9D44-FF477EEE6555}">
-      <dgm:prSet/>
-      <dgm:spPr/>
-      <dgm:t>
-        <a:bodyPr/>
-        <a:lstStyle/>
-        <a:p>
-          <a:endParaRPr lang="en-US"/>
-        </a:p>
-      </dgm:t>
-    </dgm:pt>
-    <dgm:pt modelId="{5176DDD9-DE07-450D-868A-14B4838BE00C}" type="sibTrans" cxnId="{319FC155-6C39-4B8C-9D44-FF477EEE6555}">
-      <dgm:prSet/>
-      <dgm:spPr/>
-      <dgm:t>
-        <a:bodyPr/>
-        <a:lstStyle/>
-        <a:p>
-          <a:endParaRPr lang="en-US"/>
-        </a:p>
-      </dgm:t>
-    </dgm:pt>
-    <dgm:pt modelId="{48E2DFD6-BA8C-4144-BB42-AA6FE76BE331}">
-      <dgm:prSet phldrT="[Text]" custT="1"/>
-      <dgm:spPr/>
-      <dgm:t>
-        <a:bodyPr/>
-        <a:lstStyle/>
-        <a:p>
-          <a:r>
-            <a:rPr lang="en-US" sz="1600">
-              <a:latin typeface="Consolas" panose="020B0609020204030204" pitchFamily="49" charset="0"/>
-              <a:cs typeface="Consolas" panose="020B0609020204030204" pitchFamily="49" charset="0"/>
-            </a:rPr>
-            <a:t>hub.register(regid</a:t>
-          </a:r>
-          <a:r>
-            <a:rPr lang="en-US" sz="1600" dirty="0">
-              <a:latin typeface="Consolas" panose="020B0609020204030204" pitchFamily="49" charset="0"/>
-              <a:cs typeface="Consolas" panose="020B0609020204030204" pitchFamily="49" charset="0"/>
-            </a:rPr>
-            <a:t>, tags);</a:t>
-          </a:r>
-          <a:endParaRPr lang="en-US" dirty="0"/>
-        </a:p>
-      </dgm:t>
-    </dgm:pt>
-    <dgm:pt modelId="{B24F346E-F7B3-4F69-9DE9-8D090700B2F9}" type="parTrans" cxnId="{16BB9867-5D76-44B8-A6A2-9DC1122800BB}">
-      <dgm:prSet/>
-      <dgm:spPr/>
-      <dgm:t>
-        <a:bodyPr/>
-        <a:lstStyle/>
-        <a:p>
-          <a:endParaRPr lang="en-US"/>
-        </a:p>
-      </dgm:t>
-    </dgm:pt>
-    <dgm:pt modelId="{D8981D4D-B45B-49C5-9486-79CEEA3F63CC}" type="sibTrans" cxnId="{16BB9867-5D76-44B8-A6A2-9DC1122800BB}">
-      <dgm:prSet/>
-      <dgm:spPr/>
-      <dgm:t>
-        <a:bodyPr/>
-        <a:lstStyle/>
-        <a:p>
-          <a:endParaRPr lang="en-US"/>
-        </a:p>
-      </dgm:t>
-    </dgm:pt>
-    <dgm:pt modelId="{DA8E6D88-9661-427C-A3D9-5C23DAF2ECC0}" type="pres">
-      <dgm:prSet presAssocID="{453AE418-DD77-4F01-9141-70DAE3AAE9CA}" presName="vert0" presStyleCnt="0">
-        <dgm:presLayoutVars>
-          <dgm:dir/>
-          <dgm:animOne val="branch"/>
-          <dgm:animLvl val="lvl"/>
-        </dgm:presLayoutVars>
-      </dgm:prSet>
-      <dgm:spPr/>
-    </dgm:pt>
-    <dgm:pt modelId="{B274ED89-D3F3-4CCD-90AC-9AB589326416}" type="pres">
-      <dgm:prSet presAssocID="{29595D7C-1AB4-401E-B5CF-E2FA0742F8AB}" presName="thickLine" presStyleLbl="alignNode1" presStyleIdx="0" presStyleCnt="3"/>
-      <dgm:spPr/>
-    </dgm:pt>
-    <dgm:pt modelId="{CDCCB043-153D-428E-B73F-2CEFD409E54E}" type="pres">
-      <dgm:prSet presAssocID="{29595D7C-1AB4-401E-B5CF-E2FA0742F8AB}" presName="horz1" presStyleCnt="0"/>
-      <dgm:spPr/>
-    </dgm:pt>
-    <dgm:pt modelId="{236C156C-102F-4B61-929C-BD8EF4540C03}" type="pres">
-      <dgm:prSet presAssocID="{29595D7C-1AB4-401E-B5CF-E2FA0742F8AB}" presName="tx1" presStyleLbl="revTx" presStyleIdx="0" presStyleCnt="6"/>
-      <dgm:spPr/>
-    </dgm:pt>
-    <dgm:pt modelId="{4EB50D34-54D0-4D20-A06F-9C7DD6180820}" type="pres">
-      <dgm:prSet presAssocID="{29595D7C-1AB4-401E-B5CF-E2FA0742F8AB}" presName="vert1" presStyleCnt="0"/>
-      <dgm:spPr/>
-    </dgm:pt>
-    <dgm:pt modelId="{CDE199E8-7D30-4599-A544-2611EEB01AE7}" type="pres">
-      <dgm:prSet presAssocID="{544F0B5C-B47E-4753-8A1D-343C22A4B11E}" presName="vertSpace2a" presStyleCnt="0"/>
-      <dgm:spPr/>
-    </dgm:pt>
-    <dgm:pt modelId="{B7388C18-D838-413E-94EE-95321549CD5B}" type="pres">
-      <dgm:prSet presAssocID="{544F0B5C-B47E-4753-8A1D-343C22A4B11E}" presName="horz2" presStyleCnt="0"/>
-      <dgm:spPr/>
-    </dgm:pt>
-    <dgm:pt modelId="{7FBB18A7-0540-414C-98E5-67EA6BF6ACD1}" type="pres">
-      <dgm:prSet presAssocID="{544F0B5C-B47E-4753-8A1D-343C22A4B11E}" presName="horzSpace2" presStyleCnt="0"/>
-      <dgm:spPr/>
-    </dgm:pt>
-    <dgm:pt modelId="{E545FA52-3804-4185-83FE-A55129DB5D12}" type="pres">
-      <dgm:prSet presAssocID="{544F0B5C-B47E-4753-8A1D-343C22A4B11E}" presName="tx2" presStyleLbl="revTx" presStyleIdx="1" presStyleCnt="6"/>
-      <dgm:spPr/>
-    </dgm:pt>
-    <dgm:pt modelId="{0CA85F8D-13F7-4CD0-AD84-46F34D5FAE07}" type="pres">
-      <dgm:prSet presAssocID="{544F0B5C-B47E-4753-8A1D-343C22A4B11E}" presName="vert2" presStyleCnt="0"/>
-      <dgm:spPr/>
-    </dgm:pt>
-    <dgm:pt modelId="{1F92761B-C28A-48F1-AE02-079E868CDE5F}" type="pres">
-      <dgm:prSet presAssocID="{544F0B5C-B47E-4753-8A1D-343C22A4B11E}" presName="thinLine2b" presStyleLbl="callout" presStyleIdx="0" presStyleCnt="3"/>
-      <dgm:spPr/>
-    </dgm:pt>
-    <dgm:pt modelId="{6424B3EF-C9D8-4A56-A97C-6A3E5C2CC574}" type="pres">
-      <dgm:prSet presAssocID="{544F0B5C-B47E-4753-8A1D-343C22A4B11E}" presName="vertSpace2b" presStyleCnt="0"/>
-      <dgm:spPr/>
-    </dgm:pt>
-    <dgm:pt modelId="{5C493AEA-3F75-4E27-AAB4-3FC64D28FDC9}" type="pres">
-      <dgm:prSet presAssocID="{2C012D58-52D0-44FC-A061-9522FD9B272D}" presName="thickLine" presStyleLbl="alignNode1" presStyleIdx="1" presStyleCnt="3"/>
-      <dgm:spPr/>
-    </dgm:pt>
-    <dgm:pt modelId="{AAE9C6A7-6BD4-4FBC-98DA-516C3A008B62}" type="pres">
-      <dgm:prSet presAssocID="{2C012D58-52D0-44FC-A061-9522FD9B272D}" presName="horz1" presStyleCnt="0"/>
-      <dgm:spPr/>
-    </dgm:pt>
-    <dgm:pt modelId="{C6961D1B-55D9-4C7A-A3F7-2C0CF148B58F}" type="pres">
-      <dgm:prSet presAssocID="{2C012D58-52D0-44FC-A061-9522FD9B272D}" presName="tx1" presStyleLbl="revTx" presStyleIdx="2" presStyleCnt="6"/>
-      <dgm:spPr/>
-    </dgm:pt>
-    <dgm:pt modelId="{E14E638C-D31C-4D3D-9131-166B92F2E5FD}" type="pres">
-      <dgm:prSet presAssocID="{2C012D58-52D0-44FC-A061-9522FD9B272D}" presName="vert1" presStyleCnt="0"/>
-      <dgm:spPr/>
-    </dgm:pt>
-    <dgm:pt modelId="{4EFE23C3-5E32-4BFD-B18E-2F8786603AFE}" type="pres">
-      <dgm:prSet presAssocID="{6379AD19-5082-4A1C-81B1-D6869F60FD7A}" presName="vertSpace2a" presStyleCnt="0"/>
-      <dgm:spPr/>
-    </dgm:pt>
-    <dgm:pt modelId="{3264D759-8039-4639-95F6-E17585D23334}" type="pres">
-      <dgm:prSet presAssocID="{6379AD19-5082-4A1C-81B1-D6869F60FD7A}" presName="horz2" presStyleCnt="0"/>
-      <dgm:spPr/>
-    </dgm:pt>
-    <dgm:pt modelId="{46186EE2-346A-415A-89C0-FB24E3DAB33B}" type="pres">
-      <dgm:prSet presAssocID="{6379AD19-5082-4A1C-81B1-D6869F60FD7A}" presName="horzSpace2" presStyleCnt="0"/>
-      <dgm:spPr/>
-    </dgm:pt>
-    <dgm:pt modelId="{777E3AFA-20FC-4304-8895-CBAAFB07EA20}" type="pres">
-      <dgm:prSet presAssocID="{6379AD19-5082-4A1C-81B1-D6869F60FD7A}" presName="tx2" presStyleLbl="revTx" presStyleIdx="3" presStyleCnt="6"/>
-      <dgm:spPr/>
-    </dgm:pt>
-    <dgm:pt modelId="{E9CA7240-5964-410F-BE5E-BE546142A3D0}" type="pres">
-      <dgm:prSet presAssocID="{6379AD19-5082-4A1C-81B1-D6869F60FD7A}" presName="vert2" presStyleCnt="0"/>
-      <dgm:spPr/>
-    </dgm:pt>
-    <dgm:pt modelId="{57C7CEB5-2173-4481-99A7-EEC3D2F3B0D6}" type="pres">
-      <dgm:prSet presAssocID="{6379AD19-5082-4A1C-81B1-D6869F60FD7A}" presName="thinLine2b" presStyleLbl="callout" presStyleIdx="1" presStyleCnt="3"/>
-      <dgm:spPr/>
-    </dgm:pt>
-    <dgm:pt modelId="{5859F5CE-25F2-4C12-A4E6-7D1A60A089D6}" type="pres">
-      <dgm:prSet presAssocID="{6379AD19-5082-4A1C-81B1-D6869F60FD7A}" presName="vertSpace2b" presStyleCnt="0"/>
-      <dgm:spPr/>
-    </dgm:pt>
-    <dgm:pt modelId="{0F6FC528-84B6-4FD5-8095-83E070C64FD9}" type="pres">
-      <dgm:prSet presAssocID="{D28B85C0-C715-41DF-AA3B-31BCAB71F934}" presName="thickLine" presStyleLbl="alignNode1" presStyleIdx="2" presStyleCnt="3"/>
-      <dgm:spPr/>
-    </dgm:pt>
-    <dgm:pt modelId="{AC052F83-0545-46D8-A308-FC1A5BBEEE41}" type="pres">
-      <dgm:prSet presAssocID="{D28B85C0-C715-41DF-AA3B-31BCAB71F934}" presName="horz1" presStyleCnt="0"/>
-      <dgm:spPr/>
-    </dgm:pt>
-    <dgm:pt modelId="{6DB7B5B5-1A9E-4450-86EF-56E1DA78BF39}" type="pres">
-      <dgm:prSet presAssocID="{D28B85C0-C715-41DF-AA3B-31BCAB71F934}" presName="tx1" presStyleLbl="revTx" presStyleIdx="4" presStyleCnt="6"/>
-      <dgm:spPr/>
-    </dgm:pt>
-    <dgm:pt modelId="{0798C54B-434F-4893-AD75-1D17612F934A}" type="pres">
-      <dgm:prSet presAssocID="{D28B85C0-C715-41DF-AA3B-31BCAB71F934}" presName="vert1" presStyleCnt="0"/>
-      <dgm:spPr/>
-    </dgm:pt>
-    <dgm:pt modelId="{EA7E454E-09E7-4278-8A9B-83DDC8A5DDC6}" type="pres">
-      <dgm:prSet presAssocID="{48E2DFD6-BA8C-4144-BB42-AA6FE76BE331}" presName="vertSpace2a" presStyleCnt="0"/>
-      <dgm:spPr/>
-    </dgm:pt>
-    <dgm:pt modelId="{7D5A13E1-0A3C-46C9-9749-278945F549E7}" type="pres">
-      <dgm:prSet presAssocID="{48E2DFD6-BA8C-4144-BB42-AA6FE76BE331}" presName="horz2" presStyleCnt="0"/>
-      <dgm:spPr/>
-    </dgm:pt>
-    <dgm:pt modelId="{033C4392-C016-46C3-ACD8-08CB1248DA8C}" type="pres">
-      <dgm:prSet presAssocID="{48E2DFD6-BA8C-4144-BB42-AA6FE76BE331}" presName="horzSpace2" presStyleCnt="0"/>
-      <dgm:spPr/>
-    </dgm:pt>
-    <dgm:pt modelId="{0CF2FBAD-8775-434B-84BC-0CF2164F6A76}" type="pres">
-      <dgm:prSet presAssocID="{48E2DFD6-BA8C-4144-BB42-AA6FE76BE331}" presName="tx2" presStyleLbl="revTx" presStyleIdx="5" presStyleCnt="6"/>
-      <dgm:spPr/>
-    </dgm:pt>
-    <dgm:pt modelId="{EDDA4DCC-8A5A-4422-90F8-2EA639C0765C}" type="pres">
-      <dgm:prSet presAssocID="{48E2DFD6-BA8C-4144-BB42-AA6FE76BE331}" presName="vert2" presStyleCnt="0"/>
-      <dgm:spPr/>
-    </dgm:pt>
-    <dgm:pt modelId="{A4EB8FE8-68F9-4B97-A583-A58E5363222E}" type="pres">
-      <dgm:prSet presAssocID="{48E2DFD6-BA8C-4144-BB42-AA6FE76BE331}" presName="thinLine2b" presStyleLbl="callout" presStyleIdx="2" presStyleCnt="3"/>
-      <dgm:spPr/>
-    </dgm:pt>
-    <dgm:pt modelId="{3426F50C-57C6-4F62-ADA0-6C4FA90150D4}" type="pres">
-      <dgm:prSet presAssocID="{48E2DFD6-BA8C-4144-BB42-AA6FE76BE331}" presName="vertSpace2b" presStyleCnt="0"/>
-      <dgm:spPr/>
-    </dgm:pt>
-  </dgm:ptLst>
-  <dgm:cxnLst>
-    <dgm:cxn modelId="{7F83B10C-73DD-44EC-9A15-3B16A5174353}" srcId="{453AE418-DD77-4F01-9141-70DAE3AAE9CA}" destId="{29595D7C-1AB4-401E-B5CF-E2FA0742F8AB}" srcOrd="0" destOrd="0" parTransId="{C3AE418B-A187-4A22-B79B-5DF78B68367C}" sibTransId="{5CA58C57-607A-4757-8260-471D38123DB0}"/>
-    <dgm:cxn modelId="{6FF0E40F-C04A-4B60-9127-EE78D179F2CF}" srcId="{2C012D58-52D0-44FC-A061-9522FD9B272D}" destId="{6379AD19-5082-4A1C-81B1-D6869F60FD7A}" srcOrd="0" destOrd="0" parTransId="{51A99C26-68A1-4CD0-96E0-CA8E161A2F70}" sibTransId="{65519053-D9EA-4836-84B5-C28B3C773D6E}"/>
-    <dgm:cxn modelId="{16BB9867-5D76-44B8-A6A2-9DC1122800BB}" srcId="{D28B85C0-C715-41DF-AA3B-31BCAB71F934}" destId="{48E2DFD6-BA8C-4144-BB42-AA6FE76BE331}" srcOrd="0" destOrd="0" parTransId="{B24F346E-F7B3-4F69-9DE9-8D090700B2F9}" sibTransId="{D8981D4D-B45B-49C5-9486-79CEEA3F63CC}"/>
-    <dgm:cxn modelId="{1DACF66E-31F6-4854-A43C-B2FBA84A4AF7}" srcId="{29595D7C-1AB4-401E-B5CF-E2FA0742F8AB}" destId="{544F0B5C-B47E-4753-8A1D-343C22A4B11E}" srcOrd="0" destOrd="0" parTransId="{B1378412-2308-43A0-BEAA-A3CC58DAFF1A}" sibTransId="{B290848D-FD7C-49EF-BE4F-995BD35E4D37}"/>
-    <dgm:cxn modelId="{319FC155-6C39-4B8C-9D44-FF477EEE6555}" srcId="{453AE418-DD77-4F01-9141-70DAE3AAE9CA}" destId="{D28B85C0-C715-41DF-AA3B-31BCAB71F934}" srcOrd="2" destOrd="0" parTransId="{F567AC50-DD64-44D4-95FD-CB206B2B2A9A}" sibTransId="{5176DDD9-DE07-450D-868A-14B4838BE00C}"/>
-    <dgm:cxn modelId="{04C7E380-B1CF-4DA7-9DE8-ABFFA1EAB317}" type="presOf" srcId="{544F0B5C-B47E-4753-8A1D-343C22A4B11E}" destId="{E545FA52-3804-4185-83FE-A55129DB5D12}" srcOrd="0" destOrd="0" presId="urn:microsoft.com/office/officeart/2008/layout/LinedList"/>
-    <dgm:cxn modelId="{AAB3B98A-A49D-4585-8660-51027E075568}" type="presOf" srcId="{2C012D58-52D0-44FC-A061-9522FD9B272D}" destId="{C6961D1B-55D9-4C7A-A3F7-2C0CF148B58F}" srcOrd="0" destOrd="0" presId="urn:microsoft.com/office/officeart/2008/layout/LinedList"/>
-    <dgm:cxn modelId="{A39BB3A3-B86B-4699-A0AD-563CC2FB3AA6}" srcId="{453AE418-DD77-4F01-9141-70DAE3AAE9CA}" destId="{2C012D58-52D0-44FC-A061-9522FD9B272D}" srcOrd="1" destOrd="0" parTransId="{DF2A471B-409D-4DDE-8441-E433C5B5123B}" sibTransId="{98EFF0F6-D285-4250-B36D-8D704C251E43}"/>
-    <dgm:cxn modelId="{355146AA-6E22-4EDA-B269-64D007730C22}" type="presOf" srcId="{48E2DFD6-BA8C-4144-BB42-AA6FE76BE331}" destId="{0CF2FBAD-8775-434B-84BC-0CF2164F6A76}" srcOrd="0" destOrd="0" presId="urn:microsoft.com/office/officeart/2008/layout/LinedList"/>
-    <dgm:cxn modelId="{718559AB-DCB1-4B7A-8D26-2B54C0EE17AE}" type="presOf" srcId="{453AE418-DD77-4F01-9141-70DAE3AAE9CA}" destId="{DA8E6D88-9661-427C-A3D9-5C23DAF2ECC0}" srcOrd="0" destOrd="0" presId="urn:microsoft.com/office/officeart/2008/layout/LinedList"/>
-    <dgm:cxn modelId="{67076CC0-8382-4ED2-8BBF-7FD4CB6B00FE}" type="presOf" srcId="{29595D7C-1AB4-401E-B5CF-E2FA0742F8AB}" destId="{236C156C-102F-4B61-929C-BD8EF4540C03}" srcOrd="0" destOrd="0" presId="urn:microsoft.com/office/officeart/2008/layout/LinedList"/>
-    <dgm:cxn modelId="{C72128C3-28C9-4448-9527-8A3E8C02146D}" type="presOf" srcId="{D28B85C0-C715-41DF-AA3B-31BCAB71F934}" destId="{6DB7B5B5-1A9E-4450-86EF-56E1DA78BF39}" srcOrd="0" destOrd="0" presId="urn:microsoft.com/office/officeart/2008/layout/LinedList"/>
-    <dgm:cxn modelId="{8B0C58EA-567C-47FB-B64A-44B329BEA686}" type="presOf" srcId="{6379AD19-5082-4A1C-81B1-D6869F60FD7A}" destId="{777E3AFA-20FC-4304-8895-CBAAFB07EA20}" srcOrd="0" destOrd="0" presId="urn:microsoft.com/office/officeart/2008/layout/LinedList"/>
-    <dgm:cxn modelId="{E9D19AB1-390C-4C68-9BE1-23A7F0B3EDEB}" type="presParOf" srcId="{DA8E6D88-9661-427C-A3D9-5C23DAF2ECC0}" destId="{B274ED89-D3F3-4CCD-90AC-9AB589326416}" srcOrd="0" destOrd="0" presId="urn:microsoft.com/office/officeart/2008/layout/LinedList"/>
-    <dgm:cxn modelId="{2E5A97CB-97F8-4B78-882C-B2BDD82661AA}" type="presParOf" srcId="{DA8E6D88-9661-427C-A3D9-5C23DAF2ECC0}" destId="{CDCCB043-153D-428E-B73F-2CEFD409E54E}" srcOrd="1" destOrd="0" presId="urn:microsoft.com/office/officeart/2008/layout/LinedList"/>
-    <dgm:cxn modelId="{823C3E12-9B03-4154-B94D-B7006C280C99}" type="presParOf" srcId="{CDCCB043-153D-428E-B73F-2CEFD409E54E}" destId="{236C156C-102F-4B61-929C-BD8EF4540C03}" srcOrd="0" destOrd="0" presId="urn:microsoft.com/office/officeart/2008/layout/LinedList"/>
-    <dgm:cxn modelId="{9FF79E9B-ECEF-460B-981F-465D889369B7}" type="presParOf" srcId="{CDCCB043-153D-428E-B73F-2CEFD409E54E}" destId="{4EB50D34-54D0-4D20-A06F-9C7DD6180820}" srcOrd="1" destOrd="0" presId="urn:microsoft.com/office/officeart/2008/layout/LinedList"/>
-    <dgm:cxn modelId="{F423D397-2308-423E-8FE5-5D7F34C31A75}" type="presParOf" srcId="{4EB50D34-54D0-4D20-A06F-9C7DD6180820}" destId="{CDE199E8-7D30-4599-A544-2611EEB01AE7}" srcOrd="0" destOrd="0" presId="urn:microsoft.com/office/officeart/2008/layout/LinedList"/>
-    <dgm:cxn modelId="{CB50F4B1-9D93-4C23-B711-69CD81489E45}" type="presParOf" srcId="{4EB50D34-54D0-4D20-A06F-9C7DD6180820}" destId="{B7388C18-D838-413E-94EE-95321549CD5B}" srcOrd="1" destOrd="0" presId="urn:microsoft.com/office/officeart/2008/layout/LinedList"/>
-    <dgm:cxn modelId="{8354E83F-56E8-437C-AD72-8A52DC80A14F}" type="presParOf" srcId="{B7388C18-D838-413E-94EE-95321549CD5B}" destId="{7FBB18A7-0540-414C-98E5-67EA6BF6ACD1}" srcOrd="0" destOrd="0" presId="urn:microsoft.com/office/officeart/2008/layout/LinedList"/>
-    <dgm:cxn modelId="{807A2D69-54B9-4F63-B99B-7457CED11467}" type="presParOf" srcId="{B7388C18-D838-413E-94EE-95321549CD5B}" destId="{E545FA52-3804-4185-83FE-A55129DB5D12}" srcOrd="1" destOrd="0" presId="urn:microsoft.com/office/officeart/2008/layout/LinedList"/>
-    <dgm:cxn modelId="{5D60686C-8E76-4E30-A8AC-AED873A70790}" type="presParOf" srcId="{B7388C18-D838-413E-94EE-95321549CD5B}" destId="{0CA85F8D-13F7-4CD0-AD84-46F34D5FAE07}" srcOrd="2" destOrd="0" presId="urn:microsoft.com/office/officeart/2008/layout/LinedList"/>
-    <dgm:cxn modelId="{74C1F74C-CB96-48EB-9D91-AB25C8369BD6}" type="presParOf" srcId="{4EB50D34-54D0-4D20-A06F-9C7DD6180820}" destId="{1F92761B-C28A-48F1-AE02-079E868CDE5F}" srcOrd="2" destOrd="0" presId="urn:microsoft.com/office/officeart/2008/layout/LinedList"/>
-    <dgm:cxn modelId="{1C674396-561E-4F72-91B5-8FA30A578F9E}" type="presParOf" srcId="{4EB50D34-54D0-4D20-A06F-9C7DD6180820}" destId="{6424B3EF-C9D8-4A56-A97C-6A3E5C2CC574}" srcOrd="3" destOrd="0" presId="urn:microsoft.com/office/officeart/2008/layout/LinedList"/>
-    <dgm:cxn modelId="{36F729D8-7F2D-4590-A3EA-9726FA0AFEAF}" type="presParOf" srcId="{DA8E6D88-9661-427C-A3D9-5C23DAF2ECC0}" destId="{5C493AEA-3F75-4E27-AAB4-3FC64D28FDC9}" srcOrd="2" destOrd="0" presId="urn:microsoft.com/office/officeart/2008/layout/LinedList"/>
-    <dgm:cxn modelId="{99E01312-2C47-4484-8364-659E978E7B0E}" type="presParOf" srcId="{DA8E6D88-9661-427C-A3D9-5C23DAF2ECC0}" destId="{AAE9C6A7-6BD4-4FBC-98DA-516C3A008B62}" srcOrd="3" destOrd="0" presId="urn:microsoft.com/office/officeart/2008/layout/LinedList"/>
-    <dgm:cxn modelId="{A5A1B93D-0555-494F-90D4-E5A909F64854}" type="presParOf" srcId="{AAE9C6A7-6BD4-4FBC-98DA-516C3A008B62}" destId="{C6961D1B-55D9-4C7A-A3F7-2C0CF148B58F}" srcOrd="0" destOrd="0" presId="urn:microsoft.com/office/officeart/2008/layout/LinedList"/>
-    <dgm:cxn modelId="{02AA9F5B-8ABD-4C35-8F36-DC9FA52AA87F}" type="presParOf" srcId="{AAE9C6A7-6BD4-4FBC-98DA-516C3A008B62}" destId="{E14E638C-D31C-4D3D-9131-166B92F2E5FD}" srcOrd="1" destOrd="0" presId="urn:microsoft.com/office/officeart/2008/layout/LinedList"/>
-    <dgm:cxn modelId="{566AFEE5-EFD3-4438-A4C7-A413E6853458}" type="presParOf" srcId="{E14E638C-D31C-4D3D-9131-166B92F2E5FD}" destId="{4EFE23C3-5E32-4BFD-B18E-2F8786603AFE}" srcOrd="0" destOrd="0" presId="urn:microsoft.com/office/officeart/2008/layout/LinedList"/>
-    <dgm:cxn modelId="{8E541B9D-5C8C-4D41-9F2F-2A4027EED5FE}" type="presParOf" srcId="{E14E638C-D31C-4D3D-9131-166B92F2E5FD}" destId="{3264D759-8039-4639-95F6-E17585D23334}" srcOrd="1" destOrd="0" presId="urn:microsoft.com/office/officeart/2008/layout/LinedList"/>
-    <dgm:cxn modelId="{A986E1F6-E111-4F9A-9F26-BAAC5FD8719E}" type="presParOf" srcId="{3264D759-8039-4639-95F6-E17585D23334}" destId="{46186EE2-346A-415A-89C0-FB24E3DAB33B}" srcOrd="0" destOrd="0" presId="urn:microsoft.com/office/officeart/2008/layout/LinedList"/>
-    <dgm:cxn modelId="{039F9ED7-BC6F-45AF-A47E-4651019547BC}" type="presParOf" srcId="{3264D759-8039-4639-95F6-E17585D23334}" destId="{777E3AFA-20FC-4304-8895-CBAAFB07EA20}" srcOrd="1" destOrd="0" presId="urn:microsoft.com/office/officeart/2008/layout/LinedList"/>
-    <dgm:cxn modelId="{32DACEED-9A1A-47BB-BA0B-EEE2CBD8EFC3}" type="presParOf" srcId="{3264D759-8039-4639-95F6-E17585D23334}" destId="{E9CA7240-5964-410F-BE5E-BE546142A3D0}" srcOrd="2" destOrd="0" presId="urn:microsoft.com/office/officeart/2008/layout/LinedList"/>
-    <dgm:cxn modelId="{EFB391E2-55BE-4463-B7D8-A9B82534C621}" type="presParOf" srcId="{E14E638C-D31C-4D3D-9131-166B92F2E5FD}" destId="{57C7CEB5-2173-4481-99A7-EEC3D2F3B0D6}" srcOrd="2" destOrd="0" presId="urn:microsoft.com/office/officeart/2008/layout/LinedList"/>
-    <dgm:cxn modelId="{4E10E76E-500C-45C4-A156-48CEE5EE56A7}" type="presParOf" srcId="{E14E638C-D31C-4D3D-9131-166B92F2E5FD}" destId="{5859F5CE-25F2-4C12-A4E6-7D1A60A089D6}" srcOrd="3" destOrd="0" presId="urn:microsoft.com/office/officeart/2008/layout/LinedList"/>
-    <dgm:cxn modelId="{3A051622-0587-40DC-8773-2D175C03CA7E}" type="presParOf" srcId="{DA8E6D88-9661-427C-A3D9-5C23DAF2ECC0}" destId="{0F6FC528-84B6-4FD5-8095-83E070C64FD9}" srcOrd="4" destOrd="0" presId="urn:microsoft.com/office/officeart/2008/layout/LinedList"/>
-    <dgm:cxn modelId="{15557CCB-D57B-4775-8083-8DF57FED064D}" type="presParOf" srcId="{DA8E6D88-9661-427C-A3D9-5C23DAF2ECC0}" destId="{AC052F83-0545-46D8-A308-FC1A5BBEEE41}" srcOrd="5" destOrd="0" presId="urn:microsoft.com/office/officeart/2008/layout/LinedList"/>
-    <dgm:cxn modelId="{9E6B6CD3-384F-4BCA-9C1D-34E6948FBDB5}" type="presParOf" srcId="{AC052F83-0545-46D8-A308-FC1A5BBEEE41}" destId="{6DB7B5B5-1A9E-4450-86EF-56E1DA78BF39}" srcOrd="0" destOrd="0" presId="urn:microsoft.com/office/officeart/2008/layout/LinedList"/>
-    <dgm:cxn modelId="{1A3A2B45-3393-42ED-935E-95636D702F52}" type="presParOf" srcId="{AC052F83-0545-46D8-A308-FC1A5BBEEE41}" destId="{0798C54B-434F-4893-AD75-1D17612F934A}" srcOrd="1" destOrd="0" presId="urn:microsoft.com/office/officeart/2008/layout/LinedList"/>
-    <dgm:cxn modelId="{406B8D4F-562B-4A1C-83C9-C9FD23CF4C30}" type="presParOf" srcId="{0798C54B-434F-4893-AD75-1D17612F934A}" destId="{EA7E454E-09E7-4278-8A9B-83DDC8A5DDC6}" srcOrd="0" destOrd="0" presId="urn:microsoft.com/office/officeart/2008/layout/LinedList"/>
-    <dgm:cxn modelId="{5252CFC5-B2EA-49B4-91E1-ACE486A95EFB}" type="presParOf" srcId="{0798C54B-434F-4893-AD75-1D17612F934A}" destId="{7D5A13E1-0A3C-46C9-9749-278945F549E7}" srcOrd="1" destOrd="0" presId="urn:microsoft.com/office/officeart/2008/layout/LinedList"/>
-    <dgm:cxn modelId="{4CAA0159-F91E-4314-8817-A3118159EFCA}" type="presParOf" srcId="{7D5A13E1-0A3C-46C9-9749-278945F549E7}" destId="{033C4392-C016-46C3-ACD8-08CB1248DA8C}" srcOrd="0" destOrd="0" presId="urn:microsoft.com/office/officeart/2008/layout/LinedList"/>
-    <dgm:cxn modelId="{3E56C917-3314-43C4-AE30-ADC03B98B086}" type="presParOf" srcId="{7D5A13E1-0A3C-46C9-9749-278945F549E7}" destId="{0CF2FBAD-8775-434B-84BC-0CF2164F6A76}" srcOrd="1" destOrd="0" presId="urn:microsoft.com/office/officeart/2008/layout/LinedList"/>
-    <dgm:cxn modelId="{7F8EDF15-83FC-41CC-902F-B16B29ED3CFE}" type="presParOf" srcId="{7D5A13E1-0A3C-46C9-9749-278945F549E7}" destId="{EDDA4DCC-8A5A-4422-90F8-2EA639C0765C}" srcOrd="2" destOrd="0" presId="urn:microsoft.com/office/officeart/2008/layout/LinedList"/>
-    <dgm:cxn modelId="{1FD32B0B-B2E5-4F90-A7BE-5E558116F0B3}" type="presParOf" srcId="{0798C54B-434F-4893-AD75-1D17612F934A}" destId="{A4EB8FE8-68F9-4B97-A583-A58E5363222E}" srcOrd="2" destOrd="0" presId="urn:microsoft.com/office/officeart/2008/layout/LinedList"/>
-    <dgm:cxn modelId="{533E1546-A287-4C6D-A114-1955135F21D6}" type="presParOf" srcId="{0798C54B-434F-4893-AD75-1D17612F934A}" destId="{3426F50C-57C6-4F62-ADA0-6C4FA90150D4}" srcOrd="3" destOrd="0" presId="urn:microsoft.com/office/officeart/2008/layout/LinedList"/>
   </dgm:cxnLst>
   <dgm:bg/>
   <dgm:whole/>
@@ -7699,12 +6278,12 @@
         </a:fontRef>
       </dsp:style>
       <dsp:txBody>
-        <a:bodyPr spcFirstLastPara="0" vert="horz" wrap="square" lIns="179070" tIns="179070" rIns="179070" bIns="179070" numCol="1" spcCol="1270" anchor="ctr" anchorCtr="0">
+        <a:bodyPr spcFirstLastPara="0" vert="horz" wrap="square" lIns="160020" tIns="160020" rIns="160020" bIns="160020" numCol="1" spcCol="1270" anchor="ctr" anchorCtr="0">
           <a:noAutofit/>
         </a:bodyPr>
         <a:lstStyle/>
         <a:p>
-          <a:pPr marL="0" lvl="0" indent="0" algn="ctr" defTabSz="2089150">
+          <a:pPr marL="0" lvl="0" indent="0" algn="ctr" defTabSz="1866900">
             <a:lnSpc>
               <a:spcPct val="90000"/>
             </a:lnSpc>
@@ -7717,9 +6296,40 @@
             <a:buNone/>
           </a:pPr>
           <a:r>
-            <a:rPr lang="en-US" sz="4700" kern="1200" dirty="0"/>
+            <a:rPr lang="en-US" sz="4200" kern="1200" dirty="0"/>
             <a:t>Relayed Messaging</a:t>
           </a:r>
+        </a:p>
+        <a:p>
+          <a:pPr marL="0" lvl="0" indent="0" algn="ctr" defTabSz="1866900">
+            <a:lnSpc>
+              <a:spcPct val="90000"/>
+            </a:lnSpc>
+            <a:spcBef>
+              <a:spcPct val="0"/>
+            </a:spcBef>
+            <a:spcAft>
+              <a:spcPct val="35000"/>
+            </a:spcAft>
+            <a:buNone/>
+          </a:pPr>
+          <a:r>
+            <a:rPr lang="en-US" sz="2000" kern="1200" dirty="0">
+              <a:solidFill>
+                <a:schemeClr val="accent5">
+                  <a:lumMod val="75000"/>
+                </a:schemeClr>
+              </a:solidFill>
+            </a:rPr>
+            <a:t>Handshaking</a:t>
+          </a:r>
+          <a:endParaRPr lang="en-US" sz="4200" kern="1200" dirty="0">
+            <a:solidFill>
+              <a:schemeClr val="accent5">
+                <a:lumMod val="75000"/>
+              </a:schemeClr>
+            </a:solidFill>
+          </a:endParaRPr>
         </a:p>
       </dsp:txBody>
       <dsp:txXfrm>
@@ -7776,12 +6386,12 @@
         </a:fontRef>
       </dsp:style>
       <dsp:txBody>
-        <a:bodyPr spcFirstLastPara="0" vert="horz" wrap="square" lIns="179070" tIns="179070" rIns="179070" bIns="179070" numCol="1" spcCol="1270" anchor="ctr" anchorCtr="0">
+        <a:bodyPr spcFirstLastPara="0" vert="horz" wrap="square" lIns="209550" tIns="209550" rIns="209550" bIns="209550" numCol="1" spcCol="1270" anchor="ctr" anchorCtr="0">
           <a:noAutofit/>
         </a:bodyPr>
         <a:lstStyle/>
         <a:p>
-          <a:pPr marL="0" lvl="0" indent="0" algn="ctr" defTabSz="2089150">
+          <a:pPr marL="0" lvl="0" indent="0" algn="ctr" defTabSz="2444750">
             <a:lnSpc>
               <a:spcPct val="90000"/>
             </a:lnSpc>
@@ -7794,7 +6404,7 @@
             <a:buNone/>
           </a:pPr>
           <a:r>
-            <a:rPr lang="en-US" sz="4700" kern="1200" dirty="0">
+            <a:rPr lang="en-US" sz="5500" kern="1200" dirty="0">
               <a:solidFill>
                 <a:schemeClr val="tx1">
                   <a:lumMod val="50000"/>
@@ -7802,7 +6412,7 @@
                 </a:schemeClr>
               </a:solidFill>
             </a:rPr>
-            <a:t>Publish-Subscribe Topics</a:t>
+            <a:t>Publish-Subscribe</a:t>
           </a:r>
         </a:p>
       </dsp:txBody>
@@ -7882,6 +6492,37 @@
             <a:t>Queues</a:t>
           </a:r>
         </a:p>
+        <a:p>
+          <a:pPr marL="0" lvl="0" indent="0" algn="ctr" defTabSz="2089150">
+            <a:lnSpc>
+              <a:spcPct val="90000"/>
+            </a:lnSpc>
+            <a:spcBef>
+              <a:spcPct val="0"/>
+            </a:spcBef>
+            <a:spcAft>
+              <a:spcPct val="35000"/>
+            </a:spcAft>
+            <a:buNone/>
+          </a:pPr>
+          <a:r>
+            <a:rPr lang="en-US" sz="2800" kern="1200" dirty="0">
+              <a:solidFill>
+                <a:schemeClr val="accent5">
+                  <a:lumMod val="75000"/>
+                </a:schemeClr>
+              </a:solidFill>
+            </a:rPr>
+            <a:t>FIFO</a:t>
+          </a:r>
+          <a:endParaRPr lang="en-US" sz="4700" kern="1200" dirty="0">
+            <a:solidFill>
+              <a:schemeClr val="accent5">
+                <a:lumMod val="75000"/>
+              </a:schemeClr>
+            </a:solidFill>
+          </a:endParaRPr>
+        </a:p>
       </dsp:txBody>
       <dsp:txXfrm>
         <a:off x="991" y="2767380"/>
@@ -7937,12 +6578,12 @@
         </a:fontRef>
       </dsp:style>
       <dsp:txBody>
-        <a:bodyPr spcFirstLastPara="0" vert="horz" wrap="square" lIns="179070" tIns="179070" rIns="179070" bIns="179070" numCol="1" spcCol="1270" anchor="ctr" anchorCtr="0">
+        <a:bodyPr spcFirstLastPara="0" vert="horz" wrap="square" lIns="160020" tIns="160020" rIns="160020" bIns="160020" numCol="1" spcCol="1270" anchor="ctr" anchorCtr="0">
           <a:noAutofit/>
         </a:bodyPr>
         <a:lstStyle/>
         <a:p>
-          <a:pPr marL="0" lvl="0" indent="0" algn="ctr" defTabSz="2089150">
+          <a:pPr marL="0" lvl="0" indent="0" algn="ctr" defTabSz="1866900">
             <a:lnSpc>
               <a:spcPct val="90000"/>
             </a:lnSpc>
@@ -7955,12 +6596,36 @@
             <a:buNone/>
           </a:pPr>
           <a:r>
-            <a:rPr lang="en-US" sz="4700" kern="1200" dirty="0">
+            <a:rPr lang="en-US" sz="4200" kern="1200" dirty="0">
               <a:solidFill>
                 <a:srgbClr val="FFC000"/>
               </a:solidFill>
             </a:rPr>
             <a:t>Notification Hubs</a:t>
+          </a:r>
+        </a:p>
+        <a:p>
+          <a:pPr marL="0" lvl="0" indent="0" algn="ctr" defTabSz="1866900">
+            <a:lnSpc>
+              <a:spcPct val="90000"/>
+            </a:lnSpc>
+            <a:spcBef>
+              <a:spcPct val="0"/>
+            </a:spcBef>
+            <a:spcAft>
+              <a:spcPct val="35000"/>
+            </a:spcAft>
+            <a:buNone/>
+          </a:pPr>
+          <a:r>
+            <a:rPr lang="en-US" sz="2800" kern="1200" dirty="0">
+              <a:solidFill>
+                <a:schemeClr val="accent5">
+                  <a:lumMod val="75000"/>
+                </a:schemeClr>
+              </a:solidFill>
+            </a:rPr>
+            <a:t>Broadcast</a:t>
           </a:r>
         </a:p>
       </dsp:txBody>
@@ -9477,829 +8142,6 @@
         <a:off x="292351" y="3651402"/>
         <a:ext cx="1223703" cy="1223703"/>
       </dsp:txXfrm>
-    </dsp:sp>
-  </dsp:spTree>
-</dsp:drawing>
-</file>
-
-<file path=ppt/diagrams/drawing5.xml><?xml version="1.0" encoding="utf-8"?>
-<dsp:drawing xmlns:dgm="http://schemas.openxmlformats.org/drawingml/2006/diagram" xmlns:dsp="http://schemas.microsoft.com/office/drawing/2008/diagram" xmlns:a="http://schemas.openxmlformats.org/drawingml/2006/main">
-  <dsp:spTree>
-    <dsp:nvGrpSpPr>
-      <dsp:cNvPr id="0" name=""/>
-      <dsp:cNvGrpSpPr/>
-    </dsp:nvGrpSpPr>
-    <dsp:grpSpPr/>
-    <dsp:sp modelId="{B274ED89-D3F3-4CCD-90AC-9AB589326416}">
-      <dsp:nvSpPr>
-        <dsp:cNvPr id="0" name=""/>
-        <dsp:cNvSpPr/>
-      </dsp:nvSpPr>
-      <dsp:spPr>
-        <a:xfrm>
-          <a:off x="0" y="2513"/>
-          <a:ext cx="8118475" cy="0"/>
-        </a:xfrm>
-        <a:prstGeom prst="line">
-          <a:avLst/>
-        </a:prstGeom>
-        <a:solidFill>
-          <a:schemeClr val="accent2">
-            <a:shade val="80000"/>
-            <a:hueOff val="0"/>
-            <a:satOff val="0"/>
-            <a:lumOff val="0"/>
-            <a:alphaOff val="0"/>
-          </a:schemeClr>
-        </a:solidFill>
-        <a:ln w="25400" cap="flat" cmpd="sng" algn="ctr">
-          <a:solidFill>
-            <a:schemeClr val="accent2">
-              <a:shade val="80000"/>
-              <a:hueOff val="0"/>
-              <a:satOff val="0"/>
-              <a:lumOff val="0"/>
-              <a:alphaOff val="0"/>
-            </a:schemeClr>
-          </a:solidFill>
-          <a:prstDash val="solid"/>
-        </a:ln>
-        <a:effectLst/>
-      </dsp:spPr>
-      <dsp:style>
-        <a:lnRef idx="2">
-          <a:scrgbClr r="0" g="0" b="0"/>
-        </a:lnRef>
-        <a:fillRef idx="1">
-          <a:scrgbClr r="0" g="0" b="0"/>
-        </a:fillRef>
-        <a:effectRef idx="0">
-          <a:scrgbClr r="0" g="0" b="0"/>
-        </a:effectRef>
-        <a:fontRef idx="minor">
-          <a:schemeClr val="lt1"/>
-        </a:fontRef>
-      </dsp:style>
-    </dsp:sp>
-    <dsp:sp modelId="{236C156C-102F-4B61-929C-BD8EF4540C03}">
-      <dsp:nvSpPr>
-        <dsp:cNvPr id="0" name=""/>
-        <dsp:cNvSpPr/>
-      </dsp:nvSpPr>
-      <dsp:spPr>
-        <a:xfrm>
-          <a:off x="0" y="2513"/>
-          <a:ext cx="1623695" cy="1714411"/>
-        </a:xfrm>
-        <a:prstGeom prst="rect">
-          <a:avLst/>
-        </a:prstGeom>
-        <a:noFill/>
-        <a:ln>
-          <a:noFill/>
-        </a:ln>
-        <a:effectLst/>
-      </dsp:spPr>
-      <dsp:style>
-        <a:lnRef idx="0">
-          <a:scrgbClr r="0" g="0" b="0"/>
-        </a:lnRef>
-        <a:fillRef idx="0">
-          <a:scrgbClr r="0" g="0" b="0"/>
-        </a:fillRef>
-        <a:effectRef idx="0">
-          <a:scrgbClr r="0" g="0" b="0"/>
-        </a:effectRef>
-        <a:fontRef idx="minor"/>
-      </dsp:style>
-      <dsp:txBody>
-        <a:bodyPr spcFirstLastPara="0" vert="horz" wrap="square" lIns="83820" tIns="83820" rIns="83820" bIns="83820" numCol="1" spcCol="1270" anchor="t" anchorCtr="0">
-          <a:noAutofit/>
-        </a:bodyPr>
-        <a:lstStyle/>
-        <a:p>
-          <a:pPr marL="0" lvl="0" indent="0" algn="l" defTabSz="977900">
-            <a:lnSpc>
-              <a:spcPct val="90000"/>
-            </a:lnSpc>
-            <a:spcBef>
-              <a:spcPct val="0"/>
-            </a:spcBef>
-            <a:spcAft>
-              <a:spcPct val="35000"/>
-            </a:spcAft>
-            <a:buNone/>
-          </a:pPr>
-          <a:r>
-            <a:rPr lang="en-US" sz="2200" kern="1200" dirty="0"/>
-            <a:t>C#</a:t>
-          </a:r>
-        </a:p>
-      </dsp:txBody>
-      <dsp:txXfrm>
-        <a:off x="0" y="2513"/>
-        <a:ext cx="1623695" cy="1714411"/>
-      </dsp:txXfrm>
-    </dsp:sp>
-    <dsp:sp modelId="{E545FA52-3804-4185-83FE-A55129DB5D12}">
-      <dsp:nvSpPr>
-        <dsp:cNvPr id="0" name=""/>
-        <dsp:cNvSpPr/>
-      </dsp:nvSpPr>
-      <dsp:spPr>
-        <a:xfrm>
-          <a:off x="1745472" y="80365"/>
-          <a:ext cx="6373002" cy="1557033"/>
-        </a:xfrm>
-        <a:prstGeom prst="rect">
-          <a:avLst/>
-        </a:prstGeom>
-        <a:noFill/>
-        <a:ln>
-          <a:noFill/>
-        </a:ln>
-        <a:effectLst/>
-      </dsp:spPr>
-      <dsp:style>
-        <a:lnRef idx="0">
-          <a:scrgbClr r="0" g="0" b="0"/>
-        </a:lnRef>
-        <a:fillRef idx="0">
-          <a:scrgbClr r="0" g="0" b="0"/>
-        </a:fillRef>
-        <a:effectRef idx="0">
-          <a:scrgbClr r="0" g="0" b="0"/>
-        </a:effectRef>
-        <a:fontRef idx="minor"/>
-      </dsp:style>
-      <dsp:txBody>
-        <a:bodyPr spcFirstLastPara="0" vert="horz" wrap="square" lIns="60960" tIns="60960" rIns="60960" bIns="60960" numCol="1" spcCol="1270" anchor="t" anchorCtr="0">
-          <a:noAutofit/>
-        </a:bodyPr>
-        <a:lstStyle/>
-        <a:p>
-          <a:pPr marL="0" lvl="0" indent="0" algn="l" defTabSz="711200">
-            <a:lnSpc>
-              <a:spcPct val="90000"/>
-            </a:lnSpc>
-            <a:spcBef>
-              <a:spcPct val="0"/>
-            </a:spcBef>
-            <a:spcAft>
-              <a:spcPct val="35000"/>
-            </a:spcAft>
-            <a:buNone/>
-          </a:pPr>
-          <a:r>
-            <a:rPr lang="en-US" sz="1600" kern="1200" dirty="0">
-              <a:latin typeface="Consolas" panose="020B0609020204030204" pitchFamily="49" charset="0"/>
-              <a:cs typeface="Consolas" panose="020B0609020204030204" pitchFamily="49" charset="0"/>
-            </a:rPr>
-            <a:t>await </a:t>
-          </a:r>
-          <a:r>
-            <a:rPr lang="en-US" sz="1600" kern="1200" dirty="0" err="1">
-              <a:latin typeface="Consolas" panose="020B0609020204030204" pitchFamily="49" charset="0"/>
-              <a:cs typeface="Consolas" panose="020B0609020204030204" pitchFamily="49" charset="0"/>
-            </a:rPr>
-            <a:t>hub.RegisterNativeAsync</a:t>
-          </a:r>
-          <a:r>
-            <a:rPr lang="en-US" sz="1600" kern="1200" dirty="0">
-              <a:latin typeface="Consolas" panose="020B0609020204030204" pitchFamily="49" charset="0"/>
-              <a:cs typeface="Consolas" panose="020B0609020204030204" pitchFamily="49" charset="0"/>
-            </a:rPr>
-            <a:t>(</a:t>
-          </a:r>
-          <a:r>
-            <a:rPr lang="en-US" sz="1600" kern="1200" dirty="0" err="1">
-              <a:latin typeface="Consolas" panose="020B0609020204030204" pitchFamily="49" charset="0"/>
-              <a:cs typeface="Consolas" panose="020B0609020204030204" pitchFamily="49" charset="0"/>
-            </a:rPr>
-            <a:t>channelUri</a:t>
-          </a:r>
-          <a:r>
-            <a:rPr lang="en-US" sz="1600" kern="1200" dirty="0">
-              <a:latin typeface="Consolas" panose="020B0609020204030204" pitchFamily="49" charset="0"/>
-              <a:cs typeface="Consolas" panose="020B0609020204030204" pitchFamily="49" charset="0"/>
-            </a:rPr>
-            <a:t>, tags);</a:t>
-          </a:r>
-        </a:p>
-      </dsp:txBody>
-      <dsp:txXfrm>
-        <a:off x="1745472" y="80365"/>
-        <a:ext cx="6373002" cy="1557033"/>
-      </dsp:txXfrm>
-    </dsp:sp>
-    <dsp:sp modelId="{1F92761B-C28A-48F1-AE02-079E868CDE5F}">
-      <dsp:nvSpPr>
-        <dsp:cNvPr id="0" name=""/>
-        <dsp:cNvSpPr/>
-      </dsp:nvSpPr>
-      <dsp:spPr>
-        <a:xfrm>
-          <a:off x="1623695" y="1637399"/>
-          <a:ext cx="6494780" cy="0"/>
-        </a:xfrm>
-        <a:prstGeom prst="line">
-          <a:avLst/>
-        </a:prstGeom>
-        <a:solidFill>
-          <a:schemeClr val="accent2">
-            <a:hueOff val="0"/>
-            <a:satOff val="0"/>
-            <a:lumOff val="0"/>
-            <a:alphaOff val="0"/>
-          </a:schemeClr>
-        </a:solidFill>
-        <a:ln w="25400" cap="flat" cmpd="sng" algn="ctr">
-          <a:solidFill>
-            <a:schemeClr val="accent2">
-              <a:hueOff val="0"/>
-              <a:satOff val="0"/>
-              <a:lumOff val="0"/>
-              <a:alphaOff val="0"/>
-            </a:schemeClr>
-          </a:solidFill>
-          <a:prstDash val="solid"/>
-        </a:ln>
-        <a:effectLst/>
-      </dsp:spPr>
-      <dsp:style>
-        <a:lnRef idx="2">
-          <a:scrgbClr r="0" g="0" b="0"/>
-        </a:lnRef>
-        <a:fillRef idx="1">
-          <a:scrgbClr r="0" g="0" b="0"/>
-        </a:fillRef>
-        <a:effectRef idx="0">
-          <a:scrgbClr r="0" g="0" b="0"/>
-        </a:effectRef>
-        <a:fontRef idx="minor"/>
-      </dsp:style>
-    </dsp:sp>
-    <dsp:sp modelId="{5C493AEA-3F75-4E27-AAB4-3FC64D28FDC9}">
-      <dsp:nvSpPr>
-        <dsp:cNvPr id="0" name=""/>
-        <dsp:cNvSpPr/>
-      </dsp:nvSpPr>
-      <dsp:spPr>
-        <a:xfrm>
-          <a:off x="0" y="1716925"/>
-          <a:ext cx="8118475" cy="0"/>
-        </a:xfrm>
-        <a:prstGeom prst="line">
-          <a:avLst/>
-        </a:prstGeom>
-        <a:solidFill>
-          <a:schemeClr val="accent2">
-            <a:shade val="80000"/>
-            <a:hueOff val="56663"/>
-            <a:satOff val="3190"/>
-            <a:lumOff val="9135"/>
-            <a:alphaOff val="0"/>
-          </a:schemeClr>
-        </a:solidFill>
-        <a:ln w="25400" cap="flat" cmpd="sng" algn="ctr">
-          <a:solidFill>
-            <a:schemeClr val="accent2">
-              <a:shade val="80000"/>
-              <a:hueOff val="56663"/>
-              <a:satOff val="3190"/>
-              <a:lumOff val="9135"/>
-              <a:alphaOff val="0"/>
-            </a:schemeClr>
-          </a:solidFill>
-          <a:prstDash val="solid"/>
-        </a:ln>
-        <a:effectLst/>
-      </dsp:spPr>
-      <dsp:style>
-        <a:lnRef idx="2">
-          <a:scrgbClr r="0" g="0" b="0"/>
-        </a:lnRef>
-        <a:fillRef idx="1">
-          <a:scrgbClr r="0" g="0" b="0"/>
-        </a:fillRef>
-        <a:effectRef idx="0">
-          <a:scrgbClr r="0" g="0" b="0"/>
-        </a:effectRef>
-        <a:fontRef idx="minor">
-          <a:schemeClr val="lt1"/>
-        </a:fontRef>
-      </dsp:style>
-    </dsp:sp>
-    <dsp:sp modelId="{C6961D1B-55D9-4C7A-A3F7-2C0CF148B58F}">
-      <dsp:nvSpPr>
-        <dsp:cNvPr id="0" name=""/>
-        <dsp:cNvSpPr/>
-      </dsp:nvSpPr>
-      <dsp:spPr>
-        <a:xfrm>
-          <a:off x="0" y="1716925"/>
-          <a:ext cx="1623695" cy="1714411"/>
-        </a:xfrm>
-        <a:prstGeom prst="rect">
-          <a:avLst/>
-        </a:prstGeom>
-        <a:noFill/>
-        <a:ln>
-          <a:noFill/>
-        </a:ln>
-        <a:effectLst/>
-      </dsp:spPr>
-      <dsp:style>
-        <a:lnRef idx="0">
-          <a:scrgbClr r="0" g="0" b="0"/>
-        </a:lnRef>
-        <a:fillRef idx="0">
-          <a:scrgbClr r="0" g="0" b="0"/>
-        </a:fillRef>
-        <a:effectRef idx="0">
-          <a:scrgbClr r="0" g="0" b="0"/>
-        </a:effectRef>
-        <a:fontRef idx="minor"/>
-      </dsp:style>
-      <dsp:txBody>
-        <a:bodyPr spcFirstLastPara="0" vert="horz" wrap="square" lIns="83820" tIns="83820" rIns="83820" bIns="83820" numCol="1" spcCol="1270" anchor="t" anchorCtr="0">
-          <a:noAutofit/>
-        </a:bodyPr>
-        <a:lstStyle/>
-        <a:p>
-          <a:pPr marL="0" lvl="0" indent="0" algn="l" defTabSz="977900">
-            <a:lnSpc>
-              <a:spcPct val="90000"/>
-            </a:lnSpc>
-            <a:spcBef>
-              <a:spcPct val="0"/>
-            </a:spcBef>
-            <a:spcAft>
-              <a:spcPct val="35000"/>
-            </a:spcAft>
-            <a:buNone/>
-          </a:pPr>
-          <a:r>
-            <a:rPr lang="en-US" sz="2200" kern="1200" dirty="0"/>
-            <a:t>Objective-C</a:t>
-          </a:r>
-        </a:p>
-      </dsp:txBody>
-      <dsp:txXfrm>
-        <a:off x="0" y="1716925"/>
-        <a:ext cx="1623695" cy="1714411"/>
-      </dsp:txXfrm>
-    </dsp:sp>
-    <dsp:sp modelId="{777E3AFA-20FC-4304-8895-CBAAFB07EA20}">
-      <dsp:nvSpPr>
-        <dsp:cNvPr id="0" name=""/>
-        <dsp:cNvSpPr/>
-      </dsp:nvSpPr>
-      <dsp:spPr>
-        <a:xfrm>
-          <a:off x="1745472" y="1794776"/>
-          <a:ext cx="6373002" cy="1557033"/>
-        </a:xfrm>
-        <a:prstGeom prst="rect">
-          <a:avLst/>
-        </a:prstGeom>
-        <a:noFill/>
-        <a:ln>
-          <a:noFill/>
-        </a:ln>
-        <a:effectLst/>
-      </dsp:spPr>
-      <dsp:style>
-        <a:lnRef idx="0">
-          <a:scrgbClr r="0" g="0" b="0"/>
-        </a:lnRef>
-        <a:fillRef idx="0">
-          <a:scrgbClr r="0" g="0" b="0"/>
-        </a:fillRef>
-        <a:effectRef idx="0">
-          <a:scrgbClr r="0" g="0" b="0"/>
-        </a:effectRef>
-        <a:fontRef idx="minor"/>
-      </dsp:style>
-      <dsp:txBody>
-        <a:bodyPr spcFirstLastPara="0" vert="horz" wrap="square" lIns="57150" tIns="57150" rIns="57150" bIns="57150" numCol="1" spcCol="1270" anchor="t" anchorCtr="0">
-          <a:noAutofit/>
-        </a:bodyPr>
-        <a:lstStyle/>
-        <a:p>
-          <a:pPr marL="0" lvl="0" indent="0" algn="l" defTabSz="666750">
-            <a:lnSpc>
-              <a:spcPct val="90000"/>
-            </a:lnSpc>
-            <a:spcBef>
-              <a:spcPct val="0"/>
-            </a:spcBef>
-            <a:spcAft>
-              <a:spcPct val="35000"/>
-            </a:spcAft>
-            <a:buNone/>
-          </a:pPr>
-          <a:r>
-            <a:rPr lang="en-US" sz="1500" kern="1200" dirty="0"/>
-            <a:t> </a:t>
-          </a:r>
-          <a:r>
-            <a:rPr lang="en-US" sz="1600" kern="1200" dirty="0">
-              <a:latin typeface="Consolas" panose="020B0609020204030204" pitchFamily="49" charset="0"/>
-              <a:cs typeface="Consolas" panose="020B0609020204030204" pitchFamily="49" charset="0"/>
-            </a:rPr>
-            <a:t>[hub </a:t>
-          </a:r>
-          <a:r>
-            <a:rPr lang="en-US" sz="1600" kern="1200" dirty="0" err="1">
-              <a:latin typeface="Consolas" panose="020B0609020204030204" pitchFamily="49" charset="0"/>
-              <a:cs typeface="Consolas" panose="020B0609020204030204" pitchFamily="49" charset="0"/>
-            </a:rPr>
-            <a:t>registerNativeWithDeviceToken:deviceTOken</a:t>
-          </a:r>
-          <a:r>
-            <a:rPr lang="en-US" sz="1600" kern="1200" dirty="0">
-              <a:latin typeface="Consolas" panose="020B0609020204030204" pitchFamily="49" charset="0"/>
-              <a:cs typeface="Consolas" panose="020B0609020204030204" pitchFamily="49" charset="0"/>
-            </a:rPr>
-            <a:t> </a:t>
-          </a:r>
-          <a:r>
-            <a:rPr lang="en-US" sz="1600" kern="1200" dirty="0" err="1">
-              <a:latin typeface="Consolas" panose="020B0609020204030204" pitchFamily="49" charset="0"/>
-              <a:cs typeface="Consolas" panose="020B0609020204030204" pitchFamily="49" charset="0"/>
-            </a:rPr>
-            <a:t>tags:nil</a:t>
-          </a:r>
-          <a:r>
-            <a:rPr lang="en-US" sz="1600" kern="1200" dirty="0">
-              <a:latin typeface="Consolas" panose="020B0609020204030204" pitchFamily="49" charset="0"/>
-              <a:cs typeface="Consolas" panose="020B0609020204030204" pitchFamily="49" charset="0"/>
-            </a:rPr>
-            <a:t> completion:^(</a:t>
-          </a:r>
-          <a:r>
-            <a:rPr lang="en-US" sz="1600" kern="1200" dirty="0" err="1">
-              <a:latin typeface="Consolas" panose="020B0609020204030204" pitchFamily="49" charset="0"/>
-              <a:cs typeface="Consolas" panose="020B0609020204030204" pitchFamily="49" charset="0"/>
-            </a:rPr>
-            <a:t>NSError</a:t>
-          </a:r>
-          <a:r>
-            <a:rPr lang="en-US" sz="1600" kern="1200" dirty="0">
-              <a:latin typeface="Consolas" panose="020B0609020204030204" pitchFamily="49" charset="0"/>
-              <a:cs typeface="Consolas" panose="020B0609020204030204" pitchFamily="49" charset="0"/>
-            </a:rPr>
-            <a:t>* error) {</a:t>
-          </a:r>
-          <a:br>
-            <a:rPr lang="en-US" sz="1600" kern="1200" dirty="0">
-              <a:latin typeface="Consolas" panose="020B0609020204030204" pitchFamily="49" charset="0"/>
-              <a:cs typeface="Consolas" panose="020B0609020204030204" pitchFamily="49" charset="0"/>
-            </a:rPr>
-          </a:br>
-          <a:r>
-            <a:rPr lang="en-US" sz="1600" kern="1200" dirty="0">
-              <a:latin typeface="Consolas" panose="020B0609020204030204" pitchFamily="49" charset="0"/>
-              <a:cs typeface="Consolas" panose="020B0609020204030204" pitchFamily="49" charset="0"/>
-            </a:rPr>
-            <a:t>	if (error != nil) {</a:t>
-          </a:r>
-          <a:br>
-            <a:rPr lang="en-US" sz="1600" kern="1200" dirty="0">
-              <a:latin typeface="Consolas" panose="020B0609020204030204" pitchFamily="49" charset="0"/>
-              <a:cs typeface="Consolas" panose="020B0609020204030204" pitchFamily="49" charset="0"/>
-            </a:rPr>
-          </a:br>
-          <a:r>
-            <a:rPr lang="en-US" sz="1600" kern="1200" dirty="0">
-              <a:latin typeface="Consolas" panose="020B0609020204030204" pitchFamily="49" charset="0"/>
-              <a:cs typeface="Consolas" panose="020B0609020204030204" pitchFamily="49" charset="0"/>
-            </a:rPr>
-            <a:t>		</a:t>
-          </a:r>
-          <a:r>
-            <a:rPr lang="en-US" sz="1600" kern="1200" dirty="0" err="1">
-              <a:latin typeface="Consolas" panose="020B0609020204030204" pitchFamily="49" charset="0"/>
-              <a:cs typeface="Consolas" panose="020B0609020204030204" pitchFamily="49" charset="0"/>
-            </a:rPr>
-            <a:t>NSLog</a:t>
-          </a:r>
-          <a:r>
-            <a:rPr lang="en-US" sz="1600" kern="1200" dirty="0">
-              <a:latin typeface="Consolas" panose="020B0609020204030204" pitchFamily="49" charset="0"/>
-              <a:cs typeface="Consolas" panose="020B0609020204030204" pitchFamily="49" charset="0"/>
-            </a:rPr>
-            <a:t>(@”Error registering for notifications: %@”, error);</a:t>
-          </a:r>
-          <a:br>
-            <a:rPr lang="en-US" sz="1600" kern="1200" dirty="0">
-              <a:latin typeface="Consolas" panose="020B0609020204030204" pitchFamily="49" charset="0"/>
-              <a:cs typeface="Consolas" panose="020B0609020204030204" pitchFamily="49" charset="0"/>
-            </a:rPr>
-          </a:br>
-          <a:r>
-            <a:rPr lang="en-US" sz="1600" kern="1200" dirty="0">
-              <a:latin typeface="Consolas" panose="020B0609020204030204" pitchFamily="49" charset="0"/>
-              <a:cs typeface="Consolas" panose="020B0609020204030204" pitchFamily="49" charset="0"/>
-            </a:rPr>
-            <a:t>	}</a:t>
-          </a:r>
-          <a:br>
-            <a:rPr lang="en-US" sz="1600" kern="1200" dirty="0">
-              <a:latin typeface="Consolas" panose="020B0609020204030204" pitchFamily="49" charset="0"/>
-              <a:cs typeface="Consolas" panose="020B0609020204030204" pitchFamily="49" charset="0"/>
-            </a:rPr>
-          </a:br>
-          <a:r>
-            <a:rPr lang="en-US" sz="1600" kern="1200" dirty="0">
-              <a:latin typeface="Consolas" panose="020B0609020204030204" pitchFamily="49" charset="0"/>
-              <a:cs typeface="Consolas" panose="020B0609020204030204" pitchFamily="49" charset="0"/>
-            </a:rPr>
-            <a:t>}];</a:t>
-          </a:r>
-        </a:p>
-      </dsp:txBody>
-      <dsp:txXfrm>
-        <a:off x="1745472" y="1794776"/>
-        <a:ext cx="6373002" cy="1557033"/>
-      </dsp:txXfrm>
-    </dsp:sp>
-    <dsp:sp modelId="{57C7CEB5-2173-4481-99A7-EEC3D2F3B0D6}">
-      <dsp:nvSpPr>
-        <dsp:cNvPr id="0" name=""/>
-        <dsp:cNvSpPr/>
-      </dsp:nvSpPr>
-      <dsp:spPr>
-        <a:xfrm>
-          <a:off x="1623695" y="3351810"/>
-          <a:ext cx="6494780" cy="0"/>
-        </a:xfrm>
-        <a:prstGeom prst="line">
-          <a:avLst/>
-        </a:prstGeom>
-        <a:solidFill>
-          <a:schemeClr val="accent2">
-            <a:hueOff val="0"/>
-            <a:satOff val="0"/>
-            <a:lumOff val="0"/>
-            <a:alphaOff val="0"/>
-          </a:schemeClr>
-        </a:solidFill>
-        <a:ln w="25400" cap="flat" cmpd="sng" algn="ctr">
-          <a:solidFill>
-            <a:schemeClr val="accent2">
-              <a:hueOff val="0"/>
-              <a:satOff val="0"/>
-              <a:lumOff val="0"/>
-              <a:alphaOff val="0"/>
-            </a:schemeClr>
-          </a:solidFill>
-          <a:prstDash val="solid"/>
-        </a:ln>
-        <a:effectLst/>
-      </dsp:spPr>
-      <dsp:style>
-        <a:lnRef idx="2">
-          <a:scrgbClr r="0" g="0" b="0"/>
-        </a:lnRef>
-        <a:fillRef idx="1">
-          <a:scrgbClr r="0" g="0" b="0"/>
-        </a:fillRef>
-        <a:effectRef idx="0">
-          <a:scrgbClr r="0" g="0" b="0"/>
-        </a:effectRef>
-        <a:fontRef idx="minor"/>
-      </dsp:style>
-    </dsp:sp>
-    <dsp:sp modelId="{0F6FC528-84B6-4FD5-8095-83E070C64FD9}">
-      <dsp:nvSpPr>
-        <dsp:cNvPr id="0" name=""/>
-        <dsp:cNvSpPr/>
-      </dsp:nvSpPr>
-      <dsp:spPr>
-        <a:xfrm>
-          <a:off x="0" y="3431336"/>
-          <a:ext cx="8118475" cy="0"/>
-        </a:xfrm>
-        <a:prstGeom prst="line">
-          <a:avLst/>
-        </a:prstGeom>
-        <a:solidFill>
-          <a:schemeClr val="accent2">
-            <a:shade val="80000"/>
-            <a:hueOff val="113326"/>
-            <a:satOff val="6380"/>
-            <a:lumOff val="18270"/>
-            <a:alphaOff val="0"/>
-          </a:schemeClr>
-        </a:solidFill>
-        <a:ln w="25400" cap="flat" cmpd="sng" algn="ctr">
-          <a:solidFill>
-            <a:schemeClr val="accent2">
-              <a:shade val="80000"/>
-              <a:hueOff val="113326"/>
-              <a:satOff val="6380"/>
-              <a:lumOff val="18270"/>
-              <a:alphaOff val="0"/>
-            </a:schemeClr>
-          </a:solidFill>
-          <a:prstDash val="solid"/>
-        </a:ln>
-        <a:effectLst/>
-      </dsp:spPr>
-      <dsp:style>
-        <a:lnRef idx="2">
-          <a:scrgbClr r="0" g="0" b="0"/>
-        </a:lnRef>
-        <a:fillRef idx="1">
-          <a:scrgbClr r="0" g="0" b="0"/>
-        </a:fillRef>
-        <a:effectRef idx="0">
-          <a:scrgbClr r="0" g="0" b="0"/>
-        </a:effectRef>
-        <a:fontRef idx="minor">
-          <a:schemeClr val="lt1"/>
-        </a:fontRef>
-      </dsp:style>
-    </dsp:sp>
-    <dsp:sp modelId="{6DB7B5B5-1A9E-4450-86EF-56E1DA78BF39}">
-      <dsp:nvSpPr>
-        <dsp:cNvPr id="0" name=""/>
-        <dsp:cNvSpPr/>
-      </dsp:nvSpPr>
-      <dsp:spPr>
-        <a:xfrm>
-          <a:off x="0" y="3431336"/>
-          <a:ext cx="1623695" cy="1714411"/>
-        </a:xfrm>
-        <a:prstGeom prst="rect">
-          <a:avLst/>
-        </a:prstGeom>
-        <a:noFill/>
-        <a:ln>
-          <a:noFill/>
-        </a:ln>
-        <a:effectLst/>
-      </dsp:spPr>
-      <dsp:style>
-        <a:lnRef idx="0">
-          <a:scrgbClr r="0" g="0" b="0"/>
-        </a:lnRef>
-        <a:fillRef idx="0">
-          <a:scrgbClr r="0" g="0" b="0"/>
-        </a:fillRef>
-        <a:effectRef idx="0">
-          <a:scrgbClr r="0" g="0" b="0"/>
-        </a:effectRef>
-        <a:fontRef idx="minor"/>
-      </dsp:style>
-      <dsp:txBody>
-        <a:bodyPr spcFirstLastPara="0" vert="horz" wrap="square" lIns="83820" tIns="83820" rIns="83820" bIns="83820" numCol="1" spcCol="1270" anchor="t" anchorCtr="0">
-          <a:noAutofit/>
-        </a:bodyPr>
-        <a:lstStyle/>
-        <a:p>
-          <a:pPr marL="0" lvl="0" indent="0" algn="l" defTabSz="977900">
-            <a:lnSpc>
-              <a:spcPct val="90000"/>
-            </a:lnSpc>
-            <a:spcBef>
-              <a:spcPct val="0"/>
-            </a:spcBef>
-            <a:spcAft>
-              <a:spcPct val="35000"/>
-            </a:spcAft>
-            <a:buNone/>
-          </a:pPr>
-          <a:r>
-            <a:rPr lang="en-US" sz="2200" kern="1200" dirty="0"/>
-            <a:t>Java</a:t>
-          </a:r>
-        </a:p>
-      </dsp:txBody>
-      <dsp:txXfrm>
-        <a:off x="0" y="3431336"/>
-        <a:ext cx="1623695" cy="1714411"/>
-      </dsp:txXfrm>
-    </dsp:sp>
-    <dsp:sp modelId="{0CF2FBAD-8775-434B-84BC-0CF2164F6A76}">
-      <dsp:nvSpPr>
-        <dsp:cNvPr id="0" name=""/>
-        <dsp:cNvSpPr/>
-      </dsp:nvSpPr>
-      <dsp:spPr>
-        <a:xfrm>
-          <a:off x="1745472" y="3509188"/>
-          <a:ext cx="6373002" cy="1557033"/>
-        </a:xfrm>
-        <a:prstGeom prst="rect">
-          <a:avLst/>
-        </a:prstGeom>
-        <a:noFill/>
-        <a:ln>
-          <a:noFill/>
-        </a:ln>
-        <a:effectLst/>
-      </dsp:spPr>
-      <dsp:style>
-        <a:lnRef idx="0">
-          <a:scrgbClr r="0" g="0" b="0"/>
-        </a:lnRef>
-        <a:fillRef idx="0">
-          <a:scrgbClr r="0" g="0" b="0"/>
-        </a:fillRef>
-        <a:effectRef idx="0">
-          <a:scrgbClr r="0" g="0" b="0"/>
-        </a:effectRef>
-        <a:fontRef idx="minor"/>
-      </dsp:style>
-      <dsp:txBody>
-        <a:bodyPr spcFirstLastPara="0" vert="horz" wrap="square" lIns="60960" tIns="60960" rIns="60960" bIns="60960" numCol="1" spcCol="1270" anchor="t" anchorCtr="0">
-          <a:noAutofit/>
-        </a:bodyPr>
-        <a:lstStyle/>
-        <a:p>
-          <a:pPr marL="0" lvl="0" indent="0" algn="l" defTabSz="711200">
-            <a:lnSpc>
-              <a:spcPct val="90000"/>
-            </a:lnSpc>
-            <a:spcBef>
-              <a:spcPct val="0"/>
-            </a:spcBef>
-            <a:spcAft>
-              <a:spcPct val="35000"/>
-            </a:spcAft>
-            <a:buNone/>
-          </a:pPr>
-          <a:r>
-            <a:rPr lang="en-US" sz="1600" kern="1200">
-              <a:latin typeface="Consolas" panose="020B0609020204030204" pitchFamily="49" charset="0"/>
-              <a:cs typeface="Consolas" panose="020B0609020204030204" pitchFamily="49" charset="0"/>
-            </a:rPr>
-            <a:t>hub.register(regid</a:t>
-          </a:r>
-          <a:r>
-            <a:rPr lang="en-US" sz="1600" kern="1200" dirty="0">
-              <a:latin typeface="Consolas" panose="020B0609020204030204" pitchFamily="49" charset="0"/>
-              <a:cs typeface="Consolas" panose="020B0609020204030204" pitchFamily="49" charset="0"/>
-            </a:rPr>
-            <a:t>, tags);</a:t>
-          </a:r>
-          <a:endParaRPr lang="en-US" kern="1200" dirty="0"/>
-        </a:p>
-      </dsp:txBody>
-      <dsp:txXfrm>
-        <a:off x="1745472" y="3509188"/>
-        <a:ext cx="6373002" cy="1557033"/>
-      </dsp:txXfrm>
-    </dsp:sp>
-    <dsp:sp modelId="{A4EB8FE8-68F9-4B97-A583-A58E5363222E}">
-      <dsp:nvSpPr>
-        <dsp:cNvPr id="0" name=""/>
-        <dsp:cNvSpPr/>
-      </dsp:nvSpPr>
-      <dsp:spPr>
-        <a:xfrm>
-          <a:off x="1623695" y="5066222"/>
-          <a:ext cx="6494780" cy="0"/>
-        </a:xfrm>
-        <a:prstGeom prst="line">
-          <a:avLst/>
-        </a:prstGeom>
-        <a:solidFill>
-          <a:schemeClr val="accent2">
-            <a:hueOff val="0"/>
-            <a:satOff val="0"/>
-            <a:lumOff val="0"/>
-            <a:alphaOff val="0"/>
-          </a:schemeClr>
-        </a:solidFill>
-        <a:ln w="25400" cap="flat" cmpd="sng" algn="ctr">
-          <a:solidFill>
-            <a:schemeClr val="accent2">
-              <a:hueOff val="0"/>
-              <a:satOff val="0"/>
-              <a:lumOff val="0"/>
-              <a:alphaOff val="0"/>
-            </a:schemeClr>
-          </a:solidFill>
-          <a:prstDash val="solid"/>
-        </a:ln>
-        <a:effectLst/>
-      </dsp:spPr>
-      <dsp:style>
-        <a:lnRef idx="2">
-          <a:scrgbClr r="0" g="0" b="0"/>
-        </a:lnRef>
-        <a:fillRef idx="1">
-          <a:scrgbClr r="0" g="0" b="0"/>
-        </a:fillRef>
-        <a:effectRef idx="0">
-          <a:scrgbClr r="0" g="0" b="0"/>
-        </a:effectRef>
-        <a:fontRef idx="minor"/>
-      </dsp:style>
     </dsp:sp>
   </dsp:spTree>
 </dsp:drawing>
@@ -11828,472 +9670,6 @@
 </dgm:layoutDef>
 </file>
 
-<file path=ppt/diagrams/layout5.xml><?xml version="1.0" encoding="utf-8"?>
-<dgm:layoutDef xmlns:dgm="http://schemas.openxmlformats.org/drawingml/2006/diagram" xmlns:a="http://schemas.openxmlformats.org/drawingml/2006/main" uniqueId="urn:microsoft.com/office/officeart/2008/layout/LinedList">
-  <dgm:title val=""/>
-  <dgm:desc val=""/>
-  <dgm:catLst>
-    <dgm:cat type="hierarchy" pri="8000"/>
-    <dgm:cat type="list" pri="2500"/>
-  </dgm:catLst>
-  <dgm:sampData>
-    <dgm:dataModel>
-      <dgm:ptLst>
-        <dgm:pt modelId="0" type="doc"/>
-        <dgm:pt modelId="1">
-          <dgm:prSet phldr="1"/>
-        </dgm:pt>
-        <dgm:pt modelId="11">
-          <dgm:prSet phldr="1"/>
-        </dgm:pt>
-        <dgm:pt modelId="12">
-          <dgm:prSet phldr="1"/>
-        </dgm:pt>
-        <dgm:pt modelId="13">
-          <dgm:prSet phldr="1"/>
-        </dgm:pt>
-      </dgm:ptLst>
-      <dgm:cxnLst>
-        <dgm:cxn modelId="2" srcId="0" destId="1" srcOrd="0" destOrd="0"/>
-        <dgm:cxn modelId="3" srcId="1" destId="11" srcOrd="0" destOrd="0"/>
-        <dgm:cxn modelId="4" srcId="1" destId="12" srcOrd="1" destOrd="0"/>
-        <dgm:cxn modelId="5" srcId="1" destId="13" srcOrd="2" destOrd="0"/>
-      </dgm:cxnLst>
-      <dgm:bg/>
-      <dgm:whole/>
-    </dgm:dataModel>
-  </dgm:sampData>
-  <dgm:styleData>
-    <dgm:dataModel>
-      <dgm:ptLst>
-        <dgm:pt modelId="0" type="doc"/>
-        <dgm:pt modelId="1">
-          <dgm:prSet phldr="1"/>
-        </dgm:pt>
-        <dgm:pt modelId="11">
-          <dgm:prSet phldr="1"/>
-        </dgm:pt>
-        <dgm:pt modelId="12">
-          <dgm:prSet phldr="1"/>
-        </dgm:pt>
-      </dgm:ptLst>
-      <dgm:cxnLst>
-        <dgm:cxn modelId="2" srcId="0" destId="1" srcOrd="0" destOrd="0"/>
-        <dgm:cxn modelId="3" srcId="1" destId="11" srcOrd="0" destOrd="0"/>
-        <dgm:cxn modelId="4" srcId="1" destId="12" srcOrd="1" destOrd="0"/>
-      </dgm:cxnLst>
-      <dgm:bg/>
-      <dgm:whole/>
-    </dgm:dataModel>
-  </dgm:styleData>
-  <dgm:clrData>
-    <dgm:dataModel>
-      <dgm:ptLst>
-        <dgm:pt modelId="0" type="doc"/>
-        <dgm:pt modelId="1">
-          <dgm:prSet phldr="1"/>
-        </dgm:pt>
-        <dgm:pt modelId="11">
-          <dgm:prSet phldr="1"/>
-        </dgm:pt>
-        <dgm:pt modelId="12">
-          <dgm:prSet phldr="1"/>
-        </dgm:pt>
-      </dgm:ptLst>
-      <dgm:cxnLst>
-        <dgm:cxn modelId="2" srcId="0" destId="1" srcOrd="0" destOrd="0"/>
-        <dgm:cxn modelId="3" srcId="1" destId="11" srcOrd="0" destOrd="0"/>
-        <dgm:cxn modelId="4" srcId="1" destId="12" srcOrd="1" destOrd="0"/>
-      </dgm:cxnLst>
-      <dgm:bg/>
-      <dgm:whole/>
-    </dgm:dataModel>
-  </dgm:clrData>
-  <dgm:layoutNode name="vert0">
-    <dgm:varLst>
-      <dgm:dir/>
-      <dgm:animOne val="branch"/>
-      <dgm:animLvl val="lvl"/>
-    </dgm:varLst>
-    <dgm:choose name="Name0">
-      <dgm:if name="Name1" func="var" arg="dir" op="equ" val="norm">
-        <dgm:alg type="lin">
-          <dgm:param type="linDir" val="fromT"/>
-          <dgm:param type="nodeHorzAlign" val="l"/>
-        </dgm:alg>
-      </dgm:if>
-      <dgm:else name="Name2">
-        <dgm:alg type="lin">
-          <dgm:param type="linDir" val="fromT"/>
-          <dgm:param type="nodeHorzAlign" val="r"/>
-        </dgm:alg>
-      </dgm:else>
-    </dgm:choose>
-    <dgm:shape xmlns:r="http://schemas.openxmlformats.org/officeDocument/2006/relationships" r:blip="">
-      <dgm:adjLst/>
-    </dgm:shape>
-    <dgm:presOf/>
-    <dgm:constrLst>
-      <dgm:constr type="w" for="ch" forName="horz1" refType="w"/>
-      <dgm:constr type="h" for="ch" forName="horz1" refType="h"/>
-      <dgm:constr type="h" for="des" forName="vert1" refType="h"/>
-      <dgm:constr type="h" for="des" forName="tx1" refType="h"/>
-      <dgm:constr type="h" for="des" forName="horz2" refType="h"/>
-      <dgm:constr type="h" for="des" forName="vert2" refType="h"/>
-      <dgm:constr type="h" for="des" forName="horz3" refType="h"/>
-      <dgm:constr type="h" for="des" forName="vert3" refType="h"/>
-      <dgm:constr type="h" for="des" forName="horz4" refType="h"/>
-      <dgm:constr type="h" for="des" ptType="node" refType="h"/>
-      <dgm:constr type="primFontSz" for="des" forName="tx1" op="equ" val="65"/>
-      <dgm:constr type="primFontSz" for="des" forName="tx2" op="equ" val="65"/>
-      <dgm:constr type="primFontSz" for="des" forName="tx3" op="equ" val="65"/>
-      <dgm:constr type="primFontSz" for="des" forName="tx4" op="equ" val="65"/>
-      <dgm:constr type="w" for="des" forName="thickLine" refType="w"/>
-      <dgm:constr type="h" for="des" forName="thickLine"/>
-      <dgm:constr type="h" for="des" forName="thinLine1"/>
-      <dgm:constr type="h" for="des" forName="thinLine2b"/>
-      <dgm:constr type="h" for="des" forName="thinLine3"/>
-      <dgm:constr type="h" for="des" forName="vertSpace2a" refType="h" fact="0.05"/>
-      <dgm:constr type="h" for="des" forName="vertSpace2b" refType="h" refFor="des" refForName="vertSpace2a"/>
-    </dgm:constrLst>
-    <dgm:forEach name="Name3" axis="ch" ptType="node">
-      <dgm:layoutNode name="thickLine" styleLbl="alignNode1">
-        <dgm:alg type="sp"/>
-        <dgm:shape xmlns:r="http://schemas.openxmlformats.org/officeDocument/2006/relationships" type="line" r:blip="">
-          <dgm:adjLst/>
-        </dgm:shape>
-        <dgm:presOf/>
-      </dgm:layoutNode>
-      <dgm:layoutNode name="horz1">
-        <dgm:choose name="Name4">
-          <dgm:if name="Name5" func="var" arg="dir" op="equ" val="norm">
-            <dgm:alg type="lin">
-              <dgm:param type="linDir" val="fromL"/>
-              <dgm:param type="nodeVertAlign" val="t"/>
-            </dgm:alg>
-          </dgm:if>
-          <dgm:else name="Name6">
-            <dgm:alg type="lin">
-              <dgm:param type="linDir" val="fromR"/>
-              <dgm:param type="nodeVertAlign" val="t"/>
-            </dgm:alg>
-          </dgm:else>
-        </dgm:choose>
-        <dgm:shape xmlns:r="http://schemas.openxmlformats.org/officeDocument/2006/relationships" r:blip="">
-          <dgm:adjLst/>
-        </dgm:shape>
-        <dgm:presOf/>
-        <dgm:choose name="Name7">
-          <dgm:if name="Name8" axis="root des" func="maxDepth" op="equ" val="1">
-            <dgm:constrLst>
-              <dgm:constr type="w" for="ch" forName="tx1" refType="w"/>
-            </dgm:constrLst>
-          </dgm:if>
-          <dgm:if name="Name9" axis="root des" func="maxDepth" op="equ" val="2">
-            <dgm:constrLst>
-              <dgm:constr type="w" for="ch" forName="tx1" refType="w" fact="0.2"/>
-              <dgm:constr type="w" for="des" forName="tx2" refType="w" fact="0.785"/>
-              <dgm:constr type="w" for="des" forName="horzSpace2" refType="w" fact="0.015"/>
-              <dgm:constr type="w" for="des" forName="thinLine2b" refType="w" fact="0.8"/>
-            </dgm:constrLst>
-          </dgm:if>
-          <dgm:if name="Name10" axis="root des" func="maxDepth" op="equ" val="3">
-            <dgm:constrLst>
-              <dgm:constr type="w" for="ch" forName="tx1" refType="w" fact="0.2"/>
-              <dgm:constr type="w" for="des" forName="tx2" refType="w" fact="0.385"/>
-              <dgm:constr type="w" for="des" forName="tx3" refType="w" fact="0.385"/>
-              <dgm:constr type="w" for="des" forName="horzSpace2" refType="w" fact="0.015"/>
-              <dgm:constr type="w" for="des" forName="horzSpace3" refType="w" fact="0.015"/>
-              <dgm:constr type="w" for="des" forName="thinLine2b" refType="w" fact="0.8"/>
-              <dgm:constr type="w" for="des" forName="thinLine3" refType="w" fact="0.385"/>
-            </dgm:constrLst>
-          </dgm:if>
-          <dgm:if name="Name11" axis="root des" func="maxDepth" op="gte" val="4">
-            <dgm:constrLst>
-              <dgm:constr type="w" for="ch" forName="tx1" refType="w" fact="0.2"/>
-              <dgm:constr type="w" for="des" forName="tx2" refType="w" fact="0.2516"/>
-              <dgm:constr type="w" for="des" forName="tx3" refType="w" fact="0.2516"/>
-              <dgm:constr type="w" for="des" forName="tx4" refType="w" fact="0.2516"/>
-              <dgm:constr type="w" for="des" forName="horzSpace2" refType="w" fact="0.015"/>
-              <dgm:constr type="w" for="des" forName="horzSpace3" refType="w" fact="0.015"/>
-              <dgm:constr type="w" for="des" forName="horzSpace4" refType="w" fact="0.015"/>
-              <dgm:constr type="w" for="des" forName="thinLine2b" refType="w" fact="0.8"/>
-              <dgm:constr type="w" for="des" forName="thinLine3" refType="w" fact="0.5332"/>
-            </dgm:constrLst>
-          </dgm:if>
-          <dgm:else name="Name12"/>
-        </dgm:choose>
-        <dgm:layoutNode name="tx1" styleLbl="revTx">
-          <dgm:alg type="tx">
-            <dgm:param type="parTxLTRAlign" val="l"/>
-            <dgm:param type="parTxRTLAlign" val="r"/>
-            <dgm:param type="txAnchorVert" val="t"/>
-          </dgm:alg>
-          <dgm:shape xmlns:r="http://schemas.openxmlformats.org/officeDocument/2006/relationships" type="rect" r:blip="">
-            <dgm:adjLst/>
-          </dgm:shape>
-          <dgm:presOf axis="self"/>
-          <dgm:constrLst>
-            <dgm:constr type="tMarg" refType="primFontSz" fact="0.3"/>
-            <dgm:constr type="bMarg" refType="primFontSz" fact="0.3"/>
-            <dgm:constr type="lMarg" refType="primFontSz" fact="0.3"/>
-            <dgm:constr type="rMarg" refType="primFontSz" fact="0.3"/>
-          </dgm:constrLst>
-          <dgm:ruleLst>
-            <dgm:rule type="primFontSz" val="5" fact="NaN" max="NaN"/>
-          </dgm:ruleLst>
-        </dgm:layoutNode>
-        <dgm:layoutNode name="vert1">
-          <dgm:choose name="Name13">
-            <dgm:if name="Name14" func="var" arg="dir" op="equ" val="norm">
-              <dgm:alg type="lin">
-                <dgm:param type="linDir" val="fromT"/>
-                <dgm:param type="nodeHorzAlign" val="l"/>
-              </dgm:alg>
-            </dgm:if>
-            <dgm:else name="Name15">
-              <dgm:alg type="lin">
-                <dgm:param type="linDir" val="fromT"/>
-                <dgm:param type="nodeHorzAlign" val="r"/>
-              </dgm:alg>
-            </dgm:else>
-          </dgm:choose>
-          <dgm:shape xmlns:r="http://schemas.openxmlformats.org/officeDocument/2006/relationships" r:blip="">
-            <dgm:adjLst/>
-          </dgm:shape>
-          <dgm:presOf/>
-          <dgm:forEach name="Name16" axis="ch" ptType="node">
-            <dgm:choose name="Name17">
-              <dgm:if name="Name18" axis="self" ptType="node" func="pos" op="equ" val="1">
-                <dgm:layoutNode name="vertSpace2a">
-                  <dgm:alg type="sp"/>
-                  <dgm:shape xmlns:r="http://schemas.openxmlformats.org/officeDocument/2006/relationships" r:blip="">
-                    <dgm:adjLst/>
-                  </dgm:shape>
-                  <dgm:presOf/>
-                </dgm:layoutNode>
-              </dgm:if>
-              <dgm:else name="Name19"/>
-            </dgm:choose>
-            <dgm:layoutNode name="horz2">
-              <dgm:choose name="Name20">
-                <dgm:if name="Name21" func="var" arg="dir" op="equ" val="norm">
-                  <dgm:alg type="lin">
-                    <dgm:param type="linDir" val="fromL"/>
-                    <dgm:param type="nodeVertAlign" val="t"/>
-                  </dgm:alg>
-                </dgm:if>
-                <dgm:else name="Name22">
-                  <dgm:alg type="lin">
-                    <dgm:param type="linDir" val="fromR"/>
-                    <dgm:param type="nodeVertAlign" val="t"/>
-                  </dgm:alg>
-                </dgm:else>
-              </dgm:choose>
-              <dgm:shape xmlns:r="http://schemas.openxmlformats.org/officeDocument/2006/relationships" r:blip="">
-                <dgm:adjLst/>
-              </dgm:shape>
-              <dgm:presOf/>
-              <dgm:layoutNode name="horzSpace2">
-                <dgm:alg type="sp"/>
-                <dgm:shape xmlns:r="http://schemas.openxmlformats.org/officeDocument/2006/relationships" r:blip="">
-                  <dgm:adjLst/>
-                </dgm:shape>
-                <dgm:presOf/>
-              </dgm:layoutNode>
-              <dgm:layoutNode name="tx2" styleLbl="revTx">
-                <dgm:alg type="tx">
-                  <dgm:param type="parTxLTRAlign" val="l"/>
-                  <dgm:param type="parTxRTLAlign" val="r"/>
-                  <dgm:param type="txAnchorVert" val="t"/>
-                </dgm:alg>
-                <dgm:shape xmlns:r="http://schemas.openxmlformats.org/officeDocument/2006/relationships" type="rect" r:blip="">
-                  <dgm:adjLst/>
-                </dgm:shape>
-                <dgm:presOf axis="self"/>
-                <dgm:constrLst>
-                  <dgm:constr type="tMarg" refType="primFontSz" fact="0.3"/>
-                  <dgm:constr type="bMarg" refType="primFontSz" fact="0.3"/>
-                  <dgm:constr type="lMarg" refType="primFontSz" fact="0.3"/>
-                  <dgm:constr type="rMarg" refType="primFontSz" fact="0.3"/>
-                </dgm:constrLst>
-                <dgm:ruleLst>
-                  <dgm:rule type="primFontSz" val="5" fact="NaN" max="NaN"/>
-                </dgm:ruleLst>
-              </dgm:layoutNode>
-              <dgm:layoutNode name="vert2">
-                <dgm:choose name="Name23">
-                  <dgm:if name="Name24" func="var" arg="dir" op="equ" val="norm">
-                    <dgm:alg type="lin">
-                      <dgm:param type="linDir" val="fromT"/>
-                      <dgm:param type="nodeHorzAlign" val="l"/>
-                    </dgm:alg>
-                  </dgm:if>
-                  <dgm:else name="Name25">
-                    <dgm:alg type="lin">
-                      <dgm:param type="linDir" val="fromT"/>
-                      <dgm:param type="nodeHorzAlign" val="r"/>
-                    </dgm:alg>
-                  </dgm:else>
-                </dgm:choose>
-                <dgm:shape xmlns:r="http://schemas.openxmlformats.org/officeDocument/2006/relationships" r:blip="">
-                  <dgm:adjLst/>
-                </dgm:shape>
-                <dgm:presOf/>
-                <dgm:forEach name="Name26" axis="ch" ptType="node">
-                  <dgm:layoutNode name="horz3">
-                    <dgm:choose name="Name27">
-                      <dgm:if name="Name28" func="var" arg="dir" op="equ" val="norm">
-                        <dgm:alg type="lin">
-                          <dgm:param type="linDir" val="fromL"/>
-                          <dgm:param type="nodeVertAlign" val="t"/>
-                        </dgm:alg>
-                      </dgm:if>
-                      <dgm:else name="Name29">
-                        <dgm:alg type="lin">
-                          <dgm:param type="linDir" val="fromR"/>
-                          <dgm:param type="nodeVertAlign" val="t"/>
-                        </dgm:alg>
-                      </dgm:else>
-                    </dgm:choose>
-                    <dgm:shape xmlns:r="http://schemas.openxmlformats.org/officeDocument/2006/relationships" r:blip="">
-                      <dgm:adjLst/>
-                    </dgm:shape>
-                    <dgm:presOf/>
-                    <dgm:layoutNode name="horzSpace3">
-                      <dgm:alg type="sp"/>
-                      <dgm:shape xmlns:r="http://schemas.openxmlformats.org/officeDocument/2006/relationships" r:blip="">
-                        <dgm:adjLst/>
-                      </dgm:shape>
-                      <dgm:presOf/>
-                    </dgm:layoutNode>
-                    <dgm:layoutNode name="tx3" styleLbl="revTx">
-                      <dgm:alg type="tx">
-                        <dgm:param type="parTxLTRAlign" val="l"/>
-                        <dgm:param type="parTxRTLAlign" val="r"/>
-                        <dgm:param type="txAnchorVert" val="t"/>
-                      </dgm:alg>
-                      <dgm:shape xmlns:r="http://schemas.openxmlformats.org/officeDocument/2006/relationships" type="rect" r:blip="">
-                        <dgm:adjLst/>
-                      </dgm:shape>
-                      <dgm:presOf axis="self"/>
-                      <dgm:constrLst>
-                        <dgm:constr type="tMarg" refType="primFontSz" fact="0.3"/>
-                        <dgm:constr type="bMarg" refType="primFontSz" fact="0.3"/>
-                        <dgm:constr type="lMarg" refType="primFontSz" fact="0.3"/>
-                        <dgm:constr type="rMarg" refType="primFontSz" fact="0.3"/>
-                      </dgm:constrLst>
-                      <dgm:ruleLst>
-                        <dgm:rule type="primFontSz" val="5" fact="NaN" max="NaN"/>
-                      </dgm:ruleLst>
-                    </dgm:layoutNode>
-                    <dgm:layoutNode name="vert3">
-                      <dgm:choose name="Name30">
-                        <dgm:if name="Name31" func="var" arg="dir" op="equ" val="norm">
-                          <dgm:alg type="lin">
-                            <dgm:param type="linDir" val="fromT"/>
-                            <dgm:param type="nodeHorzAlign" val="l"/>
-                          </dgm:alg>
-                        </dgm:if>
-                        <dgm:else name="Name32">
-                          <dgm:alg type="lin">
-                            <dgm:param type="linDir" val="fromT"/>
-                            <dgm:param type="nodeHorzAlign" val="r"/>
-                          </dgm:alg>
-                        </dgm:else>
-                      </dgm:choose>
-                      <dgm:shape xmlns:r="http://schemas.openxmlformats.org/officeDocument/2006/relationships" r:blip="">
-                        <dgm:adjLst/>
-                      </dgm:shape>
-                      <dgm:presOf/>
-                      <dgm:forEach name="Name33" axis="ch" ptType="node">
-                        <dgm:layoutNode name="horz4">
-                          <dgm:choose name="Name34">
-                            <dgm:if name="Name35" func="var" arg="dir" op="equ" val="norm">
-                              <dgm:alg type="lin">
-                                <dgm:param type="linDir" val="fromL"/>
-                                <dgm:param type="nodeVertAlign" val="t"/>
-                              </dgm:alg>
-                            </dgm:if>
-                            <dgm:else name="Name36">
-                              <dgm:alg type="lin">
-                                <dgm:param type="linDir" val="fromR"/>
-                                <dgm:param type="nodeVertAlign" val="t"/>
-                              </dgm:alg>
-                            </dgm:else>
-                          </dgm:choose>
-                          <dgm:shape xmlns:r="http://schemas.openxmlformats.org/officeDocument/2006/relationships" r:blip="">
-                            <dgm:adjLst/>
-                          </dgm:shape>
-                          <dgm:presOf/>
-                          <dgm:layoutNode name="horzSpace4">
-                            <dgm:alg type="sp"/>
-                            <dgm:shape xmlns:r="http://schemas.openxmlformats.org/officeDocument/2006/relationships" r:blip="">
-                              <dgm:adjLst/>
-                            </dgm:shape>
-                            <dgm:presOf/>
-                          </dgm:layoutNode>
-                          <dgm:layoutNode name="tx4" styleLbl="revTx">
-                            <dgm:varLst>
-                              <dgm:bulletEnabled val="1"/>
-                            </dgm:varLst>
-                            <dgm:alg type="tx">
-                              <dgm:param type="parTxLTRAlign" val="l"/>
-                              <dgm:param type="parTxRTLAlign" val="r"/>
-                              <dgm:param type="txAnchorVert" val="t"/>
-                            </dgm:alg>
-                            <dgm:shape xmlns:r="http://schemas.openxmlformats.org/officeDocument/2006/relationships" type="rect" r:blip="">
-                              <dgm:adjLst/>
-                            </dgm:shape>
-                            <dgm:presOf axis="desOrSelf" ptType="node"/>
-                            <dgm:constrLst>
-                              <dgm:constr type="tMarg" refType="primFontSz" fact="0.3"/>
-                              <dgm:constr type="bMarg" refType="primFontSz" fact="0.3"/>
-                              <dgm:constr type="lMarg" refType="primFontSz" fact="0.3"/>
-                              <dgm:constr type="rMarg" refType="primFontSz" fact="0.3"/>
-                            </dgm:constrLst>
-                            <dgm:ruleLst>
-                              <dgm:rule type="primFontSz" val="5" fact="NaN" max="NaN"/>
-                            </dgm:ruleLst>
-                          </dgm:layoutNode>
-                        </dgm:layoutNode>
-                      </dgm:forEach>
-                    </dgm:layoutNode>
-                  </dgm:layoutNode>
-                  <dgm:forEach name="Name37" axis="followSib" ptType="sibTrans" cnt="1">
-                    <dgm:layoutNode name="thinLine3" styleLbl="callout">
-                      <dgm:alg type="sp"/>
-                      <dgm:shape xmlns:r="http://schemas.openxmlformats.org/officeDocument/2006/relationships" type="line" r:blip="">
-                        <dgm:adjLst/>
-                      </dgm:shape>
-                      <dgm:presOf/>
-                    </dgm:layoutNode>
-                  </dgm:forEach>
-                </dgm:forEach>
-              </dgm:layoutNode>
-            </dgm:layoutNode>
-            <dgm:layoutNode name="thinLine2b" styleLbl="callout">
-              <dgm:alg type="sp"/>
-              <dgm:shape xmlns:r="http://schemas.openxmlformats.org/officeDocument/2006/relationships" type="line" r:blip="">
-                <dgm:adjLst/>
-              </dgm:shape>
-              <dgm:presOf/>
-            </dgm:layoutNode>
-            <dgm:layoutNode name="vertSpace2b">
-              <dgm:alg type="sp"/>
-              <dgm:shape xmlns:r="http://schemas.openxmlformats.org/officeDocument/2006/relationships" r:blip="">
-                <dgm:adjLst/>
-              </dgm:shape>
-              <dgm:presOf/>
-            </dgm:layoutNode>
-          </dgm:forEach>
-        </dgm:layoutNode>
-      </dgm:layoutNode>
-    </dgm:forEach>
-  </dgm:layoutNode>
-</dgm:layoutDef>
-</file>
-
 <file path=ppt/diagrams/quickStyle1.xml><?xml version="1.0" encoding="utf-8"?>
 <dgm:styleDef xmlns:dgm="http://schemas.openxmlformats.org/drawingml/2006/diagram" xmlns:a="http://schemas.openxmlformats.org/drawingml/2006/main" uniqueId="urn:microsoft.com/office/officeart/2005/8/quickstyle/simple1">
   <dgm:title val=""/>
@@ -15397,1040 +12773,6 @@
 </file>
 
 <file path=ppt/diagrams/quickStyle4.xml><?xml version="1.0" encoding="utf-8"?>
-<dgm:styleDef xmlns:dgm="http://schemas.openxmlformats.org/drawingml/2006/diagram" xmlns:a="http://schemas.openxmlformats.org/drawingml/2006/main" uniqueId="urn:microsoft.com/office/officeart/2005/8/quickstyle/simple1">
-  <dgm:title val=""/>
-  <dgm:desc val=""/>
-  <dgm:catLst>
-    <dgm:cat type="simple" pri="10100"/>
-  </dgm:catLst>
-  <dgm:scene3d>
-    <a:camera prst="orthographicFront"/>
-    <a:lightRig rig="threePt" dir="t"/>
-  </dgm:scene3d>
-  <dgm:styleLbl name="node0">
-    <dgm:scene3d>
-      <a:camera prst="orthographicFront"/>
-      <a:lightRig rig="threePt" dir="t"/>
-    </dgm:scene3d>
-    <dgm:sp3d/>
-    <dgm:txPr/>
-    <dgm:style>
-      <a:lnRef idx="2">
-        <a:scrgbClr r="0" g="0" b="0"/>
-      </a:lnRef>
-      <a:fillRef idx="1">
-        <a:scrgbClr r="0" g="0" b="0"/>
-      </a:fillRef>
-      <a:effectRef idx="0">
-        <a:scrgbClr r="0" g="0" b="0"/>
-      </a:effectRef>
-      <a:fontRef idx="minor">
-        <a:schemeClr val="lt1"/>
-      </a:fontRef>
-    </dgm:style>
-  </dgm:styleLbl>
-  <dgm:styleLbl name="lnNode1">
-    <dgm:scene3d>
-      <a:camera prst="orthographicFront"/>
-      <a:lightRig rig="threePt" dir="t"/>
-    </dgm:scene3d>
-    <dgm:sp3d/>
-    <dgm:txPr/>
-    <dgm:style>
-      <a:lnRef idx="2">
-        <a:scrgbClr r="0" g="0" b="0"/>
-      </a:lnRef>
-      <a:fillRef idx="1">
-        <a:scrgbClr r="0" g="0" b="0"/>
-      </a:fillRef>
-      <a:effectRef idx="0">
-        <a:scrgbClr r="0" g="0" b="0"/>
-      </a:effectRef>
-      <a:fontRef idx="minor">
-        <a:schemeClr val="lt1"/>
-      </a:fontRef>
-    </dgm:style>
-  </dgm:styleLbl>
-  <dgm:styleLbl name="vennNode1">
-    <dgm:scene3d>
-      <a:camera prst="orthographicFront"/>
-      <a:lightRig rig="threePt" dir="t"/>
-    </dgm:scene3d>
-    <dgm:sp3d/>
-    <dgm:txPr/>
-    <dgm:style>
-      <a:lnRef idx="2">
-        <a:scrgbClr r="0" g="0" b="0"/>
-      </a:lnRef>
-      <a:fillRef idx="1">
-        <a:scrgbClr r="0" g="0" b="0"/>
-      </a:fillRef>
-      <a:effectRef idx="0">
-        <a:scrgbClr r="0" g="0" b="0"/>
-      </a:effectRef>
-      <a:fontRef idx="minor">
-        <a:schemeClr val="tx1"/>
-      </a:fontRef>
-    </dgm:style>
-  </dgm:styleLbl>
-  <dgm:styleLbl name="alignNode1">
-    <dgm:scene3d>
-      <a:camera prst="orthographicFront"/>
-      <a:lightRig rig="threePt" dir="t"/>
-    </dgm:scene3d>
-    <dgm:sp3d/>
-    <dgm:txPr/>
-    <dgm:style>
-      <a:lnRef idx="2">
-        <a:scrgbClr r="0" g="0" b="0"/>
-      </a:lnRef>
-      <a:fillRef idx="1">
-        <a:scrgbClr r="0" g="0" b="0"/>
-      </a:fillRef>
-      <a:effectRef idx="0">
-        <a:scrgbClr r="0" g="0" b="0"/>
-      </a:effectRef>
-      <a:fontRef idx="minor">
-        <a:schemeClr val="lt1"/>
-      </a:fontRef>
-    </dgm:style>
-  </dgm:styleLbl>
-  <dgm:styleLbl name="node1">
-    <dgm:scene3d>
-      <a:camera prst="orthographicFront"/>
-      <a:lightRig rig="threePt" dir="t"/>
-    </dgm:scene3d>
-    <dgm:sp3d/>
-    <dgm:txPr/>
-    <dgm:style>
-      <a:lnRef idx="2">
-        <a:scrgbClr r="0" g="0" b="0"/>
-      </a:lnRef>
-      <a:fillRef idx="1">
-        <a:scrgbClr r="0" g="0" b="0"/>
-      </a:fillRef>
-      <a:effectRef idx="0">
-        <a:scrgbClr r="0" g="0" b="0"/>
-      </a:effectRef>
-      <a:fontRef idx="minor">
-        <a:schemeClr val="lt1"/>
-      </a:fontRef>
-    </dgm:style>
-  </dgm:styleLbl>
-  <dgm:styleLbl name="node2">
-    <dgm:scene3d>
-      <a:camera prst="orthographicFront"/>
-      <a:lightRig rig="threePt" dir="t"/>
-    </dgm:scene3d>
-    <dgm:sp3d/>
-    <dgm:txPr/>
-    <dgm:style>
-      <a:lnRef idx="2">
-        <a:scrgbClr r="0" g="0" b="0"/>
-      </a:lnRef>
-      <a:fillRef idx="1">
-        <a:scrgbClr r="0" g="0" b="0"/>
-      </a:fillRef>
-      <a:effectRef idx="0">
-        <a:scrgbClr r="0" g="0" b="0"/>
-      </a:effectRef>
-      <a:fontRef idx="minor">
-        <a:schemeClr val="lt1"/>
-      </a:fontRef>
-    </dgm:style>
-  </dgm:styleLbl>
-  <dgm:styleLbl name="node3">
-    <dgm:scene3d>
-      <a:camera prst="orthographicFront"/>
-      <a:lightRig rig="threePt" dir="t"/>
-    </dgm:scene3d>
-    <dgm:sp3d/>
-    <dgm:txPr/>
-    <dgm:style>
-      <a:lnRef idx="2">
-        <a:scrgbClr r="0" g="0" b="0"/>
-      </a:lnRef>
-      <a:fillRef idx="1">
-        <a:scrgbClr r="0" g="0" b="0"/>
-      </a:fillRef>
-      <a:effectRef idx="0">
-        <a:scrgbClr r="0" g="0" b="0"/>
-      </a:effectRef>
-      <a:fontRef idx="minor">
-        <a:schemeClr val="lt1"/>
-      </a:fontRef>
-    </dgm:style>
-  </dgm:styleLbl>
-  <dgm:styleLbl name="node4">
-    <dgm:scene3d>
-      <a:camera prst="orthographicFront"/>
-      <a:lightRig rig="threePt" dir="t"/>
-    </dgm:scene3d>
-    <dgm:sp3d/>
-    <dgm:txPr/>
-    <dgm:style>
-      <a:lnRef idx="2">
-        <a:scrgbClr r="0" g="0" b="0"/>
-      </a:lnRef>
-      <a:fillRef idx="1">
-        <a:scrgbClr r="0" g="0" b="0"/>
-      </a:fillRef>
-      <a:effectRef idx="0">
-        <a:scrgbClr r="0" g="0" b="0"/>
-      </a:effectRef>
-      <a:fontRef idx="minor">
-        <a:schemeClr val="lt1"/>
-      </a:fontRef>
-    </dgm:style>
-  </dgm:styleLbl>
-  <dgm:styleLbl name="fgImgPlace1">
-    <dgm:scene3d>
-      <a:camera prst="orthographicFront"/>
-      <a:lightRig rig="threePt" dir="t"/>
-    </dgm:scene3d>
-    <dgm:sp3d/>
-    <dgm:txPr/>
-    <dgm:style>
-      <a:lnRef idx="2">
-        <a:scrgbClr r="0" g="0" b="0"/>
-      </a:lnRef>
-      <a:fillRef idx="1">
-        <a:scrgbClr r="0" g="0" b="0"/>
-      </a:fillRef>
-      <a:effectRef idx="0">
-        <a:scrgbClr r="0" g="0" b="0"/>
-      </a:effectRef>
-      <a:fontRef idx="minor"/>
-    </dgm:style>
-  </dgm:styleLbl>
-  <dgm:styleLbl name="alignImgPlace1">
-    <dgm:scene3d>
-      <a:camera prst="orthographicFront"/>
-      <a:lightRig rig="threePt" dir="t"/>
-    </dgm:scene3d>
-    <dgm:sp3d/>
-    <dgm:txPr/>
-    <dgm:style>
-      <a:lnRef idx="2">
-        <a:scrgbClr r="0" g="0" b="0"/>
-      </a:lnRef>
-      <a:fillRef idx="1">
-        <a:scrgbClr r="0" g="0" b="0"/>
-      </a:fillRef>
-      <a:effectRef idx="0">
-        <a:scrgbClr r="0" g="0" b="0"/>
-      </a:effectRef>
-      <a:fontRef idx="minor"/>
-    </dgm:style>
-  </dgm:styleLbl>
-  <dgm:styleLbl name="bgImgPlace1">
-    <dgm:scene3d>
-      <a:camera prst="orthographicFront"/>
-      <a:lightRig rig="threePt" dir="t"/>
-    </dgm:scene3d>
-    <dgm:sp3d/>
-    <dgm:txPr/>
-    <dgm:style>
-      <a:lnRef idx="2">
-        <a:scrgbClr r="0" g="0" b="0"/>
-      </a:lnRef>
-      <a:fillRef idx="1">
-        <a:scrgbClr r="0" g="0" b="0"/>
-      </a:fillRef>
-      <a:effectRef idx="0">
-        <a:scrgbClr r="0" g="0" b="0"/>
-      </a:effectRef>
-      <a:fontRef idx="minor"/>
-    </dgm:style>
-  </dgm:styleLbl>
-  <dgm:styleLbl name="sibTrans2D1">
-    <dgm:scene3d>
-      <a:camera prst="orthographicFront"/>
-      <a:lightRig rig="threePt" dir="t"/>
-    </dgm:scene3d>
-    <dgm:sp3d/>
-    <dgm:txPr/>
-    <dgm:style>
-      <a:lnRef idx="0">
-        <a:scrgbClr r="0" g="0" b="0"/>
-      </a:lnRef>
-      <a:fillRef idx="1">
-        <a:scrgbClr r="0" g="0" b="0"/>
-      </a:fillRef>
-      <a:effectRef idx="0">
-        <a:scrgbClr r="0" g="0" b="0"/>
-      </a:effectRef>
-      <a:fontRef idx="minor">
-        <a:schemeClr val="lt1"/>
-      </a:fontRef>
-    </dgm:style>
-  </dgm:styleLbl>
-  <dgm:styleLbl name="fgSibTrans2D1">
-    <dgm:scene3d>
-      <a:camera prst="orthographicFront"/>
-      <a:lightRig rig="threePt" dir="t"/>
-    </dgm:scene3d>
-    <dgm:sp3d/>
-    <dgm:txPr/>
-    <dgm:style>
-      <a:lnRef idx="0">
-        <a:scrgbClr r="0" g="0" b="0"/>
-      </a:lnRef>
-      <a:fillRef idx="1">
-        <a:scrgbClr r="0" g="0" b="0"/>
-      </a:fillRef>
-      <a:effectRef idx="0">
-        <a:scrgbClr r="0" g="0" b="0"/>
-      </a:effectRef>
-      <a:fontRef idx="minor">
-        <a:schemeClr val="lt1"/>
-      </a:fontRef>
-    </dgm:style>
-  </dgm:styleLbl>
-  <dgm:styleLbl name="bgSibTrans2D1">
-    <dgm:scene3d>
-      <a:camera prst="orthographicFront"/>
-      <a:lightRig rig="threePt" dir="t"/>
-    </dgm:scene3d>
-    <dgm:sp3d/>
-    <dgm:txPr/>
-    <dgm:style>
-      <a:lnRef idx="0">
-        <a:scrgbClr r="0" g="0" b="0"/>
-      </a:lnRef>
-      <a:fillRef idx="1">
-        <a:scrgbClr r="0" g="0" b="0"/>
-      </a:fillRef>
-      <a:effectRef idx="0">
-        <a:scrgbClr r="0" g="0" b="0"/>
-      </a:effectRef>
-      <a:fontRef idx="minor">
-        <a:schemeClr val="lt1"/>
-      </a:fontRef>
-    </dgm:style>
-  </dgm:styleLbl>
-  <dgm:styleLbl name="sibTrans1D1">
-    <dgm:scene3d>
-      <a:camera prst="orthographicFront"/>
-      <a:lightRig rig="threePt" dir="t"/>
-    </dgm:scene3d>
-    <dgm:sp3d/>
-    <dgm:txPr/>
-    <dgm:style>
-      <a:lnRef idx="1">
-        <a:scrgbClr r="0" g="0" b="0"/>
-      </a:lnRef>
-      <a:fillRef idx="0">
-        <a:scrgbClr r="0" g="0" b="0"/>
-      </a:fillRef>
-      <a:effectRef idx="0">
-        <a:scrgbClr r="0" g="0" b="0"/>
-      </a:effectRef>
-      <a:fontRef idx="minor"/>
-    </dgm:style>
-  </dgm:styleLbl>
-  <dgm:styleLbl name="callout">
-    <dgm:scene3d>
-      <a:camera prst="orthographicFront"/>
-      <a:lightRig rig="threePt" dir="t"/>
-    </dgm:scene3d>
-    <dgm:sp3d/>
-    <dgm:txPr/>
-    <dgm:style>
-      <a:lnRef idx="2">
-        <a:scrgbClr r="0" g="0" b="0"/>
-      </a:lnRef>
-      <a:fillRef idx="1">
-        <a:scrgbClr r="0" g="0" b="0"/>
-      </a:fillRef>
-      <a:effectRef idx="0">
-        <a:scrgbClr r="0" g="0" b="0"/>
-      </a:effectRef>
-      <a:fontRef idx="minor"/>
-    </dgm:style>
-  </dgm:styleLbl>
-  <dgm:styleLbl name="asst0">
-    <dgm:scene3d>
-      <a:camera prst="orthographicFront"/>
-      <a:lightRig rig="threePt" dir="t"/>
-    </dgm:scene3d>
-    <dgm:sp3d/>
-    <dgm:txPr/>
-    <dgm:style>
-      <a:lnRef idx="2">
-        <a:scrgbClr r="0" g="0" b="0"/>
-      </a:lnRef>
-      <a:fillRef idx="1">
-        <a:scrgbClr r="0" g="0" b="0"/>
-      </a:fillRef>
-      <a:effectRef idx="0">
-        <a:scrgbClr r="0" g="0" b="0"/>
-      </a:effectRef>
-      <a:fontRef idx="minor">
-        <a:schemeClr val="lt1"/>
-      </a:fontRef>
-    </dgm:style>
-  </dgm:styleLbl>
-  <dgm:styleLbl name="asst1">
-    <dgm:scene3d>
-      <a:camera prst="orthographicFront"/>
-      <a:lightRig rig="threePt" dir="t"/>
-    </dgm:scene3d>
-    <dgm:sp3d/>
-    <dgm:txPr/>
-    <dgm:style>
-      <a:lnRef idx="2">
-        <a:scrgbClr r="0" g="0" b="0"/>
-      </a:lnRef>
-      <a:fillRef idx="1">
-        <a:scrgbClr r="0" g="0" b="0"/>
-      </a:fillRef>
-      <a:effectRef idx="0">
-        <a:scrgbClr r="0" g="0" b="0"/>
-      </a:effectRef>
-      <a:fontRef idx="minor">
-        <a:schemeClr val="lt1"/>
-      </a:fontRef>
-    </dgm:style>
-  </dgm:styleLbl>
-  <dgm:styleLbl name="asst2">
-    <dgm:scene3d>
-      <a:camera prst="orthographicFront"/>
-      <a:lightRig rig="threePt" dir="t"/>
-    </dgm:scene3d>
-    <dgm:sp3d/>
-    <dgm:txPr/>
-    <dgm:style>
-      <a:lnRef idx="2">
-        <a:scrgbClr r="0" g="0" b="0"/>
-      </a:lnRef>
-      <a:fillRef idx="1">
-        <a:scrgbClr r="0" g="0" b="0"/>
-      </a:fillRef>
-      <a:effectRef idx="0">
-        <a:scrgbClr r="0" g="0" b="0"/>
-      </a:effectRef>
-      <a:fontRef idx="minor">
-        <a:schemeClr val="lt1"/>
-      </a:fontRef>
-    </dgm:style>
-  </dgm:styleLbl>
-  <dgm:styleLbl name="asst3">
-    <dgm:scene3d>
-      <a:camera prst="orthographicFront"/>
-      <a:lightRig rig="threePt" dir="t"/>
-    </dgm:scene3d>
-    <dgm:sp3d/>
-    <dgm:txPr/>
-    <dgm:style>
-      <a:lnRef idx="2">
-        <a:scrgbClr r="0" g="0" b="0"/>
-      </a:lnRef>
-      <a:fillRef idx="1">
-        <a:scrgbClr r="0" g="0" b="0"/>
-      </a:fillRef>
-      <a:effectRef idx="0">
-        <a:scrgbClr r="0" g="0" b="0"/>
-      </a:effectRef>
-      <a:fontRef idx="minor">
-        <a:schemeClr val="lt1"/>
-      </a:fontRef>
-    </dgm:style>
-  </dgm:styleLbl>
-  <dgm:styleLbl name="asst4">
-    <dgm:scene3d>
-      <a:camera prst="orthographicFront"/>
-      <a:lightRig rig="threePt" dir="t"/>
-    </dgm:scene3d>
-    <dgm:sp3d/>
-    <dgm:txPr/>
-    <dgm:style>
-      <a:lnRef idx="2">
-        <a:scrgbClr r="0" g="0" b="0"/>
-      </a:lnRef>
-      <a:fillRef idx="1">
-        <a:scrgbClr r="0" g="0" b="0"/>
-      </a:fillRef>
-      <a:effectRef idx="0">
-        <a:scrgbClr r="0" g="0" b="0"/>
-      </a:effectRef>
-      <a:fontRef idx="minor">
-        <a:schemeClr val="lt1"/>
-      </a:fontRef>
-    </dgm:style>
-  </dgm:styleLbl>
-  <dgm:styleLbl name="parChTrans2D1">
-    <dgm:scene3d>
-      <a:camera prst="orthographicFront"/>
-      <a:lightRig rig="threePt" dir="t"/>
-    </dgm:scene3d>
-    <dgm:sp3d/>
-    <dgm:txPr/>
-    <dgm:style>
-      <a:lnRef idx="2">
-        <a:scrgbClr r="0" g="0" b="0"/>
-      </a:lnRef>
-      <a:fillRef idx="1">
-        <a:scrgbClr r="0" g="0" b="0"/>
-      </a:fillRef>
-      <a:effectRef idx="0">
-        <a:scrgbClr r="0" g="0" b="0"/>
-      </a:effectRef>
-      <a:fontRef idx="minor">
-        <a:schemeClr val="lt1"/>
-      </a:fontRef>
-    </dgm:style>
-  </dgm:styleLbl>
-  <dgm:styleLbl name="parChTrans2D2">
-    <dgm:scene3d>
-      <a:camera prst="orthographicFront"/>
-      <a:lightRig rig="threePt" dir="t"/>
-    </dgm:scene3d>
-    <dgm:sp3d/>
-    <dgm:txPr/>
-    <dgm:style>
-      <a:lnRef idx="2">
-        <a:scrgbClr r="0" g="0" b="0"/>
-      </a:lnRef>
-      <a:fillRef idx="1">
-        <a:scrgbClr r="0" g="0" b="0"/>
-      </a:fillRef>
-      <a:effectRef idx="0">
-        <a:scrgbClr r="0" g="0" b="0"/>
-      </a:effectRef>
-      <a:fontRef idx="minor">
-        <a:schemeClr val="lt1"/>
-      </a:fontRef>
-    </dgm:style>
-  </dgm:styleLbl>
-  <dgm:styleLbl name="parChTrans2D3">
-    <dgm:scene3d>
-      <a:camera prst="orthographicFront"/>
-      <a:lightRig rig="threePt" dir="t"/>
-    </dgm:scene3d>
-    <dgm:sp3d/>
-    <dgm:txPr/>
-    <dgm:style>
-      <a:lnRef idx="2">
-        <a:scrgbClr r="0" g="0" b="0"/>
-      </a:lnRef>
-      <a:fillRef idx="1">
-        <a:scrgbClr r="0" g="0" b="0"/>
-      </a:fillRef>
-      <a:effectRef idx="0">
-        <a:scrgbClr r="0" g="0" b="0"/>
-      </a:effectRef>
-      <a:fontRef idx="minor">
-        <a:schemeClr val="lt1"/>
-      </a:fontRef>
-    </dgm:style>
-  </dgm:styleLbl>
-  <dgm:styleLbl name="parChTrans2D4">
-    <dgm:scene3d>
-      <a:camera prst="orthographicFront"/>
-      <a:lightRig rig="threePt" dir="t"/>
-    </dgm:scene3d>
-    <dgm:sp3d/>
-    <dgm:txPr/>
-    <dgm:style>
-      <a:lnRef idx="2">
-        <a:scrgbClr r="0" g="0" b="0"/>
-      </a:lnRef>
-      <a:fillRef idx="1">
-        <a:scrgbClr r="0" g="0" b="0"/>
-      </a:fillRef>
-      <a:effectRef idx="0">
-        <a:scrgbClr r="0" g="0" b="0"/>
-      </a:effectRef>
-      <a:fontRef idx="minor">
-        <a:schemeClr val="lt1"/>
-      </a:fontRef>
-    </dgm:style>
-  </dgm:styleLbl>
-  <dgm:styleLbl name="parChTrans1D1">
-    <dgm:scene3d>
-      <a:camera prst="orthographicFront"/>
-      <a:lightRig rig="threePt" dir="t"/>
-    </dgm:scene3d>
-    <dgm:sp3d/>
-    <dgm:txPr/>
-    <dgm:style>
-      <a:lnRef idx="2">
-        <a:scrgbClr r="0" g="0" b="0"/>
-      </a:lnRef>
-      <a:fillRef idx="0">
-        <a:scrgbClr r="0" g="0" b="0"/>
-      </a:fillRef>
-      <a:effectRef idx="0">
-        <a:scrgbClr r="0" g="0" b="0"/>
-      </a:effectRef>
-      <a:fontRef idx="minor"/>
-    </dgm:style>
-  </dgm:styleLbl>
-  <dgm:styleLbl name="parChTrans1D2">
-    <dgm:scene3d>
-      <a:camera prst="orthographicFront"/>
-      <a:lightRig rig="threePt" dir="t"/>
-    </dgm:scene3d>
-    <dgm:sp3d/>
-    <dgm:txPr/>
-    <dgm:style>
-      <a:lnRef idx="2">
-        <a:scrgbClr r="0" g="0" b="0"/>
-      </a:lnRef>
-      <a:fillRef idx="0">
-        <a:scrgbClr r="0" g="0" b="0"/>
-      </a:fillRef>
-      <a:effectRef idx="0">
-        <a:scrgbClr r="0" g="0" b="0"/>
-      </a:effectRef>
-      <a:fontRef idx="minor"/>
-    </dgm:style>
-  </dgm:styleLbl>
-  <dgm:styleLbl name="parChTrans1D3">
-    <dgm:scene3d>
-      <a:camera prst="orthographicFront"/>
-      <a:lightRig rig="threePt" dir="t"/>
-    </dgm:scene3d>
-    <dgm:sp3d/>
-    <dgm:txPr/>
-    <dgm:style>
-      <a:lnRef idx="2">
-        <a:scrgbClr r="0" g="0" b="0"/>
-      </a:lnRef>
-      <a:fillRef idx="0">
-        <a:scrgbClr r="0" g="0" b="0"/>
-      </a:fillRef>
-      <a:effectRef idx="0">
-        <a:scrgbClr r="0" g="0" b="0"/>
-      </a:effectRef>
-      <a:fontRef idx="minor"/>
-    </dgm:style>
-  </dgm:styleLbl>
-  <dgm:styleLbl name="parChTrans1D4">
-    <dgm:scene3d>
-      <a:camera prst="orthographicFront"/>
-      <a:lightRig rig="threePt" dir="t"/>
-    </dgm:scene3d>
-    <dgm:sp3d/>
-    <dgm:txPr/>
-    <dgm:style>
-      <a:lnRef idx="2">
-        <a:scrgbClr r="0" g="0" b="0"/>
-      </a:lnRef>
-      <a:fillRef idx="0">
-        <a:scrgbClr r="0" g="0" b="0"/>
-      </a:fillRef>
-      <a:effectRef idx="0">
-        <a:scrgbClr r="0" g="0" b="0"/>
-      </a:effectRef>
-      <a:fontRef idx="minor"/>
-    </dgm:style>
-  </dgm:styleLbl>
-  <dgm:styleLbl name="fgAcc1">
-    <dgm:scene3d>
-      <a:camera prst="orthographicFront"/>
-      <a:lightRig rig="threePt" dir="t"/>
-    </dgm:scene3d>
-    <dgm:sp3d/>
-    <dgm:txPr/>
-    <dgm:style>
-      <a:lnRef idx="2">
-        <a:scrgbClr r="0" g="0" b="0"/>
-      </a:lnRef>
-      <a:fillRef idx="1">
-        <a:scrgbClr r="0" g="0" b="0"/>
-      </a:fillRef>
-      <a:effectRef idx="0">
-        <a:scrgbClr r="0" g="0" b="0"/>
-      </a:effectRef>
-      <a:fontRef idx="minor"/>
-    </dgm:style>
-  </dgm:styleLbl>
-  <dgm:styleLbl name="conFgAcc1">
-    <dgm:scene3d>
-      <a:camera prst="orthographicFront"/>
-      <a:lightRig rig="threePt" dir="t"/>
-    </dgm:scene3d>
-    <dgm:sp3d/>
-    <dgm:txPr/>
-    <dgm:style>
-      <a:lnRef idx="2">
-        <a:scrgbClr r="0" g="0" b="0"/>
-      </a:lnRef>
-      <a:fillRef idx="1">
-        <a:scrgbClr r="0" g="0" b="0"/>
-      </a:fillRef>
-      <a:effectRef idx="0">
-        <a:scrgbClr r="0" g="0" b="0"/>
-      </a:effectRef>
-      <a:fontRef idx="minor"/>
-    </dgm:style>
-  </dgm:styleLbl>
-  <dgm:styleLbl name="alignAcc1">
-    <dgm:scene3d>
-      <a:camera prst="orthographicFront"/>
-      <a:lightRig rig="threePt" dir="t"/>
-    </dgm:scene3d>
-    <dgm:sp3d/>
-    <dgm:txPr/>
-    <dgm:style>
-      <a:lnRef idx="2">
-        <a:scrgbClr r="0" g="0" b="0"/>
-      </a:lnRef>
-      <a:fillRef idx="1">
-        <a:scrgbClr r="0" g="0" b="0"/>
-      </a:fillRef>
-      <a:effectRef idx="0">
-        <a:scrgbClr r="0" g="0" b="0"/>
-      </a:effectRef>
-      <a:fontRef idx="minor"/>
-    </dgm:style>
-  </dgm:styleLbl>
-  <dgm:styleLbl name="trAlignAcc1">
-    <dgm:scene3d>
-      <a:camera prst="orthographicFront"/>
-      <a:lightRig rig="threePt" dir="t"/>
-    </dgm:scene3d>
-    <dgm:sp3d/>
-    <dgm:txPr/>
-    <dgm:style>
-      <a:lnRef idx="1">
-        <a:scrgbClr r="0" g="0" b="0"/>
-      </a:lnRef>
-      <a:fillRef idx="1">
-        <a:scrgbClr r="0" g="0" b="0"/>
-      </a:fillRef>
-      <a:effectRef idx="0">
-        <a:scrgbClr r="0" g="0" b="0"/>
-      </a:effectRef>
-      <a:fontRef idx="minor"/>
-    </dgm:style>
-  </dgm:styleLbl>
-  <dgm:styleLbl name="bgAcc1">
-    <dgm:scene3d>
-      <a:camera prst="orthographicFront"/>
-      <a:lightRig rig="threePt" dir="t"/>
-    </dgm:scene3d>
-    <dgm:sp3d/>
-    <dgm:txPr/>
-    <dgm:style>
-      <a:lnRef idx="2">
-        <a:scrgbClr r="0" g="0" b="0"/>
-      </a:lnRef>
-      <a:fillRef idx="1">
-        <a:scrgbClr r="0" g="0" b="0"/>
-      </a:fillRef>
-      <a:effectRef idx="0">
-        <a:scrgbClr r="0" g="0" b="0"/>
-      </a:effectRef>
-      <a:fontRef idx="minor"/>
-    </dgm:style>
-  </dgm:styleLbl>
-  <dgm:styleLbl name="solidFgAcc1">
-    <dgm:scene3d>
-      <a:camera prst="orthographicFront"/>
-      <a:lightRig rig="threePt" dir="t"/>
-    </dgm:scene3d>
-    <dgm:sp3d/>
-    <dgm:txPr/>
-    <dgm:style>
-      <a:lnRef idx="2">
-        <a:scrgbClr r="0" g="0" b="0"/>
-      </a:lnRef>
-      <a:fillRef idx="1">
-        <a:scrgbClr r="0" g="0" b="0"/>
-      </a:fillRef>
-      <a:effectRef idx="0">
-        <a:scrgbClr r="0" g="0" b="0"/>
-      </a:effectRef>
-      <a:fontRef idx="minor"/>
-    </dgm:style>
-  </dgm:styleLbl>
-  <dgm:styleLbl name="solidAlignAcc1">
-    <dgm:scene3d>
-      <a:camera prst="orthographicFront"/>
-      <a:lightRig rig="threePt" dir="t"/>
-    </dgm:scene3d>
-    <dgm:sp3d/>
-    <dgm:txPr/>
-    <dgm:style>
-      <a:lnRef idx="2">
-        <a:scrgbClr r="0" g="0" b="0"/>
-      </a:lnRef>
-      <a:fillRef idx="1">
-        <a:scrgbClr r="0" g="0" b="0"/>
-      </a:fillRef>
-      <a:effectRef idx="0">
-        <a:scrgbClr r="0" g="0" b="0"/>
-      </a:effectRef>
-      <a:fontRef idx="minor"/>
-    </dgm:style>
-  </dgm:styleLbl>
-  <dgm:styleLbl name="solidBgAcc1">
-    <dgm:scene3d>
-      <a:camera prst="orthographicFront"/>
-      <a:lightRig rig="threePt" dir="t"/>
-    </dgm:scene3d>
-    <dgm:sp3d/>
-    <dgm:txPr/>
-    <dgm:style>
-      <a:lnRef idx="2">
-        <a:scrgbClr r="0" g="0" b="0"/>
-      </a:lnRef>
-      <a:fillRef idx="1">
-        <a:scrgbClr r="0" g="0" b="0"/>
-      </a:fillRef>
-      <a:effectRef idx="0">
-        <a:scrgbClr r="0" g="0" b="0"/>
-      </a:effectRef>
-      <a:fontRef idx="minor"/>
-    </dgm:style>
-  </dgm:styleLbl>
-  <dgm:styleLbl name="fgAccFollowNode1">
-    <dgm:scene3d>
-      <a:camera prst="orthographicFront"/>
-      <a:lightRig rig="threePt" dir="t"/>
-    </dgm:scene3d>
-    <dgm:sp3d/>
-    <dgm:txPr/>
-    <dgm:style>
-      <a:lnRef idx="2">
-        <a:scrgbClr r="0" g="0" b="0"/>
-      </a:lnRef>
-      <a:fillRef idx="1">
-        <a:scrgbClr r="0" g="0" b="0"/>
-      </a:fillRef>
-      <a:effectRef idx="0">
-        <a:scrgbClr r="0" g="0" b="0"/>
-      </a:effectRef>
-      <a:fontRef idx="minor"/>
-    </dgm:style>
-  </dgm:styleLbl>
-  <dgm:styleLbl name="alignAccFollowNode1">
-    <dgm:scene3d>
-      <a:camera prst="orthographicFront"/>
-      <a:lightRig rig="threePt" dir="t"/>
-    </dgm:scene3d>
-    <dgm:sp3d/>
-    <dgm:txPr/>
-    <dgm:style>
-      <a:lnRef idx="2">
-        <a:scrgbClr r="0" g="0" b="0"/>
-      </a:lnRef>
-      <a:fillRef idx="1">
-        <a:scrgbClr r="0" g="0" b="0"/>
-      </a:fillRef>
-      <a:effectRef idx="0">
-        <a:scrgbClr r="0" g="0" b="0"/>
-      </a:effectRef>
-      <a:fontRef idx="minor"/>
-    </dgm:style>
-  </dgm:styleLbl>
-  <dgm:styleLbl name="bgAccFollowNode1">
-    <dgm:scene3d>
-      <a:camera prst="orthographicFront"/>
-      <a:lightRig rig="threePt" dir="t"/>
-    </dgm:scene3d>
-    <dgm:sp3d/>
-    <dgm:txPr/>
-    <dgm:style>
-      <a:lnRef idx="2">
-        <a:scrgbClr r="0" g="0" b="0"/>
-      </a:lnRef>
-      <a:fillRef idx="1">
-        <a:scrgbClr r="0" g="0" b="0"/>
-      </a:fillRef>
-      <a:effectRef idx="0">
-        <a:scrgbClr r="0" g="0" b="0"/>
-      </a:effectRef>
-      <a:fontRef idx="minor"/>
-    </dgm:style>
-  </dgm:styleLbl>
-  <dgm:styleLbl name="fgAcc0">
-    <dgm:scene3d>
-      <a:camera prst="orthographicFront"/>
-      <a:lightRig rig="threePt" dir="t"/>
-    </dgm:scene3d>
-    <dgm:sp3d/>
-    <dgm:txPr/>
-    <dgm:style>
-      <a:lnRef idx="2">
-        <a:scrgbClr r="0" g="0" b="0"/>
-      </a:lnRef>
-      <a:fillRef idx="1">
-        <a:scrgbClr r="0" g="0" b="0"/>
-      </a:fillRef>
-      <a:effectRef idx="0">
-        <a:scrgbClr r="0" g="0" b="0"/>
-      </a:effectRef>
-      <a:fontRef idx="minor"/>
-    </dgm:style>
-  </dgm:styleLbl>
-  <dgm:styleLbl name="fgAcc2">
-    <dgm:scene3d>
-      <a:camera prst="orthographicFront"/>
-      <a:lightRig rig="threePt" dir="t"/>
-    </dgm:scene3d>
-    <dgm:sp3d/>
-    <dgm:txPr/>
-    <dgm:style>
-      <a:lnRef idx="2">
-        <a:scrgbClr r="0" g="0" b="0"/>
-      </a:lnRef>
-      <a:fillRef idx="1">
-        <a:scrgbClr r="0" g="0" b="0"/>
-      </a:fillRef>
-      <a:effectRef idx="0">
-        <a:scrgbClr r="0" g="0" b="0"/>
-      </a:effectRef>
-      <a:fontRef idx="minor"/>
-    </dgm:style>
-  </dgm:styleLbl>
-  <dgm:styleLbl name="fgAcc3">
-    <dgm:scene3d>
-      <a:camera prst="orthographicFront"/>
-      <a:lightRig rig="threePt" dir="t"/>
-    </dgm:scene3d>
-    <dgm:sp3d/>
-    <dgm:txPr/>
-    <dgm:style>
-      <a:lnRef idx="2">
-        <a:scrgbClr r="0" g="0" b="0"/>
-      </a:lnRef>
-      <a:fillRef idx="1">
-        <a:scrgbClr r="0" g="0" b="0"/>
-      </a:fillRef>
-      <a:effectRef idx="0">
-        <a:scrgbClr r="0" g="0" b="0"/>
-      </a:effectRef>
-      <a:fontRef idx="minor"/>
-    </dgm:style>
-  </dgm:styleLbl>
-  <dgm:styleLbl name="fgAcc4">
-    <dgm:scene3d>
-      <a:camera prst="orthographicFront"/>
-      <a:lightRig rig="threePt" dir="t"/>
-    </dgm:scene3d>
-    <dgm:sp3d/>
-    <dgm:txPr/>
-    <dgm:style>
-      <a:lnRef idx="2">
-        <a:scrgbClr r="0" g="0" b="0"/>
-      </a:lnRef>
-      <a:fillRef idx="1">
-        <a:scrgbClr r="0" g="0" b="0"/>
-      </a:fillRef>
-      <a:effectRef idx="0">
-        <a:scrgbClr r="0" g="0" b="0"/>
-      </a:effectRef>
-      <a:fontRef idx="minor"/>
-    </dgm:style>
-  </dgm:styleLbl>
-  <dgm:styleLbl name="bgShp">
-    <dgm:scene3d>
-      <a:camera prst="orthographicFront"/>
-      <a:lightRig rig="threePt" dir="t"/>
-    </dgm:scene3d>
-    <dgm:sp3d/>
-    <dgm:txPr/>
-    <dgm:style>
-      <a:lnRef idx="0">
-        <a:scrgbClr r="0" g="0" b="0"/>
-      </a:lnRef>
-      <a:fillRef idx="1">
-        <a:scrgbClr r="0" g="0" b="0"/>
-      </a:fillRef>
-      <a:effectRef idx="0">
-        <a:scrgbClr r="0" g="0" b="0"/>
-      </a:effectRef>
-      <a:fontRef idx="minor"/>
-    </dgm:style>
-  </dgm:styleLbl>
-  <dgm:styleLbl name="dkBgShp">
-    <dgm:scene3d>
-      <a:camera prst="orthographicFront"/>
-      <a:lightRig rig="threePt" dir="t"/>
-    </dgm:scene3d>
-    <dgm:sp3d/>
-    <dgm:txPr/>
-    <dgm:style>
-      <a:lnRef idx="0">
-        <a:scrgbClr r="0" g="0" b="0"/>
-      </a:lnRef>
-      <a:fillRef idx="1">
-        <a:scrgbClr r="0" g="0" b="0"/>
-      </a:fillRef>
-      <a:effectRef idx="0">
-        <a:scrgbClr r="0" g="0" b="0"/>
-      </a:effectRef>
-      <a:fontRef idx="minor"/>
-    </dgm:style>
-  </dgm:styleLbl>
-  <dgm:styleLbl name="trBgShp">
-    <dgm:scene3d>
-      <a:camera prst="orthographicFront"/>
-      <a:lightRig rig="threePt" dir="t"/>
-    </dgm:scene3d>
-    <dgm:sp3d/>
-    <dgm:txPr/>
-    <dgm:style>
-      <a:lnRef idx="0">
-        <a:scrgbClr r="0" g="0" b="0"/>
-      </a:lnRef>
-      <a:fillRef idx="1">
-        <a:scrgbClr r="0" g="0" b="0"/>
-      </a:fillRef>
-      <a:effectRef idx="0">
-        <a:scrgbClr r="0" g="0" b="0"/>
-      </a:effectRef>
-      <a:fontRef idx="minor"/>
-    </dgm:style>
-  </dgm:styleLbl>
-  <dgm:styleLbl name="fgShp">
-    <dgm:scene3d>
-      <a:camera prst="orthographicFront"/>
-      <a:lightRig rig="threePt" dir="t"/>
-    </dgm:scene3d>
-    <dgm:sp3d/>
-    <dgm:txPr/>
-    <dgm:style>
-      <a:lnRef idx="2">
-        <a:scrgbClr r="0" g="0" b="0"/>
-      </a:lnRef>
-      <a:fillRef idx="1">
-        <a:scrgbClr r="0" g="0" b="0"/>
-      </a:fillRef>
-      <a:effectRef idx="0">
-        <a:scrgbClr r="0" g="0" b="0"/>
-      </a:effectRef>
-      <a:fontRef idx="minor"/>
-    </dgm:style>
-  </dgm:styleLbl>
-  <dgm:styleLbl name="revTx">
-    <dgm:scene3d>
-      <a:camera prst="orthographicFront"/>
-      <a:lightRig rig="threePt" dir="t"/>
-    </dgm:scene3d>
-    <dgm:sp3d/>
-    <dgm:txPr/>
-    <dgm:style>
-      <a:lnRef idx="0">
-        <a:scrgbClr r="0" g="0" b="0"/>
-      </a:lnRef>
-      <a:fillRef idx="0">
-        <a:scrgbClr r="0" g="0" b="0"/>
-      </a:fillRef>
-      <a:effectRef idx="0">
-        <a:scrgbClr r="0" g="0" b="0"/>
-      </a:effectRef>
-      <a:fontRef idx="minor"/>
-    </dgm:style>
-  </dgm:styleLbl>
-</dgm:styleDef>
-</file>
-
-<file path=ppt/diagrams/quickStyle5.xml><?xml version="1.0" encoding="utf-8"?>
 <dgm:styleDef xmlns:dgm="http://schemas.openxmlformats.org/drawingml/2006/diagram" xmlns:a="http://schemas.openxmlformats.org/drawingml/2006/main" uniqueId="urn:microsoft.com/office/officeart/2005/8/quickstyle/simple1">
   <dgm:title val=""/>
   <dgm:desc val=""/>
@@ -18101,8 +14443,8 @@
         </p:nvSpPr>
         <p:spPr>
           <a:xfrm>
-            <a:off x="4325112" y="73152"/>
-            <a:ext cx="2468880" cy="1851660"/>
+            <a:off x="4325938" y="73025"/>
+            <a:ext cx="2466975" cy="1851025"/>
           </a:xfrm>
         </p:spPr>
       </p:sp>
@@ -19731,8 +16073,8 @@
         </p:nvSpPr>
         <p:spPr>
           <a:xfrm>
-            <a:off x="4325112" y="73152"/>
-            <a:ext cx="2468880" cy="1851660"/>
+            <a:off x="4325938" y="73025"/>
+            <a:ext cx="2466975" cy="1851025"/>
           </a:xfrm>
         </p:spPr>
       </p:sp>
@@ -20026,8 +16368,8 @@
         </p:nvSpPr>
         <p:spPr>
           <a:xfrm>
-            <a:off x="4325112" y="73152"/>
-            <a:ext cx="2468880" cy="1851660"/>
+            <a:off x="4325938" y="73025"/>
+            <a:ext cx="2466975" cy="1851025"/>
           </a:xfrm>
         </p:spPr>
       </p:sp>
@@ -20821,8 +17163,8 @@
         </p:nvSpPr>
         <p:spPr>
           <a:xfrm>
-            <a:off x="4325112" y="73152"/>
-            <a:ext cx="2468880" cy="1851660"/>
+            <a:off x="4325938" y="73025"/>
+            <a:ext cx="2466975" cy="1851025"/>
           </a:xfrm>
         </p:spPr>
       </p:sp>
@@ -22116,8 +18458,8 @@
         </p:nvSpPr>
         <p:spPr>
           <a:xfrm>
-            <a:off x="4325112" y="73152"/>
-            <a:ext cx="2468880" cy="1851660"/>
+            <a:off x="4325938" y="73025"/>
+            <a:ext cx="2466975" cy="1851025"/>
           </a:xfrm>
         </p:spPr>
       </p:sp>
@@ -22393,8 +18735,8 @@
         </p:nvSpPr>
         <p:spPr>
           <a:xfrm>
-            <a:off x="4325112" y="73152"/>
-            <a:ext cx="2468880" cy="1851660"/>
+            <a:off x="4325938" y="73025"/>
+            <a:ext cx="2466975" cy="1851025"/>
           </a:xfrm>
         </p:spPr>
       </p:sp>
@@ -22429,7 +18771,7 @@
               </a:spcAft>
             </a:pPr>
             <a:r>
-              <a:rPr lang="en-US" sz="1000">
+              <a:rPr lang="en-US" sz="1000" dirty="0">
                 <a:effectLst/>
                 <a:latin typeface="Arial" panose="020B0604020202020204" pitchFamily="34" charset="0"/>
                 <a:ea typeface="Calibri" panose="020F0502020204030204" pitchFamily="34" charset="0"/>
@@ -22453,7 +18795,7 @@
               <a:buChar char="-"/>
             </a:pPr>
             <a:r>
-              <a:rPr lang="en-US" sz="1000">
+              <a:rPr lang="en-US" sz="1000" dirty="0">
                 <a:solidFill>
                   <a:srgbClr val="000000"/>
                 </a:solidFill>
@@ -22463,7 +18805,7 @@
               </a:rPr>
               <a:t>A common answer is, for application updates. You may have an issue or update for the iOS app and want to notify iOS app clients.</a:t>
             </a:r>
-            <a:endParaRPr lang="en-US" sz="1000">
+            <a:endParaRPr lang="en-US" sz="1000" dirty="0">
               <a:latin typeface="Arial" panose="020B0604020202020204" pitchFamily="34" charset="0"/>
               <a:ea typeface="Times New Roman" panose="02020603050405020304" pitchFamily="18" charset="0"/>
               <a:cs typeface="Times New Roman" panose="02020603050405020304" pitchFamily="18" charset="0"/>
@@ -22684,8 +19026,8 @@
         </p:nvSpPr>
         <p:spPr>
           <a:xfrm>
-            <a:off x="4325112" y="73152"/>
-            <a:ext cx="2468880" cy="1851660"/>
+            <a:off x="4325938" y="73025"/>
+            <a:ext cx="2466975" cy="1851025"/>
           </a:xfrm>
         </p:spPr>
       </p:sp>
@@ -22961,8 +19303,8 @@
         </p:nvSpPr>
         <p:spPr>
           <a:xfrm>
-            <a:off x="4325112" y="73152"/>
-            <a:ext cx="2468880" cy="1851660"/>
+            <a:off x="4325938" y="73025"/>
+            <a:ext cx="2466975" cy="1851025"/>
           </a:xfrm>
         </p:spPr>
       </p:sp>
@@ -23256,8 +19598,8 @@
         </p:nvSpPr>
         <p:spPr>
           <a:xfrm>
-            <a:off x="4325112" y="73152"/>
-            <a:ext cx="2468880" cy="1851660"/>
+            <a:off x="4325938" y="73025"/>
+            <a:ext cx="2466975" cy="1851025"/>
           </a:xfrm>
         </p:spPr>
       </p:sp>
@@ -23532,7 +19874,7 @@
         </p:nvSpPr>
         <p:spPr>
           <a:xfrm>
-            <a:off x="310896" y="2093975"/>
+            <a:off x="310896" y="2093976"/>
             <a:ext cx="6153912" cy="6604000"/>
           </a:xfrm>
         </p:spPr>
@@ -23556,7 +19898,7 @@
                 <a:ea typeface="Calibri" panose="020F0502020204030204" pitchFamily="34" charset="0"/>
                 <a:cs typeface="Times New Roman" panose="02020603050405020304" pitchFamily="18" charset="0"/>
               </a:rPr>
-              <a:t> </a:t>
+              <a:t>An example would be an application that uses a custom authentication scheme. You might want to build a Web API service for registration with Notification Hubs that authenticates the client application before you manually register them with the Notification Hub.</a:t>
             </a:r>
           </a:p>
         </p:txBody>
@@ -23735,7 +20077,7 @@
     </p:spTree>
     <p:extLst>
       <p:ext uri="{BB962C8B-B14F-4D97-AF65-F5344CB8AC3E}">
-        <p14:creationId xmlns:p14="http://schemas.microsoft.com/office/powerpoint/2010/main" val="1268144973"/>
+        <p14:creationId xmlns:p14="http://schemas.microsoft.com/office/powerpoint/2010/main" val="3162634311"/>
       </p:ext>
     </p:extLst>
   </p:cSld>
@@ -24074,7 +20416,7 @@
                 <a:ea typeface="Calibri" panose="020F0502020204030204" pitchFamily="34" charset="0"/>
                 <a:cs typeface="Times New Roman" panose="02020603050405020304" pitchFamily="18" charset="0"/>
               </a:rPr>
-              <a:t>An example would be an application that uses a custom authentication scheme. You might want to build a Web API service for registration with Notification Hubs that authenticates the client application before you manually register them with the Notification Hub.</a:t>
+              <a:t>Discussion Question: How would you design your application to handle registrations if the clients are expected to open your application multiple times within the same day?</a:t>
             </a:r>
           </a:p>
         </p:txBody>
@@ -24253,7 +20595,7 @@
     </p:spTree>
     <p:extLst>
       <p:ext uri="{BB962C8B-B14F-4D97-AF65-F5344CB8AC3E}">
-        <p14:creationId xmlns:p14="http://schemas.microsoft.com/office/powerpoint/2010/main" val="3162634311"/>
+        <p14:creationId xmlns:p14="http://schemas.microsoft.com/office/powerpoint/2010/main" val="148874482"/>
       </p:ext>
     </p:extLst>
   </p:cSld>
@@ -24292,8 +20634,8 @@
         </p:nvSpPr>
         <p:spPr>
           <a:xfrm>
-            <a:off x="4325112" y="73152"/>
-            <a:ext cx="2468880" cy="1851660"/>
+            <a:off x="4325938" y="73025"/>
+            <a:ext cx="2466975" cy="1851025"/>
           </a:xfrm>
         </p:spPr>
       </p:sp>
@@ -24309,7 +20651,7 @@
         </p:nvSpPr>
         <p:spPr>
           <a:xfrm>
-            <a:off x="310896" y="2093976"/>
+            <a:off x="310896" y="2093975"/>
             <a:ext cx="6153912" cy="6604000"/>
           </a:xfrm>
         </p:spPr>
@@ -24329,12 +20671,44 @@
             </a:pPr>
             <a:r>
               <a:rPr lang="en-US" sz="1000">
+                <a:effectLst/>
                 <a:latin typeface="Arial" panose="020B0604020202020204" pitchFamily="34" charset="0"/>
                 <a:ea typeface="Calibri" panose="020F0502020204030204" pitchFamily="34" charset="0"/>
                 <a:cs typeface="Times New Roman" panose="02020603050405020304" pitchFamily="18" charset="0"/>
               </a:rPr>
-              <a:t>Discussion Question: How would you design your application to handle registrations if the clients are expected to open your application multiple times within the same day?</a:t>
-            </a:r>
+              <a:t>Discussion Question: What are some reasons for using multiple templates for a single platform?</a:t>
+            </a:r>
+          </a:p>
+          <a:p>
+            <a:pPr marL="342900" marR="0" lvl="0" indent="-342900">
+              <a:lnSpc>
+                <a:spcPct val="115000"/>
+              </a:lnSpc>
+              <a:spcBef>
+                <a:spcPts val="0"/>
+              </a:spcBef>
+              <a:spcAft>
+                <a:spcPts val="995"/>
+              </a:spcAft>
+              <a:buFont typeface="Segoe" panose="020B0502040504020203" pitchFamily="34" charset="0"/>
+              <a:buChar char="-"/>
+            </a:pPr>
+            <a:r>
+              <a:rPr lang="en-US" sz="1000">
+                <a:solidFill>
+                  <a:srgbClr val="000000"/>
+                </a:solidFill>
+                <a:latin typeface="Arial" panose="020B0604020202020204" pitchFamily="34" charset="0"/>
+                <a:ea typeface="Times New Roman" panose="02020603050405020304" pitchFamily="18" charset="0"/>
+                <a:cs typeface="Times New Roman" panose="02020603050405020304" pitchFamily="18" charset="0"/>
+              </a:rPr>
+              <a:t>A good example would be an app that has one template for emergency alerts and another for typical app notifications.</a:t>
+            </a:r>
+            <a:endParaRPr lang="en-US" sz="1000">
+              <a:latin typeface="Arial" panose="020B0604020202020204" pitchFamily="34" charset="0"/>
+              <a:ea typeface="Times New Roman" panose="02020603050405020304" pitchFamily="18" charset="0"/>
+              <a:cs typeface="Times New Roman" panose="02020603050405020304" pitchFamily="18" charset="0"/>
+            </a:endParaRPr>
           </a:p>
         </p:txBody>
       </p:sp>
@@ -24512,7 +20886,7 @@
     </p:spTree>
     <p:extLst>
       <p:ext uri="{BB962C8B-B14F-4D97-AF65-F5344CB8AC3E}">
-        <p14:creationId xmlns:p14="http://schemas.microsoft.com/office/powerpoint/2010/main" val="148874482"/>
+        <p14:creationId xmlns:p14="http://schemas.microsoft.com/office/powerpoint/2010/main" val="2182114973"/>
       </p:ext>
     </p:extLst>
   </p:cSld>
@@ -24568,7 +20942,7 @@
         </p:nvSpPr>
         <p:spPr>
           <a:xfrm>
-            <a:off x="310896" y="2093975"/>
+            <a:off x="310896" y="2093976"/>
             <a:ext cx="6153912" cy="6604000"/>
           </a:xfrm>
         </p:spPr>
@@ -24588,44 +20962,12 @@
             </a:pPr>
             <a:r>
               <a:rPr lang="en-US" sz="1000">
-                <a:effectLst/>
                 <a:latin typeface="Arial" panose="020B0604020202020204" pitchFamily="34" charset="0"/>
                 <a:ea typeface="Calibri" panose="020F0502020204030204" pitchFamily="34" charset="0"/>
                 <a:cs typeface="Times New Roman" panose="02020603050405020304" pitchFamily="18" charset="0"/>
               </a:rPr>
-              <a:t>Discussion Question: What are some reasons for using multiple templates for a single platform?</a:t>
-            </a:r>
-          </a:p>
-          <a:p>
-            <a:pPr marL="342900" marR="0" lvl="0" indent="-342900">
-              <a:lnSpc>
-                <a:spcPct val="115000"/>
-              </a:lnSpc>
-              <a:spcBef>
-                <a:spcPts val="0"/>
-              </a:spcBef>
-              <a:spcAft>
-                <a:spcPts val="995"/>
-              </a:spcAft>
-              <a:buFont typeface="Segoe" panose="020B0502040504020203" pitchFamily="34" charset="0"/>
-              <a:buChar char="-"/>
-            </a:pPr>
-            <a:r>
-              <a:rPr lang="en-US" sz="1000">
-                <a:solidFill>
-                  <a:srgbClr val="000000"/>
-                </a:solidFill>
-                <a:latin typeface="Arial" panose="020B0604020202020204" pitchFamily="34" charset="0"/>
-                <a:ea typeface="Times New Roman" panose="02020603050405020304" pitchFamily="18" charset="0"/>
-                <a:cs typeface="Times New Roman" panose="02020603050405020304" pitchFamily="18" charset="0"/>
-              </a:rPr>
-              <a:t>A good example would be an app that has one template for emergency alerts and another for typical app notifications.</a:t>
-            </a:r>
-            <a:endParaRPr lang="en-US" sz="1000">
-              <a:latin typeface="Arial" panose="020B0604020202020204" pitchFamily="34" charset="0"/>
-              <a:ea typeface="Times New Roman" panose="02020603050405020304" pitchFamily="18" charset="0"/>
-              <a:cs typeface="Times New Roman" panose="02020603050405020304" pitchFamily="18" charset="0"/>
-            </a:endParaRPr>
+              <a:t>Discuss with the class some scenarios where they could use tags to filter the registrations that are targeted by a message.</a:t>
+            </a:r>
           </a:p>
         </p:txBody>
       </p:sp>
@@ -24803,7 +21145,7 @@
     </p:spTree>
     <p:extLst>
       <p:ext uri="{BB962C8B-B14F-4D97-AF65-F5344CB8AC3E}">
-        <p14:creationId xmlns:p14="http://schemas.microsoft.com/office/powerpoint/2010/main" val="2182114973"/>
+        <p14:creationId xmlns:p14="http://schemas.microsoft.com/office/powerpoint/2010/main" val="552654967"/>
       </p:ext>
     </p:extLst>
   </p:cSld>
@@ -24859,7 +21201,7 @@
         </p:nvSpPr>
         <p:spPr>
           <a:xfrm>
-            <a:off x="310896" y="2093976"/>
+            <a:off x="310896" y="2093975"/>
             <a:ext cx="6153912" cy="6604000"/>
           </a:xfrm>
         </p:spPr>
@@ -24878,12 +21220,12 @@
               </a:spcAft>
             </a:pPr>
             <a:r>
-              <a:rPr lang="en-US" sz="1000">
+              <a:rPr lang="en-US" sz="1000" dirty="0">
                 <a:latin typeface="Arial" panose="020B0604020202020204" pitchFamily="34" charset="0"/>
                 <a:ea typeface="Calibri" panose="020F0502020204030204" pitchFamily="34" charset="0"/>
                 <a:cs typeface="Times New Roman" panose="02020603050405020304" pitchFamily="18" charset="0"/>
               </a:rPr>
-              <a:t>Discuss with the class some scenarios where they could use tags to filter the registrations that are targeted by a message.</a:t>
+              <a:t> </a:t>
             </a:r>
           </a:p>
         </p:txBody>
@@ -25062,7 +21404,7 @@
     </p:spTree>
     <p:extLst>
       <p:ext uri="{BB962C8B-B14F-4D97-AF65-F5344CB8AC3E}">
-        <p14:creationId xmlns:p14="http://schemas.microsoft.com/office/powerpoint/2010/main" val="552654967"/>
+        <p14:creationId xmlns:p14="http://schemas.microsoft.com/office/powerpoint/2010/main" val="3827401277"/>
       </p:ext>
     </p:extLst>
   </p:cSld>
@@ -25128,22 +21470,7 @@
           </a:bodyPr>
           <a:lstStyle/>
           <a:p>
-            <a:pPr>
-              <a:lnSpc>
-                <a:spcPct val="107000"/>
-              </a:lnSpc>
-              <a:spcAft>
-                <a:spcPts val="800"/>
-              </a:spcAft>
-            </a:pPr>
-            <a:r>
-              <a:rPr lang="en-US" sz="1000">
-                <a:latin typeface="Arial" panose="020B0604020202020204" pitchFamily="34" charset="0"/>
-                <a:ea typeface="Calibri" panose="020F0502020204030204" pitchFamily="34" charset="0"/>
-                <a:cs typeface="Times New Roman" panose="02020603050405020304" pitchFamily="18" charset="0"/>
-              </a:rPr>
-              <a:t> </a:t>
-            </a:r>
+            <a:endParaRPr lang="en-US"/>
           </a:p>
         </p:txBody>
       </p:sp>
@@ -25321,7 +21648,7 @@
     </p:spTree>
     <p:extLst>
       <p:ext uri="{BB962C8B-B14F-4D97-AF65-F5344CB8AC3E}">
-        <p14:creationId xmlns:p14="http://schemas.microsoft.com/office/powerpoint/2010/main" val="3827401277"/>
+        <p14:creationId xmlns:p14="http://schemas.microsoft.com/office/powerpoint/2010/main" val="735578649"/>
       </p:ext>
     </p:extLst>
   </p:cSld>
@@ -25565,7 +21892,7 @@
     </p:spTree>
     <p:extLst>
       <p:ext uri="{BB962C8B-B14F-4D97-AF65-F5344CB8AC3E}">
-        <p14:creationId xmlns:p14="http://schemas.microsoft.com/office/powerpoint/2010/main" val="735578649"/>
+        <p14:creationId xmlns:p14="http://schemas.microsoft.com/office/powerpoint/2010/main" val="2993912162"/>
       </p:ext>
     </p:extLst>
   </p:cSld>
@@ -25621,7 +21948,7 @@
         </p:nvSpPr>
         <p:spPr>
           <a:xfrm>
-            <a:off x="310896" y="2093975"/>
+            <a:off x="310896" y="2093976"/>
             <a:ext cx="6153912" cy="6604000"/>
           </a:xfrm>
         </p:spPr>
@@ -25631,7 +21958,102 @@
           </a:bodyPr>
           <a:lstStyle/>
           <a:p>
-            <a:endParaRPr lang="en-US"/>
+            <a:pPr>
+              <a:lnSpc>
+                <a:spcPct val="107000"/>
+              </a:lnSpc>
+              <a:spcAft>
+                <a:spcPts val="800"/>
+              </a:spcAft>
+            </a:pPr>
+            <a:r>
+              <a:rPr lang="en-US" sz="1000" b="1" dirty="0">
+                <a:latin typeface="Arial" panose="020B0604020202020204" pitchFamily="34" charset="0"/>
+                <a:ea typeface="Calibri" panose="020F0502020204030204" pitchFamily="34" charset="0"/>
+                <a:cs typeface="Times New Roman" panose="02020603050405020304" pitchFamily="18" charset="0"/>
+              </a:rPr>
+              <a:t>Question</a:t>
+            </a:r>
+            <a:endParaRPr lang="en-US" sz="1000" dirty="0">
+              <a:latin typeface="Arial" panose="020B0604020202020204" pitchFamily="34" charset="0"/>
+              <a:ea typeface="Calibri" panose="020F0502020204030204" pitchFamily="34" charset="0"/>
+              <a:cs typeface="Times New Roman" panose="02020603050405020304" pitchFamily="18" charset="0"/>
+            </a:endParaRPr>
+          </a:p>
+          <a:p>
+            <a:pPr>
+              <a:lnSpc>
+                <a:spcPct val="107000"/>
+              </a:lnSpc>
+              <a:spcAft>
+                <a:spcPts val="800"/>
+              </a:spcAft>
+            </a:pPr>
+            <a:r>
+              <a:rPr lang="en-US" sz="1000" dirty="0">
+                <a:latin typeface="Arial" panose="020B0604020202020204" pitchFamily="34" charset="0"/>
+                <a:ea typeface="Calibri" panose="020F0502020204030204" pitchFamily="34" charset="0"/>
+                <a:cs typeface="Times New Roman" panose="02020603050405020304" pitchFamily="18" charset="0"/>
+              </a:rPr>
+              <a:t>What are some of the ways that you can automate the change of your WCF bindings from their on-premises versions to a Service Bus Relay binding after the projects are published?</a:t>
+            </a:r>
+          </a:p>
+          <a:p>
+            <a:pPr>
+              <a:lnSpc>
+                <a:spcPct val="107000"/>
+              </a:lnSpc>
+              <a:spcAft>
+                <a:spcPts val="800"/>
+              </a:spcAft>
+            </a:pPr>
+            <a:r>
+              <a:rPr lang="en-US" sz="1000" b="1" dirty="0">
+                <a:latin typeface="Arial" panose="020B0604020202020204" pitchFamily="34" charset="0"/>
+                <a:ea typeface="Calibri" panose="020F0502020204030204" pitchFamily="34" charset="0"/>
+                <a:cs typeface="Times New Roman" panose="02020603050405020304" pitchFamily="18" charset="0"/>
+              </a:rPr>
+              <a:t>Answer</a:t>
+            </a:r>
+            <a:endParaRPr lang="en-US" sz="1000" dirty="0">
+              <a:latin typeface="Arial" panose="020B0604020202020204" pitchFamily="34" charset="0"/>
+              <a:ea typeface="Calibri" panose="020F0502020204030204" pitchFamily="34" charset="0"/>
+              <a:cs typeface="Times New Roman" panose="02020603050405020304" pitchFamily="18" charset="0"/>
+            </a:endParaRPr>
+          </a:p>
+          <a:p>
+            <a:pPr>
+              <a:lnSpc>
+                <a:spcPct val="107000"/>
+              </a:lnSpc>
+              <a:spcAft>
+                <a:spcPts val="800"/>
+              </a:spcAft>
+            </a:pPr>
+            <a:r>
+              <a:rPr lang="en-US" sz="1000" dirty="0">
+                <a:latin typeface="Arial" panose="020B0604020202020204" pitchFamily="34" charset="0"/>
+                <a:ea typeface="Calibri" panose="020F0502020204030204" pitchFamily="34" charset="0"/>
+                <a:cs typeface="Times New Roman" panose="02020603050405020304" pitchFamily="18" charset="0"/>
+              </a:rPr>
+              <a:t>With XML configuration, you can use transformations to change the binding to a relay equivalent when publishing. With C# configuration you can use dependency injection and an </a:t>
+            </a:r>
+            <a:r>
+              <a:rPr lang="en-US" sz="1000" dirty="0" err="1">
+                <a:latin typeface="Arial" panose="020B0604020202020204" pitchFamily="34" charset="0"/>
+                <a:ea typeface="Calibri" panose="020F0502020204030204" pitchFamily="34" charset="0"/>
+                <a:cs typeface="Times New Roman" panose="02020603050405020304" pitchFamily="18" charset="0"/>
+              </a:rPr>
+              <a:t>IoC</a:t>
+            </a:r>
+            <a:r>
+              <a:rPr lang="en-US" sz="1000" dirty="0">
+                <a:latin typeface="Arial" panose="020B0604020202020204" pitchFamily="34" charset="0"/>
+                <a:ea typeface="Calibri" panose="020F0502020204030204" pitchFamily="34" charset="0"/>
+                <a:cs typeface="Times New Roman" panose="02020603050405020304" pitchFamily="18" charset="0"/>
+              </a:rPr>
+              <a:t> container.</a:t>
+            </a:r>
           </a:p>
         </p:txBody>
       </p:sp>
@@ -25809,7 +22231,7 @@
     </p:spTree>
     <p:extLst>
       <p:ext uri="{BB962C8B-B14F-4D97-AF65-F5344CB8AC3E}">
-        <p14:creationId xmlns:p14="http://schemas.microsoft.com/office/powerpoint/2010/main" val="2993912162"/>
+        <p14:creationId xmlns:p14="http://schemas.microsoft.com/office/powerpoint/2010/main" val="3037931928"/>
       </p:ext>
     </p:extLst>
   </p:cSld>
@@ -25884,14 +22306,14 @@
               </a:spcAft>
             </a:pPr>
             <a:r>
-              <a:rPr lang="en-US" sz="1000" b="1">
+              <a:rPr lang="en-US" sz="1000" b="1" dirty="0">
                 <a:latin typeface="Arial" panose="020B0604020202020204" pitchFamily="34" charset="0"/>
                 <a:ea typeface="Calibri" panose="020F0502020204030204" pitchFamily="34" charset="0"/>
                 <a:cs typeface="Times New Roman" panose="02020603050405020304" pitchFamily="18" charset="0"/>
               </a:rPr>
-              <a:t>Question</a:t>
-            </a:r>
-            <a:endParaRPr lang="en-US" sz="1000">
+              <a:t>Review Question(s)</a:t>
+            </a:r>
+            <a:endParaRPr lang="en-US" sz="1000" dirty="0">
               <a:latin typeface="Arial" panose="020B0604020202020204" pitchFamily="34" charset="0"/>
               <a:ea typeface="Calibri" panose="020F0502020204030204" pitchFamily="34" charset="0"/>
               <a:cs typeface="Times New Roman" panose="02020603050405020304" pitchFamily="18" charset="0"/>
@@ -25907,13 +22329,18 @@
               </a:spcAft>
             </a:pPr>
             <a:r>
-              <a:rPr lang="en-US" sz="1000">
+              <a:rPr lang="en-US" sz="1000" b="1" dirty="0">
                 <a:latin typeface="Arial" panose="020B0604020202020204" pitchFamily="34" charset="0"/>
                 <a:ea typeface="Calibri" panose="020F0502020204030204" pitchFamily="34" charset="0"/>
                 <a:cs typeface="Times New Roman" panose="02020603050405020304" pitchFamily="18" charset="0"/>
               </a:rPr>
-              <a:t>What are some of the ways that you can automate the change of your WCF bindings from their on-premises versions to a Service Bus Relay binding after the projects are published?</a:t>
-            </a:r>
+              <a:t>Question</a:t>
+            </a:r>
+            <a:endParaRPr lang="en-US" sz="1000" dirty="0">
+              <a:latin typeface="Arial" panose="020B0604020202020204" pitchFamily="34" charset="0"/>
+              <a:ea typeface="Calibri" panose="020F0502020204030204" pitchFamily="34" charset="0"/>
+              <a:cs typeface="Times New Roman" panose="02020603050405020304" pitchFamily="18" charset="0"/>
+            </a:endParaRPr>
           </a:p>
           <a:p>
             <a:pPr>
@@ -25925,18 +22352,13 @@
               </a:spcAft>
             </a:pPr>
             <a:r>
-              <a:rPr lang="en-US" sz="1000" b="1">
+              <a:rPr lang="en-US" sz="1000" dirty="0">
                 <a:latin typeface="Arial" panose="020B0604020202020204" pitchFamily="34" charset="0"/>
                 <a:ea typeface="Calibri" panose="020F0502020204030204" pitchFamily="34" charset="0"/>
                 <a:cs typeface="Times New Roman" panose="02020603050405020304" pitchFamily="18" charset="0"/>
               </a:rPr>
-              <a:t>Answer</a:t>
-            </a:r>
-            <a:endParaRPr lang="en-US" sz="1000">
-              <a:latin typeface="Arial" panose="020B0604020202020204" pitchFamily="34" charset="0"/>
-              <a:ea typeface="Calibri" panose="020F0502020204030204" pitchFamily="34" charset="0"/>
-              <a:cs typeface="Times New Roman" panose="02020603050405020304" pitchFamily="18" charset="0"/>
-            </a:endParaRPr>
+              <a:t>Which queuing mechanism is better suited for storing large messages?</a:t>
+            </a:r>
           </a:p>
           <a:p>
             <a:pPr>
@@ -25948,13 +22370,294 @@
               </a:spcAft>
             </a:pPr>
             <a:r>
-              <a:rPr lang="en-US" sz="1000">
+              <a:rPr lang="en-US" sz="1000" b="1" dirty="0">
                 <a:latin typeface="Arial" panose="020B0604020202020204" pitchFamily="34" charset="0"/>
                 <a:ea typeface="Calibri" panose="020F0502020204030204" pitchFamily="34" charset="0"/>
                 <a:cs typeface="Times New Roman" panose="02020603050405020304" pitchFamily="18" charset="0"/>
               </a:rPr>
-              <a:t>With XML configuration, you can use transformations to change the binding to a relay equivalent when publishing. With C# configuration you can use dependency injection and an IoC container.</a:t>
-            </a:r>
+              <a:t>Answer</a:t>
+            </a:r>
+            <a:endParaRPr lang="en-US" sz="1000" dirty="0">
+              <a:latin typeface="Arial" panose="020B0604020202020204" pitchFamily="34" charset="0"/>
+              <a:ea typeface="Calibri" panose="020F0502020204030204" pitchFamily="34" charset="0"/>
+              <a:cs typeface="Times New Roman" panose="02020603050405020304" pitchFamily="18" charset="0"/>
+            </a:endParaRPr>
+          </a:p>
+          <a:p>
+            <a:pPr>
+              <a:lnSpc>
+                <a:spcPct val="107000"/>
+              </a:lnSpc>
+              <a:spcAft>
+                <a:spcPts val="800"/>
+              </a:spcAft>
+            </a:pPr>
+            <a:r>
+              <a:rPr lang="en-US" sz="1000" dirty="0">
+                <a:latin typeface="Arial" panose="020B0604020202020204" pitchFamily="34" charset="0"/>
+                <a:ea typeface="Calibri" panose="020F0502020204030204" pitchFamily="34" charset="0"/>
+                <a:cs typeface="Times New Roman" panose="02020603050405020304" pitchFamily="18" charset="0"/>
+              </a:rPr>
+              <a:t>The Queue service in Azure Storage can store over 5 GB worth of messages in a queue.</a:t>
+            </a:r>
+          </a:p>
+          <a:p>
+            <a:pPr>
+              <a:lnSpc>
+                <a:spcPct val="107000"/>
+              </a:lnSpc>
+              <a:spcAft>
+                <a:spcPts val="800"/>
+              </a:spcAft>
+            </a:pPr>
+            <a:r>
+              <a:rPr lang="en-US" sz="1000" b="1" dirty="0">
+                <a:latin typeface="Arial" panose="020B0604020202020204" pitchFamily="34" charset="0"/>
+                <a:ea typeface="Calibri" panose="020F0502020204030204" pitchFamily="34" charset="0"/>
+                <a:cs typeface="Times New Roman" panose="02020603050405020304" pitchFamily="18" charset="0"/>
+              </a:rPr>
+              <a:t>Question</a:t>
+            </a:r>
+            <a:endParaRPr lang="en-US" sz="1000" dirty="0">
+              <a:latin typeface="Arial" panose="020B0604020202020204" pitchFamily="34" charset="0"/>
+              <a:ea typeface="Calibri" panose="020F0502020204030204" pitchFamily="34" charset="0"/>
+              <a:cs typeface="Times New Roman" panose="02020603050405020304" pitchFamily="18" charset="0"/>
+            </a:endParaRPr>
+          </a:p>
+          <a:p>
+            <a:pPr>
+              <a:lnSpc>
+                <a:spcPct val="107000"/>
+              </a:lnSpc>
+              <a:spcAft>
+                <a:spcPts val="800"/>
+              </a:spcAft>
+            </a:pPr>
+            <a:r>
+              <a:rPr lang="en-US" sz="1000" dirty="0">
+                <a:latin typeface="Arial" panose="020B0604020202020204" pitchFamily="34" charset="0"/>
+                <a:ea typeface="Calibri" panose="020F0502020204030204" pitchFamily="34" charset="0"/>
+                <a:cs typeface="Times New Roman" panose="02020603050405020304" pitchFamily="18" charset="0"/>
+              </a:rPr>
+              <a:t>If you have an application that cannot afford to lose any messages, should you use the </a:t>
+            </a:r>
+            <a:r>
+              <a:rPr lang="en-US" sz="1000" dirty="0" err="1">
+                <a:latin typeface="Arial" panose="020B0604020202020204" pitchFamily="34" charset="0"/>
+                <a:ea typeface="Calibri" panose="020F0502020204030204" pitchFamily="34" charset="0"/>
+                <a:cs typeface="Times New Roman" panose="02020603050405020304" pitchFamily="18" charset="0"/>
+              </a:rPr>
+              <a:t>PeekLock</a:t>
+            </a:r>
+            <a:r>
+              <a:rPr lang="en-US" sz="1000" dirty="0">
+                <a:latin typeface="Arial" panose="020B0604020202020204" pitchFamily="34" charset="0"/>
+                <a:ea typeface="Calibri" panose="020F0502020204030204" pitchFamily="34" charset="0"/>
+                <a:cs typeface="Times New Roman" panose="02020603050405020304" pitchFamily="18" charset="0"/>
+              </a:rPr>
+              <a:t> or </a:t>
+            </a:r>
+            <a:r>
+              <a:rPr lang="en-US" sz="1000" dirty="0" err="1">
+                <a:latin typeface="Arial" panose="020B0604020202020204" pitchFamily="34" charset="0"/>
+                <a:ea typeface="Calibri" panose="020F0502020204030204" pitchFamily="34" charset="0"/>
+                <a:cs typeface="Times New Roman" panose="02020603050405020304" pitchFamily="18" charset="0"/>
+              </a:rPr>
+              <a:t>ReceiveAndDelete</a:t>
+            </a:r>
+            <a:r>
+              <a:rPr lang="en-US" sz="1000" dirty="0">
+                <a:latin typeface="Arial" panose="020B0604020202020204" pitchFamily="34" charset="0"/>
+                <a:ea typeface="Calibri" panose="020F0502020204030204" pitchFamily="34" charset="0"/>
+                <a:cs typeface="Times New Roman" panose="02020603050405020304" pitchFamily="18" charset="0"/>
+              </a:rPr>
+              <a:t> mode in your consuming client? How do you check to see if the message is a duplicate?</a:t>
+            </a:r>
+          </a:p>
+          <a:p>
+            <a:pPr>
+              <a:lnSpc>
+                <a:spcPct val="107000"/>
+              </a:lnSpc>
+              <a:spcAft>
+                <a:spcPts val="800"/>
+              </a:spcAft>
+            </a:pPr>
+            <a:r>
+              <a:rPr lang="en-US" sz="1000" b="1" dirty="0">
+                <a:latin typeface="Arial" panose="020B0604020202020204" pitchFamily="34" charset="0"/>
+                <a:ea typeface="Calibri" panose="020F0502020204030204" pitchFamily="34" charset="0"/>
+                <a:cs typeface="Times New Roman" panose="02020603050405020304" pitchFamily="18" charset="0"/>
+              </a:rPr>
+              <a:t>Answer</a:t>
+            </a:r>
+            <a:endParaRPr lang="en-US" sz="1000" dirty="0">
+              <a:latin typeface="Arial" panose="020B0604020202020204" pitchFamily="34" charset="0"/>
+              <a:ea typeface="Calibri" panose="020F0502020204030204" pitchFamily="34" charset="0"/>
+              <a:cs typeface="Times New Roman" panose="02020603050405020304" pitchFamily="18" charset="0"/>
+            </a:endParaRPr>
+          </a:p>
+          <a:p>
+            <a:pPr>
+              <a:lnSpc>
+                <a:spcPct val="107000"/>
+              </a:lnSpc>
+              <a:spcAft>
+                <a:spcPts val="800"/>
+              </a:spcAft>
+            </a:pPr>
+            <a:r>
+              <a:rPr lang="en-US" sz="1000" dirty="0" err="1">
+                <a:latin typeface="Arial" panose="020B0604020202020204" pitchFamily="34" charset="0"/>
+                <a:ea typeface="Calibri" panose="020F0502020204030204" pitchFamily="34" charset="0"/>
+                <a:cs typeface="Times New Roman" panose="02020603050405020304" pitchFamily="18" charset="0"/>
+              </a:rPr>
+              <a:t>PeekLock</a:t>
+            </a:r>
+            <a:r>
+              <a:rPr lang="en-US" sz="1000" dirty="0">
+                <a:latin typeface="Arial" panose="020B0604020202020204" pitchFamily="34" charset="0"/>
+                <a:ea typeface="Calibri" panose="020F0502020204030204" pitchFamily="34" charset="0"/>
+                <a:cs typeface="Times New Roman" panose="02020603050405020304" pitchFamily="18" charset="0"/>
+              </a:rPr>
+              <a:t> allows you to retry messages that you might have failed to process. The </a:t>
+            </a:r>
+            <a:r>
+              <a:rPr lang="en-US" sz="1000" dirty="0" err="1">
+                <a:latin typeface="Arial" panose="020B0604020202020204" pitchFamily="34" charset="0"/>
+                <a:ea typeface="Calibri" panose="020F0502020204030204" pitchFamily="34" charset="0"/>
+                <a:cs typeface="Times New Roman" panose="02020603050405020304" pitchFamily="18" charset="0"/>
+              </a:rPr>
+              <a:t>MessageId</a:t>
+            </a:r>
+            <a:r>
+              <a:rPr lang="en-US" sz="1000" dirty="0">
+                <a:latin typeface="Arial" panose="020B0604020202020204" pitchFamily="34" charset="0"/>
+                <a:ea typeface="Calibri" panose="020F0502020204030204" pitchFamily="34" charset="0"/>
+                <a:cs typeface="Times New Roman" panose="02020603050405020304" pitchFamily="18" charset="0"/>
+              </a:rPr>
+              <a:t> of the message will be consistent across tries and allows you to determine if you are processing a duplicate message.</a:t>
+            </a:r>
+          </a:p>
+          <a:p>
+            <a:pPr>
+              <a:lnSpc>
+                <a:spcPct val="107000"/>
+              </a:lnSpc>
+              <a:spcAft>
+                <a:spcPts val="800"/>
+              </a:spcAft>
+            </a:pPr>
+            <a:r>
+              <a:rPr lang="en-US" sz="1000" b="1" dirty="0">
+                <a:latin typeface="Arial" panose="020B0604020202020204" pitchFamily="34" charset="0"/>
+                <a:ea typeface="Calibri" panose="020F0502020204030204" pitchFamily="34" charset="0"/>
+                <a:cs typeface="Times New Roman" panose="02020603050405020304" pitchFamily="18" charset="0"/>
+              </a:rPr>
+              <a:t>Question</a:t>
+            </a:r>
+            <a:endParaRPr lang="en-US" sz="1000" dirty="0">
+              <a:latin typeface="Arial" panose="020B0604020202020204" pitchFamily="34" charset="0"/>
+              <a:ea typeface="Calibri" panose="020F0502020204030204" pitchFamily="34" charset="0"/>
+              <a:cs typeface="Times New Roman" panose="02020603050405020304" pitchFamily="18" charset="0"/>
+            </a:endParaRPr>
+          </a:p>
+          <a:p>
+            <a:pPr>
+              <a:lnSpc>
+                <a:spcPct val="107000"/>
+              </a:lnSpc>
+              <a:spcAft>
+                <a:spcPts val="800"/>
+              </a:spcAft>
+            </a:pPr>
+            <a:r>
+              <a:rPr lang="en-US" sz="1000" dirty="0">
+                <a:latin typeface="Arial" panose="020B0604020202020204" pitchFamily="34" charset="0"/>
+                <a:ea typeface="Calibri" panose="020F0502020204030204" pitchFamily="34" charset="0"/>
+                <a:cs typeface="Times New Roman" panose="02020603050405020304" pitchFamily="18" charset="0"/>
+              </a:rPr>
+              <a:t>You have a weather app and you are using Notification Hubs for messaging. You would like to let people within a specific area code receive an emergency alert about a hurricane. How should you architect your application to support this scenario?</a:t>
+            </a:r>
+          </a:p>
+          <a:p>
+            <a:pPr>
+              <a:lnSpc>
+                <a:spcPct val="107000"/>
+              </a:lnSpc>
+              <a:spcAft>
+                <a:spcPts val="800"/>
+              </a:spcAft>
+            </a:pPr>
+            <a:r>
+              <a:rPr lang="en-US" sz="1000" b="1" dirty="0">
+                <a:latin typeface="Arial" panose="020B0604020202020204" pitchFamily="34" charset="0"/>
+                <a:ea typeface="Calibri" panose="020F0502020204030204" pitchFamily="34" charset="0"/>
+                <a:cs typeface="Times New Roman" panose="02020603050405020304" pitchFamily="18" charset="0"/>
+              </a:rPr>
+              <a:t>Answer</a:t>
+            </a:r>
+            <a:endParaRPr lang="en-US" sz="1000" dirty="0">
+              <a:latin typeface="Arial" panose="020B0604020202020204" pitchFamily="34" charset="0"/>
+              <a:ea typeface="Calibri" panose="020F0502020204030204" pitchFamily="34" charset="0"/>
+              <a:cs typeface="Times New Roman" panose="02020603050405020304" pitchFamily="18" charset="0"/>
+            </a:endParaRPr>
+          </a:p>
+          <a:p>
+            <a:pPr>
+              <a:lnSpc>
+                <a:spcPct val="107000"/>
+              </a:lnSpc>
+              <a:spcAft>
+                <a:spcPts val="800"/>
+              </a:spcAft>
+            </a:pPr>
+            <a:r>
+              <a:rPr lang="en-US" sz="1000" dirty="0">
+                <a:latin typeface="Arial" panose="020B0604020202020204" pitchFamily="34" charset="0"/>
+                <a:ea typeface="Calibri" panose="020F0502020204030204" pitchFamily="34" charset="0"/>
+                <a:cs typeface="Times New Roman" panose="02020603050405020304" pitchFamily="18" charset="0"/>
+              </a:rPr>
+              <a:t>First, you should start by designing the templates that specify how the notification should appear for the emergency alert message on each platform. Then the client applications can register by using that template and some location data (such as an area code) included in their tag(s). When an emergency alert needs to be sent out, you can use target-specific area codes in your tags and use the emergency message template to send a single message to notify all the targeted clients.</a:t>
+            </a:r>
+          </a:p>
+          <a:p>
+            <a:pPr>
+              <a:lnSpc>
+                <a:spcPct val="115000"/>
+              </a:lnSpc>
+              <a:spcAft>
+                <a:spcPts val="1000"/>
+              </a:spcAft>
+            </a:pPr>
+            <a:r>
+              <a:rPr lang="en-US" sz="1000" b="1" dirty="0">
+                <a:effectLst/>
+                <a:latin typeface="Arial" panose="020B0604020202020204" pitchFamily="34" charset="0"/>
+                <a:ea typeface="Times New Roman" panose="02020603050405020304" pitchFamily="18" charset="0"/>
+                <a:cs typeface="Times New Roman" panose="02020603050405020304" pitchFamily="18" charset="0"/>
+              </a:rPr>
+              <a:t>Reference Links: </a:t>
+            </a:r>
+            <a:r>
+              <a:rPr lang="en-US" sz="1000" u="sng" dirty="0">
+                <a:solidFill>
+                  <a:srgbClr val="0563C1"/>
+                </a:solidFill>
+                <a:effectLst/>
+                <a:latin typeface="Arial" panose="020B0604020202020204" pitchFamily="34" charset="0"/>
+                <a:ea typeface="Times New Roman" panose="02020603050405020304" pitchFamily="18" charset="0"/>
+                <a:cs typeface="Times New Roman" panose="02020603050405020304" pitchFamily="18" charset="0"/>
+                <a:hlinkClick r:id="rId3"/>
+              </a:rPr>
+              <a:t>http://go.microsoft.com/fwlink/?LinkID=510217</a:t>
+            </a:r>
+            <a:endParaRPr lang="en-US" sz="1000" dirty="0">
+              <a:effectLst/>
+              <a:latin typeface="Arial" panose="020B0604020202020204" pitchFamily="34" charset="0"/>
+              <a:ea typeface="Times New Roman" panose="02020603050405020304" pitchFamily="18" charset="0"/>
+              <a:cs typeface="Times New Roman" panose="02020603050405020304" pitchFamily="18" charset="0"/>
+            </a:endParaRPr>
           </a:p>
         </p:txBody>
       </p:sp>
@@ -25976,554 +22679,6 @@
             <a:fld id="{0F0F8E7D-B7D5-47C9-B9AF-DC91D5D36EBB}" type="slidenum">
               <a:rPr lang="en-US" smtClean="0"/>
               <a:t>37</a:t>
-            </a:fld>
-            <a:endParaRPr lang="en-US"/>
-          </a:p>
-        </p:txBody>
-      </p:sp>
-      <p:sp>
-        <p:nvSpPr>
-          <p:cNvPr id="5" name="Rectangle 4"/>
-          <p:cNvSpPr/>
-          <p:nvPr/>
-        </p:nvSpPr>
-        <p:spPr>
-          <a:xfrm>
-            <a:off x="0" y="0"/>
-            <a:ext cx="3038475" cy="222250"/>
-          </a:xfrm>
-          <a:prstGeom prst="rect">
-            <a:avLst/>
-          </a:prstGeom>
-          <a:noFill/>
-          <a:ln w="12700" cap="flat" cmpd="sng" algn="ctr">
-            <a:noFill/>
-            <a:prstDash val="solid"/>
-            <a:miter lim="800000"/>
-          </a:ln>
-          <a:effectLst/>
-          <a:extLst>
-            <a:ext uri="{909E8E84-426E-40DD-AFC4-6F175D3DCCD1}">
-              <a14:hiddenFill xmlns:a14="http://schemas.microsoft.com/office/drawing/2010/main">
-                <a:solidFill>
-                  <a:schemeClr val="accent1"/>
-                </a:solidFill>
-              </a14:hiddenFill>
-            </a:ext>
-            <a:ext uri="{91240B29-F687-4F45-9708-019B960494DF}">
-              <a14:hiddenLine xmlns:a14="http://schemas.microsoft.com/office/drawing/2010/main" w="12700" cap="flat" cmpd="sng" algn="ctr">
-                <a:solidFill>
-                  <a:schemeClr val="accent1">
-                    <a:shade val="50000"/>
-                  </a:schemeClr>
-                </a:solidFill>
-                <a:prstDash val="solid"/>
-                <a:miter lim="800000"/>
-              </a14:hiddenLine>
-            </a:ext>
-          </a:extLst>
-        </p:spPr>
-        <p:style>
-          <a:lnRef idx="2">
-            <a:schemeClr val="accent1">
-              <a:shade val="50000"/>
-            </a:schemeClr>
-          </a:lnRef>
-          <a:fillRef idx="1">
-            <a:schemeClr val="accent1"/>
-          </a:fillRef>
-          <a:effectRef idx="0">
-            <a:schemeClr val="accent1"/>
-          </a:effectRef>
-          <a:fontRef idx="minor">
-            <a:schemeClr val="lt1"/>
-          </a:fontRef>
-        </p:style>
-        <p:txBody>
-          <a:bodyPr rtlCol="0" anchor="ctr"/>
-          <a:lstStyle/>
-          <a:p>
-            <a:r>
-              <a:rPr lang="en-US" sz="1200">
-                <a:solidFill>
-                  <a:srgbClr val="000000"/>
-                </a:solidFill>
-                <a:latin typeface="Arial" panose="020B0604020202020204" pitchFamily="34" charset="0"/>
-              </a:rPr>
-              <a:t>20532C</a:t>
-            </a:r>
-          </a:p>
-        </p:txBody>
-      </p:sp>
-      <p:sp>
-        <p:nvSpPr>
-          <p:cNvPr id="6" name="Rectangle 5"/>
-          <p:cNvSpPr/>
-          <p:nvPr/>
-        </p:nvSpPr>
-        <p:spPr>
-          <a:xfrm>
-            <a:off x="0" y="238125"/>
-            <a:ext cx="3038475" cy="347663"/>
-          </a:xfrm>
-          <a:prstGeom prst="rect">
-            <a:avLst/>
-          </a:prstGeom>
-          <a:noFill/>
-          <a:ln w="12700" cap="flat" cmpd="sng" algn="ctr">
-            <a:noFill/>
-            <a:prstDash val="solid"/>
-            <a:miter lim="800000"/>
-          </a:ln>
-          <a:effectLst/>
-          <a:extLst>
-            <a:ext uri="{909E8E84-426E-40DD-AFC4-6F175D3DCCD1}">
-              <a14:hiddenFill xmlns:a14="http://schemas.microsoft.com/office/drawing/2010/main">
-                <a:solidFill>
-                  <a:schemeClr val="accent1"/>
-                </a:solidFill>
-              </a14:hiddenFill>
-            </a:ext>
-            <a:ext uri="{91240B29-F687-4F45-9708-019B960494DF}">
-              <a14:hiddenLine xmlns:a14="http://schemas.microsoft.com/office/drawing/2010/main" w="12700" cap="flat" cmpd="sng" algn="ctr">
-                <a:solidFill>
-                  <a:schemeClr val="accent1">
-                    <a:shade val="50000"/>
-                  </a:schemeClr>
-                </a:solidFill>
-                <a:prstDash val="solid"/>
-                <a:miter lim="800000"/>
-              </a14:hiddenLine>
-            </a:ext>
-          </a:extLst>
-        </p:spPr>
-        <p:style>
-          <a:lnRef idx="2">
-            <a:schemeClr val="accent1">
-              <a:shade val="50000"/>
-            </a:schemeClr>
-          </a:lnRef>
-          <a:fillRef idx="1">
-            <a:schemeClr val="accent1"/>
-          </a:fillRef>
-          <a:effectRef idx="0">
-            <a:schemeClr val="accent1"/>
-          </a:effectRef>
-          <a:fontRef idx="minor">
-            <a:schemeClr val="lt1"/>
-          </a:fontRef>
-        </p:style>
-        <p:txBody>
-          <a:bodyPr rtlCol="0" anchor="ctr"/>
-          <a:lstStyle/>
-          <a:p>
-            <a:r>
-              <a:rPr lang="en-US" sz="1200">
-                <a:solidFill>
-                  <a:srgbClr val="336699"/>
-                </a:solidFill>
-                <a:latin typeface="Arial" panose="020B0604020202020204" pitchFamily="34" charset="0"/>
-              </a:rPr>
-              <a:t>8: Designing a Communication Strategy by Using Queues and Service Bus</a:t>
-            </a:r>
-          </a:p>
-        </p:txBody>
-      </p:sp>
-    </p:spTree>
-    <p:extLst>
-      <p:ext uri="{BB962C8B-B14F-4D97-AF65-F5344CB8AC3E}">
-        <p14:creationId xmlns:p14="http://schemas.microsoft.com/office/powerpoint/2010/main" val="3037931928"/>
-      </p:ext>
-    </p:extLst>
-  </p:cSld>
-  <p:clrMapOvr>
-    <a:masterClrMapping/>
-  </p:clrMapOvr>
-</p:notes>
-</file>
-
-<file path=ppt/notesSlides/notesSlide38.xml><?xml version="1.0" encoding="utf-8"?>
-<p:notes xmlns:a="http://schemas.openxmlformats.org/drawingml/2006/main" xmlns:r="http://schemas.openxmlformats.org/officeDocument/2006/relationships" xmlns:p="http://schemas.openxmlformats.org/presentationml/2006/main">
-  <p:cSld>
-    <p:spTree>
-      <p:nvGrpSpPr>
-        <p:cNvPr id="1" name=""/>
-        <p:cNvGrpSpPr/>
-        <p:nvPr/>
-      </p:nvGrpSpPr>
-      <p:grpSpPr>
-        <a:xfrm>
-          <a:off x="0" y="0"/>
-          <a:ext cx="0" cy="0"/>
-          <a:chOff x="0" y="0"/>
-          <a:chExt cx="0" cy="0"/>
-        </a:xfrm>
-      </p:grpSpPr>
-      <p:sp>
-        <p:nvSpPr>
-          <p:cNvPr id="2" name="Slide Image Placeholder 1"/>
-          <p:cNvSpPr>
-            <a:spLocks noGrp="1" noRot="1" noChangeAspect="1"/>
-          </p:cNvSpPr>
-          <p:nvPr>
-            <p:ph type="sldImg"/>
-          </p:nvPr>
-        </p:nvSpPr>
-        <p:spPr>
-          <a:xfrm>
-            <a:off x="4325112" y="73152"/>
-            <a:ext cx="2468880" cy="1851660"/>
-          </a:xfrm>
-        </p:spPr>
-      </p:sp>
-      <p:sp>
-        <p:nvSpPr>
-          <p:cNvPr id="3" name="Notes Placeholder 2"/>
-          <p:cNvSpPr>
-            <a:spLocks noGrp="1"/>
-          </p:cNvSpPr>
-          <p:nvPr>
-            <p:ph type="body" idx="1"/>
-          </p:nvPr>
-        </p:nvSpPr>
-        <p:spPr>
-          <a:xfrm>
-            <a:off x="310896" y="2093976"/>
-            <a:ext cx="6153912" cy="6604000"/>
-          </a:xfrm>
-        </p:spPr>
-        <p:txBody>
-          <a:bodyPr>
-            <a:noAutofit/>
-          </a:bodyPr>
-          <a:lstStyle/>
-          <a:p>
-            <a:pPr>
-              <a:lnSpc>
-                <a:spcPct val="107000"/>
-              </a:lnSpc>
-              <a:spcAft>
-                <a:spcPts val="800"/>
-              </a:spcAft>
-            </a:pPr>
-            <a:r>
-              <a:rPr lang="en-US" sz="1000" b="1">
-                <a:latin typeface="Arial" panose="020B0604020202020204" pitchFamily="34" charset="0"/>
-                <a:ea typeface="Calibri" panose="020F0502020204030204" pitchFamily="34" charset="0"/>
-                <a:cs typeface="Times New Roman" panose="02020603050405020304" pitchFamily="18" charset="0"/>
-              </a:rPr>
-              <a:t>Review Question(s)</a:t>
-            </a:r>
-            <a:endParaRPr lang="en-US" sz="1000">
-              <a:latin typeface="Arial" panose="020B0604020202020204" pitchFamily="34" charset="0"/>
-              <a:ea typeface="Calibri" panose="020F0502020204030204" pitchFamily="34" charset="0"/>
-              <a:cs typeface="Times New Roman" panose="02020603050405020304" pitchFamily="18" charset="0"/>
-            </a:endParaRPr>
-          </a:p>
-          <a:p>
-            <a:pPr>
-              <a:lnSpc>
-                <a:spcPct val="107000"/>
-              </a:lnSpc>
-              <a:spcAft>
-                <a:spcPts val="800"/>
-              </a:spcAft>
-            </a:pPr>
-            <a:r>
-              <a:rPr lang="en-US" sz="1000" b="1">
-                <a:latin typeface="Arial" panose="020B0604020202020204" pitchFamily="34" charset="0"/>
-                <a:ea typeface="Calibri" panose="020F0502020204030204" pitchFamily="34" charset="0"/>
-                <a:cs typeface="Times New Roman" panose="02020603050405020304" pitchFamily="18" charset="0"/>
-              </a:rPr>
-              <a:t>Question</a:t>
-            </a:r>
-            <a:endParaRPr lang="en-US" sz="1000">
-              <a:latin typeface="Arial" panose="020B0604020202020204" pitchFamily="34" charset="0"/>
-              <a:ea typeface="Calibri" panose="020F0502020204030204" pitchFamily="34" charset="0"/>
-              <a:cs typeface="Times New Roman" panose="02020603050405020304" pitchFamily="18" charset="0"/>
-            </a:endParaRPr>
-          </a:p>
-          <a:p>
-            <a:pPr>
-              <a:lnSpc>
-                <a:spcPct val="107000"/>
-              </a:lnSpc>
-              <a:spcAft>
-                <a:spcPts val="800"/>
-              </a:spcAft>
-            </a:pPr>
-            <a:r>
-              <a:rPr lang="en-US" sz="1000">
-                <a:latin typeface="Arial" panose="020B0604020202020204" pitchFamily="34" charset="0"/>
-                <a:ea typeface="Calibri" panose="020F0502020204030204" pitchFamily="34" charset="0"/>
-                <a:cs typeface="Times New Roman" panose="02020603050405020304" pitchFamily="18" charset="0"/>
-              </a:rPr>
-              <a:t>Which queuing mechanism is better suited for storing large messages?</a:t>
-            </a:r>
-          </a:p>
-          <a:p>
-            <a:pPr>
-              <a:lnSpc>
-                <a:spcPct val="107000"/>
-              </a:lnSpc>
-              <a:spcAft>
-                <a:spcPts val="800"/>
-              </a:spcAft>
-            </a:pPr>
-            <a:r>
-              <a:rPr lang="en-US" sz="1000" b="1">
-                <a:latin typeface="Arial" panose="020B0604020202020204" pitchFamily="34" charset="0"/>
-                <a:ea typeface="Calibri" panose="020F0502020204030204" pitchFamily="34" charset="0"/>
-                <a:cs typeface="Times New Roman" panose="02020603050405020304" pitchFamily="18" charset="0"/>
-              </a:rPr>
-              <a:t>Answer</a:t>
-            </a:r>
-            <a:endParaRPr lang="en-US" sz="1000">
-              <a:latin typeface="Arial" panose="020B0604020202020204" pitchFamily="34" charset="0"/>
-              <a:ea typeface="Calibri" panose="020F0502020204030204" pitchFamily="34" charset="0"/>
-              <a:cs typeface="Times New Roman" panose="02020603050405020304" pitchFamily="18" charset="0"/>
-            </a:endParaRPr>
-          </a:p>
-          <a:p>
-            <a:pPr>
-              <a:lnSpc>
-                <a:spcPct val="107000"/>
-              </a:lnSpc>
-              <a:spcAft>
-                <a:spcPts val="800"/>
-              </a:spcAft>
-            </a:pPr>
-            <a:r>
-              <a:rPr lang="en-US" sz="1000">
-                <a:latin typeface="Arial" panose="020B0604020202020204" pitchFamily="34" charset="0"/>
-                <a:ea typeface="Calibri" panose="020F0502020204030204" pitchFamily="34" charset="0"/>
-                <a:cs typeface="Times New Roman" panose="02020603050405020304" pitchFamily="18" charset="0"/>
-              </a:rPr>
-              <a:t>The Queue service in Azure Storage can store over 5 GB worth of messages in a queue.</a:t>
-            </a:r>
-          </a:p>
-          <a:p>
-            <a:pPr>
-              <a:lnSpc>
-                <a:spcPct val="107000"/>
-              </a:lnSpc>
-              <a:spcAft>
-                <a:spcPts val="800"/>
-              </a:spcAft>
-            </a:pPr>
-            <a:r>
-              <a:rPr lang="en-US" sz="1000" b="1">
-                <a:latin typeface="Arial" panose="020B0604020202020204" pitchFamily="34" charset="0"/>
-                <a:ea typeface="Calibri" panose="020F0502020204030204" pitchFamily="34" charset="0"/>
-                <a:cs typeface="Times New Roman" panose="02020603050405020304" pitchFamily="18" charset="0"/>
-              </a:rPr>
-              <a:t>Question</a:t>
-            </a:r>
-            <a:endParaRPr lang="en-US" sz="1000">
-              <a:latin typeface="Arial" panose="020B0604020202020204" pitchFamily="34" charset="0"/>
-              <a:ea typeface="Calibri" panose="020F0502020204030204" pitchFamily="34" charset="0"/>
-              <a:cs typeface="Times New Roman" panose="02020603050405020304" pitchFamily="18" charset="0"/>
-            </a:endParaRPr>
-          </a:p>
-          <a:p>
-            <a:pPr>
-              <a:lnSpc>
-                <a:spcPct val="107000"/>
-              </a:lnSpc>
-              <a:spcAft>
-                <a:spcPts val="800"/>
-              </a:spcAft>
-            </a:pPr>
-            <a:r>
-              <a:rPr lang="en-US" sz="1000">
-                <a:latin typeface="Arial" panose="020B0604020202020204" pitchFamily="34" charset="0"/>
-                <a:ea typeface="Calibri" panose="020F0502020204030204" pitchFamily="34" charset="0"/>
-                <a:cs typeface="Times New Roman" panose="02020603050405020304" pitchFamily="18" charset="0"/>
-              </a:rPr>
-              <a:t>If you have an application that cannot afford to lose any messages, should you use the PeekLock or ReceiveAndDelete mode in your consuming client? How do you check to see if the message is a duplicate?</a:t>
-            </a:r>
-          </a:p>
-          <a:p>
-            <a:pPr>
-              <a:lnSpc>
-                <a:spcPct val="107000"/>
-              </a:lnSpc>
-              <a:spcAft>
-                <a:spcPts val="800"/>
-              </a:spcAft>
-            </a:pPr>
-            <a:r>
-              <a:rPr lang="en-US" sz="1000" b="1">
-                <a:latin typeface="Arial" panose="020B0604020202020204" pitchFamily="34" charset="0"/>
-                <a:ea typeface="Calibri" panose="020F0502020204030204" pitchFamily="34" charset="0"/>
-                <a:cs typeface="Times New Roman" panose="02020603050405020304" pitchFamily="18" charset="0"/>
-              </a:rPr>
-              <a:t>Answer</a:t>
-            </a:r>
-            <a:endParaRPr lang="en-US" sz="1000">
-              <a:latin typeface="Arial" panose="020B0604020202020204" pitchFamily="34" charset="0"/>
-              <a:ea typeface="Calibri" panose="020F0502020204030204" pitchFamily="34" charset="0"/>
-              <a:cs typeface="Times New Roman" panose="02020603050405020304" pitchFamily="18" charset="0"/>
-            </a:endParaRPr>
-          </a:p>
-          <a:p>
-            <a:pPr>
-              <a:lnSpc>
-                <a:spcPct val="107000"/>
-              </a:lnSpc>
-              <a:spcAft>
-                <a:spcPts val="800"/>
-              </a:spcAft>
-            </a:pPr>
-            <a:r>
-              <a:rPr lang="en-US" sz="1000">
-                <a:latin typeface="Arial" panose="020B0604020202020204" pitchFamily="34" charset="0"/>
-                <a:ea typeface="Calibri" panose="020F0502020204030204" pitchFamily="34" charset="0"/>
-                <a:cs typeface="Times New Roman" panose="02020603050405020304" pitchFamily="18" charset="0"/>
-              </a:rPr>
-              <a:t>PeekLock allows you to retry messages that you might have failed to process. The MessageId of the message will be consistent across tries and allows you to determine if you are processing a duplicate message.</a:t>
-            </a:r>
-          </a:p>
-          <a:p>
-            <a:pPr>
-              <a:lnSpc>
-                <a:spcPct val="107000"/>
-              </a:lnSpc>
-              <a:spcAft>
-                <a:spcPts val="800"/>
-              </a:spcAft>
-            </a:pPr>
-            <a:r>
-              <a:rPr lang="en-US" sz="1000" b="1">
-                <a:latin typeface="Arial" panose="020B0604020202020204" pitchFamily="34" charset="0"/>
-                <a:ea typeface="Calibri" panose="020F0502020204030204" pitchFamily="34" charset="0"/>
-                <a:cs typeface="Times New Roman" panose="02020603050405020304" pitchFamily="18" charset="0"/>
-              </a:rPr>
-              <a:t>Question</a:t>
-            </a:r>
-            <a:endParaRPr lang="en-US" sz="1000">
-              <a:latin typeface="Arial" panose="020B0604020202020204" pitchFamily="34" charset="0"/>
-              <a:ea typeface="Calibri" panose="020F0502020204030204" pitchFamily="34" charset="0"/>
-              <a:cs typeface="Times New Roman" panose="02020603050405020304" pitchFamily="18" charset="0"/>
-            </a:endParaRPr>
-          </a:p>
-          <a:p>
-            <a:pPr>
-              <a:lnSpc>
-                <a:spcPct val="107000"/>
-              </a:lnSpc>
-              <a:spcAft>
-                <a:spcPts val="800"/>
-              </a:spcAft>
-            </a:pPr>
-            <a:r>
-              <a:rPr lang="en-US" sz="1000">
-                <a:latin typeface="Arial" panose="020B0604020202020204" pitchFamily="34" charset="0"/>
-                <a:ea typeface="Calibri" panose="020F0502020204030204" pitchFamily="34" charset="0"/>
-                <a:cs typeface="Times New Roman" panose="02020603050405020304" pitchFamily="18" charset="0"/>
-              </a:rPr>
-              <a:t>You have a weather app and you are using Notification Hubs for messaging. You would like to let people within a specific area code receive an emergency alert about a hurricane. How should you architect your application to support this scenario?</a:t>
-            </a:r>
-          </a:p>
-          <a:p>
-            <a:pPr>
-              <a:lnSpc>
-                <a:spcPct val="107000"/>
-              </a:lnSpc>
-              <a:spcAft>
-                <a:spcPts val="800"/>
-              </a:spcAft>
-            </a:pPr>
-            <a:r>
-              <a:rPr lang="en-US" sz="1000" b="1">
-                <a:latin typeface="Arial" panose="020B0604020202020204" pitchFamily="34" charset="0"/>
-                <a:ea typeface="Calibri" panose="020F0502020204030204" pitchFamily="34" charset="0"/>
-                <a:cs typeface="Times New Roman" panose="02020603050405020304" pitchFamily="18" charset="0"/>
-              </a:rPr>
-              <a:t>Answer</a:t>
-            </a:r>
-            <a:endParaRPr lang="en-US" sz="1000">
-              <a:latin typeface="Arial" panose="020B0604020202020204" pitchFamily="34" charset="0"/>
-              <a:ea typeface="Calibri" panose="020F0502020204030204" pitchFamily="34" charset="0"/>
-              <a:cs typeface="Times New Roman" panose="02020603050405020304" pitchFamily="18" charset="0"/>
-            </a:endParaRPr>
-          </a:p>
-          <a:p>
-            <a:pPr>
-              <a:lnSpc>
-                <a:spcPct val="107000"/>
-              </a:lnSpc>
-              <a:spcAft>
-                <a:spcPts val="800"/>
-              </a:spcAft>
-            </a:pPr>
-            <a:r>
-              <a:rPr lang="en-US" sz="1000">
-                <a:latin typeface="Arial" panose="020B0604020202020204" pitchFamily="34" charset="0"/>
-                <a:ea typeface="Calibri" panose="020F0502020204030204" pitchFamily="34" charset="0"/>
-                <a:cs typeface="Times New Roman" panose="02020603050405020304" pitchFamily="18" charset="0"/>
-              </a:rPr>
-              <a:t>First, you should start by designing the templates that specify how the notification should appear for the emergency alert message on each platform. Then the client applications can register by using that template and some location data (such as an area code) included in their tag(s). When an emergency alert needs to be sent out, you can use target-specific area codes in your tags and use the emergency message template to send a single message to notify all the targeted clients.</a:t>
-            </a:r>
-          </a:p>
-          <a:p>
-            <a:pPr>
-              <a:lnSpc>
-                <a:spcPct val="115000"/>
-              </a:lnSpc>
-              <a:spcAft>
-                <a:spcPts val="1000"/>
-              </a:spcAft>
-            </a:pPr>
-            <a:r>
-              <a:rPr lang="en-US" sz="1000" b="1">
-                <a:effectLst/>
-                <a:latin typeface="Arial" panose="020B0604020202020204" pitchFamily="34" charset="0"/>
-                <a:ea typeface="Times New Roman" panose="02020603050405020304" pitchFamily="18" charset="0"/>
-                <a:cs typeface="Times New Roman" panose="02020603050405020304" pitchFamily="18" charset="0"/>
-              </a:rPr>
-              <a:t>Reference Links: </a:t>
-            </a:r>
-            <a:r>
-              <a:rPr lang="en-US" sz="1000" u="sng">
-                <a:solidFill>
-                  <a:srgbClr val="0563C1"/>
-                </a:solidFill>
-                <a:effectLst/>
-                <a:latin typeface="Arial" panose="020B0604020202020204" pitchFamily="34" charset="0"/>
-                <a:ea typeface="Times New Roman" panose="02020603050405020304" pitchFamily="18" charset="0"/>
-                <a:cs typeface="Times New Roman" panose="02020603050405020304" pitchFamily="18" charset="0"/>
-                <a:hlinkClick r:id="rId3"/>
-              </a:rPr>
-              <a:t>http://go.microsoft.com/fwlink/?LinkID=510217</a:t>
-            </a:r>
-            <a:endParaRPr lang="en-US" sz="1000">
-              <a:effectLst/>
-              <a:latin typeface="Arial" panose="020B0604020202020204" pitchFamily="34" charset="0"/>
-              <a:ea typeface="Times New Roman" panose="02020603050405020304" pitchFamily="18" charset="0"/>
-              <a:cs typeface="Times New Roman" panose="02020603050405020304" pitchFamily="18" charset="0"/>
-            </a:endParaRPr>
-          </a:p>
-        </p:txBody>
-      </p:sp>
-      <p:sp>
-        <p:nvSpPr>
-          <p:cNvPr id="4" name="Slide Number Placeholder 3"/>
-          <p:cNvSpPr>
-            <a:spLocks noGrp="1"/>
-          </p:cNvSpPr>
-          <p:nvPr>
-            <p:ph type="sldNum" sz="quarter" idx="10"/>
-          </p:nvPr>
-        </p:nvSpPr>
-        <p:spPr/>
-        <p:txBody>
-          <a:bodyPr/>
-          <a:lstStyle/>
-          <a:p>
-            <a:fld id="{0F0F8E7D-B7D5-47C9-B9AF-DC91D5D36EBB}" type="slidenum">
-              <a:rPr lang="en-US" smtClean="0"/>
-              <a:t>38</a:t>
             </a:fld>
             <a:endParaRPr lang="en-US"/>
           </a:p>
@@ -26755,7 +22910,7 @@
               </a:spcAft>
             </a:pPr>
             <a:r>
-              <a:rPr lang="en-US" sz="1000">
+              <a:rPr lang="en-US" sz="1000" dirty="0">
                 <a:latin typeface="Arial" panose="020B0604020202020204" pitchFamily="34" charset="0"/>
                 <a:ea typeface="Calibri" panose="020F0502020204030204" pitchFamily="34" charset="0"/>
                 <a:cs typeface="Times New Roman" panose="02020603050405020304" pitchFamily="18" charset="0"/>
@@ -26773,7 +22928,7 @@
               </a:spcAft>
             </a:pPr>
             <a:r>
-              <a:rPr lang="en-US" sz="1000" b="1">
+              <a:rPr lang="en-US" sz="1000" b="1" dirty="0">
                 <a:latin typeface="Arial" panose="020B0604020202020204" pitchFamily="34" charset="0"/>
                 <a:ea typeface="Calibri" panose="020F0502020204030204" pitchFamily="34" charset="0"/>
                 <a:cs typeface="Times New Roman" panose="02020603050405020304" pitchFamily="18" charset="0"/>
@@ -26781,7 +22936,7 @@
               <a:t>Reference Links: </a:t>
             </a:r>
             <a:r>
-              <a:rPr lang="en-US" sz="1000" u="sng">
+              <a:rPr lang="en-US" sz="1000" u="sng" dirty="0">
                 <a:latin typeface="Arial" panose="020B0604020202020204" pitchFamily="34" charset="0"/>
                 <a:ea typeface="Calibri" panose="020F0502020204030204" pitchFamily="34" charset="0"/>
                 <a:cs typeface="Segoe UI" panose="020B0502040204020203" pitchFamily="34" charset="0"/>
@@ -26789,7 +22944,7 @@
               </a:rPr>
               <a:t>http://go.microsoft.com/fwlink/?LinkID=510211</a:t>
             </a:r>
-            <a:endParaRPr lang="en-US" sz="1000">
+            <a:endParaRPr lang="en-US" sz="1000" dirty="0">
               <a:latin typeface="Arial" panose="020B0604020202020204" pitchFamily="34" charset="0"/>
               <a:ea typeface="Calibri" panose="020F0502020204030204" pitchFamily="34" charset="0"/>
               <a:cs typeface="Times New Roman" panose="02020603050405020304" pitchFamily="18" charset="0"/>
@@ -26805,7 +22960,7 @@
               </a:spcAft>
             </a:pPr>
             <a:r>
-              <a:rPr lang="en-US" sz="1000">
+              <a:rPr lang="en-US" sz="1000" dirty="0">
                 <a:solidFill>
                   <a:srgbClr val="000000"/>
                 </a:solidFill>
@@ -26815,7 +22970,7 @@
               </a:rPr>
               <a:t>Discussion Question: What type of business applications could benefit by the mechanism of storing requests that are handled asynchronously by workers?</a:t>
             </a:r>
-            <a:endParaRPr lang="en-US" sz="1000">
+            <a:endParaRPr lang="en-US" sz="1000" dirty="0">
               <a:latin typeface="Arial" panose="020B0604020202020204" pitchFamily="34" charset="0"/>
               <a:ea typeface="Calibri" panose="020F0502020204030204" pitchFamily="34" charset="0"/>
               <a:cs typeface="Times New Roman" panose="02020603050405020304" pitchFamily="18" charset="0"/>
@@ -27554,8 +23709,8 @@
         </p:nvSpPr>
         <p:spPr>
           <a:xfrm>
-            <a:off x="4325112" y="73152"/>
-            <a:ext cx="2468880" cy="1851660"/>
+            <a:off x="4325938" y="73025"/>
+            <a:ext cx="2466975" cy="1851025"/>
           </a:xfrm>
         </p:spPr>
       </p:sp>
@@ -31282,7 +27437,7 @@
             <a:r>
               <a:rPr lang="en-US" b="0" kern="0" dirty="0">
                 <a:solidFill>
-                  <a:srgbClr val="000000"/>
+                  <a:srgbClr val="FF0000"/>
                 </a:solidFill>
               </a:rPr>
               <a:t>Massive in scale and completely managed</a:t>
@@ -31394,7 +27549,7 @@
           <p:nvPr>
             <p:extLst>
               <p:ext uri="{D42A27DB-BD31-4B8C-83A1-F6EECF244321}">
-                <p14:modId xmlns:p14="http://schemas.microsoft.com/office/powerpoint/2010/main" val="1569080251"/>
+                <p14:modId xmlns:p14="http://schemas.microsoft.com/office/powerpoint/2010/main" val="2949844090"/>
               </p:ext>
             </p:extLst>
           </p:nvPr>
@@ -32246,21 +28401,49 @@
           <a:p>
             <a:r>
               <a:rPr lang="en-US" dirty="0"/>
-              <a:t>Service Bus queues provide a queuing mechanism with tight control on the order and delivery of messages</a:t>
+              <a:t>Service Bus queues provide a queuing mechanism with </a:t>
+            </a:r>
+            <a:r>
+              <a:rPr lang="en-US" dirty="0">
+                <a:solidFill>
+                  <a:srgbClr val="FF0000"/>
+                </a:solidFill>
+              </a:rPr>
+              <a:t>tight control on the order </a:t>
+            </a:r>
+            <a:r>
+              <a:rPr lang="en-US" dirty="0"/>
+              <a:t>and delivery of messages</a:t>
             </a:r>
           </a:p>
           <a:p>
             <a:pPr lvl="1"/>
             <a:r>
+              <a:rPr lang="en-US" dirty="0">
+                <a:solidFill>
+                  <a:srgbClr val="FF0000"/>
+                </a:solidFill>
+              </a:rPr>
+              <a:t>Messages will appear only once</a:t>
+            </a:r>
+          </a:p>
+          <a:p>
+            <a:pPr lvl="1"/>
+            <a:r>
               <a:rPr lang="en-US" dirty="0"/>
-              <a:t>Messages will appear only once</a:t>
-            </a:r>
-          </a:p>
-          <a:p>
-            <a:pPr lvl="1"/>
+              <a:t>Messages are processed using the </a:t>
+            </a:r>
+            <a:r>
+              <a:rPr lang="en-US" dirty="0">
+                <a:solidFill>
+                  <a:srgbClr val="FF0000"/>
+                </a:solidFill>
+              </a:rPr>
+              <a:t>FIFO</a:t>
+            </a:r>
             <a:r>
               <a:rPr lang="en-US" dirty="0"/>
-              <a:t>Messages are processed using the FIFO pattern</a:t>
+              <a:t> pattern</a:t>
             </a:r>
           </a:p>
           <a:p>
@@ -32273,12 +28456,12 @@
           <a:p>
             <a:pPr lvl="1"/>
             <a:r>
-              <a:rPr lang="en-US"/>
+              <a:rPr lang="en-US" dirty="0"/>
               <a:t>Supports transactions</a:t>
             </a:r>
           </a:p>
           <a:p>
-            <a:endParaRPr lang="en-US"/>
+            <a:endParaRPr lang="en-US" dirty="0"/>
           </a:p>
         </p:txBody>
       </p:sp>
@@ -32345,7 +28528,7 @@
         <p:spPr>
           <a:xfrm>
             <a:off x="458788" y="1021215"/>
-            <a:ext cx="8119156" cy="5147356"/>
+            <a:ext cx="8539438" cy="5147356"/>
           </a:xfrm>
           <a:prstGeom prst="rect">
             <a:avLst/>
@@ -32571,7 +28754,7 @@
           <a:p>
             <a:pPr lvl="0"/>
             <a:r>
-              <a:rPr lang="en-US" b="0" kern="0">
+              <a:rPr lang="en-US" b="0" kern="0" dirty="0">
                 <a:solidFill>
                   <a:srgbClr val="000000"/>
                 </a:solidFill>
@@ -32582,7 +28765,7 @@
           <a:p>
             <a:pPr lvl="1"/>
             <a:r>
-              <a:rPr lang="en-US" b="0" kern="0">
+              <a:rPr lang="en-US" b="0" kern="0" dirty="0">
                 <a:solidFill>
                   <a:srgbClr val="000000"/>
                 </a:solidFill>
@@ -32593,29 +28776,45 @@
           <a:p>
             <a:pPr lvl="2"/>
             <a:r>
-              <a:rPr lang="en-US" b="0" kern="0">
+              <a:rPr lang="en-US" b="0" kern="0" dirty="0">
                 <a:solidFill>
                   <a:srgbClr val="000000"/>
                 </a:solidFill>
               </a:rPr>
-              <a:t>The body can be any serializable object or a stream</a:t>
+              <a:t>The body can be string or any serializable object or a stream</a:t>
             </a:r>
           </a:p>
           <a:p>
             <a:pPr lvl="2"/>
             <a:r>
-              <a:rPr lang="en-US" b="0" kern="0">
+              <a:rPr lang="en-US" b="0" kern="0" dirty="0">
                 <a:solidFill>
                   <a:srgbClr val="000000"/>
                 </a:solidFill>
               </a:rPr>
-              <a:t>The DataContractSerializer is used to serialize the complex object</a:t>
+              <a:t>The </a:t>
+            </a:r>
+            <a:r>
+              <a:rPr lang="en-US" b="0" kern="0" dirty="0" err="1">
+                <a:solidFill>
+                  <a:srgbClr val="000000"/>
+                </a:solidFill>
+              </a:rPr>
+              <a:t>DataContractSerializer</a:t>
+            </a:r>
+            <a:r>
+              <a:rPr lang="en-US" b="0" kern="0" dirty="0">
+                <a:solidFill>
+                  <a:srgbClr val="000000"/>
+                </a:solidFill>
+              </a:rPr>
+              <a:t> is used to serialize the complex object</a:t>
             </a:r>
           </a:p>
           <a:p>
             <a:pPr lvl="1"/>
             <a:r>
-              <a:rPr lang="en-US" b="0" kern="0">
+              <a:rPr lang="en-US" b="0" kern="0" dirty="0">
                 <a:solidFill>
                   <a:srgbClr val="000000"/>
                 </a:solidFill>
@@ -32626,7 +28825,7 @@
           <a:p>
             <a:pPr lvl="2"/>
             <a:r>
-              <a:rPr lang="en-US" b="0" kern="0">
+              <a:rPr lang="en-US" b="0" kern="0" dirty="0">
                 <a:solidFill>
                   <a:srgbClr val="000000"/>
                 </a:solidFill>
@@ -32637,18 +28836,26 @@
           <a:p>
             <a:pPr lvl="1"/>
             <a:r>
-              <a:rPr lang="en-US" b="0" kern="0">
+              <a:rPr lang="en-US" b="0" kern="0" dirty="0" err="1">
                 <a:solidFill>
                   <a:srgbClr val="000000"/>
                 </a:solidFill>
               </a:rPr>
               <a:t>TimeToLive</a:t>
             </a:r>
+            <a:r>
+              <a:rPr lang="en-US" b="0" kern="0" dirty="0">
+                <a:solidFill>
+                  <a:srgbClr val="000000"/>
+                </a:solidFill>
+              </a:rPr>
+              <a:t> (Timeout) </a:t>
+            </a:r>
           </a:p>
           <a:p>
             <a:pPr lvl="1"/>
             <a:r>
-              <a:rPr lang="en-US" b="0" kern="0">
+              <a:rPr lang="en-US" b="0" kern="0" dirty="0">
                 <a:solidFill>
                   <a:srgbClr val="000000"/>
                 </a:solidFill>
@@ -32659,18 +28866,13 @@
           <a:p>
             <a:pPr lvl="2"/>
             <a:r>
-              <a:rPr lang="en-US" b="0" kern="0">
+              <a:rPr lang="en-US" b="0" kern="0" dirty="0">
                 <a:solidFill>
                   <a:srgbClr val="000000"/>
                 </a:solidFill>
               </a:rPr>
               <a:t>Dictionary of properties that can be used by your specific consumers.</a:t>
             </a:r>
-            <a:endParaRPr lang="en-US" b="0" kern="0" dirty="0">
-              <a:solidFill>
-                <a:srgbClr val="000000"/>
-              </a:solidFill>
-            </a:endParaRPr>
           </a:p>
         </p:txBody>
       </p:sp>
@@ -32720,10 +28922,10 @@
           <a:lstStyle/>
           <a:p>
             <a:r>
-              <a:rPr lang="fr-FR"/>
-              <a:t>Service Bus Queues vs. Storage Queues</a:t>
-            </a:r>
-            <a:endParaRPr lang="en-US"/>
+              <a:rPr lang="fr-FR" dirty="0"/>
+              <a:t> Storage Queues       vs.     Service Bus Queues </a:t>
+            </a:r>
+            <a:endParaRPr lang="en-US" dirty="0"/>
           </a:p>
         </p:txBody>
       </p:sp>
@@ -33218,7 +29420,7 @@
           <a:p>
             <a:pPr lvl="0"/>
             <a:r>
-              <a:rPr lang="en-US" sz="2400" b="0" kern="0">
+              <a:rPr lang="en-US" sz="2400" b="0" kern="0" dirty="0">
                 <a:solidFill>
                   <a:srgbClr val="000000"/>
                 </a:solidFill>
@@ -33229,7 +29431,7 @@
           <a:p>
             <a:pPr lvl="0"/>
             <a:r>
-              <a:rPr lang="en-US" sz="2400" b="0" kern="0">
+              <a:rPr lang="en-US" sz="2400" b="0" kern="0" dirty="0">
                 <a:solidFill>
                   <a:srgbClr val="000000"/>
                 </a:solidFill>
@@ -33240,7 +29442,7 @@
           <a:p>
             <a:pPr lvl="0"/>
             <a:r>
-              <a:rPr lang="en-US" sz="2400" b="0" kern="0">
+              <a:rPr lang="en-US" sz="2400" b="0" kern="0" dirty="0">
                 <a:solidFill>
                   <a:srgbClr val="000000"/>
                 </a:solidFill>
@@ -33251,7 +29453,7 @@
           <a:p>
             <a:pPr lvl="0"/>
             <a:r>
-              <a:rPr lang="en-US" sz="2400" b="0" kern="0">
+              <a:rPr lang="en-US" sz="2400" b="0" kern="0" dirty="0">
                 <a:solidFill>
                   <a:srgbClr val="000000"/>
                 </a:solidFill>
@@ -33262,18 +29464,13 @@
           <a:p>
             <a:pPr lvl="0"/>
             <a:r>
-              <a:rPr lang="en-US" sz="2400" b="0" kern="0">
+              <a:rPr lang="en-US" sz="2400" b="0" kern="0" dirty="0">
                 <a:solidFill>
                   <a:srgbClr val="000000"/>
                 </a:solidFill>
               </a:rPr>
               <a:t>Can integrate with WF through a custom activity</a:t>
             </a:r>
-            <a:endParaRPr lang="en-US" sz="2400" b="0" kern="0" dirty="0">
-              <a:solidFill>
-                <a:srgbClr val="000000"/>
-              </a:solidFill>
-            </a:endParaRPr>
           </a:p>
         </p:txBody>
       </p:sp>
@@ -33768,7 +29965,7 @@
           <a:p>
             <a:pPr lvl="0"/>
             <a:r>
-              <a:rPr lang="en-US" sz="2400" b="0" kern="0">
+              <a:rPr lang="en-US" sz="2400" b="0" kern="0" dirty="0">
                 <a:solidFill>
                   <a:srgbClr val="000000"/>
                 </a:solidFill>
@@ -33779,7 +29976,7 @@
           <a:p>
             <a:pPr lvl="0"/>
             <a:r>
-              <a:rPr lang="en-US" sz="2400" b="0" kern="0">
+              <a:rPr lang="en-US" sz="2400" b="0" kern="0" dirty="0">
                 <a:solidFill>
                   <a:srgbClr val="000000"/>
                 </a:solidFill>
@@ -33790,7 +29987,7 @@
           <a:p>
             <a:pPr lvl="0"/>
             <a:r>
-              <a:rPr lang="en-US" sz="2400" b="0" kern="0">
+              <a:rPr lang="en-US" sz="2400" b="0" kern="0" dirty="0">
                 <a:solidFill>
                   <a:srgbClr val="000000"/>
                 </a:solidFill>
@@ -33801,7 +29998,7 @@
           <a:p>
             <a:pPr lvl="0"/>
             <a:r>
-              <a:rPr lang="en-US" sz="2400" b="0" kern="0">
+              <a:rPr lang="en-US" sz="2400" b="0" kern="0" dirty="0">
                 <a:solidFill>
                   <a:srgbClr val="000000"/>
                 </a:solidFill>
@@ -33812,18 +30009,13 @@
           <a:p>
             <a:pPr lvl="0"/>
             <a:r>
-              <a:rPr lang="en-US" sz="2400" b="0" kern="0">
+              <a:rPr lang="en-US" sz="2400" b="0" kern="0" dirty="0">
                 <a:solidFill>
                   <a:srgbClr val="000000"/>
                 </a:solidFill>
               </a:rPr>
               <a:t>Native integration with WCF and WF</a:t>
             </a:r>
-            <a:endParaRPr lang="en-US" sz="2400" b="0" kern="0" dirty="0">
-              <a:solidFill>
-                <a:srgbClr val="000000"/>
-              </a:solidFill>
-            </a:endParaRPr>
           </a:p>
         </p:txBody>
       </p:sp>
@@ -34310,13 +30502,92 @@
           <a:bodyPr/>
           <a:lstStyle/>
           <a:p>
-            <a:r>
-              <a:rPr lang="en-US"/>
-              <a:t>Azure Storage Queues
-Azure Service Bus
-Azure Service Bus Queues
-Azure Service Bus Relay
-Azure Service Bus Notification Hubs</a:t>
+            <a:pPr marL="0" indent="0">
+              <a:buNone/>
+            </a:pPr>
+            <a:r>
+              <a:rPr lang="en-US" dirty="0"/>
+              <a:t>Azure Storage Queues ( </a:t>
+            </a:r>
+            <a:r>
+              <a:rPr lang="en-US" dirty="0">
+                <a:solidFill>
+                  <a:srgbClr val="FF0000"/>
+                </a:solidFill>
+              </a:rPr>
+              <a:t>unmanaged</a:t>
+            </a:r>
+            <a:r>
+              <a:rPr lang="en-US" dirty="0"/>
+              <a:t> )</a:t>
+            </a:r>
+          </a:p>
+          <a:p>
+            <a:pPr marL="0" indent="0">
+              <a:buNone/>
+            </a:pPr>
+            <a:endParaRPr lang="en-US" dirty="0"/>
+          </a:p>
+          <a:p>
+            <a:pPr marL="0" indent="0">
+              <a:buNone/>
+            </a:pPr>
+            <a:r>
+              <a:rPr lang="en-US" dirty="0"/>
+              <a:t>Azure Service Bus ( </a:t>
+            </a:r>
+            <a:r>
+              <a:rPr lang="en-US" dirty="0">
+                <a:solidFill>
+                  <a:srgbClr val="FF0000"/>
+                </a:solidFill>
+              </a:rPr>
+              <a:t>managed &amp; scaling </a:t>
+            </a:r>
+            <a:r>
+              <a:rPr lang="en-US" dirty="0"/>
+              <a:t>)
+	Service Bus Queues </a:t>
+            </a:r>
+            <a:r>
+              <a:rPr lang="en-US" dirty="0">
+                <a:solidFill>
+                  <a:schemeClr val="accent5">
+                    <a:lumMod val="50000"/>
+                  </a:schemeClr>
+                </a:solidFill>
+              </a:rPr>
+              <a:t>(FIFO)</a:t>
+            </a:r>
+            <a:r>
+              <a:rPr lang="en-US" dirty="0"/>
+              <a:t>
+	Service Bus Relay     </a:t>
+            </a:r>
+            <a:r>
+              <a:rPr lang="en-US" dirty="0">
+                <a:solidFill>
+                  <a:schemeClr val="accent5">
+                    <a:lumMod val="50000"/>
+                  </a:schemeClr>
+                </a:solidFill>
+              </a:rPr>
+              <a:t>(Bi-directional) </a:t>
+            </a:r>
+            <a:r>
+              <a:rPr lang="en-US" dirty="0"/>
+              <a:t>
+	Service Bus Notification Hubs </a:t>
+            </a:r>
+            <a:r>
+              <a:rPr lang="en-US" dirty="0">
+                <a:solidFill>
+                  <a:schemeClr val="accent5">
+                    <a:lumMod val="50000"/>
+                  </a:schemeClr>
+                </a:solidFill>
+              </a:rPr>
+              <a:t>(Broadcast)</a:t>
             </a:r>
           </a:p>
         </p:txBody>
@@ -34397,6 +30668,46 @@
           </a:graphicData>
         </a:graphic>
       </p:graphicFrame>
+      <p:sp>
+        <p:nvSpPr>
+          <p:cNvPr id="3" name="TextBox 2">
+            <a:extLst>
+              <a:ext uri="{FF2B5EF4-FFF2-40B4-BE49-F238E27FC236}">
+                <a16:creationId xmlns:a16="http://schemas.microsoft.com/office/drawing/2014/main" id="{F6EB179E-86A0-4F1B-84BC-5D5CE84D59FE}"/>
+              </a:ext>
+            </a:extLst>
+          </p:cNvPr>
+          <p:cNvSpPr txBox="1"/>
+          <p:nvPr/>
+        </p:nvSpPr>
+        <p:spPr>
+          <a:xfrm>
+            <a:off x="3326296" y="6069496"/>
+            <a:ext cx="2690191" cy="369332"/>
+          </a:xfrm>
+          <a:prstGeom prst="rect">
+            <a:avLst/>
+          </a:prstGeom>
+          <a:noFill/>
+        </p:spPr>
+        <p:txBody>
+          <a:bodyPr wrap="square" rtlCol="0">
+            <a:spAutoFit/>
+          </a:bodyPr>
+          <a:lstStyle/>
+          <a:p>
+            <a:r>
+              <a:rPr lang="da-DK" dirty="0"/>
+              <a:t>   Bi-</a:t>
+            </a:r>
+            <a:r>
+              <a:rPr lang="da-DK" dirty="0" err="1"/>
+              <a:t>directional</a:t>
+            </a:r>
+            <a:endParaRPr lang="da-DK" dirty="0"/>
+          </a:p>
+        </p:txBody>
+      </p:sp>
     </p:spTree>
     <p:extLst>
       <p:ext uri="{BB962C8B-B14F-4D97-AF65-F5344CB8AC3E}">
@@ -35175,7 +31486,7 @@
           <a:p>
             <a:pPr lvl="0"/>
             <a:r>
-              <a:rPr lang="en-US" b="0" kern="0">
+              <a:rPr lang="en-US" b="0" kern="0" dirty="0">
                 <a:solidFill>
                   <a:srgbClr val="000000"/>
                 </a:solidFill>
@@ -35186,7 +31497,7 @@
           <a:p>
             <a:pPr lvl="1"/>
             <a:r>
-              <a:rPr lang="en-US" b="0" kern="0">
+              <a:rPr lang="en-US" b="0" kern="0" dirty="0">
                 <a:solidFill>
                   <a:srgbClr val="000000"/>
                 </a:solidFill>
@@ -35197,7 +31508,7 @@
           <a:p>
             <a:pPr lvl="1"/>
             <a:r>
-              <a:rPr lang="en-US" b="0" kern="0">
+              <a:rPr lang="en-US" b="0" kern="0" dirty="0">
                 <a:solidFill>
                   <a:srgbClr val="000000"/>
                 </a:solidFill>
@@ -35208,7 +31519,7 @@
           <a:p>
             <a:pPr lvl="1"/>
             <a:r>
-              <a:rPr lang="en-US" b="0" kern="0">
+              <a:rPr lang="en-US" b="0" kern="0" dirty="0">
                 <a:solidFill>
                   <a:srgbClr val="000000"/>
                 </a:solidFill>
@@ -35219,7 +31530,7 @@
           <a:p>
             <a:pPr lvl="2"/>
             <a:r>
-              <a:rPr lang="en-US" b="0" kern="0">
+              <a:rPr lang="en-US" b="0" kern="0" dirty="0">
                 <a:solidFill>
                   <a:srgbClr val="000000"/>
                 </a:solidFill>
@@ -35230,7 +31541,7 @@
           <a:p>
             <a:pPr lvl="0"/>
             <a:r>
-              <a:rPr lang="en-US" b="0" kern="0">
+              <a:rPr lang="en-US" b="0" kern="0" dirty="0">
                 <a:solidFill>
                   <a:srgbClr val="000000"/>
                 </a:solidFill>
@@ -35239,7 +31550,23 @@
             </a:r>
           </a:p>
           <a:p>
-            <a:pPr lvl="0"/>
+            <a:pPr lvl="1"/>
+            <a:r>
+              <a:rPr lang="en-US" b="0" dirty="0">
+                <a:solidFill>
+                  <a:srgbClr val="FF0000"/>
+                </a:solidFill>
+                <a:latin typeface="Arial" panose="020B0604020202020204" pitchFamily="34" charset="0"/>
+                <a:ea typeface="Times New Roman" panose="02020603050405020304" pitchFamily="18" charset="0"/>
+                <a:cs typeface="Times New Roman" panose="02020603050405020304" pitchFamily="18" charset="0"/>
+              </a:rPr>
+              <a:t>Application updates</a:t>
+            </a:r>
+          </a:p>
+          <a:p>
+            <a:pPr marL="0" lvl="0" indent="0">
+              <a:buNone/>
+            </a:pPr>
             <a:endParaRPr lang="en-US" b="0" kern="0" dirty="0">
               <a:solidFill>
                 <a:srgbClr val="000000"/>
@@ -35537,7 +31864,7 @@
           <a:p>
             <a:pPr lvl="0"/>
             <a:r>
-              <a:rPr lang="en-US" b="0" kern="0">
+              <a:rPr lang="en-US" b="0" kern="0" dirty="0">
                 <a:solidFill>
                   <a:srgbClr val="000000"/>
                 </a:solidFill>
@@ -35548,7 +31875,7 @@
           <a:p>
             <a:pPr lvl="1"/>
             <a:r>
-              <a:rPr lang="en-US" b="0" kern="0">
+              <a:rPr lang="en-US" b="0" kern="0" dirty="0">
                 <a:solidFill>
                   <a:srgbClr val="000000"/>
                 </a:solidFill>
@@ -35559,25 +31886,33 @@
           <a:p>
             <a:pPr lvl="2"/>
             <a:r>
-              <a:rPr lang="en-US" sz="1800" b="0" kern="0">
+              <a:rPr lang="en-US" sz="1800" b="0" kern="0" dirty="0" err="1">
                 <a:solidFill>
                   <a:srgbClr val="000000"/>
                 </a:solidFill>
               </a:rPr>
-              <a:t>GcmService object</a:t>
+              <a:t>GcmService</a:t>
+            </a:r>
+            <a:r>
+              <a:rPr lang="en-US" sz="1800" b="0" kern="0" dirty="0">
+                <a:solidFill>
+                  <a:srgbClr val="000000"/>
+                </a:solidFill>
+              </a:rPr>
+              <a:t> object</a:t>
             </a:r>
           </a:p>
           <a:p>
             <a:pPr lvl="1"/>
             <a:r>
-              <a:rPr lang="en-US" b="0" kern="0">
+              <a:rPr lang="en-US" b="0" kern="0" dirty="0">
                 <a:solidFill>
                   <a:srgbClr val="000000"/>
                 </a:solidFill>
               </a:rPr>
               <a:t>iOS</a:t>
             </a:r>
-            <a:endParaRPr lang="en-US" sz="2800" b="0" kern="0">
+            <a:endParaRPr lang="en-US" sz="2800" b="0" kern="0" dirty="0">
               <a:solidFill>
                 <a:srgbClr val="000000"/>
               </a:solidFill>
@@ -35586,25 +31921,33 @@
           <a:p>
             <a:pPr lvl="2"/>
             <a:r>
-              <a:rPr lang="en-US" sz="1800" b="0" kern="0">
+              <a:rPr lang="en-US" sz="1800" b="0" kern="0" dirty="0" err="1">
                 <a:solidFill>
                   <a:srgbClr val="000000"/>
                 </a:solidFill>
               </a:rPr>
-              <a:t>ApnsService object</a:t>
+              <a:t>ApnsService</a:t>
+            </a:r>
+            <a:r>
+              <a:rPr lang="en-US" sz="1800" b="0" kern="0" dirty="0">
+                <a:solidFill>
+                  <a:srgbClr val="000000"/>
+                </a:solidFill>
+              </a:rPr>
+              <a:t> object</a:t>
             </a:r>
           </a:p>
           <a:p>
             <a:pPr lvl="1"/>
             <a:r>
-              <a:rPr lang="en-US" b="0" kern="0">
+              <a:rPr lang="en-US" b="0" kern="0" dirty="0">
                 <a:solidFill>
                   <a:srgbClr val="000000"/>
                 </a:solidFill>
               </a:rPr>
               <a:t>Windows Phone</a:t>
             </a:r>
-            <a:endParaRPr lang="en-US" sz="2800" b="0" kern="0">
+            <a:endParaRPr lang="en-US" sz="2800" b="0" kern="0" dirty="0">
               <a:solidFill>
                 <a:srgbClr val="000000"/>
               </a:solidFill>
@@ -35613,18 +31956,26 @@
           <a:p>
             <a:pPr lvl="2"/>
             <a:r>
-              <a:rPr lang="en-US" sz="1800" b="0" kern="0">
+              <a:rPr lang="en-US" sz="1800" b="0" kern="0" dirty="0" err="1">
                 <a:solidFill>
                   <a:srgbClr val="000000"/>
                 </a:solidFill>
               </a:rPr>
-              <a:t>MpnsService object</a:t>
+              <a:t>MpnsService</a:t>
+            </a:r>
+            <a:r>
+              <a:rPr lang="en-US" sz="1800" b="0" kern="0" dirty="0">
+                <a:solidFill>
+                  <a:srgbClr val="000000"/>
+                </a:solidFill>
+              </a:rPr>
+              <a:t> object</a:t>
             </a:r>
           </a:p>
           <a:p>
             <a:pPr lvl="1"/>
             <a:r>
-              <a:rPr lang="en-US" b="0" kern="0">
+              <a:rPr lang="en-US" b="0" kern="0" dirty="0">
                 <a:solidFill>
                   <a:srgbClr val="000000"/>
                 </a:solidFill>
@@ -35635,29 +31986,37 @@
           <a:p>
             <a:pPr lvl="2"/>
             <a:r>
-              <a:rPr lang="en-US" sz="1800" b="0" kern="0">
+              <a:rPr lang="en-US" sz="1800" b="0" kern="0" dirty="0" err="1">
                 <a:solidFill>
                   <a:srgbClr val="000000"/>
                 </a:solidFill>
               </a:rPr>
-              <a:t>WnsService object</a:t>
+              <a:t>WnsService</a:t>
+            </a:r>
+            <a:r>
+              <a:rPr lang="en-US" sz="1800" b="0" kern="0" dirty="0">
+                <a:solidFill>
+                  <a:srgbClr val="000000"/>
+                </a:solidFill>
+              </a:rPr>
+              <a:t> object</a:t>
             </a:r>
           </a:p>
           <a:p>
             <a:pPr lvl="0"/>
             <a:r>
-              <a:rPr lang="en-US" sz="2600" b="0" kern="0">
+              <a:rPr lang="en-US" sz="2600" b="0" kern="0" dirty="0">
                 <a:solidFill>
                   <a:srgbClr val="000000"/>
                 </a:solidFill>
               </a:rPr>
-              <a:t>Android/iOS require a JSON payload</a:t>
+              <a:t>Android/iOS require a JSON payload </a:t>
             </a:r>
           </a:p>
           <a:p>
             <a:pPr lvl="0"/>
             <a:r>
-              <a:rPr lang="en-US" sz="2600" b="0" kern="0">
+              <a:rPr lang="en-US" sz="2600" b="0" kern="0" dirty="0">
                 <a:solidFill>
                   <a:srgbClr val="000000"/>
                 </a:solidFill>
@@ -35964,9 +32323,9 @@
           <a:p>
             <a:pPr lvl="0"/>
             <a:r>
-              <a:rPr lang="en-US" b="0" kern="0">
-                <a:solidFill>
-                  <a:srgbClr val="000000"/>
+              <a:rPr lang="en-US" b="0" kern="0" dirty="0">
+                <a:solidFill>
+                  <a:srgbClr val="FF0000"/>
                 </a:solidFill>
               </a:rPr>
               <a:t>Managed Infrastructure</a:t>
@@ -35975,7 +32334,7 @@
           <a:p>
             <a:pPr lvl="1"/>
             <a:r>
-              <a:rPr lang="en-US" b="0" kern="0">
+              <a:rPr lang="en-US" b="0" kern="0" dirty="0">
                 <a:solidFill>
                   <a:srgbClr val="000000"/>
                 </a:solidFill>
@@ -35986,7 +32345,7 @@
           <a:p>
             <a:pPr lvl="1"/>
             <a:r>
-              <a:rPr lang="en-US" b="0" kern="0">
+              <a:rPr lang="en-US" b="0" kern="0" dirty="0">
                 <a:solidFill>
                   <a:srgbClr val="000000"/>
                 </a:solidFill>
@@ -35997,7 +32356,7 @@
           <a:p>
             <a:pPr lvl="0"/>
             <a:r>
-              <a:rPr lang="en-US" b="0" kern="0">
+              <a:rPr lang="en-US" b="0" kern="0" dirty="0">
                 <a:solidFill>
                   <a:srgbClr val="000000"/>
                 </a:solidFill>
@@ -36008,7 +32367,7 @@
           <a:p>
             <a:pPr lvl="0"/>
             <a:r>
-              <a:rPr lang="en-US" b="0" kern="0">
+              <a:rPr lang="en-US" b="0" kern="0" dirty="0">
                 <a:solidFill>
                   <a:srgbClr val="000000"/>
                 </a:solidFill>
@@ -36019,7 +32378,7 @@
           <a:p>
             <a:pPr lvl="0"/>
             <a:r>
-              <a:rPr lang="en-US" b="0" kern="0">
+              <a:rPr lang="en-US" b="0" kern="0" dirty="0">
                 <a:solidFill>
                   <a:srgbClr val="000000"/>
                 </a:solidFill>
@@ -36363,47 +32722,6 @@
       </p:cxnSp>
       <p:cxnSp>
         <p:nvCxnSpPr>
-          <p:cNvPr id="12" name="Straight Arrow Connector 11"/>
-          <p:cNvCxnSpPr/>
-          <p:nvPr/>
-        </p:nvCxnSpPr>
-        <p:spPr bwMode="auto">
-          <a:xfrm flipH="1">
-            <a:off x="5525311" y="3643008"/>
-            <a:ext cx="2391965" cy="798871"/>
-          </a:xfrm>
-          <a:prstGeom prst="straightConnector1">
-            <a:avLst/>
-          </a:prstGeom>
-          <a:gradFill rotWithShape="1">
-            <a:gsLst>
-              <a:gs pos="0">
-                <a:srgbClr val="E4CD9A"/>
-              </a:gs>
-              <a:gs pos="100000">
-                <a:srgbClr val="EEEFD7"/>
-              </a:gs>
-            </a:gsLst>
-            <a:lin ang="2700000" scaled="1"/>
-          </a:gradFill>
-          <a:ln w="9525" cap="flat" cmpd="sng" algn="ctr">
-            <a:solidFill>
-              <a:srgbClr val="92D050"/>
-            </a:solidFill>
-            <a:prstDash val="solid"/>
-            <a:round/>
-            <a:headEnd type="none" w="med" len="med"/>
-            <a:tailEnd type="arrow" w="med" len="med"/>
-          </a:ln>
-          <a:effectLst>
-            <a:outerShdw dist="35921" dir="2700000" algn="ctr" rotWithShape="0">
-              <a:srgbClr val="AFAFAF"/>
-            </a:outerShdw>
-          </a:effectLst>
-        </p:spPr>
-      </p:cxnSp>
-      <p:cxnSp>
-        <p:nvCxnSpPr>
           <p:cNvPr id="13" name="Straight Arrow Connector 12"/>
           <p:cNvCxnSpPr/>
           <p:nvPr/>
@@ -36631,7 +32949,7 @@
           <a:p>
             <a:pPr lvl="0"/>
             <a:r>
-              <a:rPr lang="en-US" b="0">
+              <a:rPr lang="en-US" b="0" dirty="0">
                 <a:solidFill>
                   <a:srgbClr val="000000"/>
                 </a:solidFill>
@@ -36639,53 +32957,6 @@
               </a:rPr>
               <a:t>Register Client</a:t>
             </a:r>
-            <a:endParaRPr lang="en-US" b="0" dirty="0">
-              <a:solidFill>
-                <a:srgbClr val="000000"/>
-              </a:solidFill>
-              <a:latin typeface="Segoe Light" panose="020B0302040504020203" pitchFamily="34" charset="0"/>
-            </a:endParaRPr>
-          </a:p>
-        </p:txBody>
-      </p:sp>
-      <p:sp>
-        <p:nvSpPr>
-          <p:cNvPr id="19" name="TextBox 18"/>
-          <p:cNvSpPr txBox="1"/>
-          <p:nvPr/>
-        </p:nvSpPr>
-        <p:spPr>
-          <a:xfrm rot="20488370" flipH="1">
-            <a:off x="5654532" y="3599557"/>
-            <a:ext cx="2032044" cy="369332"/>
-          </a:xfrm>
-          <a:prstGeom prst="rect">
-            <a:avLst/>
-          </a:prstGeom>
-          <a:noFill/>
-        </p:spPr>
-        <p:txBody>
-          <a:bodyPr wrap="square" rtlCol="0">
-            <a:spAutoFit/>
-          </a:bodyPr>
-          <a:lstStyle/>
-          <a:p>
-            <a:pPr lvl="0"/>
-            <a:r>
-              <a:rPr lang="en-US" b="0">
-                <a:solidFill>
-                  <a:srgbClr val="000000"/>
-                </a:solidFill>
-                <a:latin typeface="Segoe Light" panose="020B0302040504020203" pitchFamily="34" charset="0"/>
-              </a:rPr>
-              <a:t>Register Client</a:t>
-            </a:r>
-            <a:endParaRPr lang="en-US" b="0" dirty="0">
-              <a:solidFill>
-                <a:srgbClr val="000000"/>
-              </a:solidFill>
-              <a:latin typeface="Segoe Light" panose="020B0302040504020203" pitchFamily="34" charset="0"/>
-            </a:endParaRPr>
           </a:p>
         </p:txBody>
       </p:sp>
@@ -37101,7 +33372,7 @@
           <a:p>
             <a:pPr lvl="0"/>
             <a:r>
-              <a:rPr lang="en-US" b="0" kern="0">
+              <a:rPr lang="en-US" b="0" kern="0" dirty="0">
                 <a:solidFill>
                   <a:srgbClr val="000000"/>
                 </a:solidFill>
@@ -37112,7 +33383,7 @@
           <a:p>
             <a:pPr lvl="0"/>
             <a:r>
-              <a:rPr lang="en-US" b="0" kern="0">
+              <a:rPr lang="en-US" b="0" kern="0" dirty="0">
                 <a:solidFill>
                   <a:srgbClr val="000000"/>
                 </a:solidFill>
@@ -37123,7 +33394,7 @@
           <a:p>
             <a:pPr lvl="1"/>
             <a:r>
-              <a:rPr lang="en-US" b="0" kern="0">
+              <a:rPr lang="en-US" b="0" kern="0" dirty="0">
                 <a:solidFill>
                   <a:srgbClr val="000000"/>
                 </a:solidFill>
@@ -37134,40 +33405,78 @@
           <a:p>
             <a:pPr lvl="2"/>
             <a:r>
-              <a:rPr lang="en-US" b="0" kern="0">
+              <a:rPr lang="en-US" b="0" kern="0" dirty="0" err="1">
                 <a:solidFill>
                   <a:srgbClr val="000000"/>
                 </a:solidFill>
               </a:rPr>
               <a:t>DefaultFullSharedAccessSignature</a:t>
-            </a:r>
-          </a:p>
-          <a:p>
-            <a:pPr lvl="2"/>
-            <a:r>
-              <a:rPr lang="en-US" b="0" kern="0">
-                <a:solidFill>
-                  <a:srgbClr val="000000"/>
-                </a:solidFill>
-              </a:rPr>
-              <a:t>DefaultListenSharedAccessSignature</a:t>
-            </a:r>
-          </a:p>
-          <a:p>
-            <a:pPr lvl="1"/>
-            <a:r>
-              <a:rPr lang="en-US" b="0" kern="0">
-                <a:solidFill>
-                  <a:srgbClr val="000000"/>
-                </a:solidFill>
-              </a:rPr>
-              <a:t>You can opt to use the DefaultListenSharedAccessSignature as a restricted listen-only connection string for your application</a:t>
             </a:r>
             <a:endParaRPr lang="en-US" b="0" kern="0" dirty="0">
               <a:solidFill>
                 <a:srgbClr val="000000"/>
               </a:solidFill>
             </a:endParaRPr>
+          </a:p>
+          <a:p>
+            <a:pPr lvl="2"/>
+            <a:r>
+              <a:rPr lang="en-US" b="0" kern="0" dirty="0" err="1">
+                <a:solidFill>
+                  <a:srgbClr val="000000"/>
+                </a:solidFill>
+              </a:rPr>
+              <a:t>DefaultListenSharedAccessSignature</a:t>
+            </a:r>
+            <a:r>
+              <a:rPr lang="en-US" b="0" kern="0" dirty="0">
+                <a:solidFill>
+                  <a:srgbClr val="000000"/>
+                </a:solidFill>
+              </a:rPr>
+              <a:t> </a:t>
+            </a:r>
+            <a:r>
+              <a:rPr lang="en-US" b="0" kern="0" dirty="0">
+                <a:solidFill>
+                  <a:srgbClr val="000000"/>
+                </a:solidFill>
+                <a:sym typeface="Wingdings" panose="05000000000000000000" pitchFamily="2" charset="2"/>
+              </a:rPr>
+              <a:t> listen-only</a:t>
+            </a:r>
+            <a:endParaRPr lang="en-US" b="0" kern="0" dirty="0">
+              <a:solidFill>
+                <a:srgbClr val="000000"/>
+              </a:solidFill>
+            </a:endParaRPr>
+          </a:p>
+          <a:p>
+            <a:pPr lvl="1"/>
+            <a:r>
+              <a:rPr lang="en-US" b="0" kern="0" dirty="0">
+                <a:solidFill>
+                  <a:srgbClr val="000000"/>
+                </a:solidFill>
+              </a:rPr>
+              <a:t>You can opt to use the </a:t>
+            </a:r>
+            <a:r>
+              <a:rPr lang="en-US" b="0" kern="0" dirty="0" err="1">
+                <a:solidFill>
+                  <a:srgbClr val="000000"/>
+                </a:solidFill>
+              </a:rPr>
+              <a:t>DefaultListenSharedAccessSignature</a:t>
+            </a:r>
+            <a:r>
+              <a:rPr lang="en-US" b="0" kern="0" dirty="0">
+                <a:solidFill>
+                  <a:srgbClr val="000000"/>
+                </a:solidFill>
+              </a:rPr>
+              <a:t> as a restricted listen-only connection string for your application</a:t>
+            </a:r>
           </a:p>
         </p:txBody>
       </p:sp>
@@ -37186,7 +33495,7 @@
 
 <file path=ppt/slides/slide29.xml><?xml version="1.0" encoding="utf-8"?>
 <p:sld xmlns:a="http://schemas.openxmlformats.org/drawingml/2006/main" xmlns:r="http://schemas.openxmlformats.org/officeDocument/2006/relationships" xmlns:p="http://schemas.openxmlformats.org/presentationml/2006/main">
-  <p:cSld name="677a6a75-e19a-4c06-a173-d76900259d6b">
+  <p:cSld name="9840f4e6-d0ee-480c-8f2e-a5e7bf193f73">
     <p:spTree>
       <p:nvGrpSpPr>
         <p:cNvPr id="1" name=""/>
@@ -37218,39 +33527,341 @@
           <a:p>
             <a:r>
               <a:rPr lang="en-US"/>
-              <a:t>Registrations using the SDK</a:t>
+              <a:t>Registering from the Service Application</a:t>
             </a:r>
           </a:p>
         </p:txBody>
       </p:sp>
-      <p:graphicFrame>
-        <p:nvGraphicFramePr>
-          <p:cNvPr id="4" name="Content Placeholder 1"/>
-          <p:cNvGraphicFramePr>
-            <a:graphicFrameLocks/>
-          </p:cNvGraphicFramePr>
-          <p:nvPr>
-            <p:extLst>
-              <p:ext uri="{D42A27DB-BD31-4B8C-83A1-F6EECF244321}">
-                <p14:modId xmlns:p14="http://schemas.microsoft.com/office/powerpoint/2010/main" val="1590521112"/>
-              </p:ext>
-            </p:extLst>
-          </p:nvPr>
-        </p:nvGraphicFramePr>
-        <p:xfrm>
-          <a:off x="458788" y="1020763"/>
-          <a:ext cx="8118475" cy="5148262"/>
-        </p:xfrm>
-        <a:graphic>
-          <a:graphicData uri="http://schemas.openxmlformats.org/drawingml/2006/diagram">
-            <dgm:relIds xmlns:dgm="http://schemas.openxmlformats.org/drawingml/2006/diagram" xmlns:r="http://schemas.openxmlformats.org/officeDocument/2006/relationships" r:dm="rId3" r:lo="rId4" r:qs="rId5" r:cs="rId6"/>
-          </a:graphicData>
-        </a:graphic>
-      </p:graphicFrame>
+      <p:sp>
+        <p:nvSpPr>
+          <p:cNvPr id="4" name="Content Placeholder 2"/>
+          <p:cNvSpPr txBox="1">
+            <a:spLocks/>
+          </p:cNvSpPr>
+          <p:nvPr/>
+        </p:nvSpPr>
+        <p:spPr>
+          <a:xfrm>
+            <a:off x="458788" y="1021215"/>
+            <a:ext cx="8119156" cy="5147356"/>
+          </a:xfrm>
+          <a:prstGeom prst="rect">
+            <a:avLst/>
+          </a:prstGeom>
+        </p:spPr>
+        <p:txBody>
+          <a:bodyPr/>
+          <a:lstStyle>
+            <a:lvl1pPr marL="174625" indent="-174625" algn="l" rtl="0" eaLnBrk="1" fontAlgn="base" hangingPunct="1">
+              <a:lnSpc>
+                <a:spcPct val="100000"/>
+              </a:lnSpc>
+              <a:spcBef>
+                <a:spcPts val="600"/>
+              </a:spcBef>
+              <a:spcAft>
+                <a:spcPct val="0"/>
+              </a:spcAft>
+              <a:buClr>
+                <a:srgbClr val="0070C0"/>
+              </a:buClr>
+              <a:buSzPct val="90000"/>
+              <a:buFont typeface="Arial" pitchFamily="34" charset="0"/>
+              <a:buChar char="•"/>
+              <a:defRPr sz="2800">
+                <a:solidFill>
+                  <a:schemeClr val="tx1"/>
+                </a:solidFill>
+                <a:latin typeface="Segoe UI" pitchFamily="34" charset="0"/>
+                <a:ea typeface="Segoe UI" pitchFamily="34" charset="0"/>
+                <a:cs typeface="Segoe UI" pitchFamily="34" charset="0"/>
+              </a:defRPr>
+            </a:lvl1pPr>
+            <a:lvl2pPr marL="458788" indent="-169863" algn="l" rtl="0" eaLnBrk="1" fontAlgn="base" hangingPunct="1">
+              <a:lnSpc>
+                <a:spcPct val="100000"/>
+              </a:lnSpc>
+              <a:spcBef>
+                <a:spcPts val="600"/>
+              </a:spcBef>
+              <a:spcAft>
+                <a:spcPct val="0"/>
+              </a:spcAft>
+              <a:buClr>
+                <a:srgbClr val="0070C0"/>
+              </a:buClr>
+              <a:buSzPct val="80000"/>
+              <a:buFont typeface="Arial" pitchFamily="34" charset="0"/>
+              <a:buChar char="•"/>
+              <a:defRPr sz="2400">
+                <a:solidFill>
+                  <a:schemeClr val="tx1"/>
+                </a:solidFill>
+                <a:latin typeface="Segoe UI" pitchFamily="34" charset="0"/>
+                <a:ea typeface="Segoe UI" pitchFamily="34" charset="0"/>
+                <a:cs typeface="Segoe UI" pitchFamily="34" charset="0"/>
+              </a:defRPr>
+            </a:lvl2pPr>
+            <a:lvl3pPr marL="854075" indent="-173038" algn="l" rtl="0" eaLnBrk="1" fontAlgn="base" hangingPunct="1">
+              <a:lnSpc>
+                <a:spcPct val="100000"/>
+              </a:lnSpc>
+              <a:spcBef>
+                <a:spcPts val="600"/>
+              </a:spcBef>
+              <a:spcAft>
+                <a:spcPct val="0"/>
+              </a:spcAft>
+              <a:buClr>
+                <a:srgbClr val="0070C0"/>
+              </a:buClr>
+              <a:buSzPct val="80000"/>
+              <a:buFont typeface="Arial" pitchFamily="34" charset="0"/>
+              <a:buChar char="•"/>
+              <a:defRPr sz="2000">
+                <a:solidFill>
+                  <a:schemeClr val="tx1"/>
+                </a:solidFill>
+                <a:latin typeface="Segoe UI" pitchFamily="34" charset="0"/>
+                <a:ea typeface="Segoe UI" pitchFamily="34" charset="0"/>
+                <a:cs typeface="Segoe UI" pitchFamily="34" charset="0"/>
+              </a:defRPr>
+            </a:lvl3pPr>
+            <a:lvl4pPr marL="1254125" indent="-165100" algn="l" rtl="0" eaLnBrk="1" fontAlgn="base" hangingPunct="1">
+              <a:lnSpc>
+                <a:spcPct val="100000"/>
+              </a:lnSpc>
+              <a:spcBef>
+                <a:spcPts val="600"/>
+              </a:spcBef>
+              <a:spcAft>
+                <a:spcPct val="0"/>
+              </a:spcAft>
+              <a:buClr>
+                <a:srgbClr val="0070C0"/>
+              </a:buClr>
+              <a:buSzPct val="90000"/>
+              <a:buFont typeface="Arial" pitchFamily="34" charset="0"/>
+              <a:buChar char="•"/>
+              <a:defRPr sz="1800">
+                <a:solidFill>
+                  <a:schemeClr val="tx1"/>
+                </a:solidFill>
+                <a:latin typeface="Segoe UI" pitchFamily="34" charset="0"/>
+                <a:ea typeface="Segoe UI" pitchFamily="34" charset="0"/>
+                <a:cs typeface="Segoe UI" pitchFamily="34" charset="0"/>
+              </a:defRPr>
+            </a:lvl4pPr>
+            <a:lvl5pPr marL="1544638" indent="-168275" algn="l" rtl="0" eaLnBrk="1" fontAlgn="base" hangingPunct="1">
+              <a:lnSpc>
+                <a:spcPct val="100000"/>
+              </a:lnSpc>
+              <a:spcBef>
+                <a:spcPts val="600"/>
+              </a:spcBef>
+              <a:spcAft>
+                <a:spcPct val="0"/>
+              </a:spcAft>
+              <a:buClr>
+                <a:srgbClr val="0070C0"/>
+              </a:buClr>
+              <a:buSzPct val="90000"/>
+              <a:buFont typeface="Arial" pitchFamily="34" charset="0"/>
+              <a:buChar char="•"/>
+              <a:defRPr sz="1800">
+                <a:solidFill>
+                  <a:schemeClr val="tx1"/>
+                </a:solidFill>
+                <a:latin typeface="Segoe UI" pitchFamily="34" charset="0"/>
+                <a:ea typeface="Segoe UI" pitchFamily="34" charset="0"/>
+                <a:cs typeface="Segoe UI" pitchFamily="34" charset="0"/>
+              </a:defRPr>
+            </a:lvl5pPr>
+            <a:lvl6pPr marL="2001838" indent="-168275" algn="l" rtl="0" eaLnBrk="1" fontAlgn="base" hangingPunct="1">
+              <a:lnSpc>
+                <a:spcPct val="90000"/>
+              </a:lnSpc>
+              <a:spcBef>
+                <a:spcPct val="70000"/>
+              </a:spcBef>
+              <a:spcAft>
+                <a:spcPct val="0"/>
+              </a:spcAft>
+              <a:buClr>
+                <a:srgbClr val="2D4A6D"/>
+              </a:buClr>
+              <a:buSzPct val="90000"/>
+              <a:buChar char="•"/>
+              <a:defRPr sz="1600">
+                <a:solidFill>
+                  <a:schemeClr val="tx1"/>
+                </a:solidFill>
+                <a:latin typeface="+mn-lt"/>
+              </a:defRPr>
+            </a:lvl6pPr>
+            <a:lvl7pPr marL="2459038" indent="-168275" algn="l" rtl="0" eaLnBrk="1" fontAlgn="base" hangingPunct="1">
+              <a:lnSpc>
+                <a:spcPct val="90000"/>
+              </a:lnSpc>
+              <a:spcBef>
+                <a:spcPct val="70000"/>
+              </a:spcBef>
+              <a:spcAft>
+                <a:spcPct val="0"/>
+              </a:spcAft>
+              <a:buClr>
+                <a:srgbClr val="2D4A6D"/>
+              </a:buClr>
+              <a:buSzPct val="90000"/>
+              <a:buChar char="•"/>
+              <a:defRPr sz="1600">
+                <a:solidFill>
+                  <a:schemeClr val="tx1"/>
+                </a:solidFill>
+                <a:latin typeface="+mn-lt"/>
+              </a:defRPr>
+            </a:lvl7pPr>
+            <a:lvl8pPr marL="2916238" indent="-168275" algn="l" rtl="0" eaLnBrk="1" fontAlgn="base" hangingPunct="1">
+              <a:lnSpc>
+                <a:spcPct val="90000"/>
+              </a:lnSpc>
+              <a:spcBef>
+                <a:spcPct val="70000"/>
+              </a:spcBef>
+              <a:spcAft>
+                <a:spcPct val="0"/>
+              </a:spcAft>
+              <a:buClr>
+                <a:srgbClr val="2D4A6D"/>
+              </a:buClr>
+              <a:buSzPct val="90000"/>
+              <a:buChar char="•"/>
+              <a:defRPr sz="1600">
+                <a:solidFill>
+                  <a:schemeClr val="tx1"/>
+                </a:solidFill>
+                <a:latin typeface="+mn-lt"/>
+              </a:defRPr>
+            </a:lvl8pPr>
+            <a:lvl9pPr marL="3373438" indent="-168275" algn="l" rtl="0" eaLnBrk="1" fontAlgn="base" hangingPunct="1">
+              <a:lnSpc>
+                <a:spcPct val="90000"/>
+              </a:lnSpc>
+              <a:spcBef>
+                <a:spcPct val="70000"/>
+              </a:spcBef>
+              <a:spcAft>
+                <a:spcPct val="0"/>
+              </a:spcAft>
+              <a:buClr>
+                <a:srgbClr val="2D4A6D"/>
+              </a:buClr>
+              <a:buSzPct val="90000"/>
+              <a:buChar char="•"/>
+              <a:defRPr sz="1600">
+                <a:solidFill>
+                  <a:schemeClr val="tx1"/>
+                </a:solidFill>
+                <a:latin typeface="+mn-lt"/>
+              </a:defRPr>
+            </a:lvl9pPr>
+          </a:lstStyle>
+          <a:p>
+            <a:pPr lvl="0"/>
+            <a:r>
+              <a:rPr lang="en-US" b="0" kern="0">
+                <a:solidFill>
+                  <a:srgbClr val="000000"/>
+                </a:solidFill>
+              </a:rPr>
+              <a:t>Registrations can occur from the application back-end instead of the client app</a:t>
+            </a:r>
+          </a:p>
+          <a:p>
+            <a:pPr lvl="1"/>
+            <a:r>
+              <a:rPr lang="en-US" b="0" kern="0">
+                <a:solidFill>
+                  <a:srgbClr val="000000"/>
+                </a:solidFill>
+              </a:rPr>
+              <a:t>Use </a:t>
+            </a:r>
+            <a:r>
+              <a:rPr lang="en-US" sz="2000" b="0" kern="0">
+                <a:solidFill>
+                  <a:srgbClr val="000000"/>
+                </a:solidFill>
+              </a:rPr>
+              <a:t>NotificationHubClient.CreateClientFromConnectionString</a:t>
+            </a:r>
+            <a:r>
+              <a:rPr lang="en-US" b="0" kern="0">
+                <a:solidFill>
+                  <a:srgbClr val="000000"/>
+                </a:solidFill>
+              </a:rPr>
+              <a:t> to get the hub client.</a:t>
+            </a:r>
+          </a:p>
+          <a:p>
+            <a:pPr lvl="1"/>
+            <a:r>
+              <a:rPr lang="en-US" b="0" kern="0">
+                <a:solidFill>
+                  <a:srgbClr val="000000"/>
+                </a:solidFill>
+              </a:rPr>
+              <a:t>Use the appropriate method on the hub client class</a:t>
+            </a:r>
+          </a:p>
+          <a:p>
+            <a:pPr lvl="2"/>
+            <a:r>
+              <a:rPr lang="en-US" b="0" kern="0">
+                <a:solidFill>
+                  <a:srgbClr val="000000"/>
+                </a:solidFill>
+              </a:rPr>
+              <a:t>CreateWindowsNativeRegistrationAsync</a:t>
+            </a:r>
+          </a:p>
+          <a:p>
+            <a:pPr lvl="2"/>
+            <a:r>
+              <a:rPr lang="en-US" b="0" kern="0">
+                <a:solidFill>
+                  <a:srgbClr val="000000"/>
+                </a:solidFill>
+              </a:rPr>
+              <a:t>CreateAppleNativeRegistrationAsync</a:t>
+            </a:r>
+          </a:p>
+          <a:p>
+            <a:pPr lvl="1"/>
+            <a:r>
+              <a:rPr lang="en-US" b="0" kern="0">
+                <a:solidFill>
+                  <a:srgbClr val="000000"/>
+                </a:solidFill>
+              </a:rPr>
+              <a:t>Use the channelUri, installationId and a unique user names</a:t>
+            </a:r>
+          </a:p>
+          <a:p>
+            <a:pPr lvl="0"/>
+            <a:endParaRPr lang="en-US" b="0" kern="0" dirty="0">
+              <a:solidFill>
+                <a:srgbClr val="000000"/>
+              </a:solidFill>
+            </a:endParaRPr>
+          </a:p>
+        </p:txBody>
+      </p:sp>
     </p:spTree>
     <p:extLst>
       <p:ext uri="{BB962C8B-B14F-4D97-AF65-F5344CB8AC3E}">
-        <p14:creationId xmlns:p14="http://schemas.microsoft.com/office/powerpoint/2010/main" val="2576251338"/>
+        <p14:creationId xmlns:p14="http://schemas.microsoft.com/office/powerpoint/2010/main" val="1198279644"/>
       </p:ext>
     </p:extLst>
   </p:cSld>
@@ -37339,7 +33950,7 @@
 
 <file path=ppt/slides/slide30.xml><?xml version="1.0" encoding="utf-8"?>
 <p:sld xmlns:a="http://schemas.openxmlformats.org/drawingml/2006/main" xmlns:r="http://schemas.openxmlformats.org/officeDocument/2006/relationships" xmlns:p="http://schemas.openxmlformats.org/presentationml/2006/main">
-  <p:cSld name="9840f4e6-d0ee-480c-8f2e-a5e7bf193f73">
+  <p:cSld name="444ee909-a89d-4769-85dc-0be1fee75a45">
     <p:spTree>
       <p:nvGrpSpPr>
         <p:cNvPr id="1" name=""/>
@@ -37371,7 +33982,7 @@
           <a:p>
             <a:r>
               <a:rPr lang="en-US"/>
-              <a:t>Registering from the Service Application</a:t>
+              <a:t>Transient Registrations</a:t>
             </a:r>
           </a:p>
         </p:txBody>
@@ -37618,7 +34229,18 @@
                   <a:srgbClr val="000000"/>
                 </a:solidFill>
               </a:rPr>
-              <a:t>Registrations can occur from the application back-end instead of the client app</a:t>
+              <a:t>Registrations have a time to live value that can be set to a maximum of 90 days</a:t>
+            </a:r>
+          </a:p>
+          <a:p>
+            <a:pPr lvl="0"/>
+            <a:r>
+              <a:rPr lang="en-US" b="0" kern="0">
+                <a:solidFill>
+                  <a:srgbClr val="000000"/>
+                </a:solidFill>
+              </a:rPr>
+              <a:t>Registrations should be periodically refreshed.</a:t>
             </a:r>
           </a:p>
           <a:p>
@@ -37629,67 +34251,18 @@
                   <a:srgbClr val="000000"/>
                 </a:solidFill>
               </a:rPr>
-              <a:t>Use </a:t>
-            </a:r>
-            <a:r>
-              <a:rPr lang="en-US" sz="2000" b="0" kern="0">
+              <a:t>It’s typical to see a registration refreshed when an application is launched</a:t>
+            </a:r>
+          </a:p>
+          <a:p>
+            <a:pPr lvl="0"/>
+            <a:r>
+              <a:rPr lang="en-US" b="0" kern="0">
                 <a:solidFill>
                   <a:srgbClr val="000000"/>
                 </a:solidFill>
               </a:rPr>
-              <a:t>NotificationHubClient.CreateClientFromConnectionString</a:t>
-            </a:r>
-            <a:r>
-              <a:rPr lang="en-US" b="0" kern="0">
-                <a:solidFill>
-                  <a:srgbClr val="000000"/>
-                </a:solidFill>
-              </a:rPr>
-              <a:t> to get the hub client.</a:t>
-            </a:r>
-          </a:p>
-          <a:p>
-            <a:pPr lvl="1"/>
-            <a:r>
-              <a:rPr lang="en-US" b="0" kern="0">
-                <a:solidFill>
-                  <a:srgbClr val="000000"/>
-                </a:solidFill>
-              </a:rPr>
-              <a:t>Use the appropriate method on the hub client class</a:t>
-            </a:r>
-          </a:p>
-          <a:p>
-            <a:pPr lvl="2"/>
-            <a:r>
-              <a:rPr lang="en-US" b="0" kern="0">
-                <a:solidFill>
-                  <a:srgbClr val="000000"/>
-                </a:solidFill>
-              </a:rPr>
-              <a:t>CreateWindowsNativeRegistrationAsync</a:t>
-            </a:r>
-          </a:p>
-          <a:p>
-            <a:pPr lvl="2"/>
-            <a:r>
-              <a:rPr lang="en-US" b="0" kern="0">
-                <a:solidFill>
-                  <a:srgbClr val="000000"/>
-                </a:solidFill>
-              </a:rPr>
-              <a:t>CreateAppleNativeRegistrationAsync</a:t>
-            </a:r>
-          </a:p>
-          <a:p>
-            <a:pPr lvl="1"/>
-            <a:r>
-              <a:rPr lang="en-US" b="0" kern="0">
-                <a:solidFill>
-                  <a:srgbClr val="000000"/>
-                </a:solidFill>
-              </a:rPr>
-              <a:t>Use the channelUri, installationId and a unique user names</a:t>
+              <a:t>Since registrations expire, it makes cleanup of registration on uninstall simple</a:t>
             </a:r>
           </a:p>
           <a:p>
@@ -37705,7 +34278,7 @@
     </p:spTree>
     <p:extLst>
       <p:ext uri="{BB962C8B-B14F-4D97-AF65-F5344CB8AC3E}">
-        <p14:creationId xmlns:p14="http://schemas.microsoft.com/office/powerpoint/2010/main" val="1198279644"/>
+        <p14:creationId xmlns:p14="http://schemas.microsoft.com/office/powerpoint/2010/main" val="2065888895"/>
       </p:ext>
     </p:extLst>
   </p:cSld>
@@ -37717,7 +34290,7 @@
 
 <file path=ppt/slides/slide31.xml><?xml version="1.0" encoding="utf-8"?>
 <p:sld xmlns:a="http://schemas.openxmlformats.org/drawingml/2006/main" xmlns:r="http://schemas.openxmlformats.org/officeDocument/2006/relationships" xmlns:p="http://schemas.openxmlformats.org/presentationml/2006/main">
-  <p:cSld name="444ee909-a89d-4769-85dc-0be1fee75a45">
+  <p:cSld name="9c1e5e00-b7b5-44df-935f-3d31891122e5">
     <p:spTree>
       <p:nvGrpSpPr>
         <p:cNvPr id="1" name=""/>
@@ -37749,7 +34322,7 @@
           <a:p>
             <a:r>
               <a:rPr lang="en-US"/>
-              <a:t>Transient Registrations</a:t>
+              <a:t>Message Templates and Tags</a:t>
             </a:r>
           </a:p>
         </p:txBody>
@@ -37991,45 +34564,67 @@
           <a:p>
             <a:pPr lvl="0"/>
             <a:r>
-              <a:rPr lang="en-US" b="0" kern="0">
+              <a:rPr lang="en-US" b="0" kern="0" dirty="0">
                 <a:solidFill>
                   <a:srgbClr val="000000"/>
                 </a:solidFill>
               </a:rPr>
-              <a:t>Registrations have a time to live value that can be set to a maximum of 90 days</a:t>
+              <a:t>Templates allow you to send a single message from a back-end and have it transformed into the correctly structured message for each platform</a:t>
             </a:r>
           </a:p>
           <a:p>
             <a:pPr lvl="0"/>
             <a:r>
-              <a:rPr lang="en-US" b="0" kern="0">
+              <a:rPr lang="en-US" b="0" kern="0" dirty="0">
                 <a:solidFill>
                   <a:srgbClr val="000000"/>
                 </a:solidFill>
               </a:rPr>
-              <a:t>Registrations should be periodically refreshed.</a:t>
+              <a:t>Templates use a binding format where you can specify where the message will appear in the XML or JSON content</a:t>
             </a:r>
           </a:p>
           <a:p>
             <a:pPr lvl="1"/>
             <a:r>
-              <a:rPr lang="en-US" b="0" kern="0">
+              <a:rPr lang="en-US" b="0" kern="0" dirty="0">
                 <a:solidFill>
                   <a:srgbClr val="000000"/>
                 </a:solidFill>
               </a:rPr>
-              <a:t>It’s typical to see a registration refreshed when an application is launched</a:t>
+              <a:t>Custom properties can be used in the template</a:t>
             </a:r>
           </a:p>
           <a:p>
             <a:pPr lvl="0"/>
             <a:r>
-              <a:rPr lang="en-US" b="0" kern="0">
+              <a:rPr lang="en-US" b="0" kern="0" dirty="0">
                 <a:solidFill>
                   <a:srgbClr val="000000"/>
                 </a:solidFill>
               </a:rPr>
-              <a:t>Since registrations expire, it makes cleanup of registration on uninstall simple</a:t>
+              <a:t>Clients can create multiple registrations to leverage different templates</a:t>
+            </a:r>
+          </a:p>
+          <a:p>
+            <a:pPr lvl="1"/>
+            <a:r>
+              <a:rPr lang="en-US" b="0" kern="0" dirty="0">
+                <a:solidFill>
+                  <a:srgbClr val="000000"/>
+                </a:solidFill>
+              </a:rPr>
+              <a:t>One template for emergency alerts</a:t>
+            </a:r>
+          </a:p>
+          <a:p>
+            <a:pPr lvl="1"/>
+            <a:r>
+              <a:rPr lang="en-US" b="0" kern="0" dirty="0">
+                <a:solidFill>
+                  <a:srgbClr val="000000"/>
+                </a:solidFill>
+              </a:rPr>
+              <a:t>Other template for normal drift notifications </a:t>
             </a:r>
           </a:p>
           <a:p>
@@ -38040,12 +34635,28 @@
               </a:solidFill>
             </a:endParaRPr>
           </a:p>
+          <a:p>
+            <a:pPr lvl="0"/>
+            <a:endParaRPr lang="en-US" b="0" kern="0" dirty="0">
+              <a:solidFill>
+                <a:srgbClr val="000000"/>
+              </a:solidFill>
+            </a:endParaRPr>
+          </a:p>
+          <a:p>
+            <a:pPr lvl="0"/>
+            <a:endParaRPr lang="en-US" b="0" kern="0" dirty="0">
+              <a:solidFill>
+                <a:srgbClr val="000000"/>
+              </a:solidFill>
+            </a:endParaRPr>
+          </a:p>
         </p:txBody>
       </p:sp>
     </p:spTree>
     <p:extLst>
       <p:ext uri="{BB962C8B-B14F-4D97-AF65-F5344CB8AC3E}">
-        <p14:creationId xmlns:p14="http://schemas.microsoft.com/office/powerpoint/2010/main" val="2065888895"/>
+        <p14:creationId xmlns:p14="http://schemas.microsoft.com/office/powerpoint/2010/main" val="1390700079"/>
       </p:ext>
     </p:extLst>
   </p:cSld>
@@ -38057,7 +34668,7 @@
 
 <file path=ppt/slides/slide32.xml><?xml version="1.0" encoding="utf-8"?>
 <p:sld xmlns:a="http://schemas.openxmlformats.org/drawingml/2006/main" xmlns:r="http://schemas.openxmlformats.org/officeDocument/2006/relationships" xmlns:p="http://schemas.openxmlformats.org/presentationml/2006/main">
-  <p:cSld name="9c1e5e00-b7b5-44df-935f-3d31891122e5">
+  <p:cSld name="f1584101-1862-4832-bdeb-3a0abd35da96">
     <p:spTree>
       <p:nvGrpSpPr>
         <p:cNvPr id="1" name=""/>
@@ -38089,7 +34700,7 @@
           <a:p>
             <a:r>
               <a:rPr lang="en-US"/>
-              <a:t>Message Templates and Tags</a:t>
+              <a:t>Message Templates and Tags (cont.)</a:t>
             </a:r>
           </a:p>
         </p:txBody>
@@ -38336,362 +34947,6 @@
                   <a:srgbClr val="000000"/>
                 </a:solidFill>
               </a:rPr>
-              <a:t>Templates allow you to send a single message from a back-end and have it transformed into the correctly structured message for each platform</a:t>
-            </a:r>
-          </a:p>
-          <a:p>
-            <a:pPr lvl="0"/>
-            <a:r>
-              <a:rPr lang="en-US" b="0" kern="0">
-                <a:solidFill>
-                  <a:srgbClr val="000000"/>
-                </a:solidFill>
-              </a:rPr>
-              <a:t>Templates use a binding format where you can specify where the message will appear in the XML or JSON content</a:t>
-            </a:r>
-          </a:p>
-          <a:p>
-            <a:pPr lvl="1"/>
-            <a:r>
-              <a:rPr lang="en-US" b="0" kern="0">
-                <a:solidFill>
-                  <a:srgbClr val="000000"/>
-                </a:solidFill>
-              </a:rPr>
-              <a:t>Custom properties can be used in the template</a:t>
-            </a:r>
-          </a:p>
-          <a:p>
-            <a:pPr lvl="0"/>
-            <a:r>
-              <a:rPr lang="en-US" b="0" kern="0">
-                <a:solidFill>
-                  <a:srgbClr val="000000"/>
-                </a:solidFill>
-              </a:rPr>
-              <a:t>Clients can create multiple registrations to leverage different templates</a:t>
-            </a:r>
-          </a:p>
-          <a:p>
-            <a:pPr lvl="0"/>
-            <a:endParaRPr lang="en-US" b="0" kern="0">
-              <a:solidFill>
-                <a:srgbClr val="000000"/>
-              </a:solidFill>
-            </a:endParaRPr>
-          </a:p>
-          <a:p>
-            <a:pPr lvl="0"/>
-            <a:endParaRPr lang="en-US" b="0" kern="0">
-              <a:solidFill>
-                <a:srgbClr val="000000"/>
-              </a:solidFill>
-            </a:endParaRPr>
-          </a:p>
-          <a:p>
-            <a:pPr lvl="0"/>
-            <a:endParaRPr lang="en-US" b="0" kern="0" dirty="0">
-              <a:solidFill>
-                <a:srgbClr val="000000"/>
-              </a:solidFill>
-            </a:endParaRPr>
-          </a:p>
-        </p:txBody>
-      </p:sp>
-    </p:spTree>
-    <p:extLst>
-      <p:ext uri="{BB962C8B-B14F-4D97-AF65-F5344CB8AC3E}">
-        <p14:creationId xmlns:p14="http://schemas.microsoft.com/office/powerpoint/2010/main" val="1390700079"/>
-      </p:ext>
-    </p:extLst>
-  </p:cSld>
-  <p:clrMapOvr>
-    <a:masterClrMapping/>
-  </p:clrMapOvr>
-</p:sld>
-</file>
-
-<file path=ppt/slides/slide33.xml><?xml version="1.0" encoding="utf-8"?>
-<p:sld xmlns:a="http://schemas.openxmlformats.org/drawingml/2006/main" xmlns:r="http://schemas.openxmlformats.org/officeDocument/2006/relationships" xmlns:p="http://schemas.openxmlformats.org/presentationml/2006/main">
-  <p:cSld name="f1584101-1862-4832-bdeb-3a0abd35da96">
-    <p:spTree>
-      <p:nvGrpSpPr>
-        <p:cNvPr id="1" name=""/>
-        <p:cNvGrpSpPr/>
-        <p:nvPr/>
-      </p:nvGrpSpPr>
-      <p:grpSpPr>
-        <a:xfrm>
-          <a:off x="0" y="0"/>
-          <a:ext cx="0" cy="0"/>
-          <a:chOff x="0" y="0"/>
-          <a:chExt cx="0" cy="0"/>
-        </a:xfrm>
-      </p:grpSpPr>
-      <p:sp>
-        <p:nvSpPr>
-          <p:cNvPr id="2" name="Title 1"/>
-          <p:cNvSpPr>
-            <a:spLocks noGrp="1"/>
-          </p:cNvSpPr>
-          <p:nvPr>
-            <p:ph type="title"/>
-          </p:nvPr>
-        </p:nvSpPr>
-        <p:spPr/>
-        <p:txBody>
-          <a:bodyPr/>
-          <a:lstStyle/>
-          <a:p>
-            <a:r>
-              <a:rPr lang="en-US"/>
-              <a:t>Message Templates and Tags (cont.)</a:t>
-            </a:r>
-          </a:p>
-        </p:txBody>
-      </p:sp>
-      <p:sp>
-        <p:nvSpPr>
-          <p:cNvPr id="4" name="Content Placeholder 2"/>
-          <p:cNvSpPr txBox="1">
-            <a:spLocks/>
-          </p:cNvSpPr>
-          <p:nvPr/>
-        </p:nvSpPr>
-        <p:spPr>
-          <a:xfrm>
-            <a:off x="458788" y="1021215"/>
-            <a:ext cx="8119156" cy="5147356"/>
-          </a:xfrm>
-          <a:prstGeom prst="rect">
-            <a:avLst/>
-          </a:prstGeom>
-        </p:spPr>
-        <p:txBody>
-          <a:bodyPr/>
-          <a:lstStyle>
-            <a:lvl1pPr marL="174625" indent="-174625" algn="l" rtl="0" eaLnBrk="1" fontAlgn="base" hangingPunct="1">
-              <a:lnSpc>
-                <a:spcPct val="100000"/>
-              </a:lnSpc>
-              <a:spcBef>
-                <a:spcPts val="600"/>
-              </a:spcBef>
-              <a:spcAft>
-                <a:spcPct val="0"/>
-              </a:spcAft>
-              <a:buClr>
-                <a:srgbClr val="0070C0"/>
-              </a:buClr>
-              <a:buSzPct val="90000"/>
-              <a:buFont typeface="Arial" pitchFamily="34" charset="0"/>
-              <a:buChar char="•"/>
-              <a:defRPr sz="2800">
-                <a:solidFill>
-                  <a:schemeClr val="tx1"/>
-                </a:solidFill>
-                <a:latin typeface="Segoe UI" pitchFamily="34" charset="0"/>
-                <a:ea typeface="Segoe UI" pitchFamily="34" charset="0"/>
-                <a:cs typeface="Segoe UI" pitchFamily="34" charset="0"/>
-              </a:defRPr>
-            </a:lvl1pPr>
-            <a:lvl2pPr marL="458788" indent="-169863" algn="l" rtl="0" eaLnBrk="1" fontAlgn="base" hangingPunct="1">
-              <a:lnSpc>
-                <a:spcPct val="100000"/>
-              </a:lnSpc>
-              <a:spcBef>
-                <a:spcPts val="600"/>
-              </a:spcBef>
-              <a:spcAft>
-                <a:spcPct val="0"/>
-              </a:spcAft>
-              <a:buClr>
-                <a:srgbClr val="0070C0"/>
-              </a:buClr>
-              <a:buSzPct val="80000"/>
-              <a:buFont typeface="Arial" pitchFamily="34" charset="0"/>
-              <a:buChar char="•"/>
-              <a:defRPr sz="2400">
-                <a:solidFill>
-                  <a:schemeClr val="tx1"/>
-                </a:solidFill>
-                <a:latin typeface="Segoe UI" pitchFamily="34" charset="0"/>
-                <a:ea typeface="Segoe UI" pitchFamily="34" charset="0"/>
-                <a:cs typeface="Segoe UI" pitchFamily="34" charset="0"/>
-              </a:defRPr>
-            </a:lvl2pPr>
-            <a:lvl3pPr marL="854075" indent="-173038" algn="l" rtl="0" eaLnBrk="1" fontAlgn="base" hangingPunct="1">
-              <a:lnSpc>
-                <a:spcPct val="100000"/>
-              </a:lnSpc>
-              <a:spcBef>
-                <a:spcPts val="600"/>
-              </a:spcBef>
-              <a:spcAft>
-                <a:spcPct val="0"/>
-              </a:spcAft>
-              <a:buClr>
-                <a:srgbClr val="0070C0"/>
-              </a:buClr>
-              <a:buSzPct val="80000"/>
-              <a:buFont typeface="Arial" pitchFamily="34" charset="0"/>
-              <a:buChar char="•"/>
-              <a:defRPr sz="2000">
-                <a:solidFill>
-                  <a:schemeClr val="tx1"/>
-                </a:solidFill>
-                <a:latin typeface="Segoe UI" pitchFamily="34" charset="0"/>
-                <a:ea typeface="Segoe UI" pitchFamily="34" charset="0"/>
-                <a:cs typeface="Segoe UI" pitchFamily="34" charset="0"/>
-              </a:defRPr>
-            </a:lvl3pPr>
-            <a:lvl4pPr marL="1254125" indent="-165100" algn="l" rtl="0" eaLnBrk="1" fontAlgn="base" hangingPunct="1">
-              <a:lnSpc>
-                <a:spcPct val="100000"/>
-              </a:lnSpc>
-              <a:spcBef>
-                <a:spcPts val="600"/>
-              </a:spcBef>
-              <a:spcAft>
-                <a:spcPct val="0"/>
-              </a:spcAft>
-              <a:buClr>
-                <a:srgbClr val="0070C0"/>
-              </a:buClr>
-              <a:buSzPct val="90000"/>
-              <a:buFont typeface="Arial" pitchFamily="34" charset="0"/>
-              <a:buChar char="•"/>
-              <a:defRPr sz="1800">
-                <a:solidFill>
-                  <a:schemeClr val="tx1"/>
-                </a:solidFill>
-                <a:latin typeface="Segoe UI" pitchFamily="34" charset="0"/>
-                <a:ea typeface="Segoe UI" pitchFamily="34" charset="0"/>
-                <a:cs typeface="Segoe UI" pitchFamily="34" charset="0"/>
-              </a:defRPr>
-            </a:lvl4pPr>
-            <a:lvl5pPr marL="1544638" indent="-168275" algn="l" rtl="0" eaLnBrk="1" fontAlgn="base" hangingPunct="1">
-              <a:lnSpc>
-                <a:spcPct val="100000"/>
-              </a:lnSpc>
-              <a:spcBef>
-                <a:spcPts val="600"/>
-              </a:spcBef>
-              <a:spcAft>
-                <a:spcPct val="0"/>
-              </a:spcAft>
-              <a:buClr>
-                <a:srgbClr val="0070C0"/>
-              </a:buClr>
-              <a:buSzPct val="90000"/>
-              <a:buFont typeface="Arial" pitchFamily="34" charset="0"/>
-              <a:buChar char="•"/>
-              <a:defRPr sz="1800">
-                <a:solidFill>
-                  <a:schemeClr val="tx1"/>
-                </a:solidFill>
-                <a:latin typeface="Segoe UI" pitchFamily="34" charset="0"/>
-                <a:ea typeface="Segoe UI" pitchFamily="34" charset="0"/>
-                <a:cs typeface="Segoe UI" pitchFamily="34" charset="0"/>
-              </a:defRPr>
-            </a:lvl5pPr>
-            <a:lvl6pPr marL="2001838" indent="-168275" algn="l" rtl="0" eaLnBrk="1" fontAlgn="base" hangingPunct="1">
-              <a:lnSpc>
-                <a:spcPct val="90000"/>
-              </a:lnSpc>
-              <a:spcBef>
-                <a:spcPct val="70000"/>
-              </a:spcBef>
-              <a:spcAft>
-                <a:spcPct val="0"/>
-              </a:spcAft>
-              <a:buClr>
-                <a:srgbClr val="2D4A6D"/>
-              </a:buClr>
-              <a:buSzPct val="90000"/>
-              <a:buChar char="•"/>
-              <a:defRPr sz="1600">
-                <a:solidFill>
-                  <a:schemeClr val="tx1"/>
-                </a:solidFill>
-                <a:latin typeface="+mn-lt"/>
-              </a:defRPr>
-            </a:lvl6pPr>
-            <a:lvl7pPr marL="2459038" indent="-168275" algn="l" rtl="0" eaLnBrk="1" fontAlgn="base" hangingPunct="1">
-              <a:lnSpc>
-                <a:spcPct val="90000"/>
-              </a:lnSpc>
-              <a:spcBef>
-                <a:spcPct val="70000"/>
-              </a:spcBef>
-              <a:spcAft>
-                <a:spcPct val="0"/>
-              </a:spcAft>
-              <a:buClr>
-                <a:srgbClr val="2D4A6D"/>
-              </a:buClr>
-              <a:buSzPct val="90000"/>
-              <a:buChar char="•"/>
-              <a:defRPr sz="1600">
-                <a:solidFill>
-                  <a:schemeClr val="tx1"/>
-                </a:solidFill>
-                <a:latin typeface="+mn-lt"/>
-              </a:defRPr>
-            </a:lvl7pPr>
-            <a:lvl8pPr marL="2916238" indent="-168275" algn="l" rtl="0" eaLnBrk="1" fontAlgn="base" hangingPunct="1">
-              <a:lnSpc>
-                <a:spcPct val="90000"/>
-              </a:lnSpc>
-              <a:spcBef>
-                <a:spcPct val="70000"/>
-              </a:spcBef>
-              <a:spcAft>
-                <a:spcPct val="0"/>
-              </a:spcAft>
-              <a:buClr>
-                <a:srgbClr val="2D4A6D"/>
-              </a:buClr>
-              <a:buSzPct val="90000"/>
-              <a:buChar char="•"/>
-              <a:defRPr sz="1600">
-                <a:solidFill>
-                  <a:schemeClr val="tx1"/>
-                </a:solidFill>
-                <a:latin typeface="+mn-lt"/>
-              </a:defRPr>
-            </a:lvl8pPr>
-            <a:lvl9pPr marL="3373438" indent="-168275" algn="l" rtl="0" eaLnBrk="1" fontAlgn="base" hangingPunct="1">
-              <a:lnSpc>
-                <a:spcPct val="90000"/>
-              </a:lnSpc>
-              <a:spcBef>
-                <a:spcPct val="70000"/>
-              </a:spcBef>
-              <a:spcAft>
-                <a:spcPct val="0"/>
-              </a:spcAft>
-              <a:buClr>
-                <a:srgbClr val="2D4A6D"/>
-              </a:buClr>
-              <a:buSzPct val="90000"/>
-              <a:buChar char="•"/>
-              <a:defRPr sz="1600">
-                <a:solidFill>
-                  <a:schemeClr val="tx1"/>
-                </a:solidFill>
-                <a:latin typeface="+mn-lt"/>
-              </a:defRPr>
-            </a:lvl9pPr>
-          </a:lstStyle>
-          <a:p>
-            <a:pPr lvl="0"/>
-            <a:r>
-              <a:rPr lang="en-US" b="0" kern="0">
-                <a:solidFill>
-                  <a:srgbClr val="000000"/>
-                </a:solidFill>
-              </a:rPr>
               <a:t>Tags can be used to uniquely identify a client registration</a:t>
             </a:r>
           </a:p>
@@ -38762,7 +35017,7 @@
 </p:sld>
 </file>
 
-<file path=ppt/slides/slide34.xml><?xml version="1.0" encoding="utf-8"?>
+<file path=ppt/slides/slide33.xml><?xml version="1.0" encoding="utf-8"?>
 <p:sld xmlns:a="http://schemas.openxmlformats.org/drawingml/2006/main" xmlns:r="http://schemas.openxmlformats.org/officeDocument/2006/relationships" xmlns:p="http://schemas.openxmlformats.org/presentationml/2006/main" show="0">
   <p:cSld name="28d8d28f-06f7-43b5-833b-c689b345f443">
     <p:spTree>
@@ -38864,7 +35119,7 @@
 </p:sld>
 </file>
 
-<file path=ppt/slides/slide35.xml><?xml version="1.0" encoding="utf-8"?>
+<file path=ppt/slides/slide34.xml><?xml version="1.0" encoding="utf-8"?>
 <p:sld xmlns:a="http://schemas.openxmlformats.org/drawingml/2006/main" xmlns:r="http://schemas.openxmlformats.org/officeDocument/2006/relationships" xmlns:p="http://schemas.openxmlformats.org/presentationml/2006/main" show="0">
   <p:cSld name="Lab Scenario860707277">
     <p:spTree>
@@ -38991,7 +35246,7 @@
 </p:sld>
 </file>
 
-<file path=ppt/slides/slide36.xml><?xml version="1.0" encoding="utf-8"?>
+<file path=ppt/slides/slide35.xml><?xml version="1.0" encoding="utf-8"?>
 <p:sld xmlns:a="http://schemas.openxmlformats.org/drawingml/2006/main" xmlns:r="http://schemas.openxmlformats.org/officeDocument/2006/relationships" xmlns:p="http://schemas.openxmlformats.org/presentationml/2006/main" show="0">
   <p:cSld name="Lab Scenario860707277_1">
     <p:spTree>
@@ -39072,7 +35327,7 @@
 </p:sld>
 </file>
 
-<file path=ppt/slides/slide37.xml><?xml version="1.0" encoding="utf-8"?>
+<file path=ppt/slides/slide36.xml><?xml version="1.0" encoding="utf-8"?>
 <p:sld xmlns:a="http://schemas.openxmlformats.org/drawingml/2006/main" xmlns:r="http://schemas.openxmlformats.org/officeDocument/2006/relationships" xmlns:p="http://schemas.openxmlformats.org/presentationml/2006/main" show="0">
   <p:cSld name="e05cd34b-296c-4871-a934-ed88994258b2">
     <p:spTree>
@@ -39146,7 +35401,7 @@
 </p:sld>
 </file>
 
-<file path=ppt/slides/slide38.xml><?xml version="1.0" encoding="utf-8"?>
+<file path=ppt/slides/slide37.xml><?xml version="1.0" encoding="utf-8"?>
 <p:sld xmlns:a="http://schemas.openxmlformats.org/drawingml/2006/main" xmlns:r="http://schemas.openxmlformats.org/officeDocument/2006/relationships" xmlns:p="http://schemas.openxmlformats.org/presentationml/2006/main" show="0">
   <p:cSld name="Module_Review">
     <p:spTree>
@@ -39497,7 +35752,7 @@
           <a:p>
             <a:pPr lvl="0"/>
             <a:r>
-              <a:rPr lang="en-US" b="0" kern="0">
+              <a:rPr lang="en-US" b="0" kern="0" dirty="0">
                 <a:solidFill>
                   <a:srgbClr val="000000"/>
                 </a:solidFill>
@@ -39508,7 +35763,7 @@
           <a:p>
             <a:pPr lvl="1"/>
             <a:r>
-              <a:rPr lang="en-US" b="0" kern="0">
+              <a:rPr lang="en-US" b="0" kern="0" dirty="0">
                 <a:solidFill>
                   <a:srgbClr val="000000"/>
                 </a:solidFill>
@@ -39519,7 +35774,7 @@
           <a:p>
             <a:pPr lvl="1"/>
             <a:r>
-              <a:rPr lang="en-US" b="0" kern="0">
+              <a:rPr lang="en-US" b="0" kern="0" dirty="0">
                 <a:solidFill>
                   <a:srgbClr val="000000"/>
                 </a:solidFill>
@@ -39623,8 +35878,8 @@
         </p:nvSpPr>
         <p:spPr>
           <a:xfrm>
-            <a:off x="458788" y="1021215"/>
-            <a:ext cx="8119156" cy="5147356"/>
+            <a:off x="212501" y="1021215"/>
+            <a:ext cx="8828467" cy="5147356"/>
           </a:xfrm>
           <a:prstGeom prst="rect">
             <a:avLst/>
@@ -39855,7 +36110,7 @@
                   <a:srgbClr val="000000"/>
                 </a:solidFill>
               </a:rPr>
-              <a:t>Azure Storage Queues allows you to store large quantities of </a:t>
+              <a:t>Azure Storage Queues allows you to </a:t>
             </a:r>
             <a:r>
               <a:rPr lang="en-US" b="0" kern="0" dirty="0">
@@ -39863,7 +36118,19 @@
                   <a:srgbClr val="FF0000"/>
                 </a:solidFill>
               </a:rPr>
-              <a:t>small messages </a:t>
+              <a:t>store large 5GB</a:t>
+            </a:r>
+            <a:r>
+              <a:rPr lang="en-US" b="0" kern="0" dirty="0">
+                <a:solidFill>
+                  <a:srgbClr val="000000"/>
+                </a:solidFill>
+              </a:rPr>
+              <a:t> quantities of </a:t>
+            </a:r>
+            <a:r>
+              <a:rPr lang="en-US" b="0" kern="0" dirty="0"/>
+              <a:t>messages </a:t>
             </a:r>
             <a:r>
               <a:rPr lang="en-US" b="0" kern="0" dirty="0">
@@ -39873,6 +36140,16 @@
               </a:rPr>
               <a:t>that can be consumed by a scalable number of consumers</a:t>
             </a:r>
+          </a:p>
+          <a:p>
+            <a:pPr marL="0" lvl="0" indent="0">
+              <a:buNone/>
+            </a:pPr>
+            <a:endParaRPr lang="en-US" b="0" kern="0" dirty="0">
+              <a:solidFill>
+                <a:srgbClr val="000000"/>
+              </a:solidFill>
+            </a:endParaRPr>
           </a:p>
           <a:p>
             <a:pPr lvl="0"/>
@@ -40261,7 +36538,7 @@
                   <a:srgbClr val="000000"/>
                 </a:solidFill>
               </a:rPr>
-              <a:t>Visual Studio Server Explorer provides a view for Storage queue items in the emulator or in a live Azure storage account.</a:t>
+              <a:t>Visual Studio Cloud Explorer provides a view for Storage queue items in the emulator or in a live Azure storage account.</a:t>
             </a:r>
           </a:p>
         </p:txBody>
@@ -40281,7 +36558,7 @@
         </p:blipFill>
         <p:spPr bwMode="auto">
           <a:xfrm>
-            <a:off x="458787" y="3143250"/>
+            <a:off x="458787" y="2652922"/>
             <a:ext cx="8116713" cy="3025321"/>
           </a:xfrm>
           <a:prstGeom prst="rect">
@@ -40359,7 +36636,7 @@
         <p:spPr>
           <a:xfrm>
             <a:off x="458788" y="1021215"/>
-            <a:ext cx="8119156" cy="5147356"/>
+            <a:ext cx="8119156" cy="5571742"/>
           </a:xfrm>
           <a:prstGeom prst="rect">
             <a:avLst/>
@@ -40587,7 +36864,7 @@
               <a:buSzPct val="90000"/>
             </a:pPr>
             <a:r>
-              <a:rPr lang="en-US" b="0" kern="0">
+              <a:rPr lang="en-US" b="0" kern="0" dirty="0">
                 <a:solidFill>
                   <a:srgbClr val="000000"/>
                 </a:solidFill>
@@ -40600,33 +36877,61 @@
               <a:buSzPct val="90000"/>
             </a:pPr>
             <a:r>
-              <a:rPr lang="en-US" b="0" kern="0">
+              <a:rPr lang="en-US" b="0" kern="0" dirty="0">
                 <a:solidFill>
                   <a:srgbClr val="000000"/>
                 </a:solidFill>
               </a:rPr>
-              <a:t>Peek at next message</a:t>
-            </a:r>
+              <a:t>Peek at next message 	</a:t>
+            </a:r>
+            <a:r>
+              <a:rPr lang="en-US" b="0" kern="0" dirty="0">
+                <a:solidFill>
+                  <a:srgbClr val="000000"/>
+                </a:solidFill>
+                <a:sym typeface="Wingdings" panose="05000000000000000000" pitchFamily="2" charset="2"/>
+              </a:rPr>
+              <a:t> read and keep</a:t>
+            </a:r>
+            <a:endParaRPr lang="en-US" b="0" kern="0" dirty="0">
+              <a:solidFill>
+                <a:srgbClr val="000000"/>
+              </a:solidFill>
+            </a:endParaRPr>
           </a:p>
           <a:p>
             <a:pPr marL="569912" lvl="2" indent="-174625">
               <a:buSzPct val="90000"/>
             </a:pPr>
             <a:r>
-              <a:rPr lang="en-US" b="0" kern="0">
+              <a:rPr lang="en-US" b="0" kern="0" dirty="0">
                 <a:solidFill>
                   <a:srgbClr val="000000"/>
                 </a:solidFill>
               </a:rPr>
-              <a:t>Dequeue next message</a:t>
-            </a:r>
+              <a:t>Dequeue next message      </a:t>
+            </a:r>
+            <a:r>
+              <a:rPr lang="en-US" b="0" kern="0" dirty="0">
+                <a:solidFill>
+                  <a:srgbClr val="000000"/>
+                </a:solidFill>
+                <a:sym typeface="Wingdings" panose="05000000000000000000" pitchFamily="2" charset="2"/>
+              </a:rPr>
+              <a:t> retry </a:t>
+            </a:r>
+            <a:endParaRPr lang="en-US" b="0" kern="0" dirty="0">
+              <a:solidFill>
+                <a:srgbClr val="000000"/>
+              </a:solidFill>
+            </a:endParaRPr>
           </a:p>
           <a:p>
             <a:pPr marL="569912" lvl="2" indent="-174625">
               <a:buSzPct val="90000"/>
             </a:pPr>
             <a:r>
-              <a:rPr lang="en-US" b="0" kern="0">
+              <a:rPr lang="en-US" b="0" kern="0" dirty="0">
                 <a:solidFill>
                   <a:srgbClr val="000000"/>
                 </a:solidFill>
@@ -40639,7 +36944,7 @@
               <a:buSzPct val="90000"/>
             </a:pPr>
             <a:r>
-              <a:rPr lang="en-US" b="0" kern="0">
+              <a:rPr lang="en-US" b="0" kern="0" dirty="0">
                 <a:solidFill>
                   <a:srgbClr val="000000"/>
                 </a:solidFill>
@@ -40652,7 +36957,7 @@
               <a:buSzPct val="90000"/>
             </a:pPr>
             <a:r>
-              <a:rPr lang="en-US" b="0" kern="0">
+              <a:rPr lang="en-US" b="0" kern="0" dirty="0">
                 <a:solidFill>
                   <a:srgbClr val="000000"/>
                 </a:solidFill>
@@ -40665,7 +36970,7 @@
               <a:buSzPct val="90000"/>
             </a:pPr>
             <a:r>
-              <a:rPr lang="en-US" b="0" kern="0">
+              <a:rPr lang="en-US" b="0" kern="0" dirty="0">
                 <a:solidFill>
                   <a:srgbClr val="000000"/>
                 </a:solidFill>
@@ -40678,7 +36983,7 @@
               <a:buSzPct val="90000"/>
             </a:pPr>
             <a:r>
-              <a:rPr lang="en-US" b="0" kern="0">
+              <a:rPr lang="en-US" b="0" kern="0" dirty="0">
                 <a:solidFill>
                   <a:srgbClr val="000000"/>
                 </a:solidFill>
@@ -40691,7 +36996,7 @@
               <a:buSzPct val="90000"/>
             </a:pPr>
             <a:r>
-              <a:rPr lang="en-US" b="0" kern="0">
+              <a:rPr lang="en-US" b="0" kern="0" dirty="0">
                 <a:solidFill>
                   <a:srgbClr val="000000"/>
                 </a:solidFill>
@@ -40704,7 +37009,7 @@
               <a:buSzPct val="90000"/>
             </a:pPr>
             <a:r>
-              <a:rPr lang="en-US" b="0" kern="0">
+              <a:rPr lang="en-US" b="0" kern="0" dirty="0">
                 <a:solidFill>
                   <a:srgbClr val="000000"/>
                 </a:solidFill>
